--- a/JavaLecture/LectureFile/java 16강 chatGPT.pptx
+++ b/JavaLecture/LectureFile/java 16강 chatGPT.pptx
@@ -5,60 +5,61 @@
     <p:sldMasterId id="2147483648" r:id="rId1"/>
   </p:sldMasterIdLst>
   <p:notesMasterIdLst>
-    <p:notesMasterId r:id="rId53"/>
+    <p:notesMasterId r:id="rId54"/>
   </p:notesMasterIdLst>
   <p:sldIdLst>
     <p:sldId id="257" r:id="rId2"/>
     <p:sldId id="258" r:id="rId3"/>
     <p:sldId id="259" r:id="rId4"/>
     <p:sldId id="892" r:id="rId5"/>
-    <p:sldId id="893" r:id="rId6"/>
-    <p:sldId id="661" r:id="rId7"/>
-    <p:sldId id="811" r:id="rId8"/>
-    <p:sldId id="883" r:id="rId9"/>
-    <p:sldId id="884" r:id="rId10"/>
-    <p:sldId id="885" r:id="rId11"/>
-    <p:sldId id="894" r:id="rId12"/>
-    <p:sldId id="891" r:id="rId13"/>
-    <p:sldId id="895" r:id="rId14"/>
-    <p:sldId id="897" r:id="rId15"/>
-    <p:sldId id="890" r:id="rId16"/>
-    <p:sldId id="903" r:id="rId17"/>
-    <p:sldId id="926" r:id="rId18"/>
-    <p:sldId id="909" r:id="rId19"/>
-    <p:sldId id="905" r:id="rId20"/>
-    <p:sldId id="906" r:id="rId21"/>
-    <p:sldId id="907" r:id="rId22"/>
-    <p:sldId id="910" r:id="rId23"/>
-    <p:sldId id="925" r:id="rId24"/>
-    <p:sldId id="911" r:id="rId25"/>
-    <p:sldId id="927" r:id="rId26"/>
-    <p:sldId id="912" r:id="rId27"/>
-    <p:sldId id="928" r:id="rId28"/>
-    <p:sldId id="913" r:id="rId29"/>
-    <p:sldId id="929" r:id="rId30"/>
-    <p:sldId id="914" r:id="rId31"/>
-    <p:sldId id="932" r:id="rId32"/>
-    <p:sldId id="930" r:id="rId33"/>
-    <p:sldId id="915" r:id="rId34"/>
-    <p:sldId id="933" r:id="rId35"/>
-    <p:sldId id="916" r:id="rId36"/>
-    <p:sldId id="934" r:id="rId37"/>
-    <p:sldId id="917" r:id="rId38"/>
-    <p:sldId id="918" r:id="rId39"/>
-    <p:sldId id="931" r:id="rId40"/>
-    <p:sldId id="919" r:id="rId41"/>
-    <p:sldId id="935" r:id="rId42"/>
-    <p:sldId id="920" r:id="rId43"/>
-    <p:sldId id="936" r:id="rId44"/>
-    <p:sldId id="937" r:id="rId45"/>
-    <p:sldId id="938" r:id="rId46"/>
-    <p:sldId id="939" r:id="rId47"/>
-    <p:sldId id="921" r:id="rId48"/>
-    <p:sldId id="922" r:id="rId49"/>
-    <p:sldId id="923" r:id="rId50"/>
-    <p:sldId id="924" r:id="rId51"/>
-    <p:sldId id="275" r:id="rId52"/>
+    <p:sldId id="940" r:id="rId6"/>
+    <p:sldId id="893" r:id="rId7"/>
+    <p:sldId id="661" r:id="rId8"/>
+    <p:sldId id="811" r:id="rId9"/>
+    <p:sldId id="883" r:id="rId10"/>
+    <p:sldId id="884" r:id="rId11"/>
+    <p:sldId id="885" r:id="rId12"/>
+    <p:sldId id="894" r:id="rId13"/>
+    <p:sldId id="891" r:id="rId14"/>
+    <p:sldId id="895" r:id="rId15"/>
+    <p:sldId id="897" r:id="rId16"/>
+    <p:sldId id="890" r:id="rId17"/>
+    <p:sldId id="903" r:id="rId18"/>
+    <p:sldId id="926" r:id="rId19"/>
+    <p:sldId id="909" r:id="rId20"/>
+    <p:sldId id="905" r:id="rId21"/>
+    <p:sldId id="906" r:id="rId22"/>
+    <p:sldId id="907" r:id="rId23"/>
+    <p:sldId id="910" r:id="rId24"/>
+    <p:sldId id="925" r:id="rId25"/>
+    <p:sldId id="911" r:id="rId26"/>
+    <p:sldId id="927" r:id="rId27"/>
+    <p:sldId id="912" r:id="rId28"/>
+    <p:sldId id="928" r:id="rId29"/>
+    <p:sldId id="913" r:id="rId30"/>
+    <p:sldId id="929" r:id="rId31"/>
+    <p:sldId id="914" r:id="rId32"/>
+    <p:sldId id="932" r:id="rId33"/>
+    <p:sldId id="930" r:id="rId34"/>
+    <p:sldId id="915" r:id="rId35"/>
+    <p:sldId id="933" r:id="rId36"/>
+    <p:sldId id="916" r:id="rId37"/>
+    <p:sldId id="934" r:id="rId38"/>
+    <p:sldId id="917" r:id="rId39"/>
+    <p:sldId id="918" r:id="rId40"/>
+    <p:sldId id="931" r:id="rId41"/>
+    <p:sldId id="919" r:id="rId42"/>
+    <p:sldId id="935" r:id="rId43"/>
+    <p:sldId id="920" r:id="rId44"/>
+    <p:sldId id="936" r:id="rId45"/>
+    <p:sldId id="937" r:id="rId46"/>
+    <p:sldId id="938" r:id="rId47"/>
+    <p:sldId id="939" r:id="rId48"/>
+    <p:sldId id="921" r:id="rId49"/>
+    <p:sldId id="922" r:id="rId50"/>
+    <p:sldId id="923" r:id="rId51"/>
+    <p:sldId id="924" r:id="rId52"/>
+    <p:sldId id="275" r:id="rId53"/>
   </p:sldIdLst>
   <p:sldSz cx="18288000" cy="10287000"/>
   <p:notesSz cx="7104063" cy="10234613"/>
@@ -258,7 +259,7 @@
           <a:p>
             <a:fld id="{D79F2C30-10E1-4C46-91DC-BBDB9629E720}" type="datetimeFigureOut">
               <a:rPr lang="ko-KR" altLang="en-US" smtClean="0"/>
-              <a:t>2023-11-19</a:t>
+              <a:t>2023-11-19 Sunday</a:t>
             </a:fld>
             <a:endParaRPr lang="ko-KR" altLang="en-US"/>
           </a:p>
@@ -590,7 +591,7 @@
           <a:p>
             <a:fld id="{50FC2DCF-6074-47D8-9A40-8DDAA9ED0A57}" type="slidenum">
               <a:rPr lang="ko-KR" altLang="en-US" smtClean="0"/>
-              <a:t>7</a:t>
+              <a:t>8</a:t>
             </a:fld>
             <a:endParaRPr lang="ko-KR" altLang="en-US"/>
           </a:p>
@@ -3399,7 +3400,7 @@
           <p:cNvPr id="7" name="TextBox 6">
             <a:extLst>
               <a:ext uri="{FF2B5EF4-FFF2-40B4-BE49-F238E27FC236}">
-                <a16:creationId xmlns:a16="http://schemas.microsoft.com/office/drawing/2014/main" xmlns="" id="{ED98C3E1-0944-40F4-F276-BC2632E20DB5}"/>
+                <a16:creationId xmlns:a16="http://schemas.microsoft.com/office/drawing/2014/main" id="{ED98C3E1-0944-40F4-F276-BC2632E20DB5}"/>
               </a:ext>
             </a:extLst>
           </p:cNvPr>
@@ -3451,7 +3452,7 @@
           <p:cNvPr id="8" name="TextBox 7">
             <a:extLst>
               <a:ext uri="{FF2B5EF4-FFF2-40B4-BE49-F238E27FC236}">
-                <a16:creationId xmlns:a16="http://schemas.microsoft.com/office/drawing/2014/main" xmlns="" id="{44E2B849-0C40-FD6D-6731-0F029831B26B}"/>
+                <a16:creationId xmlns:a16="http://schemas.microsoft.com/office/drawing/2014/main" id="{44E2B849-0C40-FD6D-6731-0F029831B26B}"/>
               </a:ext>
             </a:extLst>
           </p:cNvPr>
@@ -4070,7 +4071,7 @@
           <p:cNvPr id="2" name="TextBox 1">
             <a:extLst>
               <a:ext uri="{FF2B5EF4-FFF2-40B4-BE49-F238E27FC236}">
-                <a16:creationId xmlns:a16="http://schemas.microsoft.com/office/drawing/2014/main" xmlns="" id="{E9A453A8-9968-67AB-7B4A-83EEB4662AA6}"/>
+                <a16:creationId xmlns:a16="http://schemas.microsoft.com/office/drawing/2014/main" id="{E9A453A8-9968-67AB-7B4A-83EEB4662AA6}"/>
               </a:ext>
             </a:extLst>
           </p:cNvPr>
@@ -4118,7 +4119,7 @@
           <p:cNvPr id="4" name="TextBox 3">
             <a:extLst>
               <a:ext uri="{FF2B5EF4-FFF2-40B4-BE49-F238E27FC236}">
-                <a16:creationId xmlns:a16="http://schemas.microsoft.com/office/drawing/2014/main" xmlns="" id="{F4B7A35A-8AAC-4622-64BC-CAD1472D4115}"/>
+                <a16:creationId xmlns:a16="http://schemas.microsoft.com/office/drawing/2014/main" id="{F4B7A35A-8AAC-4622-64BC-CAD1472D4115}"/>
               </a:ext>
             </a:extLst>
           </p:cNvPr>
@@ -4190,7 +4191,7 @@
           <p:cNvPr id="7" name="TextBox 6">
             <a:extLst>
               <a:ext uri="{FF2B5EF4-FFF2-40B4-BE49-F238E27FC236}">
-                <a16:creationId xmlns:a16="http://schemas.microsoft.com/office/drawing/2014/main" xmlns="" id="{3ACE900A-D779-4343-6623-8588B376F0A1}"/>
+                <a16:creationId xmlns:a16="http://schemas.microsoft.com/office/drawing/2014/main" id="{3ACE900A-D779-4343-6623-8588B376F0A1}"/>
               </a:ext>
             </a:extLst>
           </p:cNvPr>
@@ -4265,8 +4266,8 @@
         </p:blipFill>
         <p:spPr>
           <a:xfrm>
-            <a:off x="1143000" y="38100"/>
-            <a:ext cx="10169000" cy="7772400"/>
+            <a:off x="1066800" y="647700"/>
+            <a:ext cx="15828506" cy="8610600"/>
           </a:xfrm>
           <a:prstGeom prst="rect">
             <a:avLst/>
@@ -4275,147 +4276,60 @@
       </p:pic>
       <p:sp>
         <p:nvSpPr>
-          <p:cNvPr id="5" name="TextBox 4">
+          <p:cNvPr id="3" name="직사각형 2">
             <a:extLst>
               <a:ext uri="{FF2B5EF4-FFF2-40B4-BE49-F238E27FC236}">
-                <a16:creationId xmlns:a16="http://schemas.microsoft.com/office/drawing/2014/main" xmlns="" id="{D15853EE-94B0-D08B-DCB7-3381290CC3FF}"/>
+                <a16:creationId xmlns:a16="http://schemas.microsoft.com/office/drawing/2014/main" id="{FFF506F9-840A-0508-4CAF-3AC711D8D5CE}"/>
               </a:ext>
             </a:extLst>
           </p:cNvPr>
-          <p:cNvSpPr txBox="1"/>
+          <p:cNvSpPr/>
           <p:nvPr/>
         </p:nvSpPr>
         <p:spPr>
           <a:xfrm>
-            <a:off x="228600" y="7962900"/>
-            <a:ext cx="17678400" cy="1938992"/>
+            <a:off x="1085850" y="4957762"/>
+            <a:ext cx="2590800" cy="457200"/>
           </a:xfrm>
           <a:prstGeom prst="rect">
             <a:avLst/>
           </a:prstGeom>
           <a:noFill/>
-        </p:spPr>
+          <a:ln>
+            <a:solidFill>
+              <a:srgbClr val="FF0000"/>
+            </a:solidFill>
+          </a:ln>
+        </p:spPr>
+        <p:style>
+          <a:lnRef idx="2">
+            <a:schemeClr val="accent2">
+              <a:shade val="50000"/>
+            </a:schemeClr>
+          </a:lnRef>
+          <a:fillRef idx="1">
+            <a:schemeClr val="accent2"/>
+          </a:fillRef>
+          <a:effectRef idx="0">
+            <a:schemeClr val="accent2"/>
+          </a:effectRef>
+          <a:fontRef idx="minor">
+            <a:schemeClr val="lt1"/>
+          </a:fontRef>
+        </p:style>
         <p:txBody>
-          <a:bodyPr wrap="square" rtlCol="0">
-            <a:spAutoFit/>
-          </a:bodyPr>
+          <a:bodyPr rtlCol="0" anchor="ctr"/>
           <a:lstStyle/>
           <a:p>
-            <a:r>
-              <a:rPr lang="ko-KR" altLang="en-US" sz="4000" dirty="0">
-                <a:solidFill>
-                  <a:srgbClr val="FF0000"/>
-                </a:solidFill>
-                <a:latin typeface="G마켓 산스 Medium" panose="02000000000000000000" pitchFamily="50" charset="-127"/>
-                <a:ea typeface="G마켓 산스 Medium" panose="02000000000000000000" pitchFamily="50" charset="-127"/>
-              </a:rPr>
-              <a:t>키는 반드시 따로 저장해두기</a:t>
-            </a:r>
-            <a:endParaRPr lang="en-US" altLang="ko-KR" sz="4000" dirty="0">
-              <a:solidFill>
-                <a:srgbClr val="FF0000"/>
-              </a:solidFill>
-              <a:latin typeface="G마켓 산스 Medium" panose="02000000000000000000" pitchFamily="50" charset="-127"/>
-              <a:ea typeface="G마켓 산스 Medium" panose="02000000000000000000" pitchFamily="50" charset="-127"/>
-            </a:endParaRPr>
-          </a:p>
-          <a:p>
-            <a:r>
-              <a:rPr lang="en-US" altLang="ko-KR" sz="4000" dirty="0">
-                <a:solidFill>
-                  <a:srgbClr val="FF0000"/>
-                </a:solidFill>
-                <a:latin typeface="G마켓 산스 Medium" panose="02000000000000000000" pitchFamily="50" charset="-127"/>
-                <a:ea typeface="G마켓 산스 Medium" panose="02000000000000000000" pitchFamily="50" charset="-127"/>
-              </a:rPr>
-              <a:t>(</a:t>
-            </a:r>
-            <a:r>
-              <a:rPr lang="ko-KR" altLang="en-US" sz="4000" dirty="0">
-                <a:solidFill>
-                  <a:srgbClr val="FF0000"/>
-                </a:solidFill>
-                <a:latin typeface="G마켓 산스 Medium" panose="02000000000000000000" pitchFamily="50" charset="-127"/>
-                <a:ea typeface="G마켓 산스 Medium" panose="02000000000000000000" pitchFamily="50" charset="-127"/>
-              </a:rPr>
-              <a:t>사이트에서 다시 조회 불가능</a:t>
-            </a:r>
-            <a:r>
-              <a:rPr lang="en-US" altLang="ko-KR" sz="4000" dirty="0">
-                <a:solidFill>
-                  <a:srgbClr val="FF0000"/>
-                </a:solidFill>
-                <a:latin typeface="G마켓 산스 Medium" panose="02000000000000000000" pitchFamily="50" charset="-127"/>
-                <a:ea typeface="G마켓 산스 Medium" panose="02000000000000000000" pitchFamily="50" charset="-127"/>
-              </a:rPr>
-              <a:t>, </a:t>
-            </a:r>
-            <a:r>
-              <a:rPr lang="ko-KR" altLang="en-US" sz="4000" dirty="0">
-                <a:solidFill>
-                  <a:srgbClr val="FF0000"/>
-                </a:solidFill>
-                <a:latin typeface="G마켓 산스 Medium" panose="02000000000000000000" pitchFamily="50" charset="-127"/>
-                <a:ea typeface="G마켓 산스 Medium" panose="02000000000000000000" pitchFamily="50" charset="-127"/>
-              </a:rPr>
-              <a:t>재발급 해야 됨</a:t>
-            </a:r>
-            <a:r>
-              <a:rPr lang="en-US" altLang="ko-KR" sz="4000" dirty="0">
-                <a:solidFill>
-                  <a:srgbClr val="FF0000"/>
-                </a:solidFill>
-                <a:latin typeface="G마켓 산스 Medium" panose="02000000000000000000" pitchFamily="50" charset="-127"/>
-                <a:ea typeface="G마켓 산스 Medium" panose="02000000000000000000" pitchFamily="50" charset="-127"/>
-              </a:rPr>
-              <a:t>)</a:t>
-            </a:r>
-          </a:p>
-          <a:p>
-            <a:r>
-              <a:rPr lang="ko-KR" altLang="en-US" sz="4000" dirty="0">
-                <a:solidFill>
-                  <a:srgbClr val="FF0000"/>
-                </a:solidFill>
-                <a:latin typeface="G마켓 산스 Medium" panose="02000000000000000000" pitchFamily="50" charset="-127"/>
-                <a:ea typeface="G마켓 산스 Medium" panose="02000000000000000000" pitchFamily="50" charset="-127"/>
-              </a:rPr>
-              <a:t>소스코드에 포함된 채 </a:t>
-            </a:r>
-            <a:r>
-              <a:rPr lang="ko-KR" altLang="en-US" sz="4000" dirty="0" err="1">
-                <a:solidFill>
-                  <a:srgbClr val="FF0000"/>
-                </a:solidFill>
-                <a:latin typeface="G마켓 산스 Medium" panose="02000000000000000000" pitchFamily="50" charset="-127"/>
-                <a:ea typeface="G마켓 산스 Medium" panose="02000000000000000000" pitchFamily="50" charset="-127"/>
-              </a:rPr>
-              <a:t>깃허브</a:t>
-            </a:r>
-            <a:r>
-              <a:rPr lang="ko-KR" altLang="en-US" sz="4000" dirty="0">
-                <a:solidFill>
-                  <a:srgbClr val="FF0000"/>
-                </a:solidFill>
-                <a:latin typeface="G마켓 산스 Medium" panose="02000000000000000000" pitchFamily="50" charset="-127"/>
-                <a:ea typeface="G마켓 산스 Medium" panose="02000000000000000000" pitchFamily="50" charset="-127"/>
-              </a:rPr>
-              <a:t> 올라가면 키 누출 감지되어 재발급해야 함</a:t>
-            </a:r>
-            <a:endParaRPr lang="en-US" altLang="ko-KR" sz="4000" dirty="0">
-              <a:solidFill>
-                <a:srgbClr val="FF0000"/>
-              </a:solidFill>
-              <a:latin typeface="G마켓 산스 Medium" panose="02000000000000000000" pitchFamily="50" charset="-127"/>
-              <a:ea typeface="G마켓 산스 Medium" panose="02000000000000000000" pitchFamily="50" charset="-127"/>
-            </a:endParaRPr>
+            <a:pPr algn="ctr"/>
+            <a:endParaRPr lang="ko-KR" altLang="en-US"/>
           </a:p>
         </p:txBody>
       </p:sp>
     </p:spTree>
     <p:extLst>
       <p:ext uri="{BB962C8B-B14F-4D97-AF65-F5344CB8AC3E}">
-        <p14:creationId xmlns:p14="http://schemas.microsoft.com/office/powerpoint/2010/main" val="3819788863"/>
+        <p14:creationId xmlns:p14="http://schemas.microsoft.com/office/powerpoint/2010/main" val="650856561"/>
       </p:ext>
     </p:extLst>
   </p:cSld>
@@ -4444,7 +4358,7 @@
       </p:grpSpPr>
       <p:pic>
         <p:nvPicPr>
-          <p:cNvPr id="2" name="그림 1"/>
+          <p:cNvPr id="4" name="그림 3"/>
           <p:cNvPicPr>
             <a:picLocks noChangeAspect="1"/>
           </p:cNvPicPr>
@@ -4458,8 +4372,8 @@
         </p:blipFill>
         <p:spPr>
           <a:xfrm>
-            <a:off x="1371599" y="190500"/>
-            <a:ext cx="15945599" cy="9829800"/>
+            <a:off x="1143000" y="38100"/>
+            <a:ext cx="10169000" cy="7772400"/>
           </a:xfrm>
           <a:prstGeom prst="rect">
             <a:avLst/>
@@ -4468,60 +4382,147 @@
       </p:pic>
       <p:sp>
         <p:nvSpPr>
-          <p:cNvPr id="5" name="직사각형 4">
+          <p:cNvPr id="5" name="TextBox 4">
             <a:extLst>
               <a:ext uri="{FF2B5EF4-FFF2-40B4-BE49-F238E27FC236}">
-                <a16:creationId xmlns:a16="http://schemas.microsoft.com/office/drawing/2014/main" xmlns="" id="{FFF506F9-840A-0508-4CAF-3AC711D8D5CE}"/>
+                <a16:creationId xmlns:a16="http://schemas.microsoft.com/office/drawing/2014/main" id="{D15853EE-94B0-D08B-DCB7-3381290CC3FF}"/>
               </a:ext>
             </a:extLst>
           </p:cNvPr>
-          <p:cNvSpPr/>
+          <p:cNvSpPr txBox="1"/>
           <p:nvPr/>
         </p:nvSpPr>
         <p:spPr>
           <a:xfrm>
-            <a:off x="1676400" y="7810500"/>
-            <a:ext cx="4038600" cy="990600"/>
+            <a:off x="228600" y="7962900"/>
+            <a:ext cx="17678400" cy="1938992"/>
           </a:xfrm>
           <a:prstGeom prst="rect">
             <a:avLst/>
           </a:prstGeom>
           <a:noFill/>
-          <a:ln>
-            <a:solidFill>
-              <a:srgbClr val="FF0000"/>
-            </a:solidFill>
-          </a:ln>
-        </p:spPr>
-        <p:style>
-          <a:lnRef idx="2">
-            <a:schemeClr val="accent2">
-              <a:shade val="50000"/>
-            </a:schemeClr>
-          </a:lnRef>
-          <a:fillRef idx="1">
-            <a:schemeClr val="accent2"/>
-          </a:fillRef>
-          <a:effectRef idx="0">
-            <a:schemeClr val="accent2"/>
-          </a:effectRef>
-          <a:fontRef idx="minor">
-            <a:schemeClr val="lt1"/>
-          </a:fontRef>
-        </p:style>
+        </p:spPr>
         <p:txBody>
-          <a:bodyPr rtlCol="0" anchor="ctr"/>
+          <a:bodyPr wrap="square" rtlCol="0">
+            <a:spAutoFit/>
+          </a:bodyPr>
           <a:lstStyle/>
           <a:p>
-            <a:pPr algn="ctr"/>
-            <a:endParaRPr lang="ko-KR" altLang="en-US"/>
+            <a:r>
+              <a:rPr lang="ko-KR" altLang="en-US" sz="4000" dirty="0">
+                <a:solidFill>
+                  <a:srgbClr val="FF0000"/>
+                </a:solidFill>
+                <a:latin typeface="G마켓 산스 Medium" panose="02000000000000000000" pitchFamily="50" charset="-127"/>
+                <a:ea typeface="G마켓 산스 Medium" panose="02000000000000000000" pitchFamily="50" charset="-127"/>
+              </a:rPr>
+              <a:t>키는 반드시 따로 저장해두기</a:t>
+            </a:r>
+            <a:endParaRPr lang="en-US" altLang="ko-KR" sz="4000" dirty="0">
+              <a:solidFill>
+                <a:srgbClr val="FF0000"/>
+              </a:solidFill>
+              <a:latin typeface="G마켓 산스 Medium" panose="02000000000000000000" pitchFamily="50" charset="-127"/>
+              <a:ea typeface="G마켓 산스 Medium" panose="02000000000000000000" pitchFamily="50" charset="-127"/>
+            </a:endParaRPr>
+          </a:p>
+          <a:p>
+            <a:r>
+              <a:rPr lang="en-US" altLang="ko-KR" sz="4000" dirty="0">
+                <a:solidFill>
+                  <a:srgbClr val="FF0000"/>
+                </a:solidFill>
+                <a:latin typeface="G마켓 산스 Medium" panose="02000000000000000000" pitchFamily="50" charset="-127"/>
+                <a:ea typeface="G마켓 산스 Medium" panose="02000000000000000000" pitchFamily="50" charset="-127"/>
+              </a:rPr>
+              <a:t>(</a:t>
+            </a:r>
+            <a:r>
+              <a:rPr lang="ko-KR" altLang="en-US" sz="4000" dirty="0">
+                <a:solidFill>
+                  <a:srgbClr val="FF0000"/>
+                </a:solidFill>
+                <a:latin typeface="G마켓 산스 Medium" panose="02000000000000000000" pitchFamily="50" charset="-127"/>
+                <a:ea typeface="G마켓 산스 Medium" panose="02000000000000000000" pitchFamily="50" charset="-127"/>
+              </a:rPr>
+              <a:t>사이트에서 다시 조회 불가능</a:t>
+            </a:r>
+            <a:r>
+              <a:rPr lang="en-US" altLang="ko-KR" sz="4000" dirty="0">
+                <a:solidFill>
+                  <a:srgbClr val="FF0000"/>
+                </a:solidFill>
+                <a:latin typeface="G마켓 산스 Medium" panose="02000000000000000000" pitchFamily="50" charset="-127"/>
+                <a:ea typeface="G마켓 산스 Medium" panose="02000000000000000000" pitchFamily="50" charset="-127"/>
+              </a:rPr>
+              <a:t>, </a:t>
+            </a:r>
+            <a:r>
+              <a:rPr lang="ko-KR" altLang="en-US" sz="4000" dirty="0">
+                <a:solidFill>
+                  <a:srgbClr val="FF0000"/>
+                </a:solidFill>
+                <a:latin typeface="G마켓 산스 Medium" panose="02000000000000000000" pitchFamily="50" charset="-127"/>
+                <a:ea typeface="G마켓 산스 Medium" panose="02000000000000000000" pitchFamily="50" charset="-127"/>
+              </a:rPr>
+              <a:t>재발급 해야 됨</a:t>
+            </a:r>
+            <a:r>
+              <a:rPr lang="en-US" altLang="ko-KR" sz="4000" dirty="0">
+                <a:solidFill>
+                  <a:srgbClr val="FF0000"/>
+                </a:solidFill>
+                <a:latin typeface="G마켓 산스 Medium" panose="02000000000000000000" pitchFamily="50" charset="-127"/>
+                <a:ea typeface="G마켓 산스 Medium" panose="02000000000000000000" pitchFamily="50" charset="-127"/>
+              </a:rPr>
+              <a:t>)</a:t>
+            </a:r>
+          </a:p>
+          <a:p>
+            <a:r>
+              <a:rPr lang="ko-KR" altLang="en-US" sz="4000" dirty="0">
+                <a:solidFill>
+                  <a:srgbClr val="FF0000"/>
+                </a:solidFill>
+                <a:latin typeface="G마켓 산스 Medium" panose="02000000000000000000" pitchFamily="50" charset="-127"/>
+                <a:ea typeface="G마켓 산스 Medium" panose="02000000000000000000" pitchFamily="50" charset="-127"/>
+              </a:rPr>
+              <a:t>소스코드에 포함된 채 </a:t>
+            </a:r>
+            <a:r>
+              <a:rPr lang="ko-KR" altLang="en-US" sz="4000" dirty="0" err="1">
+                <a:solidFill>
+                  <a:srgbClr val="FF0000"/>
+                </a:solidFill>
+                <a:latin typeface="G마켓 산스 Medium" panose="02000000000000000000" pitchFamily="50" charset="-127"/>
+                <a:ea typeface="G마켓 산스 Medium" panose="02000000000000000000" pitchFamily="50" charset="-127"/>
+              </a:rPr>
+              <a:t>깃허브</a:t>
+            </a:r>
+            <a:r>
+              <a:rPr lang="ko-KR" altLang="en-US" sz="4000" dirty="0">
+                <a:solidFill>
+                  <a:srgbClr val="FF0000"/>
+                </a:solidFill>
+                <a:latin typeface="G마켓 산스 Medium" panose="02000000000000000000" pitchFamily="50" charset="-127"/>
+                <a:ea typeface="G마켓 산스 Medium" panose="02000000000000000000" pitchFamily="50" charset="-127"/>
+              </a:rPr>
+              <a:t> 올라가면 키 누출 감지되어 재발급해야 함</a:t>
+            </a:r>
+            <a:endParaRPr lang="en-US" altLang="ko-KR" sz="4000" dirty="0">
+              <a:solidFill>
+                <a:srgbClr val="FF0000"/>
+              </a:solidFill>
+              <a:latin typeface="G마켓 산스 Medium" panose="02000000000000000000" pitchFamily="50" charset="-127"/>
+              <a:ea typeface="G마켓 산스 Medium" panose="02000000000000000000" pitchFamily="50" charset="-127"/>
+            </a:endParaRPr>
           </a:p>
         </p:txBody>
       </p:sp>
     </p:spTree>
     <p:extLst>
       <p:ext uri="{BB962C8B-B14F-4D97-AF65-F5344CB8AC3E}">
-        <p14:creationId xmlns:p14="http://schemas.microsoft.com/office/powerpoint/2010/main" val="267216847"/>
+        <p14:creationId xmlns:p14="http://schemas.microsoft.com/office/powerpoint/2010/main" val="3819788863"/>
       </p:ext>
     </p:extLst>
   </p:cSld>
@@ -4550,7 +4551,7 @@
       </p:grpSpPr>
       <p:pic>
         <p:nvPicPr>
-          <p:cNvPr id="4" name="그림 3"/>
+          <p:cNvPr id="2" name="그림 1"/>
           <p:cNvPicPr>
             <a:picLocks noChangeAspect="1"/>
           </p:cNvPicPr>
@@ -4564,62 +4565,20 @@
         </p:blipFill>
         <p:spPr>
           <a:xfrm>
-            <a:off x="7010400" y="647700"/>
-            <a:ext cx="10287000" cy="8126730"/>
+            <a:off x="1371599" y="190500"/>
+            <a:ext cx="15945599" cy="9829800"/>
           </a:xfrm>
           <a:prstGeom prst="rect">
             <a:avLst/>
           </a:prstGeom>
         </p:spPr>
       </p:pic>
-      <p:cxnSp>
-        <p:nvCxnSpPr>
-          <p:cNvPr id="5" name="직선 화살표 연결선 4">
+      <p:sp>
+        <p:nvSpPr>
+          <p:cNvPr id="5" name="직사각형 4">
             <a:extLst>
               <a:ext uri="{FF2B5EF4-FFF2-40B4-BE49-F238E27FC236}">
-                <a16:creationId xmlns:a16="http://schemas.microsoft.com/office/drawing/2014/main" xmlns="" id="{299DF5EC-9DF4-5255-06AC-0A7CE4FF58C3}"/>
-              </a:ext>
-            </a:extLst>
-          </p:cNvPr>
-          <p:cNvCxnSpPr>
-            <a:cxnSpLocks/>
-            <a:stCxn id="4" idx="1"/>
-          </p:cNvCxnSpPr>
-          <p:nvPr/>
-        </p:nvCxnSpPr>
-        <p:spPr>
-          <a:xfrm flipH="1">
-            <a:off x="3048000" y="4711065"/>
-            <a:ext cx="3962400" cy="2032635"/>
-          </a:xfrm>
-          <a:prstGeom prst="straightConnector1">
-            <a:avLst/>
-          </a:prstGeom>
-          <a:ln w="38100">
-            <a:tailEnd type="triangle"/>
-          </a:ln>
-        </p:spPr>
-        <p:style>
-          <a:lnRef idx="1">
-            <a:schemeClr val="accent2"/>
-          </a:lnRef>
-          <a:fillRef idx="0">
-            <a:schemeClr val="accent2"/>
-          </a:fillRef>
-          <a:effectRef idx="0">
-            <a:schemeClr val="accent2"/>
-          </a:effectRef>
-          <a:fontRef idx="minor">
-            <a:schemeClr val="tx1"/>
-          </a:fontRef>
-        </p:style>
-      </p:cxnSp>
-      <p:sp>
-        <p:nvSpPr>
-          <p:cNvPr id="6" name="직사각형 5">
-            <a:extLst>
-              <a:ext uri="{FF2B5EF4-FFF2-40B4-BE49-F238E27FC236}">
-                <a16:creationId xmlns:a16="http://schemas.microsoft.com/office/drawing/2014/main" xmlns="" id="{FFF506F9-840A-0508-4CAF-3AC711D8D5CE}"/>
+                <a16:creationId xmlns:a16="http://schemas.microsoft.com/office/drawing/2014/main" id="{FFF506F9-840A-0508-4CAF-3AC711D8D5CE}"/>
               </a:ext>
             </a:extLst>
           </p:cNvPr>
@@ -4628,8 +4587,8 @@
         </p:nvSpPr>
         <p:spPr>
           <a:xfrm>
-            <a:off x="7068703" y="4482465"/>
-            <a:ext cx="1327052" cy="457200"/>
+            <a:off x="1676400" y="7810500"/>
+            <a:ext cx="4038600" cy="990600"/>
           </a:xfrm>
           <a:prstGeom prst="rect">
             <a:avLst/>
@@ -4666,58 +4625,10 @@
           </a:p>
         </p:txBody>
       </p:sp>
-      <p:sp>
-        <p:nvSpPr>
-          <p:cNvPr id="7" name="TextBox 6">
-            <a:extLst>
-              <a:ext uri="{FF2B5EF4-FFF2-40B4-BE49-F238E27FC236}">
-                <a16:creationId xmlns:a16="http://schemas.microsoft.com/office/drawing/2014/main" xmlns="" id="{C6D113C6-EA5C-788F-0C77-E7CE6EBB865F}"/>
-              </a:ext>
-            </a:extLst>
-          </p:cNvPr>
-          <p:cNvSpPr txBox="1"/>
-          <p:nvPr/>
-        </p:nvSpPr>
-        <p:spPr>
-          <a:xfrm>
-            <a:off x="381000" y="6959011"/>
-            <a:ext cx="6400800" cy="707886"/>
-          </a:xfrm>
-          <a:prstGeom prst="rect">
-            <a:avLst/>
-          </a:prstGeom>
-          <a:noFill/>
-        </p:spPr>
-        <p:txBody>
-          <a:bodyPr wrap="square" rtlCol="0">
-            <a:spAutoFit/>
-          </a:bodyPr>
-          <a:lstStyle/>
-          <a:p>
-            <a:r>
-              <a:rPr lang="ko-KR" altLang="en-US" sz="4000">
-                <a:solidFill>
-                  <a:srgbClr val="FF0000"/>
-                </a:solidFill>
-                <a:latin typeface="G마켓 산스 Medium" panose="02000000000000000000" pitchFamily="50" charset="-127"/>
-                <a:ea typeface="G마켓 산스 Medium" panose="02000000000000000000" pitchFamily="50" charset="-127"/>
-              </a:rPr>
-              <a:t>자연어를 이해하는 모델</a:t>
-            </a:r>
-            <a:endParaRPr lang="en-US" altLang="ko-KR" sz="4000" dirty="0">
-              <a:solidFill>
-                <a:srgbClr val="FF0000"/>
-              </a:solidFill>
-              <a:latin typeface="G마켓 산스 Medium" panose="02000000000000000000" pitchFamily="50" charset="-127"/>
-              <a:ea typeface="G마켓 산스 Medium" panose="02000000000000000000" pitchFamily="50" charset="-127"/>
-            </a:endParaRPr>
-          </a:p>
-        </p:txBody>
-      </p:sp>
     </p:spTree>
     <p:extLst>
       <p:ext uri="{BB962C8B-B14F-4D97-AF65-F5344CB8AC3E}">
-        <p14:creationId xmlns:p14="http://schemas.microsoft.com/office/powerpoint/2010/main" val="162401542"/>
+        <p14:creationId xmlns:p14="http://schemas.microsoft.com/office/powerpoint/2010/main" val="267216847"/>
       </p:ext>
     </p:extLst>
   </p:cSld>
@@ -4760,8 +4671,8 @@
         </p:blipFill>
         <p:spPr>
           <a:xfrm>
-            <a:off x="2438400" y="419100"/>
-            <a:ext cx="9906000" cy="9413855"/>
+            <a:off x="7010400" y="647700"/>
+            <a:ext cx="10287000" cy="8126730"/>
           </a:xfrm>
           <a:prstGeom prst="rect">
             <a:avLst/>
@@ -4773,19 +4684,20 @@
           <p:cNvPr id="5" name="직선 화살표 연결선 4">
             <a:extLst>
               <a:ext uri="{FF2B5EF4-FFF2-40B4-BE49-F238E27FC236}">
-                <a16:creationId xmlns:a16="http://schemas.microsoft.com/office/drawing/2014/main" xmlns="" id="{299DF5EC-9DF4-5255-06AC-0A7CE4FF58C3}"/>
+                <a16:creationId xmlns:a16="http://schemas.microsoft.com/office/drawing/2014/main" id="{299DF5EC-9DF4-5255-06AC-0A7CE4FF58C3}"/>
               </a:ext>
             </a:extLst>
           </p:cNvPr>
           <p:cNvCxnSpPr>
             <a:cxnSpLocks/>
+            <a:stCxn id="4" idx="1"/>
           </p:cNvCxnSpPr>
           <p:nvPr/>
         </p:nvCxnSpPr>
         <p:spPr>
-          <a:xfrm flipV="1">
-            <a:off x="4188343" y="1992243"/>
-            <a:ext cx="1374257" cy="899771"/>
+          <a:xfrm flipH="1">
+            <a:off x="3048000" y="4711065"/>
+            <a:ext cx="3962400" cy="2032635"/>
           </a:xfrm>
           <a:prstGeom prst="straightConnector1">
             <a:avLst/>
@@ -4811,10 +4723,62 @@
       </p:cxnSp>
       <p:sp>
         <p:nvSpPr>
-          <p:cNvPr id="6" name="TextBox 5">
+          <p:cNvPr id="6" name="직사각형 5">
             <a:extLst>
               <a:ext uri="{FF2B5EF4-FFF2-40B4-BE49-F238E27FC236}">
-                <a16:creationId xmlns:a16="http://schemas.microsoft.com/office/drawing/2014/main" xmlns="" id="{C6D113C6-EA5C-788F-0C77-E7CE6EBB865F}"/>
+                <a16:creationId xmlns:a16="http://schemas.microsoft.com/office/drawing/2014/main" id="{FFF506F9-840A-0508-4CAF-3AC711D8D5CE}"/>
+              </a:ext>
+            </a:extLst>
+          </p:cNvPr>
+          <p:cNvSpPr/>
+          <p:nvPr/>
+        </p:nvSpPr>
+        <p:spPr>
+          <a:xfrm>
+            <a:off x="7068703" y="4482465"/>
+            <a:ext cx="1327052" cy="457200"/>
+          </a:xfrm>
+          <a:prstGeom prst="rect">
+            <a:avLst/>
+          </a:prstGeom>
+          <a:noFill/>
+          <a:ln>
+            <a:solidFill>
+              <a:srgbClr val="FF0000"/>
+            </a:solidFill>
+          </a:ln>
+        </p:spPr>
+        <p:style>
+          <a:lnRef idx="2">
+            <a:schemeClr val="accent2">
+              <a:shade val="50000"/>
+            </a:schemeClr>
+          </a:lnRef>
+          <a:fillRef idx="1">
+            <a:schemeClr val="accent2"/>
+          </a:fillRef>
+          <a:effectRef idx="0">
+            <a:schemeClr val="accent2"/>
+          </a:effectRef>
+          <a:fontRef idx="minor">
+            <a:schemeClr val="lt1"/>
+          </a:fontRef>
+        </p:style>
+        <p:txBody>
+          <a:bodyPr rtlCol="0" anchor="ctr"/>
+          <a:lstStyle/>
+          <a:p>
+            <a:pPr algn="ctr"/>
+            <a:endParaRPr lang="ko-KR" altLang="en-US"/>
+          </a:p>
+        </p:txBody>
+      </p:sp>
+      <p:sp>
+        <p:nvSpPr>
+          <p:cNvPr id="7" name="TextBox 6">
+            <a:extLst>
+              <a:ext uri="{FF2B5EF4-FFF2-40B4-BE49-F238E27FC236}">
+                <a16:creationId xmlns:a16="http://schemas.microsoft.com/office/drawing/2014/main" id="{C6D113C6-EA5C-788F-0C77-E7CE6EBB865F}"/>
               </a:ext>
             </a:extLst>
           </p:cNvPr>
@@ -4823,8 +4787,8 @@
         </p:nvSpPr>
         <p:spPr>
           <a:xfrm>
-            <a:off x="5715000" y="1638300"/>
-            <a:ext cx="7848600" cy="707886"/>
+            <a:off x="381000" y="6959011"/>
+            <a:ext cx="6400800" cy="707886"/>
           </a:xfrm>
           <a:prstGeom prst="rect">
             <a:avLst/>
@@ -4838,64 +4802,14 @@
           <a:lstStyle/>
           <a:p>
             <a:r>
-              <a:rPr lang="en-US" altLang="ko-KR" sz="4000">
+              <a:rPr lang="ko-KR" altLang="en-US" sz="4000">
                 <a:solidFill>
                   <a:srgbClr val="FF0000"/>
                 </a:solidFill>
                 <a:latin typeface="G마켓 산스 Medium" panose="02000000000000000000" pitchFamily="50" charset="-127"/>
                 <a:ea typeface="G마켓 산스 Medium" panose="02000000000000000000" pitchFamily="50" charset="-127"/>
               </a:rPr>
-              <a:t>3</a:t>
-            </a:r>
-            <a:r>
-              <a:rPr lang="ko-KR" altLang="en-US" sz="4000">
-                <a:solidFill>
-                  <a:srgbClr val="FF0000"/>
-                </a:solidFill>
-                <a:latin typeface="G마켓 산스 Medium" panose="02000000000000000000" pitchFamily="50" charset="-127"/>
-                <a:ea typeface="G마켓 산스 Medium" panose="02000000000000000000" pitchFamily="50" charset="-127"/>
-              </a:rPr>
-              <a:t>월 </a:t>
-            </a:r>
-            <a:r>
-              <a:rPr lang="en-US" altLang="ko-KR" sz="4000">
-                <a:solidFill>
-                  <a:srgbClr val="FF0000"/>
-                </a:solidFill>
-                <a:latin typeface="G마켓 산스 Medium" panose="02000000000000000000" pitchFamily="50" charset="-127"/>
-                <a:ea typeface="G마켓 산스 Medium" panose="02000000000000000000" pitchFamily="50" charset="-127"/>
-              </a:rPr>
-              <a:t>1</a:t>
-            </a:r>
-            <a:r>
-              <a:rPr lang="ko-KR" altLang="en-US" sz="4000">
-                <a:solidFill>
-                  <a:srgbClr val="FF0000"/>
-                </a:solidFill>
-                <a:latin typeface="G마켓 산스 Medium" panose="02000000000000000000" pitchFamily="50" charset="-127"/>
-                <a:ea typeface="G마켓 산스 Medium" panose="02000000000000000000" pitchFamily="50" charset="-127"/>
-              </a:rPr>
-              <a:t>일 </a:t>
-            </a:r>
-            <a:r>
-              <a:rPr lang="en-US" altLang="ko-KR" sz="4000">
-                <a:solidFill>
-                  <a:srgbClr val="FF0000"/>
-                </a:solidFill>
-                <a:latin typeface="G마켓 산스 Medium" panose="02000000000000000000" pitchFamily="50" charset="-127"/>
-                <a:ea typeface="G마켓 산스 Medium" panose="02000000000000000000" pitchFamily="50" charset="-127"/>
-              </a:rPr>
-              <a:t>API</a:t>
-            </a:r>
-            <a:r>
-              <a:rPr lang="ko-KR" altLang="en-US" sz="4000">
-                <a:solidFill>
-                  <a:srgbClr val="FF0000"/>
-                </a:solidFill>
-                <a:latin typeface="G마켓 산스 Medium" panose="02000000000000000000" pitchFamily="50" charset="-127"/>
-                <a:ea typeface="G마켓 산스 Medium" panose="02000000000000000000" pitchFamily="50" charset="-127"/>
-              </a:rPr>
-              <a:t>가 공개된 최신버전</a:t>
+              <a:t>자연어를 이해하는 모델</a:t>
             </a:r>
             <a:endParaRPr lang="en-US" altLang="ko-KR" sz="4000" dirty="0">
               <a:solidFill>
@@ -4910,7 +4824,7 @@
     </p:spTree>
     <p:extLst>
       <p:ext uri="{BB962C8B-B14F-4D97-AF65-F5344CB8AC3E}">
-        <p14:creationId xmlns:p14="http://schemas.microsoft.com/office/powerpoint/2010/main" val="621010423"/>
+        <p14:creationId xmlns:p14="http://schemas.microsoft.com/office/powerpoint/2010/main" val="162401542"/>
       </p:ext>
     </p:extLst>
   </p:cSld>
@@ -4953,18 +4867,157 @@
         </p:blipFill>
         <p:spPr>
           <a:xfrm>
-            <a:off x="3200400" y="1028700"/>
-            <a:ext cx="10504861" cy="8534400"/>
+            <a:off x="2438400" y="419100"/>
+            <a:ext cx="9906000" cy="9413855"/>
           </a:xfrm>
           <a:prstGeom prst="rect">
             <a:avLst/>
           </a:prstGeom>
         </p:spPr>
       </p:pic>
+      <p:cxnSp>
+        <p:nvCxnSpPr>
+          <p:cNvPr id="5" name="직선 화살표 연결선 4">
+            <a:extLst>
+              <a:ext uri="{FF2B5EF4-FFF2-40B4-BE49-F238E27FC236}">
+                <a16:creationId xmlns:a16="http://schemas.microsoft.com/office/drawing/2014/main" id="{299DF5EC-9DF4-5255-06AC-0A7CE4FF58C3}"/>
+              </a:ext>
+            </a:extLst>
+          </p:cNvPr>
+          <p:cNvCxnSpPr>
+            <a:cxnSpLocks/>
+          </p:cNvCxnSpPr>
+          <p:nvPr/>
+        </p:nvCxnSpPr>
+        <p:spPr>
+          <a:xfrm flipV="1">
+            <a:off x="4188343" y="1992243"/>
+            <a:ext cx="1374257" cy="899771"/>
+          </a:xfrm>
+          <a:prstGeom prst="straightConnector1">
+            <a:avLst/>
+          </a:prstGeom>
+          <a:ln w="38100">
+            <a:tailEnd type="triangle"/>
+          </a:ln>
+        </p:spPr>
+        <p:style>
+          <a:lnRef idx="1">
+            <a:schemeClr val="accent2"/>
+          </a:lnRef>
+          <a:fillRef idx="0">
+            <a:schemeClr val="accent2"/>
+          </a:fillRef>
+          <a:effectRef idx="0">
+            <a:schemeClr val="accent2"/>
+          </a:effectRef>
+          <a:fontRef idx="minor">
+            <a:schemeClr val="tx1"/>
+          </a:fontRef>
+        </p:style>
+      </p:cxnSp>
+      <p:sp>
+        <p:nvSpPr>
+          <p:cNvPr id="6" name="TextBox 5">
+            <a:extLst>
+              <a:ext uri="{FF2B5EF4-FFF2-40B4-BE49-F238E27FC236}">
+                <a16:creationId xmlns:a16="http://schemas.microsoft.com/office/drawing/2014/main" id="{C6D113C6-EA5C-788F-0C77-E7CE6EBB865F}"/>
+              </a:ext>
+            </a:extLst>
+          </p:cNvPr>
+          <p:cNvSpPr txBox="1"/>
+          <p:nvPr/>
+        </p:nvSpPr>
+        <p:spPr>
+          <a:xfrm>
+            <a:off x="5715000" y="1638300"/>
+            <a:ext cx="7848600" cy="707886"/>
+          </a:xfrm>
+          <a:prstGeom prst="rect">
+            <a:avLst/>
+          </a:prstGeom>
+          <a:noFill/>
+        </p:spPr>
+        <p:txBody>
+          <a:bodyPr wrap="square" rtlCol="0">
+            <a:spAutoFit/>
+          </a:bodyPr>
+          <a:lstStyle/>
+          <a:p>
+            <a:r>
+              <a:rPr lang="en-US" altLang="ko-KR" sz="4000">
+                <a:solidFill>
+                  <a:srgbClr val="FF0000"/>
+                </a:solidFill>
+                <a:latin typeface="G마켓 산스 Medium" panose="02000000000000000000" pitchFamily="50" charset="-127"/>
+                <a:ea typeface="G마켓 산스 Medium" panose="02000000000000000000" pitchFamily="50" charset="-127"/>
+              </a:rPr>
+              <a:t>3</a:t>
+            </a:r>
+            <a:r>
+              <a:rPr lang="ko-KR" altLang="en-US" sz="4000">
+                <a:solidFill>
+                  <a:srgbClr val="FF0000"/>
+                </a:solidFill>
+                <a:latin typeface="G마켓 산스 Medium" panose="02000000000000000000" pitchFamily="50" charset="-127"/>
+                <a:ea typeface="G마켓 산스 Medium" panose="02000000000000000000" pitchFamily="50" charset="-127"/>
+              </a:rPr>
+              <a:t>월 </a:t>
+            </a:r>
+            <a:r>
+              <a:rPr lang="en-US" altLang="ko-KR" sz="4000">
+                <a:solidFill>
+                  <a:srgbClr val="FF0000"/>
+                </a:solidFill>
+                <a:latin typeface="G마켓 산스 Medium" panose="02000000000000000000" pitchFamily="50" charset="-127"/>
+                <a:ea typeface="G마켓 산스 Medium" panose="02000000000000000000" pitchFamily="50" charset="-127"/>
+              </a:rPr>
+              <a:t>1</a:t>
+            </a:r>
+            <a:r>
+              <a:rPr lang="ko-KR" altLang="en-US" sz="4000">
+                <a:solidFill>
+                  <a:srgbClr val="FF0000"/>
+                </a:solidFill>
+                <a:latin typeface="G마켓 산스 Medium" panose="02000000000000000000" pitchFamily="50" charset="-127"/>
+                <a:ea typeface="G마켓 산스 Medium" panose="02000000000000000000" pitchFamily="50" charset="-127"/>
+              </a:rPr>
+              <a:t>일 </a:t>
+            </a:r>
+            <a:r>
+              <a:rPr lang="en-US" altLang="ko-KR" sz="4000">
+                <a:solidFill>
+                  <a:srgbClr val="FF0000"/>
+                </a:solidFill>
+                <a:latin typeface="G마켓 산스 Medium" panose="02000000000000000000" pitchFamily="50" charset="-127"/>
+                <a:ea typeface="G마켓 산스 Medium" panose="02000000000000000000" pitchFamily="50" charset="-127"/>
+              </a:rPr>
+              <a:t>API</a:t>
+            </a:r>
+            <a:r>
+              <a:rPr lang="ko-KR" altLang="en-US" sz="4000">
+                <a:solidFill>
+                  <a:srgbClr val="FF0000"/>
+                </a:solidFill>
+                <a:latin typeface="G마켓 산스 Medium" panose="02000000000000000000" pitchFamily="50" charset="-127"/>
+                <a:ea typeface="G마켓 산스 Medium" panose="02000000000000000000" pitchFamily="50" charset="-127"/>
+              </a:rPr>
+              <a:t>가 공개된 최신버전</a:t>
+            </a:r>
+            <a:endParaRPr lang="en-US" altLang="ko-KR" sz="4000" dirty="0">
+              <a:solidFill>
+                <a:srgbClr val="FF0000"/>
+              </a:solidFill>
+              <a:latin typeface="G마켓 산스 Medium" panose="02000000000000000000" pitchFamily="50" charset="-127"/>
+              <a:ea typeface="G마켓 산스 Medium" panose="02000000000000000000" pitchFamily="50" charset="-127"/>
+            </a:endParaRPr>
+          </a:p>
+        </p:txBody>
+      </p:sp>
     </p:spTree>
     <p:extLst>
       <p:ext uri="{BB962C8B-B14F-4D97-AF65-F5344CB8AC3E}">
-        <p14:creationId xmlns:p14="http://schemas.microsoft.com/office/powerpoint/2010/main" val="3460737353"/>
+        <p14:creationId xmlns:p14="http://schemas.microsoft.com/office/powerpoint/2010/main" val="621010423"/>
       </p:ext>
     </p:extLst>
   </p:cSld>
@@ -5007,86 +5060,18 @@
         </p:blipFill>
         <p:spPr>
           <a:xfrm>
-            <a:off x="3886199" y="495300"/>
-            <a:ext cx="10323773" cy="7315200"/>
+            <a:off x="3200400" y="1028700"/>
+            <a:ext cx="10504861" cy="8534400"/>
           </a:xfrm>
           <a:prstGeom prst="rect">
             <a:avLst/>
           </a:prstGeom>
         </p:spPr>
       </p:pic>
-      <p:sp>
-        <p:nvSpPr>
-          <p:cNvPr id="5" name="TextBox 4">
-            <a:extLst>
-              <a:ext uri="{FF2B5EF4-FFF2-40B4-BE49-F238E27FC236}">
-                <a16:creationId xmlns:a16="http://schemas.microsoft.com/office/drawing/2014/main" xmlns="" id="{D15853EE-94B0-D08B-DCB7-3381290CC3FF}"/>
-              </a:ext>
-            </a:extLst>
-          </p:cNvPr>
-          <p:cNvSpPr txBox="1"/>
-          <p:nvPr/>
-        </p:nvSpPr>
-        <p:spPr>
-          <a:xfrm>
-            <a:off x="2133600" y="8267700"/>
-            <a:ext cx="15316200" cy="830997"/>
-          </a:xfrm>
-          <a:prstGeom prst="rect">
-            <a:avLst/>
-          </a:prstGeom>
-          <a:noFill/>
-        </p:spPr>
-        <p:txBody>
-          <a:bodyPr wrap="square" rtlCol="0">
-            <a:spAutoFit/>
-          </a:bodyPr>
-          <a:lstStyle/>
-          <a:p>
-            <a:r>
-              <a:rPr lang="ko-KR" altLang="en-US" sz="4800" dirty="0">
-                <a:solidFill>
-                  <a:srgbClr val="4C50BC"/>
-                </a:solidFill>
-                <a:latin typeface="G마켓 산스 Medium" panose="02000000000000000000" pitchFamily="50" charset="-127"/>
-                <a:ea typeface="G마켓 산스 Medium" panose="02000000000000000000" pitchFamily="50" charset="-127"/>
-              </a:rPr>
-              <a:t>사용량이 정해져 있으나 개발에 </a:t>
-            </a:r>
-            <a:r>
-              <a:rPr lang="ko-KR" altLang="en-US" sz="4800" dirty="0" err="1">
-                <a:solidFill>
-                  <a:srgbClr val="4C50BC"/>
-                </a:solidFill>
-                <a:latin typeface="G마켓 산스 Medium" panose="02000000000000000000" pitchFamily="50" charset="-127"/>
-                <a:ea typeface="G마켓 산스 Medium" panose="02000000000000000000" pitchFamily="50" charset="-127"/>
-              </a:rPr>
-              <a:t>쓰는건</a:t>
-            </a:r>
-            <a:r>
-              <a:rPr lang="ko-KR" altLang="en-US" sz="4800" dirty="0">
-                <a:solidFill>
-                  <a:srgbClr val="4C50BC"/>
-                </a:solidFill>
-                <a:latin typeface="G마켓 산스 Medium" panose="02000000000000000000" pitchFamily="50" charset="-127"/>
-                <a:ea typeface="G마켓 산스 Medium" panose="02000000000000000000" pitchFamily="50" charset="-127"/>
-              </a:rPr>
-              <a:t> 충분</a:t>
-            </a:r>
-            <a:endParaRPr lang="en-US" altLang="ko-KR" sz="4800" dirty="0">
-              <a:solidFill>
-                <a:srgbClr val="4C50BC"/>
-              </a:solidFill>
-              <a:latin typeface="G마켓 산스 Medium" panose="02000000000000000000" pitchFamily="50" charset="-127"/>
-              <a:ea typeface="G마켓 산스 Medium" panose="02000000000000000000" pitchFamily="50" charset="-127"/>
-            </a:endParaRPr>
-          </a:p>
-        </p:txBody>
-      </p:sp>
     </p:spTree>
     <p:extLst>
       <p:ext uri="{BB962C8B-B14F-4D97-AF65-F5344CB8AC3E}">
-        <p14:creationId xmlns:p14="http://schemas.microsoft.com/office/powerpoint/2010/main" val="1434441881"/>
+        <p14:creationId xmlns:p14="http://schemas.microsoft.com/office/powerpoint/2010/main" val="3460737353"/>
       </p:ext>
     </p:extLst>
   </p:cSld>
@@ -5115,7 +5100,7 @@
       </p:grpSpPr>
       <p:pic>
         <p:nvPicPr>
-          <p:cNvPr id="2" name="그림 1"/>
+          <p:cNvPr id="4" name="그림 3"/>
           <p:cNvPicPr>
             <a:picLocks noChangeAspect="1"/>
           </p:cNvPicPr>
@@ -5129,20 +5114,156 @@
         </p:blipFill>
         <p:spPr>
           <a:xfrm>
-            <a:off x="1219200" y="0"/>
-            <a:ext cx="8534400" cy="10233944"/>
+            <a:off x="3886199" y="1569303"/>
+            <a:ext cx="10323773" cy="7315200"/>
           </a:xfrm>
           <a:prstGeom prst="rect">
             <a:avLst/>
           </a:prstGeom>
         </p:spPr>
       </p:pic>
+      <p:sp>
+        <p:nvSpPr>
+          <p:cNvPr id="5" name="TextBox 4">
+            <a:extLst>
+              <a:ext uri="{FF2B5EF4-FFF2-40B4-BE49-F238E27FC236}">
+                <a16:creationId xmlns:a16="http://schemas.microsoft.com/office/drawing/2014/main" id="{D15853EE-94B0-D08B-DCB7-3381290CC3FF}"/>
+              </a:ext>
+            </a:extLst>
+          </p:cNvPr>
+          <p:cNvSpPr txBox="1"/>
+          <p:nvPr/>
+        </p:nvSpPr>
+        <p:spPr>
+          <a:xfrm>
+            <a:off x="2133600" y="9341703"/>
+            <a:ext cx="15316200" cy="830997"/>
+          </a:xfrm>
+          <a:prstGeom prst="rect">
+            <a:avLst/>
+          </a:prstGeom>
+          <a:noFill/>
+        </p:spPr>
+        <p:txBody>
+          <a:bodyPr wrap="square" rtlCol="0">
+            <a:spAutoFit/>
+          </a:bodyPr>
+          <a:lstStyle/>
+          <a:p>
+            <a:r>
+              <a:rPr lang="ko-KR" altLang="en-US" sz="4800" dirty="0">
+                <a:solidFill>
+                  <a:srgbClr val="4C50BC"/>
+                </a:solidFill>
+                <a:latin typeface="G마켓 산스 Medium" panose="02000000000000000000" pitchFamily="50" charset="-127"/>
+                <a:ea typeface="G마켓 산스 Medium" panose="02000000000000000000" pitchFamily="50" charset="-127"/>
+              </a:rPr>
+              <a:t>사용량이 정해져 있으나 개발에 </a:t>
+            </a:r>
+            <a:r>
+              <a:rPr lang="ko-KR" altLang="en-US" sz="4800" dirty="0" err="1">
+                <a:solidFill>
+                  <a:srgbClr val="4C50BC"/>
+                </a:solidFill>
+                <a:latin typeface="G마켓 산스 Medium" panose="02000000000000000000" pitchFamily="50" charset="-127"/>
+                <a:ea typeface="G마켓 산스 Medium" panose="02000000000000000000" pitchFamily="50" charset="-127"/>
+              </a:rPr>
+              <a:t>쓰는건</a:t>
+            </a:r>
+            <a:r>
+              <a:rPr lang="ko-KR" altLang="en-US" sz="4800" dirty="0">
+                <a:solidFill>
+                  <a:srgbClr val="4C50BC"/>
+                </a:solidFill>
+                <a:latin typeface="G마켓 산스 Medium" panose="02000000000000000000" pitchFamily="50" charset="-127"/>
+                <a:ea typeface="G마켓 산스 Medium" panose="02000000000000000000" pitchFamily="50" charset="-127"/>
+              </a:rPr>
+              <a:t> 충분</a:t>
+            </a:r>
+            <a:endParaRPr lang="en-US" altLang="ko-KR" sz="4800" dirty="0">
+              <a:solidFill>
+                <a:srgbClr val="4C50BC"/>
+              </a:solidFill>
+              <a:latin typeface="G마켓 산스 Medium" panose="02000000000000000000" pitchFamily="50" charset="-127"/>
+              <a:ea typeface="G마켓 산스 Medium" panose="02000000000000000000" pitchFamily="50" charset="-127"/>
+            </a:endParaRPr>
+          </a:p>
+        </p:txBody>
+      </p:sp>
+      <p:sp>
+        <p:nvSpPr>
+          <p:cNvPr id="2" name="TextBox 1">
+            <a:extLst>
+              <a:ext uri="{FF2B5EF4-FFF2-40B4-BE49-F238E27FC236}">
+                <a16:creationId xmlns:a16="http://schemas.microsoft.com/office/drawing/2014/main" id="{E153F502-DAED-6B1A-D64D-F2E121D3F510}"/>
+              </a:ext>
+            </a:extLst>
+          </p:cNvPr>
+          <p:cNvSpPr txBox="1"/>
+          <p:nvPr/>
+        </p:nvSpPr>
+        <p:spPr>
+          <a:xfrm>
+            <a:off x="304800" y="114300"/>
+            <a:ext cx="4343400" cy="923330"/>
+          </a:xfrm>
+          <a:prstGeom prst="rect">
+            <a:avLst/>
+          </a:prstGeom>
+          <a:noFill/>
+        </p:spPr>
+        <p:txBody>
+          <a:bodyPr wrap="square" rtlCol="0">
+            <a:spAutoFit/>
+          </a:bodyPr>
+          <a:lstStyle/>
+          <a:p>
+            <a:r>
+              <a:rPr lang="en-US" altLang="ko-KR" sz="5400" spc="-300" dirty="0" err="1">
+                <a:solidFill>
+                  <a:srgbClr val="4C50BC"/>
+                </a:solidFill>
+                <a:latin typeface="G마켓 산스 Bold" panose="02000000000000000000" pitchFamily="50" charset="-127"/>
+                <a:ea typeface="G마켓 산스 Bold" panose="02000000000000000000" pitchFamily="50" charset="-127"/>
+              </a:rPr>
+              <a:t>chatGPT</a:t>
+            </a:r>
+            <a:r>
+              <a:rPr lang="en-US" altLang="ko-KR" sz="5400" spc="-300" dirty="0">
+                <a:solidFill>
+                  <a:srgbClr val="4C50BC"/>
+                </a:solidFill>
+                <a:latin typeface="G마켓 산스 Bold" panose="02000000000000000000" pitchFamily="50" charset="-127"/>
+                <a:ea typeface="G마켓 산스 Bold" panose="02000000000000000000" pitchFamily="50" charset="-127"/>
+              </a:rPr>
+              <a:t> </a:t>
+            </a:r>
+            <a:r>
+              <a:rPr lang="ko-KR" altLang="en-US" sz="5400" spc="-300" dirty="0">
+                <a:solidFill>
+                  <a:srgbClr val="4C50BC"/>
+                </a:solidFill>
+                <a:latin typeface="G마켓 산스 Bold" panose="02000000000000000000" pitchFamily="50" charset="-127"/>
+                <a:ea typeface="G마켓 산스 Bold" panose="02000000000000000000" pitchFamily="50" charset="-127"/>
+              </a:rPr>
+              <a:t>비용</a:t>
+            </a:r>
+            <a:endParaRPr lang="en-US" altLang="ko-KR" sz="5400" spc="-300" dirty="0">
+              <a:solidFill>
+                <a:srgbClr val="4C50BC"/>
+              </a:solidFill>
+              <a:latin typeface="G마켓 산스 Bold" panose="02000000000000000000" pitchFamily="50" charset="-127"/>
+              <a:ea typeface="G마켓 산스 Bold" panose="02000000000000000000" pitchFamily="50" charset="-127"/>
+            </a:endParaRPr>
+          </a:p>
+        </p:txBody>
+      </p:sp>
       <p:cxnSp>
         <p:nvCxnSpPr>
-          <p:cNvPr id="5" name="직선 화살표 연결선 4">
+          <p:cNvPr id="3" name="직선 연결선 2">
             <a:extLst>
               <a:ext uri="{FF2B5EF4-FFF2-40B4-BE49-F238E27FC236}">
-                <a16:creationId xmlns:a16="http://schemas.microsoft.com/office/drawing/2014/main" xmlns="" id="{299DF5EC-9DF4-5255-06AC-0A7CE4FF58C3}"/>
+                <a16:creationId xmlns:a16="http://schemas.microsoft.com/office/drawing/2014/main" id="{569AE169-AD61-A085-C927-C87DD4402D2C}"/>
               </a:ext>
             </a:extLst>
           </p:cNvPr>
@@ -5152,179 +5273,38 @@
           <p:nvPr/>
         </p:nvCxnSpPr>
         <p:spPr>
-          <a:xfrm flipV="1">
-            <a:off x="4114800" y="6134100"/>
-            <a:ext cx="5791199" cy="2743200"/>
-          </a:xfrm>
-          <a:prstGeom prst="straightConnector1">
+          <a:xfrm flipH="1" flipV="1">
+            <a:off x="-13447" y="972511"/>
+            <a:ext cx="18288000" cy="65119"/>
+          </a:xfrm>
+          <a:prstGeom prst="line">
             <a:avLst/>
           </a:prstGeom>
           <a:ln w="38100">
-            <a:tailEnd type="triangle"/>
+            <a:solidFill>
+              <a:srgbClr val="4C50BC"/>
+            </a:solidFill>
           </a:ln>
         </p:spPr>
         <p:style>
           <a:lnRef idx="1">
-            <a:schemeClr val="accent2"/>
+            <a:schemeClr val="accent1"/>
           </a:lnRef>
           <a:fillRef idx="0">
-            <a:schemeClr val="accent2"/>
+            <a:schemeClr val="accent1"/>
           </a:fillRef>
           <a:effectRef idx="0">
-            <a:schemeClr val="accent2"/>
+            <a:schemeClr val="accent1"/>
           </a:effectRef>
           <a:fontRef idx="minor">
             <a:schemeClr val="tx1"/>
           </a:fontRef>
         </p:style>
       </p:cxnSp>
-      <p:sp>
-        <p:nvSpPr>
-          <p:cNvPr id="6" name="TextBox 5">
-            <a:extLst>
-              <a:ext uri="{FF2B5EF4-FFF2-40B4-BE49-F238E27FC236}">
-                <a16:creationId xmlns:a16="http://schemas.microsoft.com/office/drawing/2014/main" xmlns="" id="{C6D113C6-EA5C-788F-0C77-E7CE6EBB865F}"/>
-              </a:ext>
-            </a:extLst>
-          </p:cNvPr>
-          <p:cNvSpPr txBox="1"/>
-          <p:nvPr/>
-        </p:nvSpPr>
-        <p:spPr>
-          <a:xfrm>
-            <a:off x="9906000" y="4836974"/>
-            <a:ext cx="8077200" cy="1754326"/>
-          </a:xfrm>
-          <a:prstGeom prst="rect">
-            <a:avLst/>
-          </a:prstGeom>
-          <a:noFill/>
-        </p:spPr>
-        <p:txBody>
-          <a:bodyPr wrap="square" rtlCol="0">
-            <a:spAutoFit/>
-          </a:bodyPr>
-          <a:lstStyle/>
-          <a:p>
-            <a:r>
-              <a:rPr lang="ko-KR" altLang="en-US" sz="3600" dirty="0">
-                <a:solidFill>
-                  <a:srgbClr val="FF0000"/>
-                </a:solidFill>
-                <a:latin typeface="G마켓 산스 Medium" panose="02000000000000000000" pitchFamily="50" charset="-127"/>
-                <a:ea typeface="G마켓 산스 Medium" panose="02000000000000000000" pitchFamily="50" charset="-127"/>
-              </a:rPr>
-              <a:t>대화 내역을 계속 추가 해가면서 보내 줘야지 </a:t>
-            </a:r>
-            <a:r>
-              <a:rPr lang="en-US" altLang="ko-KR" sz="3600" dirty="0">
-                <a:solidFill>
-                  <a:srgbClr val="FF0000"/>
-                </a:solidFill>
-                <a:latin typeface="G마켓 산스 Medium" panose="02000000000000000000" pitchFamily="50" charset="-127"/>
-                <a:ea typeface="G마켓 산스 Medium" panose="02000000000000000000" pitchFamily="50" charset="-127"/>
-              </a:rPr>
-              <a:t>AI</a:t>
-            </a:r>
-            <a:r>
-              <a:rPr lang="ko-KR" altLang="en-US" sz="3600" dirty="0">
-                <a:solidFill>
-                  <a:srgbClr val="FF0000"/>
-                </a:solidFill>
-                <a:latin typeface="G마켓 산스 Medium" panose="02000000000000000000" pitchFamily="50" charset="-127"/>
-                <a:ea typeface="G마켓 산스 Medium" panose="02000000000000000000" pitchFamily="50" charset="-127"/>
-              </a:rPr>
-              <a:t>가 맥락을 이해하면서 </a:t>
-            </a:r>
-            <a:r>
-              <a:rPr lang="ko-KR" altLang="en-US" sz="3600" dirty="0" err="1">
-                <a:solidFill>
-                  <a:srgbClr val="FF0000"/>
-                </a:solidFill>
-                <a:latin typeface="G마켓 산스 Medium" panose="02000000000000000000" pitchFamily="50" charset="-127"/>
-                <a:ea typeface="G마켓 산스 Medium" panose="02000000000000000000" pitchFamily="50" charset="-127"/>
-              </a:rPr>
-              <a:t>대화할수</a:t>
-            </a:r>
-            <a:r>
-              <a:rPr lang="ko-KR" altLang="en-US" sz="3600" dirty="0">
-                <a:solidFill>
-                  <a:srgbClr val="FF0000"/>
-                </a:solidFill>
-                <a:latin typeface="G마켓 산스 Medium" panose="02000000000000000000" pitchFamily="50" charset="-127"/>
-                <a:ea typeface="G마켓 산스 Medium" panose="02000000000000000000" pitchFamily="50" charset="-127"/>
-              </a:rPr>
-              <a:t> 있다</a:t>
-            </a:r>
-            <a:r>
-              <a:rPr lang="en-US" altLang="ko-KR" sz="3600" dirty="0">
-                <a:solidFill>
-                  <a:srgbClr val="FF0000"/>
-                </a:solidFill>
-                <a:latin typeface="G마켓 산스 Medium" panose="02000000000000000000" pitchFamily="50" charset="-127"/>
-                <a:ea typeface="G마켓 산스 Medium" panose="02000000000000000000" pitchFamily="50" charset="-127"/>
-              </a:rPr>
-              <a:t>.</a:t>
-            </a:r>
-          </a:p>
-        </p:txBody>
-      </p:sp>
-      <p:sp>
-        <p:nvSpPr>
-          <p:cNvPr id="7" name="직사각형 6">
-            <a:extLst>
-              <a:ext uri="{FF2B5EF4-FFF2-40B4-BE49-F238E27FC236}">
-                <a16:creationId xmlns:a16="http://schemas.microsoft.com/office/drawing/2014/main" xmlns="" id="{FFF506F9-840A-0508-4CAF-3AC711D8D5CE}"/>
-              </a:ext>
-            </a:extLst>
-          </p:cNvPr>
-          <p:cNvSpPr/>
-          <p:nvPr/>
-        </p:nvSpPr>
-        <p:spPr>
-          <a:xfrm>
-            <a:off x="1247774" y="8867774"/>
-            <a:ext cx="8505825" cy="1366169"/>
-          </a:xfrm>
-          <a:prstGeom prst="rect">
-            <a:avLst/>
-          </a:prstGeom>
-          <a:noFill/>
-          <a:ln>
-            <a:solidFill>
-              <a:srgbClr val="FF0000"/>
-            </a:solidFill>
-          </a:ln>
-        </p:spPr>
-        <p:style>
-          <a:lnRef idx="2">
-            <a:schemeClr val="accent2">
-              <a:shade val="50000"/>
-            </a:schemeClr>
-          </a:lnRef>
-          <a:fillRef idx="1">
-            <a:schemeClr val="accent2"/>
-          </a:fillRef>
-          <a:effectRef idx="0">
-            <a:schemeClr val="accent2"/>
-          </a:effectRef>
-          <a:fontRef idx="minor">
-            <a:schemeClr val="lt1"/>
-          </a:fontRef>
-        </p:style>
-        <p:txBody>
-          <a:bodyPr rtlCol="0" anchor="ctr"/>
-          <a:lstStyle/>
-          <a:p>
-            <a:pPr algn="ctr"/>
-            <a:endParaRPr lang="ko-KR" altLang="en-US"/>
-          </a:p>
-        </p:txBody>
-      </p:sp>
     </p:spTree>
     <p:extLst>
       <p:ext uri="{BB962C8B-B14F-4D97-AF65-F5344CB8AC3E}">
-        <p14:creationId xmlns:p14="http://schemas.microsoft.com/office/powerpoint/2010/main" val="1236467171"/>
+        <p14:creationId xmlns:p14="http://schemas.microsoft.com/office/powerpoint/2010/main" val="1434441881"/>
       </p:ext>
     </p:extLst>
   </p:cSld>
@@ -5353,13 +5333,7 @@
       </p:grpSpPr>
       <p:pic>
         <p:nvPicPr>
-          <p:cNvPr id="6" name="그림 5">
-            <a:extLst>
-              <a:ext uri="{FF2B5EF4-FFF2-40B4-BE49-F238E27FC236}">
-                <a16:creationId xmlns:a16="http://schemas.microsoft.com/office/drawing/2014/main" xmlns="" id="{58BF4167-A0FA-C472-92B2-53A0A0D42345}"/>
-              </a:ext>
-            </a:extLst>
-          </p:cNvPr>
+          <p:cNvPr id="2" name="그림 1"/>
           <p:cNvPicPr>
             <a:picLocks noChangeAspect="1"/>
           </p:cNvPicPr>
@@ -5373,20 +5347,61 @@
         </p:blipFill>
         <p:spPr>
           <a:xfrm>
-            <a:off x="179751" y="3848100"/>
-            <a:ext cx="17928498" cy="2362200"/>
+            <a:off x="1219200" y="0"/>
+            <a:ext cx="8534400" cy="10233944"/>
           </a:xfrm>
           <a:prstGeom prst="rect">
             <a:avLst/>
           </a:prstGeom>
         </p:spPr>
       </p:pic>
+      <p:cxnSp>
+        <p:nvCxnSpPr>
+          <p:cNvPr id="5" name="직선 화살표 연결선 4">
+            <a:extLst>
+              <a:ext uri="{FF2B5EF4-FFF2-40B4-BE49-F238E27FC236}">
+                <a16:creationId xmlns:a16="http://schemas.microsoft.com/office/drawing/2014/main" id="{299DF5EC-9DF4-5255-06AC-0A7CE4FF58C3}"/>
+              </a:ext>
+            </a:extLst>
+          </p:cNvPr>
+          <p:cNvCxnSpPr>
+            <a:cxnSpLocks/>
+          </p:cNvCxnSpPr>
+          <p:nvPr/>
+        </p:nvCxnSpPr>
+        <p:spPr>
+          <a:xfrm flipV="1">
+            <a:off x="4114800" y="6134100"/>
+            <a:ext cx="5791199" cy="2743200"/>
+          </a:xfrm>
+          <a:prstGeom prst="straightConnector1">
+            <a:avLst/>
+          </a:prstGeom>
+          <a:ln w="38100">
+            <a:tailEnd type="triangle"/>
+          </a:ln>
+        </p:spPr>
+        <p:style>
+          <a:lnRef idx="1">
+            <a:schemeClr val="accent2"/>
+          </a:lnRef>
+          <a:fillRef idx="0">
+            <a:schemeClr val="accent2"/>
+          </a:fillRef>
+          <a:effectRef idx="0">
+            <a:schemeClr val="accent2"/>
+          </a:effectRef>
+          <a:fontRef idx="minor">
+            <a:schemeClr val="tx1"/>
+          </a:fontRef>
+        </p:style>
+      </p:cxnSp>
       <p:sp>
         <p:nvSpPr>
-          <p:cNvPr id="7" name="TextBox 6">
+          <p:cNvPr id="6" name="TextBox 5">
             <a:extLst>
               <a:ext uri="{FF2B5EF4-FFF2-40B4-BE49-F238E27FC236}">
-                <a16:creationId xmlns:a16="http://schemas.microsoft.com/office/drawing/2014/main" xmlns="" id="{AC9FB06F-5A5D-5235-A074-40A6D5C3BFBE}"/>
+                <a16:creationId xmlns:a16="http://schemas.microsoft.com/office/drawing/2014/main" id="{C6D113C6-EA5C-788F-0C77-E7CE6EBB865F}"/>
               </a:ext>
             </a:extLst>
           </p:cNvPr>
@@ -5395,8 +5410,8 @@
         </p:nvSpPr>
         <p:spPr>
           <a:xfrm>
-            <a:off x="1485900" y="7200900"/>
-            <a:ext cx="15316200" cy="830997"/>
+            <a:off x="9906000" y="4836974"/>
+            <a:ext cx="8077200" cy="1754326"/>
           </a:xfrm>
           <a:prstGeom prst="rect">
             <a:avLst/>
@@ -5410,82 +5425,124 @@
           <a:lstStyle/>
           <a:p>
             <a:r>
-              <a:rPr lang="en-US" altLang="ko-KR" sz="4800" dirty="0" err="1">
-                <a:solidFill>
-                  <a:srgbClr val="4C50BC"/>
-                </a:solidFill>
-                <a:latin typeface="G마켓 산스 Medium" panose="02000000000000000000" pitchFamily="50" charset="-127"/>
-                <a:ea typeface="G마켓 산스 Medium" panose="02000000000000000000" pitchFamily="50" charset="-127"/>
-              </a:rPr>
-              <a:t>chatGPT</a:t>
-            </a:r>
-            <a:r>
-              <a:rPr lang="ko-KR" altLang="en-US" sz="4800" dirty="0">
-                <a:solidFill>
-                  <a:srgbClr val="4C50BC"/>
-                </a:solidFill>
-                <a:latin typeface="G마켓 산스 Medium" panose="02000000000000000000" pitchFamily="50" charset="-127"/>
-                <a:ea typeface="G마켓 산스 Medium" panose="02000000000000000000" pitchFamily="50" charset="-127"/>
-              </a:rPr>
-              <a:t>와 </a:t>
-            </a:r>
-            <a:r>
-              <a:rPr lang="ko-KR" altLang="en-US" sz="4800" dirty="0" err="1">
-                <a:solidFill>
-                  <a:srgbClr val="4C50BC"/>
-                </a:solidFill>
-                <a:latin typeface="G마켓 산스 Medium" panose="02000000000000000000" pitchFamily="50" charset="-127"/>
-                <a:ea typeface="G마켓 산스 Medium" panose="02000000000000000000" pitchFamily="50" charset="-127"/>
-              </a:rPr>
-              <a:t>통신할때는</a:t>
-            </a:r>
-            <a:r>
-              <a:rPr lang="ko-KR" altLang="en-US" sz="4800" dirty="0">
-                <a:solidFill>
-                  <a:srgbClr val="4C50BC"/>
-                </a:solidFill>
-                <a:latin typeface="G마켓 산스 Medium" panose="02000000000000000000" pitchFamily="50" charset="-127"/>
-                <a:ea typeface="G마켓 산스 Medium" panose="02000000000000000000" pitchFamily="50" charset="-127"/>
-              </a:rPr>
-              <a:t> </a:t>
-            </a:r>
-            <a:r>
-              <a:rPr lang="en-US" altLang="ko-KR" sz="4800" dirty="0">
-                <a:solidFill>
-                  <a:srgbClr val="4C50BC"/>
-                </a:solidFill>
-                <a:latin typeface="G마켓 산스 Medium" panose="02000000000000000000" pitchFamily="50" charset="-127"/>
-                <a:ea typeface="G마켓 산스 Medium" panose="02000000000000000000" pitchFamily="50" charset="-127"/>
-              </a:rPr>
-              <a:t>JSON </a:t>
-            </a:r>
-            <a:r>
-              <a:rPr lang="ko-KR" altLang="en-US" sz="4800" dirty="0">
-                <a:solidFill>
-                  <a:srgbClr val="4C50BC"/>
-                </a:solidFill>
-                <a:latin typeface="G마켓 산스 Medium" panose="02000000000000000000" pitchFamily="50" charset="-127"/>
-                <a:ea typeface="G마켓 산스 Medium" panose="02000000000000000000" pitchFamily="50" charset="-127"/>
-              </a:rPr>
-              <a:t>형태로 주고 받아야 한다</a:t>
-            </a:r>
-            <a:r>
-              <a:rPr lang="en-US" altLang="ko-KR" sz="4800" dirty="0">
-                <a:solidFill>
-                  <a:srgbClr val="4C50BC"/>
+              <a:rPr lang="ko-KR" altLang="en-US" sz="3600" dirty="0">
+                <a:solidFill>
+                  <a:srgbClr val="FF0000"/>
+                </a:solidFill>
+                <a:latin typeface="G마켓 산스 Medium" panose="02000000000000000000" pitchFamily="50" charset="-127"/>
+                <a:ea typeface="G마켓 산스 Medium" panose="02000000000000000000" pitchFamily="50" charset="-127"/>
+              </a:rPr>
+              <a:t>대화 내역을 계속 추가 해가면서 보내 줘야지 </a:t>
+            </a:r>
+            <a:r>
+              <a:rPr lang="en-US" altLang="ko-KR" sz="3600" dirty="0">
+                <a:solidFill>
+                  <a:srgbClr val="FF0000"/>
+                </a:solidFill>
+                <a:latin typeface="G마켓 산스 Medium" panose="02000000000000000000" pitchFamily="50" charset="-127"/>
+                <a:ea typeface="G마켓 산스 Medium" panose="02000000000000000000" pitchFamily="50" charset="-127"/>
+              </a:rPr>
+              <a:t>AI</a:t>
+            </a:r>
+            <a:r>
+              <a:rPr lang="ko-KR" altLang="en-US" sz="3600" dirty="0">
+                <a:solidFill>
+                  <a:srgbClr val="FF0000"/>
+                </a:solidFill>
+                <a:latin typeface="G마켓 산스 Medium" panose="02000000000000000000" pitchFamily="50" charset="-127"/>
+                <a:ea typeface="G마켓 산스 Medium" panose="02000000000000000000" pitchFamily="50" charset="-127"/>
+              </a:rPr>
+              <a:t>가 맥락을 이해하면서 </a:t>
+            </a:r>
+            <a:r>
+              <a:rPr lang="ko-KR" altLang="en-US" sz="3600" dirty="0" err="1">
+                <a:solidFill>
+                  <a:srgbClr val="FF0000"/>
+                </a:solidFill>
+                <a:latin typeface="G마켓 산스 Medium" panose="02000000000000000000" pitchFamily="50" charset="-127"/>
+                <a:ea typeface="G마켓 산스 Medium" panose="02000000000000000000" pitchFamily="50" charset="-127"/>
+              </a:rPr>
+              <a:t>대화할수</a:t>
+            </a:r>
+            <a:r>
+              <a:rPr lang="ko-KR" altLang="en-US" sz="3600" dirty="0">
+                <a:solidFill>
+                  <a:srgbClr val="FF0000"/>
+                </a:solidFill>
+                <a:latin typeface="G마켓 산스 Medium" panose="02000000000000000000" pitchFamily="50" charset="-127"/>
+                <a:ea typeface="G마켓 산스 Medium" panose="02000000000000000000" pitchFamily="50" charset="-127"/>
+              </a:rPr>
+              <a:t> 있다</a:t>
+            </a:r>
+            <a:r>
+              <a:rPr lang="en-US" altLang="ko-KR" sz="3600" dirty="0">
+                <a:solidFill>
+                  <a:srgbClr val="FF0000"/>
                 </a:solidFill>
                 <a:latin typeface="G마켓 산스 Medium" panose="02000000000000000000" pitchFamily="50" charset="-127"/>
                 <a:ea typeface="G마켓 산스 Medium" panose="02000000000000000000" pitchFamily="50" charset="-127"/>
               </a:rPr>
               <a:t>.</a:t>
             </a:r>
+          </a:p>
+        </p:txBody>
+      </p:sp>
+      <p:sp>
+        <p:nvSpPr>
+          <p:cNvPr id="7" name="직사각형 6">
+            <a:extLst>
+              <a:ext uri="{FF2B5EF4-FFF2-40B4-BE49-F238E27FC236}">
+                <a16:creationId xmlns:a16="http://schemas.microsoft.com/office/drawing/2014/main" id="{FFF506F9-840A-0508-4CAF-3AC711D8D5CE}"/>
+              </a:ext>
+            </a:extLst>
+          </p:cNvPr>
+          <p:cNvSpPr/>
+          <p:nvPr/>
+        </p:nvSpPr>
+        <p:spPr>
+          <a:xfrm>
+            <a:off x="1247774" y="8867774"/>
+            <a:ext cx="8505825" cy="1366169"/>
+          </a:xfrm>
+          <a:prstGeom prst="rect">
+            <a:avLst/>
+          </a:prstGeom>
+          <a:noFill/>
+          <a:ln>
+            <a:solidFill>
+              <a:srgbClr val="FF0000"/>
+            </a:solidFill>
+          </a:ln>
+        </p:spPr>
+        <p:style>
+          <a:lnRef idx="2">
+            <a:schemeClr val="accent2">
+              <a:shade val="50000"/>
+            </a:schemeClr>
+          </a:lnRef>
+          <a:fillRef idx="1">
+            <a:schemeClr val="accent2"/>
+          </a:fillRef>
+          <a:effectRef idx="0">
+            <a:schemeClr val="accent2"/>
+          </a:effectRef>
+          <a:fontRef idx="minor">
+            <a:schemeClr val="lt1"/>
+          </a:fontRef>
+        </p:style>
+        <p:txBody>
+          <a:bodyPr rtlCol="0" anchor="ctr"/>
+          <a:lstStyle/>
+          <a:p>
+            <a:pPr algn="ctr"/>
+            <a:endParaRPr lang="ko-KR" altLang="en-US"/>
           </a:p>
         </p:txBody>
       </p:sp>
     </p:spTree>
     <p:extLst>
       <p:ext uri="{BB962C8B-B14F-4D97-AF65-F5344CB8AC3E}">
-        <p14:creationId xmlns:p14="http://schemas.microsoft.com/office/powerpoint/2010/main" val="1441367658"/>
+        <p14:creationId xmlns:p14="http://schemas.microsoft.com/office/powerpoint/2010/main" val="1236467171"/>
       </p:ext>
     </p:extLst>
   </p:cSld>
@@ -5514,7 +5571,13 @@
       </p:grpSpPr>
       <p:pic>
         <p:nvPicPr>
-          <p:cNvPr id="4" name="그림 3"/>
+          <p:cNvPr id="6" name="그림 5">
+            <a:extLst>
+              <a:ext uri="{FF2B5EF4-FFF2-40B4-BE49-F238E27FC236}">
+                <a16:creationId xmlns:a16="http://schemas.microsoft.com/office/drawing/2014/main" id="{58BF4167-A0FA-C472-92B2-53A0A0D42345}"/>
+              </a:ext>
+            </a:extLst>
+          </p:cNvPr>
           <p:cNvPicPr>
             <a:picLocks noChangeAspect="1"/>
           </p:cNvPicPr>
@@ -5528,18 +5591,119 @@
         </p:blipFill>
         <p:spPr>
           <a:xfrm>
-            <a:off x="1371600" y="190500"/>
-            <a:ext cx="9906000" cy="9976960"/>
+            <a:off x="179751" y="3848100"/>
+            <a:ext cx="17928498" cy="2362200"/>
           </a:xfrm>
           <a:prstGeom prst="rect">
             <a:avLst/>
           </a:prstGeom>
         </p:spPr>
       </p:pic>
+      <p:sp>
+        <p:nvSpPr>
+          <p:cNvPr id="7" name="TextBox 6">
+            <a:extLst>
+              <a:ext uri="{FF2B5EF4-FFF2-40B4-BE49-F238E27FC236}">
+                <a16:creationId xmlns:a16="http://schemas.microsoft.com/office/drawing/2014/main" id="{AC9FB06F-5A5D-5235-A074-40A6D5C3BFBE}"/>
+              </a:ext>
+            </a:extLst>
+          </p:cNvPr>
+          <p:cNvSpPr txBox="1"/>
+          <p:nvPr/>
+        </p:nvSpPr>
+        <p:spPr>
+          <a:xfrm>
+            <a:off x="1485900" y="7200900"/>
+            <a:ext cx="15316200" cy="830997"/>
+          </a:xfrm>
+          <a:prstGeom prst="rect">
+            <a:avLst/>
+          </a:prstGeom>
+          <a:noFill/>
+        </p:spPr>
+        <p:txBody>
+          <a:bodyPr wrap="square" rtlCol="0">
+            <a:spAutoFit/>
+          </a:bodyPr>
+          <a:lstStyle/>
+          <a:p>
+            <a:r>
+              <a:rPr lang="en-US" altLang="ko-KR" sz="4800" dirty="0" err="1">
+                <a:solidFill>
+                  <a:srgbClr val="4C50BC"/>
+                </a:solidFill>
+                <a:latin typeface="G마켓 산스 Medium" panose="02000000000000000000" pitchFamily="50" charset="-127"/>
+                <a:ea typeface="G마켓 산스 Medium" panose="02000000000000000000" pitchFamily="50" charset="-127"/>
+              </a:rPr>
+              <a:t>chatGPT</a:t>
+            </a:r>
+            <a:r>
+              <a:rPr lang="ko-KR" altLang="en-US" sz="4800" dirty="0">
+                <a:solidFill>
+                  <a:srgbClr val="4C50BC"/>
+                </a:solidFill>
+                <a:latin typeface="G마켓 산스 Medium" panose="02000000000000000000" pitchFamily="50" charset="-127"/>
+                <a:ea typeface="G마켓 산스 Medium" panose="02000000000000000000" pitchFamily="50" charset="-127"/>
+              </a:rPr>
+              <a:t>와 </a:t>
+            </a:r>
+            <a:r>
+              <a:rPr lang="ko-KR" altLang="en-US" sz="4800" dirty="0" err="1">
+                <a:solidFill>
+                  <a:srgbClr val="4C50BC"/>
+                </a:solidFill>
+                <a:latin typeface="G마켓 산스 Medium" panose="02000000000000000000" pitchFamily="50" charset="-127"/>
+                <a:ea typeface="G마켓 산스 Medium" panose="02000000000000000000" pitchFamily="50" charset="-127"/>
+              </a:rPr>
+              <a:t>통신할때는</a:t>
+            </a:r>
+            <a:r>
+              <a:rPr lang="ko-KR" altLang="en-US" sz="4800" dirty="0">
+                <a:solidFill>
+                  <a:srgbClr val="4C50BC"/>
+                </a:solidFill>
+                <a:latin typeface="G마켓 산스 Medium" panose="02000000000000000000" pitchFamily="50" charset="-127"/>
+                <a:ea typeface="G마켓 산스 Medium" panose="02000000000000000000" pitchFamily="50" charset="-127"/>
+              </a:rPr>
+              <a:t> </a:t>
+            </a:r>
+            <a:r>
+              <a:rPr lang="en-US" altLang="ko-KR" sz="4800" dirty="0">
+                <a:solidFill>
+                  <a:srgbClr val="4C50BC"/>
+                </a:solidFill>
+                <a:latin typeface="G마켓 산스 Medium" panose="02000000000000000000" pitchFamily="50" charset="-127"/>
+                <a:ea typeface="G마켓 산스 Medium" panose="02000000000000000000" pitchFamily="50" charset="-127"/>
+              </a:rPr>
+              <a:t>JSON </a:t>
+            </a:r>
+            <a:r>
+              <a:rPr lang="ko-KR" altLang="en-US" sz="4800" dirty="0">
+                <a:solidFill>
+                  <a:srgbClr val="4C50BC"/>
+                </a:solidFill>
+                <a:latin typeface="G마켓 산스 Medium" panose="02000000000000000000" pitchFamily="50" charset="-127"/>
+                <a:ea typeface="G마켓 산스 Medium" panose="02000000000000000000" pitchFamily="50" charset="-127"/>
+              </a:rPr>
+              <a:t>형태로 주고 받아야 한다</a:t>
+            </a:r>
+            <a:r>
+              <a:rPr lang="en-US" altLang="ko-KR" sz="4800" dirty="0">
+                <a:solidFill>
+                  <a:srgbClr val="4C50BC"/>
+                </a:solidFill>
+                <a:latin typeface="G마켓 산스 Medium" panose="02000000000000000000" pitchFamily="50" charset="-127"/>
+                <a:ea typeface="G마켓 산스 Medium" panose="02000000000000000000" pitchFamily="50" charset="-127"/>
+              </a:rPr>
+              <a:t>.</a:t>
+            </a:r>
+          </a:p>
+        </p:txBody>
+      </p:sp>
     </p:spTree>
     <p:extLst>
       <p:ext uri="{BB962C8B-B14F-4D97-AF65-F5344CB8AC3E}">
-        <p14:creationId xmlns:p14="http://schemas.microsoft.com/office/powerpoint/2010/main" val="3046827982"/>
+        <p14:creationId xmlns:p14="http://schemas.microsoft.com/office/powerpoint/2010/main" val="1441367658"/>
       </p:ext>
     </p:extLst>
   </p:cSld>
@@ -5568,7 +5732,7 @@
       </p:grpSpPr>
       <p:pic>
         <p:nvPicPr>
-          <p:cNvPr id="2" name="그림 1"/>
+          <p:cNvPr id="4" name="그림 3"/>
           <p:cNvPicPr>
             <a:picLocks noChangeAspect="1"/>
           </p:cNvPicPr>
@@ -5582,43 +5746,8 @@
         </p:blipFill>
         <p:spPr>
           <a:xfrm>
-            <a:off x="685801" y="1097790"/>
-            <a:ext cx="14554200" cy="9189209"/>
-          </a:xfrm>
-          <a:prstGeom prst="rect">
-            <a:avLst/>
-          </a:prstGeom>
-        </p:spPr>
-      </p:pic>
-      <p:pic>
-        <p:nvPicPr>
-          <p:cNvPr id="5" name="그림 4"/>
-          <p:cNvPicPr>
-            <a:picLocks noChangeAspect="1"/>
-          </p:cNvPicPr>
-          <p:nvPr/>
-        </p:nvPicPr>
-        <p:blipFill rotWithShape="1">
-          <a:blip r:embed="rId3">
-            <a:extLst>
-              <a:ext uri="{BEBA8EAE-BF5A-486C-A8C5-ECC9F3942E4B}">
-                <a14:imgProps xmlns:a14="http://schemas.microsoft.com/office/drawing/2010/main">
-                  <a14:imgLayer r:embed="rId4">
-                    <a14:imgEffect>
-                      <a14:artisticGlass/>
-                    </a14:imgEffect>
-                  </a14:imgLayer>
-                </a14:imgProps>
-              </a:ext>
-            </a:extLst>
-          </a:blip>
-          <a:srcRect l="14432" t="5715" r="39182" b="91020"/>
-          <a:stretch/>
-        </p:blipFill>
-        <p:spPr>
-          <a:xfrm>
-            <a:off x="2743200" y="1591041"/>
-            <a:ext cx="6858001" cy="304800"/>
+            <a:off x="10515600" y="1901284"/>
+            <a:ext cx="7414488" cy="7467600"/>
           </a:xfrm>
           <a:prstGeom prst="rect">
             <a:avLst/>
@@ -5627,10 +5756,10 @@
       </p:pic>
       <p:sp>
         <p:nvSpPr>
-          <p:cNvPr id="7" name="TextBox 6">
+          <p:cNvPr id="2" name="TextBox 1">
             <a:extLst>
               <a:ext uri="{FF2B5EF4-FFF2-40B4-BE49-F238E27FC236}">
-                <a16:creationId xmlns:a16="http://schemas.microsoft.com/office/drawing/2014/main" xmlns="" id="{69196D22-2A4C-4EF6-5A42-2031D7FEF549}"/>
+                <a16:creationId xmlns:a16="http://schemas.microsoft.com/office/drawing/2014/main" id="{EBECE379-EA70-E020-A8B7-3EB3EA7B27E5}"/>
               </a:ext>
             </a:extLst>
           </p:cNvPr>
@@ -5640,7 +5769,7 @@
         <p:spPr>
           <a:xfrm>
             <a:off x="304800" y="114300"/>
-            <a:ext cx="4343400" cy="923330"/>
+            <a:ext cx="8077200" cy="923330"/>
           </a:xfrm>
           <a:prstGeom prst="rect">
             <a:avLst/>
@@ -5654,14 +5783,24 @@
           <a:lstStyle/>
           <a:p>
             <a:r>
-              <a:rPr lang="ko-KR" altLang="en-US" sz="5400" spc="-300" smtClean="0">
+              <a:rPr lang="en-US" altLang="ko-KR" sz="5400" spc="-300" dirty="0">
                 <a:solidFill>
                   <a:srgbClr val="4C50BC"/>
                 </a:solidFill>
                 <a:latin typeface="G마켓 산스 Bold" panose="02000000000000000000" pitchFamily="50" charset="-127"/>
                 <a:ea typeface="G마켓 산스 Bold" panose="02000000000000000000" pitchFamily="50" charset="-127"/>
               </a:rPr>
-              <a:t>기본소스코드</a:t>
+              <a:t>ChatGPT </a:t>
+            </a:r>
+            <a:r>
+              <a:rPr lang="ko-KR" altLang="en-US" sz="5400" spc="-300" dirty="0">
+                <a:solidFill>
+                  <a:srgbClr val="4C50BC"/>
+                </a:solidFill>
+                <a:latin typeface="G마켓 산스 Bold" panose="02000000000000000000" pitchFamily="50" charset="-127"/>
+                <a:ea typeface="G마켓 산스 Bold" panose="02000000000000000000" pitchFamily="50" charset="-127"/>
+              </a:rPr>
+              <a:t>응답형태</a:t>
             </a:r>
             <a:endParaRPr lang="en-US" altLang="ko-KR" sz="5400" spc="-300" dirty="0">
               <a:solidFill>
@@ -5675,10 +5814,10 @@
       </p:sp>
       <p:cxnSp>
         <p:nvCxnSpPr>
-          <p:cNvPr id="8" name="직선 연결선 7">
+          <p:cNvPr id="3" name="직선 연결선 2">
             <a:extLst>
               <a:ext uri="{FF2B5EF4-FFF2-40B4-BE49-F238E27FC236}">
-                <a16:creationId xmlns:a16="http://schemas.microsoft.com/office/drawing/2014/main" xmlns="" id="{DDFA97EB-659B-5D0A-D41B-496A6FF66D9E}"/>
+                <a16:creationId xmlns:a16="http://schemas.microsoft.com/office/drawing/2014/main" id="{BE9DDB2F-8D53-F3EA-C17E-57B1C45CBBEC}"/>
               </a:ext>
             </a:extLst>
           </p:cNvPr>
@@ -5716,10 +5855,313 @@
           </a:fontRef>
         </p:style>
       </p:cxnSp>
+      <p:sp>
+        <p:nvSpPr>
+          <p:cNvPr id="5" name="TextBox 4">
+            <a:extLst>
+              <a:ext uri="{FF2B5EF4-FFF2-40B4-BE49-F238E27FC236}">
+                <a16:creationId xmlns:a16="http://schemas.microsoft.com/office/drawing/2014/main" id="{C8A2F4E0-5BAE-1B15-4CCB-4B62BB4781C5}"/>
+              </a:ext>
+            </a:extLst>
+          </p:cNvPr>
+          <p:cNvSpPr txBox="1"/>
+          <p:nvPr/>
+        </p:nvSpPr>
+        <p:spPr>
+          <a:xfrm>
+            <a:off x="762000" y="1201111"/>
+            <a:ext cx="14167562" cy="2185214"/>
+          </a:xfrm>
+          <a:prstGeom prst="rect">
+            <a:avLst/>
+          </a:prstGeom>
+          <a:noFill/>
+        </p:spPr>
+        <p:txBody>
+          <a:bodyPr wrap="square" rtlCol="0">
+            <a:spAutoFit/>
+          </a:bodyPr>
+          <a:lstStyle/>
+          <a:p>
+            <a:pPr marL="571500" indent="-571500">
+              <a:buFont typeface="Arial" panose="020B0604020202020204" pitchFamily="34" charset="0"/>
+              <a:buChar char="•"/>
+            </a:pPr>
+            <a:r>
+              <a:rPr lang="en-US" altLang="ko-KR" sz="3600" dirty="0">
+                <a:solidFill>
+                  <a:schemeClr val="tx1">
+                    <a:lumMod val="50000"/>
+                    <a:lumOff val="50000"/>
+                  </a:schemeClr>
+                </a:solidFill>
+                <a:latin typeface="G마켓 산스 Medium" panose="02000000000000000000" pitchFamily="50" charset="-127"/>
+                <a:ea typeface="G마켓 산스 Medium" panose="02000000000000000000" pitchFamily="50" charset="-127"/>
+              </a:rPr>
+              <a:t>Json </a:t>
+            </a:r>
+            <a:r>
+              <a:rPr lang="ko-KR" altLang="en-US" sz="3600" dirty="0">
+                <a:solidFill>
+                  <a:schemeClr val="tx1">
+                    <a:lumMod val="50000"/>
+                    <a:lumOff val="50000"/>
+                  </a:schemeClr>
+                </a:solidFill>
+                <a:latin typeface="G마켓 산스 Medium" panose="02000000000000000000" pitchFamily="50" charset="-127"/>
+                <a:ea typeface="G마켓 산스 Medium" panose="02000000000000000000" pitchFamily="50" charset="-127"/>
+              </a:rPr>
+              <a:t>형태로 응답을 주며 모델정보 및 질문건에 대한 세션 아이디</a:t>
+            </a:r>
+            <a:r>
+              <a:rPr lang="en-US" altLang="ko-KR" sz="3600" dirty="0">
+                <a:solidFill>
+                  <a:schemeClr val="tx1">
+                    <a:lumMod val="50000"/>
+                    <a:lumOff val="50000"/>
+                  </a:schemeClr>
+                </a:solidFill>
+                <a:latin typeface="G마켓 산스 Medium" panose="02000000000000000000" pitchFamily="50" charset="-127"/>
+                <a:ea typeface="G마켓 산스 Medium" panose="02000000000000000000" pitchFamily="50" charset="-127"/>
+              </a:rPr>
+              <a:t>, </a:t>
+            </a:r>
+            <a:r>
+              <a:rPr lang="ko-KR" altLang="en-US" sz="3600" dirty="0">
+                <a:solidFill>
+                  <a:schemeClr val="tx1">
+                    <a:lumMod val="50000"/>
+                    <a:lumOff val="50000"/>
+                  </a:schemeClr>
+                </a:solidFill>
+                <a:latin typeface="G마켓 산스 Medium" panose="02000000000000000000" pitchFamily="50" charset="-127"/>
+                <a:ea typeface="G마켓 산스 Medium" panose="02000000000000000000" pitchFamily="50" charset="-127"/>
+              </a:rPr>
+              <a:t>토큰</a:t>
+            </a:r>
+            <a:r>
+              <a:rPr lang="en-US" altLang="ko-KR" sz="3600" dirty="0">
+                <a:solidFill>
+                  <a:schemeClr val="tx1">
+                    <a:lumMod val="50000"/>
+                    <a:lumOff val="50000"/>
+                  </a:schemeClr>
+                </a:solidFill>
+                <a:latin typeface="G마켓 산스 Medium" panose="02000000000000000000" pitchFamily="50" charset="-127"/>
+                <a:ea typeface="G마켓 산스 Medium" panose="02000000000000000000" pitchFamily="50" charset="-127"/>
+              </a:rPr>
+              <a:t>, </a:t>
+            </a:r>
+            <a:r>
+              <a:rPr lang="ko-KR" altLang="en-US" sz="3600" dirty="0">
+                <a:solidFill>
+                  <a:schemeClr val="tx1">
+                    <a:lumMod val="50000"/>
+                    <a:lumOff val="50000"/>
+                  </a:schemeClr>
+                </a:solidFill>
+                <a:latin typeface="G마켓 산스 Medium" panose="02000000000000000000" pitchFamily="50" charset="-127"/>
+                <a:ea typeface="G마켓 산스 Medium" panose="02000000000000000000" pitchFamily="50" charset="-127"/>
+              </a:rPr>
+              <a:t>비용 등등의 부가 정보들이 들어온다</a:t>
+            </a:r>
+            <a:r>
+              <a:rPr lang="en-US" altLang="ko-KR" sz="3600" dirty="0">
+                <a:solidFill>
+                  <a:schemeClr val="tx1">
+                    <a:lumMod val="50000"/>
+                    <a:lumOff val="50000"/>
+                  </a:schemeClr>
+                </a:solidFill>
+                <a:latin typeface="G마켓 산스 Medium" panose="02000000000000000000" pitchFamily="50" charset="-127"/>
+                <a:ea typeface="G마켓 산스 Medium" panose="02000000000000000000" pitchFamily="50" charset="-127"/>
+              </a:rPr>
+              <a:t>.</a:t>
+            </a:r>
+          </a:p>
+          <a:p>
+            <a:pPr marL="571500" indent="-571500">
+              <a:buFont typeface="Arial" panose="020B0604020202020204" pitchFamily="34" charset="0"/>
+              <a:buChar char="•"/>
+            </a:pPr>
+            <a:r>
+              <a:rPr lang="ko-KR" altLang="en-US" sz="3600" dirty="0">
+                <a:solidFill>
+                  <a:schemeClr val="tx1">
+                    <a:lumMod val="50000"/>
+                    <a:lumOff val="50000"/>
+                  </a:schemeClr>
+                </a:solidFill>
+                <a:latin typeface="G마켓 산스 Medium" panose="02000000000000000000" pitchFamily="50" charset="-127"/>
+                <a:ea typeface="G마켓 산스 Medium" panose="02000000000000000000" pitchFamily="50" charset="-127"/>
+              </a:rPr>
+              <a:t>대화에 대한 응답만을 추출하여 쓰면 된다</a:t>
+            </a:r>
+            <a:r>
+              <a:rPr lang="en-US" altLang="ko-KR" sz="3600" dirty="0">
+                <a:solidFill>
+                  <a:schemeClr val="tx1">
+                    <a:lumMod val="50000"/>
+                    <a:lumOff val="50000"/>
+                  </a:schemeClr>
+                </a:solidFill>
+                <a:latin typeface="G마켓 산스 Medium" panose="02000000000000000000" pitchFamily="50" charset="-127"/>
+                <a:ea typeface="G마켓 산스 Medium" panose="02000000000000000000" pitchFamily="50" charset="-127"/>
+              </a:rPr>
+              <a:t>.</a:t>
+            </a:r>
+          </a:p>
+          <a:p>
+            <a:r>
+              <a:rPr lang="en-US" altLang="ko-KR" sz="2800" dirty="0">
+                <a:solidFill>
+                  <a:schemeClr val="tx1">
+                    <a:lumMod val="50000"/>
+                    <a:lumOff val="50000"/>
+                  </a:schemeClr>
+                </a:solidFill>
+                <a:latin typeface="G마켓 산스 Medium" panose="02000000000000000000" pitchFamily="50" charset="-127"/>
+                <a:ea typeface="G마켓 산스 Medium" panose="02000000000000000000" pitchFamily="50" charset="-127"/>
+              </a:rPr>
+              <a:t>(</a:t>
+            </a:r>
+            <a:r>
+              <a:rPr lang="ko-KR" altLang="en-US" sz="2800" dirty="0">
+                <a:solidFill>
+                  <a:schemeClr val="tx1">
+                    <a:lumMod val="50000"/>
+                    <a:lumOff val="50000"/>
+                  </a:schemeClr>
+                </a:solidFill>
+                <a:latin typeface="G마켓 산스 Medium" panose="02000000000000000000" pitchFamily="50" charset="-127"/>
+                <a:ea typeface="G마켓 산스 Medium" panose="02000000000000000000" pitchFamily="50" charset="-127"/>
+              </a:rPr>
+              <a:t>물론 </a:t>
+            </a:r>
+            <a:r>
+              <a:rPr lang="ko-KR" altLang="en-US" sz="2800" dirty="0" err="1">
+                <a:solidFill>
+                  <a:schemeClr val="tx1">
+                    <a:lumMod val="50000"/>
+                    <a:lumOff val="50000"/>
+                  </a:schemeClr>
+                </a:solidFill>
+                <a:latin typeface="G마켓 산스 Medium" panose="02000000000000000000" pitchFamily="50" charset="-127"/>
+                <a:ea typeface="G마켓 산스 Medium" panose="02000000000000000000" pitchFamily="50" charset="-127"/>
+              </a:rPr>
+              <a:t>그외에</a:t>
+            </a:r>
+            <a:r>
+              <a:rPr lang="ko-KR" altLang="en-US" sz="2800" dirty="0">
+                <a:solidFill>
+                  <a:schemeClr val="tx1">
+                    <a:lumMod val="50000"/>
+                    <a:lumOff val="50000"/>
+                  </a:schemeClr>
+                </a:solidFill>
+                <a:latin typeface="G마켓 산스 Medium" panose="02000000000000000000" pitchFamily="50" charset="-127"/>
+                <a:ea typeface="G마켓 산스 Medium" panose="02000000000000000000" pitchFamily="50" charset="-127"/>
+              </a:rPr>
+              <a:t> 기타 정보들도 필요하다면 </a:t>
+            </a:r>
+            <a:r>
+              <a:rPr lang="ko-KR" altLang="en-US" sz="2800" dirty="0" err="1">
+                <a:solidFill>
+                  <a:schemeClr val="tx1">
+                    <a:lumMod val="50000"/>
+                    <a:lumOff val="50000"/>
+                  </a:schemeClr>
+                </a:solidFill>
+                <a:latin typeface="G마켓 산스 Medium" panose="02000000000000000000" pitchFamily="50" charset="-127"/>
+                <a:ea typeface="G마켓 산스 Medium" panose="02000000000000000000" pitchFamily="50" charset="-127"/>
+              </a:rPr>
+              <a:t>파싱하여</a:t>
+            </a:r>
+            <a:r>
+              <a:rPr lang="ko-KR" altLang="en-US" sz="2800" dirty="0">
+                <a:solidFill>
+                  <a:schemeClr val="tx1">
+                    <a:lumMod val="50000"/>
+                    <a:lumOff val="50000"/>
+                  </a:schemeClr>
+                </a:solidFill>
+                <a:latin typeface="G마켓 산스 Medium" panose="02000000000000000000" pitchFamily="50" charset="-127"/>
+                <a:ea typeface="G마켓 산스 Medium" panose="02000000000000000000" pitchFamily="50" charset="-127"/>
+              </a:rPr>
+              <a:t> 사용한다</a:t>
+            </a:r>
+            <a:r>
+              <a:rPr lang="en-US" altLang="ko-KR" sz="2800" dirty="0">
+                <a:solidFill>
+                  <a:schemeClr val="tx1">
+                    <a:lumMod val="50000"/>
+                    <a:lumOff val="50000"/>
+                  </a:schemeClr>
+                </a:solidFill>
+                <a:latin typeface="G마켓 산스 Medium" panose="02000000000000000000" pitchFamily="50" charset="-127"/>
+                <a:ea typeface="G마켓 산스 Medium" panose="02000000000000000000" pitchFamily="50" charset="-127"/>
+              </a:rPr>
+              <a:t>.)</a:t>
+            </a:r>
+          </a:p>
+        </p:txBody>
+      </p:sp>
+      <p:sp>
+        <p:nvSpPr>
+          <p:cNvPr id="6" name="직사각형 5">
+            <a:extLst>
+              <a:ext uri="{FF2B5EF4-FFF2-40B4-BE49-F238E27FC236}">
+                <a16:creationId xmlns:a16="http://schemas.microsoft.com/office/drawing/2014/main" id="{8307E1A4-B03E-D97C-3B35-C4BC95CAC1BE}"/>
+              </a:ext>
+            </a:extLst>
+          </p:cNvPr>
+          <p:cNvSpPr/>
+          <p:nvPr/>
+        </p:nvSpPr>
+        <p:spPr>
+          <a:xfrm>
+            <a:off x="11534072" y="5219700"/>
+            <a:ext cx="6396015" cy="304800"/>
+          </a:xfrm>
+          <a:prstGeom prst="rect">
+            <a:avLst/>
+          </a:prstGeom>
+          <a:noFill/>
+          <a:ln>
+            <a:solidFill>
+              <a:srgbClr val="FF0000"/>
+            </a:solidFill>
+          </a:ln>
+        </p:spPr>
+        <p:style>
+          <a:lnRef idx="2">
+            <a:schemeClr val="accent2">
+              <a:shade val="50000"/>
+            </a:schemeClr>
+          </a:lnRef>
+          <a:fillRef idx="1">
+            <a:schemeClr val="accent2"/>
+          </a:fillRef>
+          <a:effectRef idx="0">
+            <a:schemeClr val="accent2"/>
+          </a:effectRef>
+          <a:fontRef idx="minor">
+            <a:schemeClr val="lt1"/>
+          </a:fontRef>
+        </p:style>
+        <p:txBody>
+          <a:bodyPr rtlCol="0" anchor="ctr"/>
+          <a:lstStyle/>
+          <a:p>
+            <a:pPr algn="ctr"/>
+            <a:endParaRPr lang="ko-KR" altLang="en-US"/>
+          </a:p>
+        </p:txBody>
+      </p:sp>
     </p:spTree>
     <p:extLst>
       <p:ext uri="{BB962C8B-B14F-4D97-AF65-F5344CB8AC3E}">
-        <p14:creationId xmlns:p14="http://schemas.microsoft.com/office/powerpoint/2010/main" val="871931030"/>
+        <p14:creationId xmlns:p14="http://schemas.microsoft.com/office/powerpoint/2010/main" val="3046827982"/>
       </p:ext>
     </p:extLst>
   </p:cSld>
@@ -5900,7 +6342,7 @@
           <p:cNvPr id="11" name="TextBox 10">
             <a:extLst>
               <a:ext uri="{FF2B5EF4-FFF2-40B4-BE49-F238E27FC236}">
-                <a16:creationId xmlns:a16="http://schemas.microsoft.com/office/drawing/2014/main" xmlns="" id="{9F88F580-08BE-88C2-D640-13F0026591CB}"/>
+                <a16:creationId xmlns:a16="http://schemas.microsoft.com/office/drawing/2014/main" id="{9F88F580-08BE-88C2-D640-13F0026591CB}"/>
               </a:ext>
             </a:extLst>
           </p:cNvPr>
@@ -5958,7 +6400,7 @@
           <p:cNvPr id="13" name="TextBox 12">
             <a:extLst>
               <a:ext uri="{FF2B5EF4-FFF2-40B4-BE49-F238E27FC236}">
-                <a16:creationId xmlns:a16="http://schemas.microsoft.com/office/drawing/2014/main" xmlns="" id="{72769C28-9BB6-DE9C-7B6F-264B77B8DD0E}"/>
+                <a16:creationId xmlns:a16="http://schemas.microsoft.com/office/drawing/2014/main" id="{72769C28-9BB6-DE9C-7B6F-264B77B8DD0E}"/>
               </a:ext>
             </a:extLst>
           </p:cNvPr>
@@ -6038,7 +6480,7 @@
       </p:grpSpPr>
       <p:pic>
         <p:nvPicPr>
-          <p:cNvPr id="3" name="그림 2"/>
+          <p:cNvPr id="2" name="그림 1"/>
           <p:cNvPicPr>
             <a:picLocks noChangeAspect="1"/>
           </p:cNvPicPr>
@@ -6052,18 +6494,144 @@
         </p:blipFill>
         <p:spPr>
           <a:xfrm>
-            <a:off x="381000" y="0"/>
-            <a:ext cx="14249400" cy="10205480"/>
+            <a:off x="685801" y="1097790"/>
+            <a:ext cx="14554200" cy="9189209"/>
           </a:xfrm>
           <a:prstGeom prst="rect">
             <a:avLst/>
           </a:prstGeom>
         </p:spPr>
       </p:pic>
+      <p:pic>
+        <p:nvPicPr>
+          <p:cNvPr id="5" name="그림 4"/>
+          <p:cNvPicPr>
+            <a:picLocks noChangeAspect="1"/>
+          </p:cNvPicPr>
+          <p:nvPr/>
+        </p:nvPicPr>
+        <p:blipFill rotWithShape="1">
+          <a:blip r:embed="rId3">
+            <a:extLst>
+              <a:ext uri="{BEBA8EAE-BF5A-486C-A8C5-ECC9F3942E4B}">
+                <a14:imgProps xmlns:a14="http://schemas.microsoft.com/office/drawing/2010/main">
+                  <a14:imgLayer r:embed="rId4">
+                    <a14:imgEffect>
+                      <a14:artisticGlass/>
+                    </a14:imgEffect>
+                  </a14:imgLayer>
+                </a14:imgProps>
+              </a:ext>
+            </a:extLst>
+          </a:blip>
+          <a:srcRect l="14432" t="5715" r="39182" b="91020"/>
+          <a:stretch/>
+        </p:blipFill>
+        <p:spPr>
+          <a:xfrm>
+            <a:off x="2743200" y="1591041"/>
+            <a:ext cx="6858001" cy="304800"/>
+          </a:xfrm>
+          <a:prstGeom prst="rect">
+            <a:avLst/>
+          </a:prstGeom>
+        </p:spPr>
+      </p:pic>
+      <p:sp>
+        <p:nvSpPr>
+          <p:cNvPr id="7" name="TextBox 6">
+            <a:extLst>
+              <a:ext uri="{FF2B5EF4-FFF2-40B4-BE49-F238E27FC236}">
+                <a16:creationId xmlns:a16="http://schemas.microsoft.com/office/drawing/2014/main" id="{69196D22-2A4C-4EF6-5A42-2031D7FEF549}"/>
+              </a:ext>
+            </a:extLst>
+          </p:cNvPr>
+          <p:cNvSpPr txBox="1"/>
+          <p:nvPr/>
+        </p:nvSpPr>
+        <p:spPr>
+          <a:xfrm>
+            <a:off x="304800" y="114300"/>
+            <a:ext cx="4343400" cy="923330"/>
+          </a:xfrm>
+          <a:prstGeom prst="rect">
+            <a:avLst/>
+          </a:prstGeom>
+          <a:noFill/>
+        </p:spPr>
+        <p:txBody>
+          <a:bodyPr wrap="square" rtlCol="0">
+            <a:spAutoFit/>
+          </a:bodyPr>
+          <a:lstStyle/>
+          <a:p>
+            <a:r>
+              <a:rPr lang="ko-KR" altLang="en-US" sz="5400" spc="-300">
+                <a:solidFill>
+                  <a:srgbClr val="4C50BC"/>
+                </a:solidFill>
+                <a:latin typeface="G마켓 산스 Bold" panose="02000000000000000000" pitchFamily="50" charset="-127"/>
+                <a:ea typeface="G마켓 산스 Bold" panose="02000000000000000000" pitchFamily="50" charset="-127"/>
+              </a:rPr>
+              <a:t>기본소스코드</a:t>
+            </a:r>
+            <a:endParaRPr lang="en-US" altLang="ko-KR" sz="5400" spc="-300" dirty="0">
+              <a:solidFill>
+                <a:srgbClr val="4C50BC"/>
+              </a:solidFill>
+              <a:latin typeface="G마켓 산스 Bold" panose="02000000000000000000" pitchFamily="50" charset="-127"/>
+              <a:ea typeface="G마켓 산스 Bold" panose="02000000000000000000" pitchFamily="50" charset="-127"/>
+            </a:endParaRPr>
+          </a:p>
+        </p:txBody>
+      </p:sp>
+      <p:cxnSp>
+        <p:nvCxnSpPr>
+          <p:cNvPr id="8" name="직선 연결선 7">
+            <a:extLst>
+              <a:ext uri="{FF2B5EF4-FFF2-40B4-BE49-F238E27FC236}">
+                <a16:creationId xmlns:a16="http://schemas.microsoft.com/office/drawing/2014/main" id="{DDFA97EB-659B-5D0A-D41B-496A6FF66D9E}"/>
+              </a:ext>
+            </a:extLst>
+          </p:cNvPr>
+          <p:cNvCxnSpPr>
+            <a:cxnSpLocks/>
+          </p:cNvCxnSpPr>
+          <p:nvPr/>
+        </p:nvCxnSpPr>
+        <p:spPr>
+          <a:xfrm flipH="1" flipV="1">
+            <a:off x="-13447" y="972511"/>
+            <a:ext cx="18288000" cy="65119"/>
+          </a:xfrm>
+          <a:prstGeom prst="line">
+            <a:avLst/>
+          </a:prstGeom>
+          <a:ln w="38100">
+            <a:solidFill>
+              <a:srgbClr val="4C50BC"/>
+            </a:solidFill>
+          </a:ln>
+        </p:spPr>
+        <p:style>
+          <a:lnRef idx="1">
+            <a:schemeClr val="accent1"/>
+          </a:lnRef>
+          <a:fillRef idx="0">
+            <a:schemeClr val="accent1"/>
+          </a:fillRef>
+          <a:effectRef idx="0">
+            <a:schemeClr val="accent1"/>
+          </a:effectRef>
+          <a:fontRef idx="minor">
+            <a:schemeClr val="tx1"/>
+          </a:fontRef>
+        </p:style>
+      </p:cxnSp>
     </p:spTree>
     <p:extLst>
       <p:ext uri="{BB962C8B-B14F-4D97-AF65-F5344CB8AC3E}">
-        <p14:creationId xmlns:p14="http://schemas.microsoft.com/office/powerpoint/2010/main" val="401538121"/>
+        <p14:creationId xmlns:p14="http://schemas.microsoft.com/office/powerpoint/2010/main" val="871931030"/>
       </p:ext>
     </p:extLst>
   </p:cSld>
@@ -6090,12 +6658,66 @@
           <a:chExt cx="0" cy="0"/>
         </a:xfrm>
       </p:grpSpPr>
+      <p:pic>
+        <p:nvPicPr>
+          <p:cNvPr id="3" name="그림 2"/>
+          <p:cNvPicPr>
+            <a:picLocks noChangeAspect="1"/>
+          </p:cNvPicPr>
+          <p:nvPr/>
+        </p:nvPicPr>
+        <p:blipFill>
+          <a:blip r:embed="rId2"/>
+          <a:stretch>
+            <a:fillRect/>
+          </a:stretch>
+        </p:blipFill>
+        <p:spPr>
+          <a:xfrm>
+            <a:off x="381000" y="0"/>
+            <a:ext cx="14249400" cy="10205480"/>
+          </a:xfrm>
+          <a:prstGeom prst="rect">
+            <a:avLst/>
+          </a:prstGeom>
+        </p:spPr>
+      </p:pic>
+    </p:spTree>
+    <p:extLst>
+      <p:ext uri="{BB962C8B-B14F-4D97-AF65-F5344CB8AC3E}">
+        <p14:creationId xmlns:p14="http://schemas.microsoft.com/office/powerpoint/2010/main" val="401538121"/>
+      </p:ext>
+    </p:extLst>
+  </p:cSld>
+  <p:clrMapOvr>
+    <a:masterClrMapping/>
+  </p:clrMapOvr>
+</p:sld>
+</file>
+
+<file path=ppt/slides/slide22.xml><?xml version="1.0" encoding="utf-8"?>
+<p:sld xmlns:a="http://schemas.openxmlformats.org/drawingml/2006/main" xmlns:r="http://schemas.openxmlformats.org/officeDocument/2006/relationships" xmlns:p="http://schemas.openxmlformats.org/presentationml/2006/main">
+  <p:cSld>
+    <p:spTree>
+      <p:nvGrpSpPr>
+        <p:cNvPr id="1" name=""/>
+        <p:cNvGrpSpPr/>
+        <p:nvPr/>
+      </p:nvGrpSpPr>
+      <p:grpSpPr>
+        <a:xfrm>
+          <a:off x="0" y="0"/>
+          <a:ext cx="0" cy="0"/>
+          <a:chOff x="0" y="0"/>
+          <a:chExt cx="0" cy="0"/>
+        </a:xfrm>
+      </p:grpSpPr>
       <p:sp>
         <p:nvSpPr>
           <p:cNvPr id="5" name="TextBox 4">
             <a:extLst>
               <a:ext uri="{FF2B5EF4-FFF2-40B4-BE49-F238E27FC236}">
-                <a16:creationId xmlns:a16="http://schemas.microsoft.com/office/drawing/2014/main" xmlns="" id="{52176D31-35F7-8916-46FA-6095EFEC1E49}"/>
+                <a16:creationId xmlns:a16="http://schemas.microsoft.com/office/drawing/2014/main" id="{52176D31-35F7-8916-46FA-6095EFEC1E49}"/>
               </a:ext>
             </a:extLst>
           </p:cNvPr>
@@ -6227,7 +6849,7 @@
           <p:cNvPr id="6" name="TextBox 5">
             <a:extLst>
               <a:ext uri="{FF2B5EF4-FFF2-40B4-BE49-F238E27FC236}">
-                <a16:creationId xmlns:a16="http://schemas.microsoft.com/office/drawing/2014/main" xmlns="" id="{69196D22-2A4C-4EF6-5A42-2031D7FEF549}"/>
+                <a16:creationId xmlns:a16="http://schemas.microsoft.com/office/drawing/2014/main" id="{69196D22-2A4C-4EF6-5A42-2031D7FEF549}"/>
               </a:ext>
             </a:extLst>
           </p:cNvPr>
@@ -6251,7 +6873,7 @@
           <a:lstStyle/>
           <a:p>
             <a:r>
-              <a:rPr lang="en-US" altLang="ko-KR" sz="5400" spc="-300" smtClean="0">
+              <a:rPr lang="en-US" altLang="ko-KR" sz="5400" spc="-300" dirty="0">
                 <a:solidFill>
                   <a:srgbClr val="4C50BC"/>
                 </a:solidFill>
@@ -6261,7 +6883,7 @@
               <a:t>1. </a:t>
             </a:r>
             <a:r>
-              <a:rPr lang="ko-KR" altLang="en-US" sz="5400" spc="-300" smtClean="0">
+              <a:rPr lang="ko-KR" altLang="en-US" sz="5400" spc="-300" dirty="0">
                 <a:solidFill>
                   <a:srgbClr val="4C50BC"/>
                 </a:solidFill>
@@ -6271,7 +6893,7 @@
               <a:t>실습문제</a:t>
             </a:r>
             <a:r>
-              <a:rPr lang="en-US" altLang="ko-KR" sz="5400" spc="-300" smtClean="0">
+              <a:rPr lang="en-US" altLang="ko-KR" sz="5400" spc="-300" dirty="0">
                 <a:solidFill>
                   <a:srgbClr val="FF0000"/>
                 </a:solidFill>
@@ -6280,13 +6902,6 @@
               </a:rPr>
               <a:t>(normal)</a:t>
             </a:r>
-            <a:endParaRPr lang="en-US" altLang="ko-KR" sz="5400" spc="-300" dirty="0">
-              <a:solidFill>
-                <a:srgbClr val="FF0000"/>
-              </a:solidFill>
-              <a:latin typeface="G마켓 산스 Bold" panose="02000000000000000000" pitchFamily="50" charset="-127"/>
-              <a:ea typeface="G마켓 산스 Bold" panose="02000000000000000000" pitchFamily="50" charset="-127"/>
-            </a:endParaRPr>
           </a:p>
         </p:txBody>
       </p:sp>
@@ -6295,7 +6910,7 @@
           <p:cNvPr id="7" name="직선 연결선 6">
             <a:extLst>
               <a:ext uri="{FF2B5EF4-FFF2-40B4-BE49-F238E27FC236}">
-                <a16:creationId xmlns:a16="http://schemas.microsoft.com/office/drawing/2014/main" xmlns="" id="{DDFA97EB-659B-5D0A-D41B-496A6FF66D9E}"/>
+                <a16:creationId xmlns:a16="http://schemas.microsoft.com/office/drawing/2014/main" id="{DDFA97EB-659B-5D0A-D41B-496A6FF66D9E}"/>
               </a:ext>
             </a:extLst>
           </p:cNvPr>
@@ -6346,7 +6961,7 @@
 </p:sld>
 </file>
 
-<file path=ppt/slides/slide22.xml><?xml version="1.0" encoding="utf-8"?>
+<file path=ppt/slides/slide23.xml><?xml version="1.0" encoding="utf-8"?>
 <p:sld xmlns:a="http://schemas.openxmlformats.org/drawingml/2006/main" xmlns:r="http://schemas.openxmlformats.org/officeDocument/2006/relationships" xmlns:p="http://schemas.openxmlformats.org/presentationml/2006/main">
   <p:cSld>
     <p:spTree>
@@ -6368,7 +6983,7 @@
           <p:cNvPr id="4" name="TextBox 3">
             <a:extLst>
               <a:ext uri="{FF2B5EF4-FFF2-40B4-BE49-F238E27FC236}">
-                <a16:creationId xmlns:a16="http://schemas.microsoft.com/office/drawing/2014/main" xmlns="" id="{52176D31-35F7-8916-46FA-6095EFEC1E49}"/>
+                <a16:creationId xmlns:a16="http://schemas.microsoft.com/office/drawing/2014/main" id="{52176D31-35F7-8916-46FA-6095EFEC1E49}"/>
               </a:ext>
             </a:extLst>
           </p:cNvPr>
@@ -6392,7 +7007,7 @@
           <a:lstStyle/>
           <a:p>
             <a:r>
-              <a:rPr lang="ko-KR" altLang="en-US" sz="3600" smtClean="0">
+              <a:rPr lang="ko-KR" altLang="en-US" sz="3600">
                 <a:solidFill>
                   <a:srgbClr val="4C50BB"/>
                 </a:solidFill>
@@ -6686,7 +7301,7 @@
               <a:t>반환한다</a:t>
             </a:r>
             <a:r>
-              <a:rPr lang="en-US" altLang="ko-KR" sz="3600" smtClean="0">
+              <a:rPr lang="en-US" altLang="ko-KR" sz="3600">
                 <a:solidFill>
                   <a:schemeClr val="tx1">
                     <a:lumMod val="50000"/>
@@ -6740,7 +7355,7 @@
           <p:cNvPr id="6" name="직사각형 5">
             <a:extLst>
               <a:ext uri="{FF2B5EF4-FFF2-40B4-BE49-F238E27FC236}">
-                <a16:creationId xmlns:a16="http://schemas.microsoft.com/office/drawing/2014/main" xmlns="" id="{FFF506F9-840A-0508-4CAF-3AC711D8D5CE}"/>
+                <a16:creationId xmlns:a16="http://schemas.microsoft.com/office/drawing/2014/main" id="{FFF506F9-840A-0508-4CAF-3AC711D8D5CE}"/>
               </a:ext>
             </a:extLst>
           </p:cNvPr>
@@ -6792,7 +7407,7 @@
           <p:cNvPr id="7" name="직선 화살표 연결선 6">
             <a:extLst>
               <a:ext uri="{FF2B5EF4-FFF2-40B4-BE49-F238E27FC236}">
-                <a16:creationId xmlns:a16="http://schemas.microsoft.com/office/drawing/2014/main" xmlns="" id="{299DF5EC-9DF4-5255-06AC-0A7CE4FF58C3}"/>
+                <a16:creationId xmlns:a16="http://schemas.microsoft.com/office/drawing/2014/main" id="{299DF5EC-9DF4-5255-06AC-0A7CE4FF58C3}"/>
               </a:ext>
             </a:extLst>
           </p:cNvPr>
@@ -6833,7 +7448,7 @@
           <p:cNvPr id="8" name="TextBox 7">
             <a:extLst>
               <a:ext uri="{FF2B5EF4-FFF2-40B4-BE49-F238E27FC236}">
-                <a16:creationId xmlns:a16="http://schemas.microsoft.com/office/drawing/2014/main" xmlns="" id="{C6D113C6-EA5C-788F-0C77-E7CE6EBB865F}"/>
+                <a16:creationId xmlns:a16="http://schemas.microsoft.com/office/drawing/2014/main" id="{C6D113C6-EA5C-788F-0C77-E7CE6EBB865F}"/>
               </a:ext>
             </a:extLst>
           </p:cNvPr>
@@ -6937,7 +7552,7 @@
           <p:cNvPr id="11" name="직사각형 10">
             <a:extLst>
               <a:ext uri="{FF2B5EF4-FFF2-40B4-BE49-F238E27FC236}">
-                <a16:creationId xmlns:a16="http://schemas.microsoft.com/office/drawing/2014/main" xmlns="" id="{FFF506F9-840A-0508-4CAF-3AC711D8D5CE}"/>
+                <a16:creationId xmlns:a16="http://schemas.microsoft.com/office/drawing/2014/main" id="{FFF506F9-840A-0508-4CAF-3AC711D8D5CE}"/>
               </a:ext>
             </a:extLst>
           </p:cNvPr>
@@ -6989,7 +7604,7 @@
           <p:cNvPr id="2" name="그룹 1008">
             <a:extLst>
               <a:ext uri="{FF2B5EF4-FFF2-40B4-BE49-F238E27FC236}">
-                <a16:creationId xmlns:a16="http://schemas.microsoft.com/office/drawing/2014/main" xmlns="" id="{2385227E-D2F0-1362-46D1-886C20F2AD93}"/>
+                <a16:creationId xmlns:a16="http://schemas.microsoft.com/office/drawing/2014/main" id="{2385227E-D2F0-1362-46D1-886C20F2AD93}"/>
               </a:ext>
             </a:extLst>
           </p:cNvPr>
@@ -7009,7 +7624,7 @@
             <p:cNvPr id="3" name="그룹 1009">
               <a:extLst>
                 <a:ext uri="{FF2B5EF4-FFF2-40B4-BE49-F238E27FC236}">
-                  <a16:creationId xmlns:a16="http://schemas.microsoft.com/office/drawing/2014/main" xmlns="" id="{1A7AFC96-8C49-8E64-A804-1923EABD7211}"/>
+                  <a16:creationId xmlns:a16="http://schemas.microsoft.com/office/drawing/2014/main" id="{1A7AFC96-8C49-8E64-A804-1923EABD7211}"/>
                 </a:ext>
               </a:extLst>
             </p:cNvPr>
@@ -7029,7 +7644,7 @@
               <p:cNvPr id="15" name="Object 29">
                 <a:extLst>
                   <a:ext uri="{FF2B5EF4-FFF2-40B4-BE49-F238E27FC236}">
-                    <a16:creationId xmlns:a16="http://schemas.microsoft.com/office/drawing/2014/main" xmlns="" id="{288E5072-3FCC-717A-81D4-3CD20A75DC98}"/>
+                    <a16:creationId xmlns:a16="http://schemas.microsoft.com/office/drawing/2014/main" id="{288E5072-3FCC-717A-81D4-3CD20A75DC98}"/>
                   </a:ext>
                 </a:extLst>
               </p:cNvPr>
@@ -7060,7 +7675,7 @@
             <p:cNvPr id="9" name="그룹 1010">
               <a:extLst>
                 <a:ext uri="{FF2B5EF4-FFF2-40B4-BE49-F238E27FC236}">
-                  <a16:creationId xmlns:a16="http://schemas.microsoft.com/office/drawing/2014/main" xmlns="" id="{7C75DF87-A0F1-2E56-7368-0A329EA706A9}"/>
+                  <a16:creationId xmlns:a16="http://schemas.microsoft.com/office/drawing/2014/main" id="{7C75DF87-A0F1-2E56-7368-0A329EA706A9}"/>
                 </a:ext>
               </a:extLst>
             </p:cNvPr>
@@ -7080,7 +7695,7 @@
               <p:cNvPr id="14" name="Object 32">
                 <a:extLst>
                   <a:ext uri="{FF2B5EF4-FFF2-40B4-BE49-F238E27FC236}">
-                    <a16:creationId xmlns:a16="http://schemas.microsoft.com/office/drawing/2014/main" xmlns="" id="{5A2AEBA5-C216-7CB9-0E26-FA44B924C216}"/>
+                    <a16:creationId xmlns:a16="http://schemas.microsoft.com/office/drawing/2014/main" id="{5A2AEBA5-C216-7CB9-0E26-FA44B924C216}"/>
                   </a:ext>
                 </a:extLst>
               </p:cNvPr>
@@ -7111,7 +7726,7 @@
             <p:cNvPr id="12" name="그룹 1011">
               <a:extLst>
                 <a:ext uri="{FF2B5EF4-FFF2-40B4-BE49-F238E27FC236}">
-                  <a16:creationId xmlns:a16="http://schemas.microsoft.com/office/drawing/2014/main" xmlns="" id="{A1BEA407-8428-0C00-96BE-84EE64AFE486}"/>
+                  <a16:creationId xmlns:a16="http://schemas.microsoft.com/office/drawing/2014/main" id="{A1BEA407-8428-0C00-96BE-84EE64AFE486}"/>
                 </a:ext>
               </a:extLst>
             </p:cNvPr>
@@ -7131,7 +7746,7 @@
               <p:cNvPr id="13" name="Object 35">
                 <a:extLst>
                   <a:ext uri="{FF2B5EF4-FFF2-40B4-BE49-F238E27FC236}">
-                    <a16:creationId xmlns:a16="http://schemas.microsoft.com/office/drawing/2014/main" xmlns="" id="{5B5B9A82-E2E2-2ACF-3392-E6FAB8CA6AC4}"/>
+                    <a16:creationId xmlns:a16="http://schemas.microsoft.com/office/drawing/2014/main" id="{5B5B9A82-E2E2-2ACF-3392-E6FAB8CA6AC4}"/>
                   </a:ext>
                 </a:extLst>
               </p:cNvPr>
@@ -7163,7 +7778,7 @@
           <p:cNvPr id="16" name="TextBox 15">
             <a:extLst>
               <a:ext uri="{FF2B5EF4-FFF2-40B4-BE49-F238E27FC236}">
-                <a16:creationId xmlns:a16="http://schemas.microsoft.com/office/drawing/2014/main" xmlns="" id="{69196D22-2A4C-4EF6-5A42-2031D7FEF549}"/>
+                <a16:creationId xmlns:a16="http://schemas.microsoft.com/office/drawing/2014/main" id="{69196D22-2A4C-4EF6-5A42-2031D7FEF549}"/>
               </a:ext>
             </a:extLst>
           </p:cNvPr>
@@ -7187,7 +7802,7 @@
           <a:lstStyle/>
           <a:p>
             <a:r>
-              <a:rPr lang="en-US" altLang="ko-KR" sz="5400" spc="-300" smtClean="0">
+              <a:rPr lang="en-US" altLang="ko-KR" sz="5400" spc="-300">
                 <a:solidFill>
                   <a:srgbClr val="4C50BC"/>
                 </a:solidFill>
@@ -7197,7 +7812,7 @@
               <a:t>2. </a:t>
             </a:r>
             <a:r>
-              <a:rPr lang="ko-KR" altLang="en-US" sz="5400" spc="-300" smtClean="0">
+              <a:rPr lang="ko-KR" altLang="en-US" sz="5400" spc="-300">
                 <a:solidFill>
                   <a:srgbClr val="4C50BC"/>
                 </a:solidFill>
@@ -7207,7 +7822,7 @@
               <a:t>실습문제</a:t>
             </a:r>
             <a:r>
-              <a:rPr lang="en-US" altLang="ko-KR" sz="5400" spc="-300" smtClean="0">
+              <a:rPr lang="en-US" altLang="ko-KR" sz="5400" spc="-300">
                 <a:solidFill>
                   <a:srgbClr val="FF0000"/>
                 </a:solidFill>
@@ -7231,7 +7846,7 @@
           <p:cNvPr id="17" name="직선 연결선 16">
             <a:extLst>
               <a:ext uri="{FF2B5EF4-FFF2-40B4-BE49-F238E27FC236}">
-                <a16:creationId xmlns:a16="http://schemas.microsoft.com/office/drawing/2014/main" xmlns="" id="{DDFA97EB-659B-5D0A-D41B-496A6FF66D9E}"/>
+                <a16:creationId xmlns:a16="http://schemas.microsoft.com/office/drawing/2014/main" id="{DDFA97EB-659B-5D0A-D41B-496A6FF66D9E}"/>
               </a:ext>
             </a:extLst>
           </p:cNvPr>
@@ -7282,7 +7897,7 @@
 </p:sld>
 </file>
 
-<file path=ppt/slides/slide23.xml><?xml version="1.0" encoding="utf-8"?>
+<file path=ppt/slides/slide24.xml><?xml version="1.0" encoding="utf-8"?>
 <p:sld xmlns:a="http://schemas.openxmlformats.org/drawingml/2006/main" xmlns:r="http://schemas.openxmlformats.org/officeDocument/2006/relationships" xmlns:p="http://schemas.openxmlformats.org/presentationml/2006/main">
   <p:cSld>
     <p:spTree>
@@ -7352,7 +7967,7 @@
           <p:cNvPr id="3" name="그룹 2">
             <a:extLst>
               <a:ext uri="{FF2B5EF4-FFF2-40B4-BE49-F238E27FC236}">
-                <a16:creationId xmlns:a16="http://schemas.microsoft.com/office/drawing/2014/main" xmlns="" id="{3F1C6145-0D6E-EE4E-97CD-26061C1F5739}"/>
+                <a16:creationId xmlns:a16="http://schemas.microsoft.com/office/drawing/2014/main" id="{3F1C6145-0D6E-EE4E-97CD-26061C1F5739}"/>
               </a:ext>
             </a:extLst>
           </p:cNvPr>
@@ -7372,7 +7987,7 @@
             <p:cNvPr id="2" name="그룹 1">
               <a:extLst>
                 <a:ext uri="{FF2B5EF4-FFF2-40B4-BE49-F238E27FC236}">
-                  <a16:creationId xmlns:a16="http://schemas.microsoft.com/office/drawing/2014/main" xmlns="" id="{1A924855-5069-158F-B5A3-6F6A83D1C489}"/>
+                  <a16:creationId xmlns:a16="http://schemas.microsoft.com/office/drawing/2014/main" id="{1A924855-5069-158F-B5A3-6F6A83D1C489}"/>
                 </a:ext>
               </a:extLst>
             </p:cNvPr>
@@ -7466,7 +8081,7 @@
           <p:cNvPr id="17" name="TextBox 16">
             <a:extLst>
               <a:ext uri="{FF2B5EF4-FFF2-40B4-BE49-F238E27FC236}">
-                <a16:creationId xmlns:a16="http://schemas.microsoft.com/office/drawing/2014/main" xmlns="" id="{69196D22-2A4C-4EF6-5A42-2031D7FEF549}"/>
+                <a16:creationId xmlns:a16="http://schemas.microsoft.com/office/drawing/2014/main" id="{69196D22-2A4C-4EF6-5A42-2031D7FEF549}"/>
               </a:ext>
             </a:extLst>
           </p:cNvPr>
@@ -7490,7 +8105,7 @@
           <a:lstStyle/>
           <a:p>
             <a:r>
-              <a:rPr lang="en-US" altLang="ko-KR" sz="5400" spc="-300" smtClean="0">
+              <a:rPr lang="en-US" altLang="ko-KR" sz="5400" spc="-300">
                 <a:solidFill>
                   <a:srgbClr val="4C50BC"/>
                 </a:solidFill>
@@ -7500,7 +8115,7 @@
               <a:t>2. </a:t>
             </a:r>
             <a:r>
-              <a:rPr lang="ko-KR" altLang="en-US" sz="5400" spc="-300" smtClean="0">
+              <a:rPr lang="ko-KR" altLang="en-US" sz="5400" spc="-300">
                 <a:solidFill>
                   <a:srgbClr val="4C50BC"/>
                 </a:solidFill>
@@ -7510,7 +8125,7 @@
               <a:t>문제풀이</a:t>
             </a:r>
             <a:r>
-              <a:rPr lang="en-US" altLang="ko-KR" sz="5400" spc="-300" smtClean="0">
+              <a:rPr lang="en-US" altLang="ko-KR" sz="5400" spc="-300">
                 <a:solidFill>
                   <a:srgbClr val="FF0000"/>
                 </a:solidFill>
@@ -7534,7 +8149,7 @@
           <p:cNvPr id="18" name="직선 연결선 17">
             <a:extLst>
               <a:ext uri="{FF2B5EF4-FFF2-40B4-BE49-F238E27FC236}">
-                <a16:creationId xmlns:a16="http://schemas.microsoft.com/office/drawing/2014/main" xmlns="" id="{DDFA97EB-659B-5D0A-D41B-496A6FF66D9E}"/>
+                <a16:creationId xmlns:a16="http://schemas.microsoft.com/office/drawing/2014/main" id="{DDFA97EB-659B-5D0A-D41B-496A6FF66D9E}"/>
               </a:ext>
             </a:extLst>
           </p:cNvPr>
@@ -7577,7 +8192,7 @@
           <p:cNvPr id="20" name="TextBox 19">
             <a:extLst>
               <a:ext uri="{FF2B5EF4-FFF2-40B4-BE49-F238E27FC236}">
-                <a16:creationId xmlns:a16="http://schemas.microsoft.com/office/drawing/2014/main" xmlns="" id="{B1C05CB3-45A9-FA20-A8E0-BE6F095B8777}"/>
+                <a16:creationId xmlns:a16="http://schemas.microsoft.com/office/drawing/2014/main" id="{B1C05CB3-45A9-FA20-A8E0-BE6F095B8777}"/>
               </a:ext>
             </a:extLst>
           </p:cNvPr>
@@ -7605,7 +8220,7 @@
               <a:buChar char="•"/>
             </a:pPr>
             <a:r>
-              <a:rPr lang="en-US" altLang="ko-KR" sz="3600" smtClean="0">
+              <a:rPr lang="en-US" altLang="ko-KR" sz="3600">
                 <a:solidFill>
                   <a:schemeClr val="tx1">
                     <a:lumMod val="50000"/>
@@ -7618,7 +8233,7 @@
               <a:t>chatGPT</a:t>
             </a:r>
             <a:r>
-              <a:rPr lang="ko-KR" altLang="en-US" sz="3600" smtClean="0">
+              <a:rPr lang="ko-KR" altLang="en-US" sz="3600">
                 <a:solidFill>
                   <a:schemeClr val="tx1">
                     <a:lumMod val="50000"/>
@@ -7631,7 +8246,7 @@
               <a:t>의 멤버변수로 </a:t>
             </a:r>
             <a:r>
-              <a:rPr lang="en-US" altLang="ko-KR" sz="3600" smtClean="0">
+              <a:rPr lang="en-US" altLang="ko-KR" sz="3600">
                 <a:solidFill>
                   <a:schemeClr val="tx1">
                     <a:lumMod val="50000"/>
@@ -7644,7 +8259,7 @@
               <a:t>key</a:t>
             </a:r>
             <a:r>
-              <a:rPr lang="ko-KR" altLang="en-US" sz="3600" smtClean="0">
+              <a:rPr lang="ko-KR" altLang="en-US" sz="3600">
                 <a:solidFill>
                   <a:schemeClr val="tx1">
                     <a:lumMod val="50000"/>
@@ -7657,7 +8272,7 @@
               <a:t>값을 가지고 있는다</a:t>
             </a:r>
             <a:r>
-              <a:rPr lang="en-US" altLang="ko-KR" sz="3600" smtClean="0">
+              <a:rPr lang="en-US" altLang="ko-KR" sz="3600">
                 <a:solidFill>
                   <a:schemeClr val="tx1">
                     <a:lumMod val="50000"/>
@@ -7676,7 +8291,7 @@
               <a:buChar char="•"/>
             </a:pPr>
             <a:r>
-              <a:rPr lang="ko-KR" altLang="en-US" sz="3600" smtClean="0">
+              <a:rPr lang="ko-KR" altLang="en-US" sz="3600">
                 <a:solidFill>
                   <a:schemeClr val="tx1">
                     <a:lumMod val="50000"/>
@@ -7689,7 +8304,7 @@
               <a:t>생성자로 키를 전달받아 멤버변수에 </a:t>
             </a:r>
             <a:r>
-              <a:rPr lang="en-US" altLang="ko-KR" sz="3600" smtClean="0">
+              <a:rPr lang="en-US" altLang="ko-KR" sz="3600">
                 <a:solidFill>
                   <a:schemeClr val="tx1">
                     <a:lumMod val="50000"/>
@@ -7702,7 +8317,7 @@
               <a:t>key</a:t>
             </a:r>
             <a:r>
-              <a:rPr lang="ko-KR" altLang="en-US" sz="3600" smtClean="0">
+              <a:rPr lang="ko-KR" altLang="en-US" sz="3600">
                 <a:solidFill>
                   <a:schemeClr val="tx1">
                     <a:lumMod val="50000"/>
@@ -7715,7 +8330,7 @@
               <a:t>값을 가지고 활용한다</a:t>
             </a:r>
             <a:r>
-              <a:rPr lang="en-US" altLang="ko-KR" sz="3600" smtClean="0">
+              <a:rPr lang="en-US" altLang="ko-KR" sz="3600">
                 <a:solidFill>
                   <a:schemeClr val="tx1">
                     <a:lumMod val="50000"/>
@@ -7727,16 +8342,6 @@
               </a:rPr>
               <a:t>.</a:t>
             </a:r>
-            <a:endParaRPr lang="en-US" altLang="ko-KR" sz="3600" smtClean="0">
-              <a:solidFill>
-                <a:schemeClr val="tx1">
-                  <a:lumMod val="50000"/>
-                  <a:lumOff val="50000"/>
-                </a:schemeClr>
-              </a:solidFill>
-              <a:latin typeface="G마켓 산스 Medium" panose="02000000000000000000" pitchFamily="50" charset="-127"/>
-              <a:ea typeface="G마켓 산스 Medium" panose="02000000000000000000" pitchFamily="50" charset="-127"/>
-            </a:endParaRPr>
           </a:p>
         </p:txBody>
       </p:sp>
@@ -7745,7 +8350,7 @@
           <p:cNvPr id="21" name="직사각형 20">
             <a:extLst>
               <a:ext uri="{FF2B5EF4-FFF2-40B4-BE49-F238E27FC236}">
-                <a16:creationId xmlns:a16="http://schemas.microsoft.com/office/drawing/2014/main" xmlns="" id="{361FA442-8171-4EBF-65A2-19C90654959D}"/>
+                <a16:creationId xmlns:a16="http://schemas.microsoft.com/office/drawing/2014/main" id="{361FA442-8171-4EBF-65A2-19C90654959D}"/>
               </a:ext>
             </a:extLst>
           </p:cNvPr>
@@ -7883,7 +8488,7 @@
 </p:sld>
 </file>
 
-<file path=ppt/slides/slide24.xml><?xml version="1.0" encoding="utf-8"?>
+<file path=ppt/slides/slide25.xml><?xml version="1.0" encoding="utf-8"?>
 <p:sld xmlns:a="http://schemas.openxmlformats.org/drawingml/2006/main" xmlns:r="http://schemas.openxmlformats.org/officeDocument/2006/relationships" xmlns:p="http://schemas.openxmlformats.org/presentationml/2006/main">
   <p:cSld>
     <p:spTree>
@@ -7905,7 +8510,7 @@
           <p:cNvPr id="4" name="TextBox 3">
             <a:extLst>
               <a:ext uri="{FF2B5EF4-FFF2-40B4-BE49-F238E27FC236}">
-                <a16:creationId xmlns:a16="http://schemas.microsoft.com/office/drawing/2014/main" xmlns="" id="{52176D31-35F7-8916-46FA-6095EFEC1E49}"/>
+                <a16:creationId xmlns:a16="http://schemas.microsoft.com/office/drawing/2014/main" id="{52176D31-35F7-8916-46FA-6095EFEC1E49}"/>
               </a:ext>
             </a:extLst>
           </p:cNvPr>
@@ -7929,7 +8534,7 @@
           <a:lstStyle/>
           <a:p>
             <a:r>
-              <a:rPr lang="ko-KR" altLang="en-US" sz="3600" smtClean="0">
+              <a:rPr lang="ko-KR" altLang="en-US" sz="3600">
                 <a:solidFill>
                   <a:srgbClr val="4C50BB"/>
                 </a:solidFill>
@@ -8226,7 +8831,7 @@
           <p:cNvPr id="6" name="직사각형 5">
             <a:extLst>
               <a:ext uri="{FF2B5EF4-FFF2-40B4-BE49-F238E27FC236}">
-                <a16:creationId xmlns:a16="http://schemas.microsoft.com/office/drawing/2014/main" xmlns="" id="{FFF506F9-840A-0508-4CAF-3AC711D8D5CE}"/>
+                <a16:creationId xmlns:a16="http://schemas.microsoft.com/office/drawing/2014/main" id="{FFF506F9-840A-0508-4CAF-3AC711D8D5CE}"/>
               </a:ext>
             </a:extLst>
           </p:cNvPr>
@@ -8278,7 +8883,7 @@
           <p:cNvPr id="7" name="직선 화살표 연결선 6">
             <a:extLst>
               <a:ext uri="{FF2B5EF4-FFF2-40B4-BE49-F238E27FC236}">
-                <a16:creationId xmlns:a16="http://schemas.microsoft.com/office/drawing/2014/main" xmlns="" id="{299DF5EC-9DF4-5255-06AC-0A7CE4FF58C3}"/>
+                <a16:creationId xmlns:a16="http://schemas.microsoft.com/office/drawing/2014/main" id="{299DF5EC-9DF4-5255-06AC-0A7CE4FF58C3}"/>
               </a:ext>
             </a:extLst>
           </p:cNvPr>
@@ -8319,7 +8924,7 @@
           <p:cNvPr id="8" name="TextBox 7">
             <a:extLst>
               <a:ext uri="{FF2B5EF4-FFF2-40B4-BE49-F238E27FC236}">
-                <a16:creationId xmlns:a16="http://schemas.microsoft.com/office/drawing/2014/main" xmlns="" id="{C6D113C6-EA5C-788F-0C77-E7CE6EBB865F}"/>
+                <a16:creationId xmlns:a16="http://schemas.microsoft.com/office/drawing/2014/main" id="{C6D113C6-EA5C-788F-0C77-E7CE6EBB865F}"/>
               </a:ext>
             </a:extLst>
           </p:cNvPr>
@@ -8424,7 +9029,7 @@
           <p:cNvPr id="15" name="직사각형 14">
             <a:extLst>
               <a:ext uri="{FF2B5EF4-FFF2-40B4-BE49-F238E27FC236}">
-                <a16:creationId xmlns:a16="http://schemas.microsoft.com/office/drawing/2014/main" xmlns="" id="{FFF506F9-840A-0508-4CAF-3AC711D8D5CE}"/>
+                <a16:creationId xmlns:a16="http://schemas.microsoft.com/office/drawing/2014/main" id="{FFF506F9-840A-0508-4CAF-3AC711D8D5CE}"/>
               </a:ext>
             </a:extLst>
           </p:cNvPr>
@@ -8476,7 +9081,7 @@
           <p:cNvPr id="9" name="TextBox 8">
             <a:extLst>
               <a:ext uri="{FF2B5EF4-FFF2-40B4-BE49-F238E27FC236}">
-                <a16:creationId xmlns:a16="http://schemas.microsoft.com/office/drawing/2014/main" xmlns="" id="{69196D22-2A4C-4EF6-5A42-2031D7FEF549}"/>
+                <a16:creationId xmlns:a16="http://schemas.microsoft.com/office/drawing/2014/main" id="{69196D22-2A4C-4EF6-5A42-2031D7FEF549}"/>
               </a:ext>
             </a:extLst>
           </p:cNvPr>
@@ -8507,30 +9112,20 @@
                 <a:latin typeface="G마켓 산스 Bold" panose="02000000000000000000" pitchFamily="50" charset="-127"/>
                 <a:ea typeface="G마켓 산스 Bold" panose="02000000000000000000" pitchFamily="50" charset="-127"/>
               </a:rPr>
-              <a:t>3</a:t>
-            </a:r>
-            <a:r>
-              <a:rPr lang="en-US" altLang="ko-KR" sz="5400" spc="-300" smtClean="0">
+              <a:t>3. </a:t>
+            </a:r>
+            <a:r>
+              <a:rPr lang="ko-KR" altLang="en-US" sz="5400" spc="-300">
                 <a:solidFill>
                   <a:srgbClr val="4C50BC"/>
                 </a:solidFill>
                 <a:latin typeface="G마켓 산스 Bold" panose="02000000000000000000" pitchFamily="50" charset="-127"/>
                 <a:ea typeface="G마켓 산스 Bold" panose="02000000000000000000" pitchFamily="50" charset="-127"/>
               </a:rPr>
-              <a:t>. </a:t>
-            </a:r>
-            <a:r>
-              <a:rPr lang="ko-KR" altLang="en-US" sz="5400" spc="-300" smtClean="0">
-                <a:solidFill>
-                  <a:srgbClr val="4C50BC"/>
-                </a:solidFill>
-                <a:latin typeface="G마켓 산스 Bold" panose="02000000000000000000" pitchFamily="50" charset="-127"/>
-                <a:ea typeface="G마켓 산스 Bold" panose="02000000000000000000" pitchFamily="50" charset="-127"/>
-              </a:rPr>
               <a:t>실습문제</a:t>
             </a:r>
             <a:r>
-              <a:rPr lang="en-US" altLang="ko-KR" sz="5400" spc="-300" smtClean="0">
+              <a:rPr lang="en-US" altLang="ko-KR" sz="5400" spc="-300">
                 <a:solidFill>
                   <a:srgbClr val="FF0000"/>
                 </a:solidFill>
@@ -8554,7 +9149,7 @@
           <p:cNvPr id="10" name="직선 연결선 9">
             <a:extLst>
               <a:ext uri="{FF2B5EF4-FFF2-40B4-BE49-F238E27FC236}">
-                <a16:creationId xmlns:a16="http://schemas.microsoft.com/office/drawing/2014/main" xmlns="" id="{DDFA97EB-659B-5D0A-D41B-496A6FF66D9E}"/>
+                <a16:creationId xmlns:a16="http://schemas.microsoft.com/office/drawing/2014/main" id="{DDFA97EB-659B-5D0A-D41B-496A6FF66D9E}"/>
               </a:ext>
             </a:extLst>
           </p:cNvPr>
@@ -8605,7 +9200,7 @@
 </p:sld>
 </file>
 
-<file path=ppt/slides/slide25.xml><?xml version="1.0" encoding="utf-8"?>
+<file path=ppt/slides/slide26.xml><?xml version="1.0" encoding="utf-8"?>
 <p:sld xmlns:a="http://schemas.openxmlformats.org/drawingml/2006/main" xmlns:r="http://schemas.openxmlformats.org/officeDocument/2006/relationships" xmlns:p="http://schemas.openxmlformats.org/presentationml/2006/main">
   <p:cSld>
     <p:spTree>
@@ -8627,7 +9222,7 @@
           <p:cNvPr id="5" name="그림 4">
             <a:extLst>
               <a:ext uri="{FF2B5EF4-FFF2-40B4-BE49-F238E27FC236}">
-                <a16:creationId xmlns:a16="http://schemas.microsoft.com/office/drawing/2014/main" xmlns="" id="{2AB35C0C-1C01-2372-6D63-F17EC6067621}"/>
+                <a16:creationId xmlns:a16="http://schemas.microsoft.com/office/drawing/2014/main" id="{2AB35C0C-1C01-2372-6D63-F17EC6067621}"/>
               </a:ext>
             </a:extLst>
           </p:cNvPr>
@@ -8657,7 +9252,7 @@
           <p:cNvPr id="8" name="TextBox 7">
             <a:extLst>
               <a:ext uri="{FF2B5EF4-FFF2-40B4-BE49-F238E27FC236}">
-                <a16:creationId xmlns:a16="http://schemas.microsoft.com/office/drawing/2014/main" xmlns="" id="{69196D22-2A4C-4EF6-5A42-2031D7FEF549}"/>
+                <a16:creationId xmlns:a16="http://schemas.microsoft.com/office/drawing/2014/main" id="{69196D22-2A4C-4EF6-5A42-2031D7FEF549}"/>
               </a:ext>
             </a:extLst>
           </p:cNvPr>
@@ -8688,30 +9283,20 @@
                 <a:latin typeface="G마켓 산스 Bold" panose="02000000000000000000" pitchFamily="50" charset="-127"/>
                 <a:ea typeface="G마켓 산스 Bold" panose="02000000000000000000" pitchFamily="50" charset="-127"/>
               </a:rPr>
-              <a:t>3</a:t>
-            </a:r>
-            <a:r>
-              <a:rPr lang="en-US" altLang="ko-KR" sz="5400" spc="-300" smtClean="0">
+              <a:t>3. </a:t>
+            </a:r>
+            <a:r>
+              <a:rPr lang="ko-KR" altLang="en-US" sz="5400" spc="-300">
                 <a:solidFill>
                   <a:srgbClr val="4C50BC"/>
                 </a:solidFill>
                 <a:latin typeface="G마켓 산스 Bold" panose="02000000000000000000" pitchFamily="50" charset="-127"/>
                 <a:ea typeface="G마켓 산스 Bold" panose="02000000000000000000" pitchFamily="50" charset="-127"/>
               </a:rPr>
-              <a:t>. </a:t>
-            </a:r>
-            <a:r>
-              <a:rPr lang="ko-KR" altLang="en-US" sz="5400" spc="-300" smtClean="0">
-                <a:solidFill>
-                  <a:srgbClr val="4C50BC"/>
-                </a:solidFill>
-                <a:latin typeface="G마켓 산스 Bold" panose="02000000000000000000" pitchFamily="50" charset="-127"/>
-                <a:ea typeface="G마켓 산스 Bold" panose="02000000000000000000" pitchFamily="50" charset="-127"/>
-              </a:rPr>
               <a:t>문제풀이</a:t>
             </a:r>
             <a:r>
-              <a:rPr lang="en-US" altLang="ko-KR" sz="5400" spc="-300" smtClean="0">
+              <a:rPr lang="en-US" altLang="ko-KR" sz="5400" spc="-300">
                 <a:solidFill>
                   <a:srgbClr val="FF0000"/>
                 </a:solidFill>
@@ -8735,7 +9320,7 @@
           <p:cNvPr id="9" name="직선 연결선 8">
             <a:extLst>
               <a:ext uri="{FF2B5EF4-FFF2-40B4-BE49-F238E27FC236}">
-                <a16:creationId xmlns:a16="http://schemas.microsoft.com/office/drawing/2014/main" xmlns="" id="{DDFA97EB-659B-5D0A-D41B-496A6FF66D9E}"/>
+                <a16:creationId xmlns:a16="http://schemas.microsoft.com/office/drawing/2014/main" id="{DDFA97EB-659B-5D0A-D41B-496A6FF66D9E}"/>
               </a:ext>
             </a:extLst>
           </p:cNvPr>
@@ -8778,7 +9363,7 @@
           <p:cNvPr id="10" name="직사각형 9">
             <a:extLst>
               <a:ext uri="{FF2B5EF4-FFF2-40B4-BE49-F238E27FC236}">
-                <a16:creationId xmlns:a16="http://schemas.microsoft.com/office/drawing/2014/main" xmlns="" id="{361FA442-8171-4EBF-65A2-19C90654959D}"/>
+                <a16:creationId xmlns:a16="http://schemas.microsoft.com/office/drawing/2014/main" id="{361FA442-8171-4EBF-65A2-19C90654959D}"/>
               </a:ext>
             </a:extLst>
           </p:cNvPr>
@@ -8916,7 +9501,7 @@
 </p:sld>
 </file>
 
-<file path=ppt/slides/slide26.xml><?xml version="1.0" encoding="utf-8"?>
+<file path=ppt/slides/slide27.xml><?xml version="1.0" encoding="utf-8"?>
 <p:sld xmlns:a="http://schemas.openxmlformats.org/drawingml/2006/main" xmlns:r="http://schemas.openxmlformats.org/officeDocument/2006/relationships" xmlns:p="http://schemas.openxmlformats.org/presentationml/2006/main">
   <p:cSld>
     <p:spTree>
@@ -8938,7 +9523,7 @@
           <p:cNvPr id="4" name="TextBox 3">
             <a:extLst>
               <a:ext uri="{FF2B5EF4-FFF2-40B4-BE49-F238E27FC236}">
-                <a16:creationId xmlns:a16="http://schemas.microsoft.com/office/drawing/2014/main" xmlns="" id="{52176D31-35F7-8916-46FA-6095EFEC1E49}"/>
+                <a16:creationId xmlns:a16="http://schemas.microsoft.com/office/drawing/2014/main" id="{52176D31-35F7-8916-46FA-6095EFEC1E49}"/>
               </a:ext>
             </a:extLst>
           </p:cNvPr>
@@ -8962,7 +9547,7 @@
           <a:lstStyle/>
           <a:p>
             <a:r>
-              <a:rPr lang="ko-KR" altLang="en-US" sz="3600" smtClean="0">
+              <a:rPr lang="ko-KR" altLang="en-US" sz="3600">
                 <a:solidFill>
                   <a:srgbClr val="4C50BB"/>
                 </a:solidFill>
@@ -9453,7 +10038,7 @@
           <p:cNvPr id="7" name="직사각형 6">
             <a:extLst>
               <a:ext uri="{FF2B5EF4-FFF2-40B4-BE49-F238E27FC236}">
-                <a16:creationId xmlns:a16="http://schemas.microsoft.com/office/drawing/2014/main" xmlns="" id="{FFF506F9-840A-0508-4CAF-3AC711D8D5CE}"/>
+                <a16:creationId xmlns:a16="http://schemas.microsoft.com/office/drawing/2014/main" id="{FFF506F9-840A-0508-4CAF-3AC711D8D5CE}"/>
               </a:ext>
             </a:extLst>
           </p:cNvPr>
@@ -9505,7 +10090,7 @@
           <p:cNvPr id="8" name="그림 7">
             <a:extLst>
               <a:ext uri="{FF2B5EF4-FFF2-40B4-BE49-F238E27FC236}">
-                <a16:creationId xmlns:a16="http://schemas.microsoft.com/office/drawing/2014/main" xmlns="" id="{28BE0EC0-A1C6-B3D9-983F-BBDA10122811}"/>
+                <a16:creationId xmlns:a16="http://schemas.microsoft.com/office/drawing/2014/main" id="{28BE0EC0-A1C6-B3D9-983F-BBDA10122811}"/>
               </a:ext>
             </a:extLst>
           </p:cNvPr>
@@ -9535,7 +10120,7 @@
           <p:cNvPr id="9" name="직사각형 8">
             <a:extLst>
               <a:ext uri="{FF2B5EF4-FFF2-40B4-BE49-F238E27FC236}">
-                <a16:creationId xmlns:a16="http://schemas.microsoft.com/office/drawing/2014/main" xmlns="" id="{D4B03086-E543-4351-EEBF-16EABC5A4361}"/>
+                <a16:creationId xmlns:a16="http://schemas.microsoft.com/office/drawing/2014/main" id="{D4B03086-E543-4351-EEBF-16EABC5A4361}"/>
               </a:ext>
             </a:extLst>
           </p:cNvPr>
@@ -9587,7 +10172,7 @@
           <p:cNvPr id="10" name="그룹 1008">
             <a:extLst>
               <a:ext uri="{FF2B5EF4-FFF2-40B4-BE49-F238E27FC236}">
-                <a16:creationId xmlns:a16="http://schemas.microsoft.com/office/drawing/2014/main" xmlns="" id="{6C425AC3-1061-F4CA-9022-6EEE3F46FB96}"/>
+                <a16:creationId xmlns:a16="http://schemas.microsoft.com/office/drawing/2014/main" id="{6C425AC3-1061-F4CA-9022-6EEE3F46FB96}"/>
               </a:ext>
             </a:extLst>
           </p:cNvPr>
@@ -9607,7 +10192,7 @@
             <p:cNvPr id="11" name="그룹 1009">
               <a:extLst>
                 <a:ext uri="{FF2B5EF4-FFF2-40B4-BE49-F238E27FC236}">
-                  <a16:creationId xmlns:a16="http://schemas.microsoft.com/office/drawing/2014/main" xmlns="" id="{822D9B1B-81D2-38CE-40D0-0F0AA95F80B3}"/>
+                  <a16:creationId xmlns:a16="http://schemas.microsoft.com/office/drawing/2014/main" id="{822D9B1B-81D2-38CE-40D0-0F0AA95F80B3}"/>
                 </a:ext>
               </a:extLst>
             </p:cNvPr>
@@ -9627,7 +10212,7 @@
               <p:cNvPr id="16" name="Object 29">
                 <a:extLst>
                   <a:ext uri="{FF2B5EF4-FFF2-40B4-BE49-F238E27FC236}">
-                    <a16:creationId xmlns:a16="http://schemas.microsoft.com/office/drawing/2014/main" xmlns="" id="{0F44A0E1-4C01-B97F-807B-CC120162AF23}"/>
+                    <a16:creationId xmlns:a16="http://schemas.microsoft.com/office/drawing/2014/main" id="{0F44A0E1-4C01-B97F-807B-CC120162AF23}"/>
                   </a:ext>
                 </a:extLst>
               </p:cNvPr>
@@ -9658,7 +10243,7 @@
             <p:cNvPr id="12" name="그룹 1010">
               <a:extLst>
                 <a:ext uri="{FF2B5EF4-FFF2-40B4-BE49-F238E27FC236}">
-                  <a16:creationId xmlns:a16="http://schemas.microsoft.com/office/drawing/2014/main" xmlns="" id="{6DFE6D5C-CE66-FE9E-059D-D5BF607F34A4}"/>
+                  <a16:creationId xmlns:a16="http://schemas.microsoft.com/office/drawing/2014/main" id="{6DFE6D5C-CE66-FE9E-059D-D5BF607F34A4}"/>
                 </a:ext>
               </a:extLst>
             </p:cNvPr>
@@ -9678,7 +10263,7 @@
               <p:cNvPr id="15" name="Object 32">
                 <a:extLst>
                   <a:ext uri="{FF2B5EF4-FFF2-40B4-BE49-F238E27FC236}">
-                    <a16:creationId xmlns:a16="http://schemas.microsoft.com/office/drawing/2014/main" xmlns="" id="{1E1B2B81-A42F-845F-F9E3-551A6A03B06D}"/>
+                    <a16:creationId xmlns:a16="http://schemas.microsoft.com/office/drawing/2014/main" id="{1E1B2B81-A42F-845F-F9E3-551A6A03B06D}"/>
                   </a:ext>
                 </a:extLst>
               </p:cNvPr>
@@ -9709,7 +10294,7 @@
             <p:cNvPr id="13" name="그룹 1011">
               <a:extLst>
                 <a:ext uri="{FF2B5EF4-FFF2-40B4-BE49-F238E27FC236}">
-                  <a16:creationId xmlns:a16="http://schemas.microsoft.com/office/drawing/2014/main" xmlns="" id="{2EC21DAC-F6AF-75AD-9345-5382541BCBCD}"/>
+                  <a16:creationId xmlns:a16="http://schemas.microsoft.com/office/drawing/2014/main" id="{2EC21DAC-F6AF-75AD-9345-5382541BCBCD}"/>
                 </a:ext>
               </a:extLst>
             </p:cNvPr>
@@ -9729,7 +10314,7 @@
               <p:cNvPr id="14" name="Object 35">
                 <a:extLst>
                   <a:ext uri="{FF2B5EF4-FFF2-40B4-BE49-F238E27FC236}">
-                    <a16:creationId xmlns:a16="http://schemas.microsoft.com/office/drawing/2014/main" xmlns="" id="{27B33C4B-98D8-BD54-98C7-14797AC1AB5F}"/>
+                    <a16:creationId xmlns:a16="http://schemas.microsoft.com/office/drawing/2014/main" id="{27B33C4B-98D8-BD54-98C7-14797AC1AB5F}"/>
                   </a:ext>
                 </a:extLst>
               </p:cNvPr>
@@ -9761,7 +10346,7 @@
           <p:cNvPr id="17" name="TextBox 16">
             <a:extLst>
               <a:ext uri="{FF2B5EF4-FFF2-40B4-BE49-F238E27FC236}">
-                <a16:creationId xmlns:a16="http://schemas.microsoft.com/office/drawing/2014/main" xmlns="" id="{69196D22-2A4C-4EF6-5A42-2031D7FEF549}"/>
+                <a16:creationId xmlns:a16="http://schemas.microsoft.com/office/drawing/2014/main" id="{69196D22-2A4C-4EF6-5A42-2031D7FEF549}"/>
               </a:ext>
             </a:extLst>
           </p:cNvPr>
@@ -9785,7 +10370,7 @@
           <a:lstStyle/>
           <a:p>
             <a:r>
-              <a:rPr lang="en-US" altLang="ko-KR" sz="5400" spc="-300" smtClean="0">
+              <a:rPr lang="en-US" altLang="ko-KR" sz="5400" spc="-300">
                 <a:solidFill>
                   <a:srgbClr val="4C50BC"/>
                 </a:solidFill>
@@ -9795,7 +10380,7 @@
               <a:t>4. </a:t>
             </a:r>
             <a:r>
-              <a:rPr lang="ko-KR" altLang="en-US" sz="5400" spc="-300" smtClean="0">
+              <a:rPr lang="ko-KR" altLang="en-US" sz="5400" spc="-300">
                 <a:solidFill>
                   <a:srgbClr val="4C50BC"/>
                 </a:solidFill>
@@ -9805,7 +10390,7 @@
               <a:t>실습문제</a:t>
             </a:r>
             <a:r>
-              <a:rPr lang="en-US" altLang="ko-KR" sz="5400" spc="-300" smtClean="0">
+              <a:rPr lang="en-US" altLang="ko-KR" sz="5400" spc="-300">
                 <a:solidFill>
                   <a:srgbClr val="FF0000"/>
                 </a:solidFill>
@@ -9829,7 +10414,7 @@
           <p:cNvPr id="18" name="직선 연결선 17">
             <a:extLst>
               <a:ext uri="{FF2B5EF4-FFF2-40B4-BE49-F238E27FC236}">
-                <a16:creationId xmlns:a16="http://schemas.microsoft.com/office/drawing/2014/main" xmlns="" id="{DDFA97EB-659B-5D0A-D41B-496A6FF66D9E}"/>
+                <a16:creationId xmlns:a16="http://schemas.microsoft.com/office/drawing/2014/main" id="{DDFA97EB-659B-5D0A-D41B-496A6FF66D9E}"/>
               </a:ext>
             </a:extLst>
           </p:cNvPr>
@@ -9880,7 +10465,7 @@
 </p:sld>
 </file>
 
-<file path=ppt/slides/slide27.xml><?xml version="1.0" encoding="utf-8"?>
+<file path=ppt/slides/slide28.xml><?xml version="1.0" encoding="utf-8"?>
 <p:sld xmlns:a="http://schemas.openxmlformats.org/drawingml/2006/main" xmlns:r="http://schemas.openxmlformats.org/officeDocument/2006/relationships" xmlns:p="http://schemas.openxmlformats.org/presentationml/2006/main">
   <p:cSld>
     <p:spTree>
@@ -9902,7 +10487,7 @@
           <p:cNvPr id="5" name="그림 4">
             <a:extLst>
               <a:ext uri="{FF2B5EF4-FFF2-40B4-BE49-F238E27FC236}">
-                <a16:creationId xmlns:a16="http://schemas.microsoft.com/office/drawing/2014/main" xmlns="" id="{00912362-58C3-9B82-956D-F412F91F562E}"/>
+                <a16:creationId xmlns:a16="http://schemas.microsoft.com/office/drawing/2014/main" id="{00912362-58C3-9B82-956D-F412F91F562E}"/>
               </a:ext>
             </a:extLst>
           </p:cNvPr>
@@ -9932,7 +10517,7 @@
           <p:cNvPr id="10" name="TextBox 9">
             <a:extLst>
               <a:ext uri="{FF2B5EF4-FFF2-40B4-BE49-F238E27FC236}">
-                <a16:creationId xmlns:a16="http://schemas.microsoft.com/office/drawing/2014/main" xmlns="" id="{69196D22-2A4C-4EF6-5A42-2031D7FEF549}"/>
+                <a16:creationId xmlns:a16="http://schemas.microsoft.com/office/drawing/2014/main" id="{69196D22-2A4C-4EF6-5A42-2031D7FEF549}"/>
               </a:ext>
             </a:extLst>
           </p:cNvPr>
@@ -9956,7 +10541,7 @@
           <a:lstStyle/>
           <a:p>
             <a:r>
-              <a:rPr lang="en-US" altLang="ko-KR" sz="5400" spc="-300" smtClean="0">
+              <a:rPr lang="en-US" altLang="ko-KR" sz="5400" spc="-300">
                 <a:solidFill>
                   <a:srgbClr val="4C50BC"/>
                 </a:solidFill>
@@ -9966,7 +10551,7 @@
               <a:t>4. </a:t>
             </a:r>
             <a:r>
-              <a:rPr lang="ko-KR" altLang="en-US" sz="5400" spc="-300" smtClean="0">
+              <a:rPr lang="ko-KR" altLang="en-US" sz="5400" spc="-300">
                 <a:solidFill>
                   <a:srgbClr val="4C50BC"/>
                 </a:solidFill>
@@ -9976,7 +10561,7 @@
               <a:t>문제풀이</a:t>
             </a:r>
             <a:r>
-              <a:rPr lang="en-US" altLang="ko-KR" sz="5400" spc="-300" smtClean="0">
+              <a:rPr lang="en-US" altLang="ko-KR" sz="5400" spc="-300">
                 <a:solidFill>
                   <a:srgbClr val="FF0000"/>
                 </a:solidFill>
@@ -10000,7 +10585,7 @@
           <p:cNvPr id="11" name="직선 연결선 10">
             <a:extLst>
               <a:ext uri="{FF2B5EF4-FFF2-40B4-BE49-F238E27FC236}">
-                <a16:creationId xmlns:a16="http://schemas.microsoft.com/office/drawing/2014/main" xmlns="" id="{DDFA97EB-659B-5D0A-D41B-496A6FF66D9E}"/>
+                <a16:creationId xmlns:a16="http://schemas.microsoft.com/office/drawing/2014/main" id="{DDFA97EB-659B-5D0A-D41B-496A6FF66D9E}"/>
               </a:ext>
             </a:extLst>
           </p:cNvPr>
@@ -10043,7 +10628,7 @@
           <p:cNvPr id="12" name="직사각형 11">
             <a:extLst>
               <a:ext uri="{FF2B5EF4-FFF2-40B4-BE49-F238E27FC236}">
-                <a16:creationId xmlns:a16="http://schemas.microsoft.com/office/drawing/2014/main" xmlns="" id="{361FA442-8171-4EBF-65A2-19C90654959D}"/>
+                <a16:creationId xmlns:a16="http://schemas.microsoft.com/office/drawing/2014/main" id="{361FA442-8171-4EBF-65A2-19C90654959D}"/>
               </a:ext>
             </a:extLst>
           </p:cNvPr>
@@ -10181,7 +10766,7 @@
 </p:sld>
 </file>
 
-<file path=ppt/slides/slide28.xml><?xml version="1.0" encoding="utf-8"?>
+<file path=ppt/slides/slide29.xml><?xml version="1.0" encoding="utf-8"?>
 <p:sld xmlns:a="http://schemas.openxmlformats.org/drawingml/2006/main" xmlns:r="http://schemas.openxmlformats.org/officeDocument/2006/relationships" xmlns:p="http://schemas.openxmlformats.org/presentationml/2006/main">
   <p:cSld>
     <p:spTree>
@@ -10203,7 +10788,7 @@
           <p:cNvPr id="4" name="TextBox 3">
             <a:extLst>
               <a:ext uri="{FF2B5EF4-FFF2-40B4-BE49-F238E27FC236}">
-                <a16:creationId xmlns:a16="http://schemas.microsoft.com/office/drawing/2014/main" xmlns="" id="{52176D31-35F7-8916-46FA-6095EFEC1E49}"/>
+                <a16:creationId xmlns:a16="http://schemas.microsoft.com/office/drawing/2014/main" id="{52176D31-35F7-8916-46FA-6095EFEC1E49}"/>
               </a:ext>
             </a:extLst>
           </p:cNvPr>
@@ -10227,7 +10812,7 @@
           <a:lstStyle/>
           <a:p>
             <a:r>
-              <a:rPr lang="en-US" altLang="ko-KR" sz="3600" smtClean="0">
+              <a:rPr lang="en-US" altLang="ko-KR" sz="3600">
                 <a:solidFill>
                   <a:srgbClr val="4C50BB"/>
                 </a:solidFill>
@@ -10415,7 +11000,7 @@
           <p:cNvPr id="6" name="직사각형 5">
             <a:extLst>
               <a:ext uri="{FF2B5EF4-FFF2-40B4-BE49-F238E27FC236}">
-                <a16:creationId xmlns:a16="http://schemas.microsoft.com/office/drawing/2014/main" xmlns="" id="{FFF506F9-840A-0508-4CAF-3AC711D8D5CE}"/>
+                <a16:creationId xmlns:a16="http://schemas.microsoft.com/office/drawing/2014/main" id="{FFF506F9-840A-0508-4CAF-3AC711D8D5CE}"/>
               </a:ext>
             </a:extLst>
           </p:cNvPr>
@@ -10467,7 +11052,7 @@
           <p:cNvPr id="3" name="그림 2">
             <a:extLst>
               <a:ext uri="{FF2B5EF4-FFF2-40B4-BE49-F238E27FC236}">
-                <a16:creationId xmlns:a16="http://schemas.microsoft.com/office/drawing/2014/main" xmlns="" id="{7F0B6CFD-3957-438C-C99F-0D04B8495A0C}"/>
+                <a16:creationId xmlns:a16="http://schemas.microsoft.com/office/drawing/2014/main" id="{7F0B6CFD-3957-438C-C99F-0D04B8495A0C}"/>
               </a:ext>
             </a:extLst>
           </p:cNvPr>
@@ -10497,7 +11082,7 @@
           <p:cNvPr id="7" name="직선 화살표 연결선 6">
             <a:extLst>
               <a:ext uri="{FF2B5EF4-FFF2-40B4-BE49-F238E27FC236}">
-                <a16:creationId xmlns:a16="http://schemas.microsoft.com/office/drawing/2014/main" xmlns="" id="{505B1D85-4754-4470-9179-82CD32ABE492}"/>
+                <a16:creationId xmlns:a16="http://schemas.microsoft.com/office/drawing/2014/main" id="{505B1D85-4754-4470-9179-82CD32ABE492}"/>
               </a:ext>
             </a:extLst>
           </p:cNvPr>
@@ -10538,7 +11123,7 @@
           <p:cNvPr id="8" name="직사각형 7">
             <a:extLst>
               <a:ext uri="{FF2B5EF4-FFF2-40B4-BE49-F238E27FC236}">
-                <a16:creationId xmlns:a16="http://schemas.microsoft.com/office/drawing/2014/main" xmlns="" id="{207E6B10-FDD7-B16E-D0E8-EF3D72021AD3}"/>
+                <a16:creationId xmlns:a16="http://schemas.microsoft.com/office/drawing/2014/main" id="{207E6B10-FDD7-B16E-D0E8-EF3D72021AD3}"/>
               </a:ext>
             </a:extLst>
           </p:cNvPr>
@@ -10590,7 +11175,7 @@
           <p:cNvPr id="9" name="TextBox 8">
             <a:extLst>
               <a:ext uri="{FF2B5EF4-FFF2-40B4-BE49-F238E27FC236}">
-                <a16:creationId xmlns:a16="http://schemas.microsoft.com/office/drawing/2014/main" xmlns="" id="{69196D22-2A4C-4EF6-5A42-2031D7FEF549}"/>
+                <a16:creationId xmlns:a16="http://schemas.microsoft.com/office/drawing/2014/main" id="{69196D22-2A4C-4EF6-5A42-2031D7FEF549}"/>
               </a:ext>
             </a:extLst>
           </p:cNvPr>
@@ -10621,30 +11206,20 @@
                 <a:latin typeface="G마켓 산스 Bold" panose="02000000000000000000" pitchFamily="50" charset="-127"/>
                 <a:ea typeface="G마켓 산스 Bold" panose="02000000000000000000" pitchFamily="50" charset="-127"/>
               </a:rPr>
-              <a:t>5</a:t>
-            </a:r>
-            <a:r>
-              <a:rPr lang="en-US" altLang="ko-KR" sz="5400" spc="-300" smtClean="0">
+              <a:t>5. </a:t>
+            </a:r>
+            <a:r>
+              <a:rPr lang="ko-KR" altLang="en-US" sz="5400" spc="-300">
                 <a:solidFill>
                   <a:srgbClr val="4C50BC"/>
                 </a:solidFill>
                 <a:latin typeface="G마켓 산스 Bold" panose="02000000000000000000" pitchFamily="50" charset="-127"/>
                 <a:ea typeface="G마켓 산스 Bold" panose="02000000000000000000" pitchFamily="50" charset="-127"/>
               </a:rPr>
-              <a:t>. </a:t>
-            </a:r>
-            <a:r>
-              <a:rPr lang="ko-KR" altLang="en-US" sz="5400" spc="-300" smtClean="0">
-                <a:solidFill>
-                  <a:srgbClr val="4C50BC"/>
-                </a:solidFill>
-                <a:latin typeface="G마켓 산스 Bold" panose="02000000000000000000" pitchFamily="50" charset="-127"/>
-                <a:ea typeface="G마켓 산스 Bold" panose="02000000000000000000" pitchFamily="50" charset="-127"/>
-              </a:rPr>
               <a:t>실습문제</a:t>
             </a:r>
             <a:r>
-              <a:rPr lang="en-US" altLang="ko-KR" sz="5400" spc="-300" smtClean="0">
+              <a:rPr lang="en-US" altLang="ko-KR" sz="5400" spc="-300">
                 <a:solidFill>
                   <a:srgbClr val="FF0000"/>
                 </a:solidFill>
@@ -10668,7 +11243,7 @@
           <p:cNvPr id="10" name="직선 연결선 9">
             <a:extLst>
               <a:ext uri="{FF2B5EF4-FFF2-40B4-BE49-F238E27FC236}">
-                <a16:creationId xmlns:a16="http://schemas.microsoft.com/office/drawing/2014/main" xmlns="" id="{DDFA97EB-659B-5D0A-D41B-496A6FF66D9E}"/>
+                <a16:creationId xmlns:a16="http://schemas.microsoft.com/office/drawing/2014/main" id="{DDFA97EB-659B-5D0A-D41B-496A6FF66D9E}"/>
               </a:ext>
             </a:extLst>
           </p:cNvPr>
@@ -10719,7 +11294,278 @@
 </p:sld>
 </file>
 
-<file path=ppt/slides/slide29.xml><?xml version="1.0" encoding="utf-8"?>
+<file path=ppt/slides/slide3.xml><?xml version="1.0" encoding="utf-8"?>
+<p:sld xmlns:a="http://schemas.openxmlformats.org/drawingml/2006/main" xmlns:r="http://schemas.openxmlformats.org/officeDocument/2006/relationships" xmlns:p="http://schemas.openxmlformats.org/presentationml/2006/main">
+  <p:cSld name="Slide 4">
+    <p:bg>
+      <p:bgPr>
+        <a:solidFill>
+          <a:srgbClr val="4C50BB"/>
+        </a:solidFill>
+        <a:effectLst/>
+      </p:bgPr>
+    </p:bg>
+    <p:spTree>
+      <p:nvGrpSpPr>
+        <p:cNvPr id="1" name=""/>
+        <p:cNvGrpSpPr/>
+        <p:nvPr/>
+      </p:nvGrpSpPr>
+      <p:grpSpPr>
+        <a:xfrm>
+          <a:off x="0" y="0"/>
+          <a:ext cx="0" cy="0"/>
+          <a:chOff x="0" y="0"/>
+          <a:chExt cx="0" cy="0"/>
+        </a:xfrm>
+      </p:grpSpPr>
+      <p:grpSp>
+        <p:nvGrpSpPr>
+          <p:cNvPr id="1001" name="그룹 1001"/>
+          <p:cNvGrpSpPr/>
+          <p:nvPr/>
+        </p:nvGrpSpPr>
+        <p:grpSpPr>
+          <a:xfrm>
+            <a:off x="16986360" y="3561542"/>
+            <a:ext cx="1432688" cy="191978"/>
+            <a:chOff x="16986360" y="3561542"/>
+            <a:chExt cx="1432688" cy="191978"/>
+          </a:xfrm>
+        </p:grpSpPr>
+        <p:pic>
+          <p:nvPicPr>
+            <p:cNvPr id="3" name="Object 2"/>
+            <p:cNvPicPr>
+              <a:picLocks noChangeAspect="1"/>
+            </p:cNvPicPr>
+            <p:nvPr/>
+          </p:nvPicPr>
+          <p:blipFill>
+            <a:blip r:embed="rId2" cstate="print"/>
+            <a:stretch>
+              <a:fillRect/>
+            </a:stretch>
+          </p:blipFill>
+          <p:spPr>
+            <a:xfrm>
+              <a:off x="16986360" y="3561542"/>
+              <a:ext cx="1432688" cy="191978"/>
+            </a:xfrm>
+            <a:prstGeom prst="rect">
+              <a:avLst/>
+            </a:prstGeom>
+          </p:spPr>
+        </p:pic>
+      </p:grpSp>
+      <p:grpSp>
+        <p:nvGrpSpPr>
+          <p:cNvPr id="1002" name="그룹 1002"/>
+          <p:cNvGrpSpPr/>
+          <p:nvPr/>
+        </p:nvGrpSpPr>
+        <p:grpSpPr>
+          <a:xfrm>
+            <a:off x="5686747" y="-1286436"/>
+            <a:ext cx="4461240" cy="4417966"/>
+            <a:chOff x="5686747" y="-1286436"/>
+            <a:chExt cx="4461240" cy="4417966"/>
+          </a:xfrm>
+        </p:grpSpPr>
+        <p:pic>
+          <p:nvPicPr>
+            <p:cNvPr id="6" name="Object 5"/>
+            <p:cNvPicPr>
+              <a:picLocks noChangeAspect="1"/>
+            </p:cNvPicPr>
+            <p:nvPr/>
+          </p:nvPicPr>
+          <p:blipFill>
+            <a:blip r:embed="rId3" cstate="print"/>
+            <a:stretch>
+              <a:fillRect/>
+            </a:stretch>
+          </p:blipFill>
+          <p:spPr>
+            <a:xfrm>
+              <a:off x="5686747" y="-1286436"/>
+              <a:ext cx="4461240" cy="4417966"/>
+            </a:xfrm>
+            <a:prstGeom prst="rect">
+              <a:avLst/>
+            </a:prstGeom>
+          </p:spPr>
+        </p:pic>
+      </p:grpSp>
+      <p:grpSp>
+        <p:nvGrpSpPr>
+          <p:cNvPr id="1003" name="그룹 1003"/>
+          <p:cNvGrpSpPr/>
+          <p:nvPr/>
+        </p:nvGrpSpPr>
+        <p:grpSpPr>
+          <a:xfrm>
+            <a:off x="-901071" y="6888297"/>
+            <a:ext cx="4182908" cy="4182908"/>
+            <a:chOff x="-901071" y="6888297"/>
+            <a:chExt cx="4182908" cy="4182908"/>
+          </a:xfrm>
+        </p:grpSpPr>
+        <p:pic>
+          <p:nvPicPr>
+            <p:cNvPr id="9" name="Object 8"/>
+            <p:cNvPicPr>
+              <a:picLocks noChangeAspect="1"/>
+            </p:cNvPicPr>
+            <p:nvPr/>
+          </p:nvPicPr>
+          <p:blipFill>
+            <a:blip r:embed="rId4" cstate="print"/>
+            <a:stretch>
+              <a:fillRect/>
+            </a:stretch>
+          </p:blipFill>
+          <p:spPr>
+            <a:xfrm rot="-2700000">
+              <a:off x="-901071" y="6888297"/>
+              <a:ext cx="4182908" cy="4182908"/>
+            </a:xfrm>
+            <a:prstGeom prst="rect">
+              <a:avLst/>
+            </a:prstGeom>
+          </p:spPr>
+        </p:pic>
+      </p:grpSp>
+      <p:grpSp>
+        <p:nvGrpSpPr>
+          <p:cNvPr id="1004" name="그룹 1004"/>
+          <p:cNvGrpSpPr/>
+          <p:nvPr/>
+        </p:nvGrpSpPr>
+        <p:grpSpPr>
+          <a:xfrm>
+            <a:off x="1972602" y="5957321"/>
+            <a:ext cx="3452527" cy="3419037"/>
+            <a:chOff x="1972602" y="5957321"/>
+            <a:chExt cx="3452527" cy="3419037"/>
+          </a:xfrm>
+        </p:grpSpPr>
+        <p:pic>
+          <p:nvPicPr>
+            <p:cNvPr id="12" name="Object 11"/>
+            <p:cNvPicPr>
+              <a:picLocks noChangeAspect="1"/>
+            </p:cNvPicPr>
+            <p:nvPr/>
+          </p:nvPicPr>
+          <p:blipFill>
+            <a:blip r:embed="rId5" cstate="print"/>
+            <a:stretch>
+              <a:fillRect/>
+            </a:stretch>
+          </p:blipFill>
+          <p:spPr>
+            <a:xfrm>
+              <a:off x="1972602" y="5957321"/>
+              <a:ext cx="3452527" cy="3419037"/>
+            </a:xfrm>
+            <a:prstGeom prst="rect">
+              <a:avLst/>
+            </a:prstGeom>
+          </p:spPr>
+        </p:pic>
+      </p:grpSp>
+      <p:pic>
+        <p:nvPicPr>
+          <p:cNvPr id="14" name="Object 13"/>
+          <p:cNvPicPr>
+            <a:picLocks noChangeAspect="1"/>
+          </p:cNvPicPr>
+          <p:nvPr/>
+        </p:nvPicPr>
+        <p:blipFill>
+          <a:blip r:embed="rId6" cstate="print"/>
+          <a:stretch>
+            <a:fillRect/>
+          </a:stretch>
+        </p:blipFill>
+        <p:spPr>
+          <a:xfrm>
+            <a:off x="13669052" y="2416536"/>
+            <a:ext cx="3674181" cy="3286626"/>
+          </a:xfrm>
+          <a:prstGeom prst="rect">
+            <a:avLst/>
+          </a:prstGeom>
+        </p:spPr>
+      </p:pic>
+      <p:sp>
+        <p:nvSpPr>
+          <p:cNvPr id="2" name="TextBox 1">
+            <a:extLst>
+              <a:ext uri="{FF2B5EF4-FFF2-40B4-BE49-F238E27FC236}">
+                <a16:creationId xmlns:a16="http://schemas.microsoft.com/office/drawing/2014/main" id="{8D19D88B-9541-32D7-90F1-0C45C993E21C}"/>
+              </a:ext>
+            </a:extLst>
+          </p:cNvPr>
+          <p:cNvSpPr txBox="1"/>
+          <p:nvPr/>
+        </p:nvSpPr>
+        <p:spPr>
+          <a:xfrm>
+            <a:off x="8756646" y="5403323"/>
+            <a:ext cx="8622873" cy="1107996"/>
+          </a:xfrm>
+          <a:prstGeom prst="rect">
+            <a:avLst/>
+          </a:prstGeom>
+          <a:noFill/>
+        </p:spPr>
+        <p:txBody>
+          <a:bodyPr wrap="none" rtlCol="0">
+            <a:spAutoFit/>
+          </a:bodyPr>
+          <a:lstStyle/>
+          <a:p>
+            <a:r>
+              <a:rPr lang="en-US" altLang="ko-KR" sz="6600">
+                <a:solidFill>
+                  <a:schemeClr val="bg1"/>
+                </a:solidFill>
+                <a:latin typeface="G마켓 산스 Medium" panose="02000000000000000000" pitchFamily="50" charset="-127"/>
+                <a:ea typeface="G마켓 산스 Medium" panose="02000000000000000000" pitchFamily="50" charset="-127"/>
+              </a:rPr>
+              <a:t>chatGPT</a:t>
+            </a:r>
+            <a:r>
+              <a:rPr lang="ko-KR" altLang="en-US" sz="6600">
+                <a:solidFill>
+                  <a:schemeClr val="bg1"/>
+                </a:solidFill>
+                <a:latin typeface="G마켓 산스 Medium" panose="02000000000000000000" pitchFamily="50" charset="-127"/>
+                <a:ea typeface="G마켓 산스 Medium" panose="02000000000000000000" pitchFamily="50" charset="-127"/>
+              </a:rPr>
+              <a:t>와 대화하기</a:t>
+            </a:r>
+            <a:endParaRPr lang="en-US" altLang="ko-KR" sz="6600" dirty="0">
+              <a:solidFill>
+                <a:schemeClr val="bg1"/>
+              </a:solidFill>
+              <a:latin typeface="G마켓 산스 Medium" panose="02000000000000000000" pitchFamily="50" charset="-127"/>
+              <a:ea typeface="G마켓 산스 Medium" panose="02000000000000000000" pitchFamily="50" charset="-127"/>
+            </a:endParaRPr>
+          </a:p>
+        </p:txBody>
+      </p:sp>
+    </p:spTree>
+  </p:cSld>
+  <p:clrMapOvr>
+    <a:masterClrMapping/>
+  </p:clrMapOvr>
+</p:sld>
+</file>
+
+<file path=ppt/slides/slide30.xml><?xml version="1.0" encoding="utf-8"?>
 <p:sld xmlns:a="http://schemas.openxmlformats.org/drawingml/2006/main" xmlns:r="http://schemas.openxmlformats.org/officeDocument/2006/relationships" xmlns:p="http://schemas.openxmlformats.org/presentationml/2006/main">
   <p:cSld>
     <p:spTree>
@@ -10741,7 +11587,7 @@
           <p:cNvPr id="5" name="그림 4">
             <a:extLst>
               <a:ext uri="{FF2B5EF4-FFF2-40B4-BE49-F238E27FC236}">
-                <a16:creationId xmlns:a16="http://schemas.microsoft.com/office/drawing/2014/main" xmlns="" id="{82183167-B930-B741-391B-24EEC078F511}"/>
+                <a16:creationId xmlns:a16="http://schemas.microsoft.com/office/drawing/2014/main" id="{82183167-B930-B741-391B-24EEC078F511}"/>
               </a:ext>
             </a:extLst>
           </p:cNvPr>
@@ -10771,7 +11617,7 @@
           <p:cNvPr id="8" name="TextBox 7">
             <a:extLst>
               <a:ext uri="{FF2B5EF4-FFF2-40B4-BE49-F238E27FC236}">
-                <a16:creationId xmlns:a16="http://schemas.microsoft.com/office/drawing/2014/main" xmlns="" id="{69196D22-2A4C-4EF6-5A42-2031D7FEF549}"/>
+                <a16:creationId xmlns:a16="http://schemas.microsoft.com/office/drawing/2014/main" id="{69196D22-2A4C-4EF6-5A42-2031D7FEF549}"/>
               </a:ext>
             </a:extLst>
           </p:cNvPr>
@@ -10802,30 +11648,20 @@
                 <a:latin typeface="G마켓 산스 Bold" panose="02000000000000000000" pitchFamily="50" charset="-127"/>
                 <a:ea typeface="G마켓 산스 Bold" panose="02000000000000000000" pitchFamily="50" charset="-127"/>
               </a:rPr>
-              <a:t>5</a:t>
-            </a:r>
-            <a:r>
-              <a:rPr lang="en-US" altLang="ko-KR" sz="5400" spc="-300" smtClean="0">
+              <a:t>5. </a:t>
+            </a:r>
+            <a:r>
+              <a:rPr lang="ko-KR" altLang="en-US" sz="5400" spc="-300">
                 <a:solidFill>
                   <a:srgbClr val="4C50BC"/>
                 </a:solidFill>
                 <a:latin typeface="G마켓 산스 Bold" panose="02000000000000000000" pitchFamily="50" charset="-127"/>
                 <a:ea typeface="G마켓 산스 Bold" panose="02000000000000000000" pitchFamily="50" charset="-127"/>
               </a:rPr>
-              <a:t>. </a:t>
-            </a:r>
-            <a:r>
-              <a:rPr lang="ko-KR" altLang="en-US" sz="5400" spc="-300" smtClean="0">
-                <a:solidFill>
-                  <a:srgbClr val="4C50BC"/>
-                </a:solidFill>
-                <a:latin typeface="G마켓 산스 Bold" panose="02000000000000000000" pitchFamily="50" charset="-127"/>
-                <a:ea typeface="G마켓 산스 Bold" panose="02000000000000000000" pitchFamily="50" charset="-127"/>
-              </a:rPr>
               <a:t>문제풀이</a:t>
             </a:r>
             <a:r>
-              <a:rPr lang="en-US" altLang="ko-KR" sz="5400" spc="-300" smtClean="0">
+              <a:rPr lang="en-US" altLang="ko-KR" sz="5400" spc="-300">
                 <a:solidFill>
                   <a:srgbClr val="FF0000"/>
                 </a:solidFill>
@@ -10849,7 +11685,7 @@
           <p:cNvPr id="9" name="직선 연결선 8">
             <a:extLst>
               <a:ext uri="{FF2B5EF4-FFF2-40B4-BE49-F238E27FC236}">
-                <a16:creationId xmlns:a16="http://schemas.microsoft.com/office/drawing/2014/main" xmlns="" id="{DDFA97EB-659B-5D0A-D41B-496A6FF66D9E}"/>
+                <a16:creationId xmlns:a16="http://schemas.microsoft.com/office/drawing/2014/main" id="{DDFA97EB-659B-5D0A-D41B-496A6FF66D9E}"/>
               </a:ext>
             </a:extLst>
           </p:cNvPr>
@@ -10892,7 +11728,7 @@
           <p:cNvPr id="11" name="직사각형 10">
             <a:extLst>
               <a:ext uri="{FF2B5EF4-FFF2-40B4-BE49-F238E27FC236}">
-                <a16:creationId xmlns:a16="http://schemas.microsoft.com/office/drawing/2014/main" xmlns="" id="{361FA442-8171-4EBF-65A2-19C90654959D}"/>
+                <a16:creationId xmlns:a16="http://schemas.microsoft.com/office/drawing/2014/main" id="{361FA442-8171-4EBF-65A2-19C90654959D}"/>
               </a:ext>
             </a:extLst>
           </p:cNvPr>
@@ -11030,278 +11866,7 @@
 </p:sld>
 </file>
 
-<file path=ppt/slides/slide3.xml><?xml version="1.0" encoding="utf-8"?>
-<p:sld xmlns:a="http://schemas.openxmlformats.org/drawingml/2006/main" xmlns:r="http://schemas.openxmlformats.org/officeDocument/2006/relationships" xmlns:p="http://schemas.openxmlformats.org/presentationml/2006/main">
-  <p:cSld name="Slide 4">
-    <p:bg>
-      <p:bgPr>
-        <a:solidFill>
-          <a:srgbClr val="4C50BB"/>
-        </a:solidFill>
-        <a:effectLst/>
-      </p:bgPr>
-    </p:bg>
-    <p:spTree>
-      <p:nvGrpSpPr>
-        <p:cNvPr id="1" name=""/>
-        <p:cNvGrpSpPr/>
-        <p:nvPr/>
-      </p:nvGrpSpPr>
-      <p:grpSpPr>
-        <a:xfrm>
-          <a:off x="0" y="0"/>
-          <a:ext cx="0" cy="0"/>
-          <a:chOff x="0" y="0"/>
-          <a:chExt cx="0" cy="0"/>
-        </a:xfrm>
-      </p:grpSpPr>
-      <p:grpSp>
-        <p:nvGrpSpPr>
-          <p:cNvPr id="1001" name="그룹 1001"/>
-          <p:cNvGrpSpPr/>
-          <p:nvPr/>
-        </p:nvGrpSpPr>
-        <p:grpSpPr>
-          <a:xfrm>
-            <a:off x="16986360" y="3561542"/>
-            <a:ext cx="1432688" cy="191978"/>
-            <a:chOff x="16986360" y="3561542"/>
-            <a:chExt cx="1432688" cy="191978"/>
-          </a:xfrm>
-        </p:grpSpPr>
-        <p:pic>
-          <p:nvPicPr>
-            <p:cNvPr id="3" name="Object 2"/>
-            <p:cNvPicPr>
-              <a:picLocks noChangeAspect="1"/>
-            </p:cNvPicPr>
-            <p:nvPr/>
-          </p:nvPicPr>
-          <p:blipFill>
-            <a:blip r:embed="rId2" cstate="print"/>
-            <a:stretch>
-              <a:fillRect/>
-            </a:stretch>
-          </p:blipFill>
-          <p:spPr>
-            <a:xfrm>
-              <a:off x="16986360" y="3561542"/>
-              <a:ext cx="1432688" cy="191978"/>
-            </a:xfrm>
-            <a:prstGeom prst="rect">
-              <a:avLst/>
-            </a:prstGeom>
-          </p:spPr>
-        </p:pic>
-      </p:grpSp>
-      <p:grpSp>
-        <p:nvGrpSpPr>
-          <p:cNvPr id="1002" name="그룹 1002"/>
-          <p:cNvGrpSpPr/>
-          <p:nvPr/>
-        </p:nvGrpSpPr>
-        <p:grpSpPr>
-          <a:xfrm>
-            <a:off x="5686747" y="-1286436"/>
-            <a:ext cx="4461240" cy="4417966"/>
-            <a:chOff x="5686747" y="-1286436"/>
-            <a:chExt cx="4461240" cy="4417966"/>
-          </a:xfrm>
-        </p:grpSpPr>
-        <p:pic>
-          <p:nvPicPr>
-            <p:cNvPr id="6" name="Object 5"/>
-            <p:cNvPicPr>
-              <a:picLocks noChangeAspect="1"/>
-            </p:cNvPicPr>
-            <p:nvPr/>
-          </p:nvPicPr>
-          <p:blipFill>
-            <a:blip r:embed="rId3" cstate="print"/>
-            <a:stretch>
-              <a:fillRect/>
-            </a:stretch>
-          </p:blipFill>
-          <p:spPr>
-            <a:xfrm>
-              <a:off x="5686747" y="-1286436"/>
-              <a:ext cx="4461240" cy="4417966"/>
-            </a:xfrm>
-            <a:prstGeom prst="rect">
-              <a:avLst/>
-            </a:prstGeom>
-          </p:spPr>
-        </p:pic>
-      </p:grpSp>
-      <p:grpSp>
-        <p:nvGrpSpPr>
-          <p:cNvPr id="1003" name="그룹 1003"/>
-          <p:cNvGrpSpPr/>
-          <p:nvPr/>
-        </p:nvGrpSpPr>
-        <p:grpSpPr>
-          <a:xfrm>
-            <a:off x="-901071" y="6888297"/>
-            <a:ext cx="4182908" cy="4182908"/>
-            <a:chOff x="-901071" y="6888297"/>
-            <a:chExt cx="4182908" cy="4182908"/>
-          </a:xfrm>
-        </p:grpSpPr>
-        <p:pic>
-          <p:nvPicPr>
-            <p:cNvPr id="9" name="Object 8"/>
-            <p:cNvPicPr>
-              <a:picLocks noChangeAspect="1"/>
-            </p:cNvPicPr>
-            <p:nvPr/>
-          </p:nvPicPr>
-          <p:blipFill>
-            <a:blip r:embed="rId4" cstate="print"/>
-            <a:stretch>
-              <a:fillRect/>
-            </a:stretch>
-          </p:blipFill>
-          <p:spPr>
-            <a:xfrm rot="-2700000">
-              <a:off x="-901071" y="6888297"/>
-              <a:ext cx="4182908" cy="4182908"/>
-            </a:xfrm>
-            <a:prstGeom prst="rect">
-              <a:avLst/>
-            </a:prstGeom>
-          </p:spPr>
-        </p:pic>
-      </p:grpSp>
-      <p:grpSp>
-        <p:nvGrpSpPr>
-          <p:cNvPr id="1004" name="그룹 1004"/>
-          <p:cNvGrpSpPr/>
-          <p:nvPr/>
-        </p:nvGrpSpPr>
-        <p:grpSpPr>
-          <a:xfrm>
-            <a:off x="1972602" y="5957321"/>
-            <a:ext cx="3452527" cy="3419037"/>
-            <a:chOff x="1972602" y="5957321"/>
-            <a:chExt cx="3452527" cy="3419037"/>
-          </a:xfrm>
-        </p:grpSpPr>
-        <p:pic>
-          <p:nvPicPr>
-            <p:cNvPr id="12" name="Object 11"/>
-            <p:cNvPicPr>
-              <a:picLocks noChangeAspect="1"/>
-            </p:cNvPicPr>
-            <p:nvPr/>
-          </p:nvPicPr>
-          <p:blipFill>
-            <a:blip r:embed="rId5" cstate="print"/>
-            <a:stretch>
-              <a:fillRect/>
-            </a:stretch>
-          </p:blipFill>
-          <p:spPr>
-            <a:xfrm>
-              <a:off x="1972602" y="5957321"/>
-              <a:ext cx="3452527" cy="3419037"/>
-            </a:xfrm>
-            <a:prstGeom prst="rect">
-              <a:avLst/>
-            </a:prstGeom>
-          </p:spPr>
-        </p:pic>
-      </p:grpSp>
-      <p:pic>
-        <p:nvPicPr>
-          <p:cNvPr id="14" name="Object 13"/>
-          <p:cNvPicPr>
-            <a:picLocks noChangeAspect="1"/>
-          </p:cNvPicPr>
-          <p:nvPr/>
-        </p:nvPicPr>
-        <p:blipFill>
-          <a:blip r:embed="rId6" cstate="print"/>
-          <a:stretch>
-            <a:fillRect/>
-          </a:stretch>
-        </p:blipFill>
-        <p:spPr>
-          <a:xfrm>
-            <a:off x="13669052" y="2416536"/>
-            <a:ext cx="3674181" cy="3286626"/>
-          </a:xfrm>
-          <a:prstGeom prst="rect">
-            <a:avLst/>
-          </a:prstGeom>
-        </p:spPr>
-      </p:pic>
-      <p:sp>
-        <p:nvSpPr>
-          <p:cNvPr id="2" name="TextBox 1">
-            <a:extLst>
-              <a:ext uri="{FF2B5EF4-FFF2-40B4-BE49-F238E27FC236}">
-                <a16:creationId xmlns:a16="http://schemas.microsoft.com/office/drawing/2014/main" xmlns="" id="{8D19D88B-9541-32D7-90F1-0C45C993E21C}"/>
-              </a:ext>
-            </a:extLst>
-          </p:cNvPr>
-          <p:cNvSpPr txBox="1"/>
-          <p:nvPr/>
-        </p:nvSpPr>
-        <p:spPr>
-          <a:xfrm>
-            <a:off x="8756646" y="5403323"/>
-            <a:ext cx="8622873" cy="1107996"/>
-          </a:xfrm>
-          <a:prstGeom prst="rect">
-            <a:avLst/>
-          </a:prstGeom>
-          <a:noFill/>
-        </p:spPr>
-        <p:txBody>
-          <a:bodyPr wrap="none" rtlCol="0">
-            <a:spAutoFit/>
-          </a:bodyPr>
-          <a:lstStyle/>
-          <a:p>
-            <a:r>
-              <a:rPr lang="en-US" altLang="ko-KR" sz="6600">
-                <a:solidFill>
-                  <a:schemeClr val="bg1"/>
-                </a:solidFill>
-                <a:latin typeface="G마켓 산스 Medium" panose="02000000000000000000" pitchFamily="50" charset="-127"/>
-                <a:ea typeface="G마켓 산스 Medium" panose="02000000000000000000" pitchFamily="50" charset="-127"/>
-              </a:rPr>
-              <a:t>chatGPT</a:t>
-            </a:r>
-            <a:r>
-              <a:rPr lang="ko-KR" altLang="en-US" sz="6600">
-                <a:solidFill>
-                  <a:schemeClr val="bg1"/>
-                </a:solidFill>
-                <a:latin typeface="G마켓 산스 Medium" panose="02000000000000000000" pitchFamily="50" charset="-127"/>
-                <a:ea typeface="G마켓 산스 Medium" panose="02000000000000000000" pitchFamily="50" charset="-127"/>
-              </a:rPr>
-              <a:t>와 대화하기</a:t>
-            </a:r>
-            <a:endParaRPr lang="en-US" altLang="ko-KR" sz="6600" dirty="0">
-              <a:solidFill>
-                <a:schemeClr val="bg1"/>
-              </a:solidFill>
-              <a:latin typeface="G마켓 산스 Medium" panose="02000000000000000000" pitchFamily="50" charset="-127"/>
-              <a:ea typeface="G마켓 산스 Medium" panose="02000000000000000000" pitchFamily="50" charset="-127"/>
-            </a:endParaRPr>
-          </a:p>
-        </p:txBody>
-      </p:sp>
-    </p:spTree>
-  </p:cSld>
-  <p:clrMapOvr>
-    <a:masterClrMapping/>
-  </p:clrMapOvr>
-</p:sld>
-</file>
-
-<file path=ppt/slides/slide30.xml><?xml version="1.0" encoding="utf-8"?>
+<file path=ppt/slides/slide31.xml><?xml version="1.0" encoding="utf-8"?>
 <p:sld xmlns:a="http://schemas.openxmlformats.org/drawingml/2006/main" xmlns:r="http://schemas.openxmlformats.org/officeDocument/2006/relationships" xmlns:p="http://schemas.openxmlformats.org/presentationml/2006/main">
   <p:cSld>
     <p:spTree>
@@ -11347,7 +11912,7 @@
           <p:cNvPr id="4" name="TextBox 3">
             <a:extLst>
               <a:ext uri="{FF2B5EF4-FFF2-40B4-BE49-F238E27FC236}">
-                <a16:creationId xmlns:a16="http://schemas.microsoft.com/office/drawing/2014/main" xmlns="" id="{52176D31-35F7-8916-46FA-6095EFEC1E49}"/>
+                <a16:creationId xmlns:a16="http://schemas.microsoft.com/office/drawing/2014/main" id="{52176D31-35F7-8916-46FA-6095EFEC1E49}"/>
               </a:ext>
             </a:extLst>
           </p:cNvPr>
@@ -11371,7 +11936,7 @@
           <a:lstStyle/>
           <a:p>
             <a:r>
-              <a:rPr lang="ko-KR" altLang="en-US" sz="2400" smtClean="0">
+              <a:rPr lang="ko-KR" altLang="en-US" sz="2400">
                 <a:solidFill>
                   <a:srgbClr val="4C50BB"/>
                 </a:solidFill>
@@ -11840,77 +12405,57 @@
                 <a:latin typeface="G마켓 산스 Medium" panose="02000000000000000000" pitchFamily="50" charset="-127"/>
                 <a:ea typeface="G마켓 산스 Medium" panose="02000000000000000000" pitchFamily="50" charset="-127"/>
               </a:rPr>
-              <a:t>번 </a:t>
-            </a:r>
-            <a:r>
-              <a:rPr lang="ko-KR" altLang="en-US" sz="2400" smtClean="0">
+              <a:t>번 이어짐 </a:t>
+            </a:r>
+            <a:r>
+              <a:rPr lang="en-US" altLang="ko-KR" sz="2400">
                 <a:solidFill>
                   <a:srgbClr val="FF0000"/>
                 </a:solidFill>
                 <a:latin typeface="G마켓 산스 Medium" panose="02000000000000000000" pitchFamily="50" charset="-127"/>
                 <a:ea typeface="G마켓 산스 Medium" panose="02000000000000000000" pitchFamily="50" charset="-127"/>
               </a:rPr>
-              <a:t>이어짐 </a:t>
-            </a:r>
-            <a:r>
-              <a:rPr lang="en-US" altLang="ko-KR" sz="2400" smtClean="0">
+              <a:t>(con </a:t>
+            </a:r>
+            <a:r>
+              <a:rPr lang="ko-KR" altLang="en-US" sz="2400">
                 <a:solidFill>
                   <a:srgbClr val="FF0000"/>
                 </a:solidFill>
                 <a:latin typeface="G마켓 산스 Medium" panose="02000000000000000000" pitchFamily="50" charset="-127"/>
                 <a:ea typeface="G마켓 산스 Medium" panose="02000000000000000000" pitchFamily="50" charset="-127"/>
               </a:rPr>
-              <a:t>(con </a:t>
-            </a:r>
-            <a:r>
-              <a:rPr lang="ko-KR" altLang="en-US" sz="2400" smtClean="0">
+              <a:t>객체를 </a:t>
+            </a:r>
+            <a:r>
+              <a:rPr lang="en-US" altLang="ko-KR" sz="2400">
                 <a:solidFill>
                   <a:srgbClr val="FF0000"/>
                 </a:solidFill>
                 <a:latin typeface="G마켓 산스 Medium" panose="02000000000000000000" pitchFamily="50" charset="-127"/>
                 <a:ea typeface="G마켓 산스 Medium" panose="02000000000000000000" pitchFamily="50" charset="-127"/>
               </a:rPr>
-              <a:t>객체를 </a:t>
-            </a:r>
-            <a:r>
-              <a:rPr lang="en-US" altLang="ko-KR" sz="2400" smtClean="0">
+              <a:t>main</a:t>
+            </a:r>
+            <a:r>
+              <a:rPr lang="ko-KR" altLang="en-US" sz="2400">
                 <a:solidFill>
                   <a:srgbClr val="FF0000"/>
                 </a:solidFill>
                 <a:latin typeface="G마켓 산스 Medium" panose="02000000000000000000" pitchFamily="50" charset="-127"/>
                 <a:ea typeface="G마켓 산스 Medium" panose="02000000000000000000" pitchFamily="50" charset="-127"/>
               </a:rPr>
-              <a:t>main</a:t>
-            </a:r>
-            <a:r>
-              <a:rPr lang="ko-KR" altLang="en-US" sz="2400" smtClean="0">
+              <a:t>메서드에서 사용할수 없으니 에러가 발생하는게 정상이다</a:t>
+            </a:r>
+            <a:r>
+              <a:rPr lang="en-US" altLang="ko-KR" sz="2400">
                 <a:solidFill>
                   <a:srgbClr val="FF0000"/>
                 </a:solidFill>
                 <a:latin typeface="G마켓 산스 Medium" panose="02000000000000000000" pitchFamily="50" charset="-127"/>
                 <a:ea typeface="G마켓 산스 Medium" panose="02000000000000000000" pitchFamily="50" charset="-127"/>
               </a:rPr>
-              <a:t>메서드에서 사용할수 없으니 에러가 발생하는게 정상이다</a:t>
-            </a:r>
-            <a:r>
-              <a:rPr lang="en-US" altLang="ko-KR" sz="2400" smtClean="0">
-                <a:solidFill>
-                  <a:srgbClr val="FF0000"/>
-                </a:solidFill>
-                <a:latin typeface="G마켓 산스 Medium" panose="02000000000000000000" pitchFamily="50" charset="-127"/>
-                <a:ea typeface="G마켓 산스 Medium" panose="02000000000000000000" pitchFamily="50" charset="-127"/>
-              </a:rPr>
-              <a:t>.</a:t>
-            </a:r>
-            <a:r>
-              <a:rPr lang="en-US" altLang="ko-KR" sz="2400" smtClean="0">
-                <a:solidFill>
-                  <a:srgbClr val="FF0000"/>
-                </a:solidFill>
-                <a:latin typeface="G마켓 산스 Medium" panose="02000000000000000000" pitchFamily="50" charset="-127"/>
-                <a:ea typeface="G마켓 산스 Medium" panose="02000000000000000000" pitchFamily="50" charset="-127"/>
-              </a:rPr>
-              <a:t>)</a:t>
+              <a:t>.)</a:t>
             </a:r>
             <a:endParaRPr lang="en-US" altLang="ko-KR" sz="2400" dirty="0">
               <a:solidFill>
@@ -11927,7 +12472,7 @@
           <p:cNvPr id="5" name="그림 4">
             <a:extLst>
               <a:ext uri="{FF2B5EF4-FFF2-40B4-BE49-F238E27FC236}">
-                <a16:creationId xmlns:a16="http://schemas.microsoft.com/office/drawing/2014/main" xmlns="" id="{0FC493BE-8B45-FD0B-61B0-958F5F4D1245}"/>
+                <a16:creationId xmlns:a16="http://schemas.microsoft.com/office/drawing/2014/main" id="{0FC493BE-8B45-FD0B-61B0-958F5F4D1245}"/>
               </a:ext>
             </a:extLst>
           </p:cNvPr>
@@ -11956,7 +12501,7 @@
           <p:cNvPr id="9" name="직선 화살표 연결선 8">
             <a:extLst>
               <a:ext uri="{FF2B5EF4-FFF2-40B4-BE49-F238E27FC236}">
-                <a16:creationId xmlns:a16="http://schemas.microsoft.com/office/drawing/2014/main" xmlns="" id="{86FDB107-CD04-09D0-E747-377BC8FB46AE}"/>
+                <a16:creationId xmlns:a16="http://schemas.microsoft.com/office/drawing/2014/main" id="{86FDB107-CD04-09D0-E747-377BC8FB46AE}"/>
               </a:ext>
             </a:extLst>
           </p:cNvPr>
@@ -11998,7 +12543,7 @@
           <p:cNvPr id="10" name="직사각형 9">
             <a:extLst>
               <a:ext uri="{FF2B5EF4-FFF2-40B4-BE49-F238E27FC236}">
-                <a16:creationId xmlns:a16="http://schemas.microsoft.com/office/drawing/2014/main" xmlns="" id="{2C39217A-837C-4D58-DBA3-564F65157794}"/>
+                <a16:creationId xmlns:a16="http://schemas.microsoft.com/office/drawing/2014/main" id="{2C39217A-837C-4D58-DBA3-564F65157794}"/>
               </a:ext>
             </a:extLst>
           </p:cNvPr>
@@ -12050,7 +12595,7 @@
           <p:cNvPr id="18" name="TextBox 17">
             <a:extLst>
               <a:ext uri="{FF2B5EF4-FFF2-40B4-BE49-F238E27FC236}">
-                <a16:creationId xmlns:a16="http://schemas.microsoft.com/office/drawing/2014/main" xmlns="" id="{790AD95C-311B-C003-EC36-B0AAB0874AF2}"/>
+                <a16:creationId xmlns:a16="http://schemas.microsoft.com/office/drawing/2014/main" id="{790AD95C-311B-C003-EC36-B0AAB0874AF2}"/>
               </a:ext>
             </a:extLst>
           </p:cNvPr>
@@ -12131,7 +12676,7 @@
           <p:cNvPr id="11" name="TextBox 10">
             <a:extLst>
               <a:ext uri="{FF2B5EF4-FFF2-40B4-BE49-F238E27FC236}">
-                <a16:creationId xmlns:a16="http://schemas.microsoft.com/office/drawing/2014/main" xmlns="" id="{69196D22-2A4C-4EF6-5A42-2031D7FEF549}"/>
+                <a16:creationId xmlns:a16="http://schemas.microsoft.com/office/drawing/2014/main" id="{69196D22-2A4C-4EF6-5A42-2031D7FEF549}"/>
               </a:ext>
             </a:extLst>
           </p:cNvPr>
@@ -12155,7 +12700,7 @@
           <a:lstStyle/>
           <a:p>
             <a:r>
-              <a:rPr lang="en-US" altLang="ko-KR" sz="5400" spc="-300" smtClean="0">
+              <a:rPr lang="en-US" altLang="ko-KR" sz="5400" spc="-300">
                 <a:solidFill>
                   <a:srgbClr val="4C50BC"/>
                 </a:solidFill>
@@ -12165,7 +12710,7 @@
               <a:t>6. </a:t>
             </a:r>
             <a:r>
-              <a:rPr lang="ko-KR" altLang="en-US" sz="5400" spc="-300" smtClean="0">
+              <a:rPr lang="ko-KR" altLang="en-US" sz="5400" spc="-300">
                 <a:solidFill>
                   <a:srgbClr val="4C50BC"/>
                 </a:solidFill>
@@ -12175,7 +12720,7 @@
               <a:t>실습문제</a:t>
             </a:r>
             <a:r>
-              <a:rPr lang="en-US" altLang="ko-KR" sz="5400" spc="-300" smtClean="0">
+              <a:rPr lang="en-US" altLang="ko-KR" sz="5400" spc="-300">
                 <a:solidFill>
                   <a:srgbClr val="FF0000"/>
                 </a:solidFill>
@@ -12199,7 +12744,7 @@
           <p:cNvPr id="12" name="직선 연결선 11">
             <a:extLst>
               <a:ext uri="{FF2B5EF4-FFF2-40B4-BE49-F238E27FC236}">
-                <a16:creationId xmlns:a16="http://schemas.microsoft.com/office/drawing/2014/main" xmlns="" id="{DDFA97EB-659B-5D0A-D41B-496A6FF66D9E}"/>
+                <a16:creationId xmlns:a16="http://schemas.microsoft.com/office/drawing/2014/main" id="{DDFA97EB-659B-5D0A-D41B-496A6FF66D9E}"/>
               </a:ext>
             </a:extLst>
           </p:cNvPr>
@@ -12247,17 +12792,10 @@
   <p:clrMapOvr>
     <a:masterClrMapping/>
   </p:clrMapOvr>
-  <p:timing>
-    <p:tnLst>
-      <p:par>
-        <p:cTn id="1" dur="indefinite" restart="never" nodeType="tmRoot"/>
-      </p:par>
-    </p:tnLst>
-  </p:timing>
 </p:sld>
 </file>
 
-<file path=ppt/slides/slide31.xml><?xml version="1.0" encoding="utf-8"?>
+<file path=ppt/slides/slide32.xml><?xml version="1.0" encoding="utf-8"?>
 <p:sld xmlns:a="http://schemas.openxmlformats.org/drawingml/2006/main" xmlns:r="http://schemas.openxmlformats.org/officeDocument/2006/relationships" xmlns:p="http://schemas.openxmlformats.org/presentationml/2006/main">
   <p:cSld>
     <p:spTree>
@@ -12279,7 +12817,7 @@
           <p:cNvPr id="5" name="그림 4">
             <a:extLst>
               <a:ext uri="{FF2B5EF4-FFF2-40B4-BE49-F238E27FC236}">
-                <a16:creationId xmlns:a16="http://schemas.microsoft.com/office/drawing/2014/main" xmlns="" id="{3535DC53-D431-BEBB-9232-DF9566F19C8A}"/>
+                <a16:creationId xmlns:a16="http://schemas.microsoft.com/office/drawing/2014/main" id="{3535DC53-D431-BEBB-9232-DF9566F19C8A}"/>
               </a:ext>
             </a:extLst>
           </p:cNvPr>
@@ -12309,7 +12847,7 @@
           <p:cNvPr id="6" name="직선 화살표 연결선 5">
             <a:extLst>
               <a:ext uri="{FF2B5EF4-FFF2-40B4-BE49-F238E27FC236}">
-                <a16:creationId xmlns:a16="http://schemas.microsoft.com/office/drawing/2014/main" xmlns="" id="{BA7E4FDE-93F1-3C00-9860-96EDFB9F5A4C}"/>
+                <a16:creationId xmlns:a16="http://schemas.microsoft.com/office/drawing/2014/main" id="{BA7E4FDE-93F1-3C00-9860-96EDFB9F5A4C}"/>
               </a:ext>
             </a:extLst>
           </p:cNvPr>
@@ -12350,7 +12888,7 @@
           <p:cNvPr id="7" name="직사각형 6">
             <a:extLst>
               <a:ext uri="{FF2B5EF4-FFF2-40B4-BE49-F238E27FC236}">
-                <a16:creationId xmlns:a16="http://schemas.microsoft.com/office/drawing/2014/main" xmlns="" id="{A54EA248-07ED-2F9A-1FB4-22D8F7992051}"/>
+                <a16:creationId xmlns:a16="http://schemas.microsoft.com/office/drawing/2014/main" id="{A54EA248-07ED-2F9A-1FB4-22D8F7992051}"/>
               </a:ext>
             </a:extLst>
           </p:cNvPr>
@@ -12402,7 +12940,7 @@
           <p:cNvPr id="8" name="TextBox 7">
             <a:extLst>
               <a:ext uri="{FF2B5EF4-FFF2-40B4-BE49-F238E27FC236}">
-                <a16:creationId xmlns:a16="http://schemas.microsoft.com/office/drawing/2014/main" xmlns="" id="{331E521B-7746-A91F-CB31-A5DA6E5E18F9}"/>
+                <a16:creationId xmlns:a16="http://schemas.microsoft.com/office/drawing/2014/main" id="{331E521B-7746-A91F-CB31-A5DA6E5E18F9}"/>
               </a:ext>
             </a:extLst>
           </p:cNvPr>
@@ -12463,7 +13001,7 @@
           <p:cNvPr id="10" name="그림 9">
             <a:extLst>
               <a:ext uri="{FF2B5EF4-FFF2-40B4-BE49-F238E27FC236}">
-                <a16:creationId xmlns:a16="http://schemas.microsoft.com/office/drawing/2014/main" xmlns="" id="{DAF845C1-73C1-23DF-8505-7127CA7A5162}"/>
+                <a16:creationId xmlns:a16="http://schemas.microsoft.com/office/drawing/2014/main" id="{DAF845C1-73C1-23DF-8505-7127CA7A5162}"/>
               </a:ext>
             </a:extLst>
           </p:cNvPr>
@@ -12493,7 +13031,7 @@
           <p:cNvPr id="11" name="직선 화살표 연결선 10">
             <a:extLst>
               <a:ext uri="{FF2B5EF4-FFF2-40B4-BE49-F238E27FC236}">
-                <a16:creationId xmlns:a16="http://schemas.microsoft.com/office/drawing/2014/main" xmlns="" id="{736BFA75-75DA-9213-4783-F2C92C5C350B}"/>
+                <a16:creationId xmlns:a16="http://schemas.microsoft.com/office/drawing/2014/main" id="{736BFA75-75DA-9213-4783-F2C92C5C350B}"/>
               </a:ext>
             </a:extLst>
           </p:cNvPr>
@@ -12534,7 +13072,7 @@
           <p:cNvPr id="12" name="직사각형 11">
             <a:extLst>
               <a:ext uri="{FF2B5EF4-FFF2-40B4-BE49-F238E27FC236}">
-                <a16:creationId xmlns:a16="http://schemas.microsoft.com/office/drawing/2014/main" xmlns="" id="{A324866F-9C4C-6906-D629-671F4EDD8935}"/>
+                <a16:creationId xmlns:a16="http://schemas.microsoft.com/office/drawing/2014/main" id="{A324866F-9C4C-6906-D629-671F4EDD8935}"/>
               </a:ext>
             </a:extLst>
           </p:cNvPr>
@@ -12586,7 +13124,7 @@
           <p:cNvPr id="13" name="TextBox 12">
             <a:extLst>
               <a:ext uri="{FF2B5EF4-FFF2-40B4-BE49-F238E27FC236}">
-                <a16:creationId xmlns:a16="http://schemas.microsoft.com/office/drawing/2014/main" xmlns="" id="{0EF580AB-D402-C23B-16B9-F767E30A06E1}"/>
+                <a16:creationId xmlns:a16="http://schemas.microsoft.com/office/drawing/2014/main" id="{0EF580AB-D402-C23B-16B9-F767E30A06E1}"/>
               </a:ext>
             </a:extLst>
           </p:cNvPr>
@@ -12610,7 +13148,7 @@
           <a:lstStyle/>
           <a:p>
             <a:r>
-              <a:rPr lang="ko-KR" altLang="en-US" sz="3600" smtClean="0">
+              <a:rPr lang="ko-KR" altLang="en-US" sz="3600">
                 <a:solidFill>
                   <a:srgbClr val="FF0000"/>
                 </a:solidFill>
@@ -12719,7 +13257,7 @@
           <p:cNvPr id="14" name="TextBox 13">
             <a:extLst>
               <a:ext uri="{FF2B5EF4-FFF2-40B4-BE49-F238E27FC236}">
-                <a16:creationId xmlns:a16="http://schemas.microsoft.com/office/drawing/2014/main" xmlns="" id="{69196D22-2A4C-4EF6-5A42-2031D7FEF549}"/>
+                <a16:creationId xmlns:a16="http://schemas.microsoft.com/office/drawing/2014/main" id="{69196D22-2A4C-4EF6-5A42-2031D7FEF549}"/>
               </a:ext>
             </a:extLst>
           </p:cNvPr>
@@ -12743,7 +13281,7 @@
           <a:lstStyle/>
           <a:p>
             <a:r>
-              <a:rPr lang="en-US" altLang="ko-KR" sz="5400" spc="-300" smtClean="0">
+              <a:rPr lang="en-US" altLang="ko-KR" sz="5400" spc="-300">
                 <a:solidFill>
                   <a:srgbClr val="4C50BC"/>
                 </a:solidFill>
@@ -12753,7 +13291,7 @@
               <a:t>6. </a:t>
             </a:r>
             <a:r>
-              <a:rPr lang="ko-KR" altLang="en-US" sz="5400" spc="-300" smtClean="0">
+              <a:rPr lang="ko-KR" altLang="en-US" sz="5400" spc="-300">
                 <a:solidFill>
                   <a:srgbClr val="4C50BC"/>
                 </a:solidFill>
@@ -12763,7 +13301,7 @@
               <a:t>문제풀이</a:t>
             </a:r>
             <a:r>
-              <a:rPr lang="en-US" altLang="ko-KR" sz="5400" spc="-300" smtClean="0">
+              <a:rPr lang="en-US" altLang="ko-KR" sz="5400" spc="-300">
                 <a:solidFill>
                   <a:srgbClr val="FF0000"/>
                 </a:solidFill>
@@ -12787,7 +13325,7 @@
           <p:cNvPr id="15" name="직선 연결선 14">
             <a:extLst>
               <a:ext uri="{FF2B5EF4-FFF2-40B4-BE49-F238E27FC236}">
-                <a16:creationId xmlns:a16="http://schemas.microsoft.com/office/drawing/2014/main" xmlns="" id="{DDFA97EB-659B-5D0A-D41B-496A6FF66D9E}"/>
+                <a16:creationId xmlns:a16="http://schemas.microsoft.com/office/drawing/2014/main" id="{DDFA97EB-659B-5D0A-D41B-496A6FF66D9E}"/>
               </a:ext>
             </a:extLst>
           </p:cNvPr>
@@ -12830,7 +13368,7 @@
           <p:cNvPr id="16" name="직사각형 15">
             <a:extLst>
               <a:ext uri="{FF2B5EF4-FFF2-40B4-BE49-F238E27FC236}">
-                <a16:creationId xmlns:a16="http://schemas.microsoft.com/office/drawing/2014/main" xmlns="" id="{361FA442-8171-4EBF-65A2-19C90654959D}"/>
+                <a16:creationId xmlns:a16="http://schemas.microsoft.com/office/drawing/2014/main" id="{361FA442-8171-4EBF-65A2-19C90654959D}"/>
               </a:ext>
             </a:extLst>
           </p:cNvPr>
@@ -12968,7 +13506,7 @@
 </p:sld>
 </file>
 
-<file path=ppt/slides/slide32.xml><?xml version="1.0" encoding="utf-8"?>
+<file path=ppt/slides/slide33.xml><?xml version="1.0" encoding="utf-8"?>
 <p:sld xmlns:a="http://schemas.openxmlformats.org/drawingml/2006/main" xmlns:r="http://schemas.openxmlformats.org/officeDocument/2006/relationships" xmlns:p="http://schemas.openxmlformats.org/presentationml/2006/main">
   <p:cSld>
     <p:spTree>
@@ -12990,7 +13528,7 @@
           <p:cNvPr id="12" name="그림 11">
             <a:extLst>
               <a:ext uri="{FF2B5EF4-FFF2-40B4-BE49-F238E27FC236}">
-                <a16:creationId xmlns:a16="http://schemas.microsoft.com/office/drawing/2014/main" xmlns="" id="{4A350A67-AC3F-AACC-EDE2-314DDE6BC0BB}"/>
+                <a16:creationId xmlns:a16="http://schemas.microsoft.com/office/drawing/2014/main" id="{4A350A67-AC3F-AACC-EDE2-314DDE6BC0BB}"/>
               </a:ext>
             </a:extLst>
           </p:cNvPr>
@@ -13020,7 +13558,7 @@
           <p:cNvPr id="5" name="직선 화살표 연결선 4">
             <a:extLst>
               <a:ext uri="{FF2B5EF4-FFF2-40B4-BE49-F238E27FC236}">
-                <a16:creationId xmlns:a16="http://schemas.microsoft.com/office/drawing/2014/main" xmlns="" id="{23FD377B-4BEC-50BB-50D9-3E0240A612F9}"/>
+                <a16:creationId xmlns:a16="http://schemas.microsoft.com/office/drawing/2014/main" id="{23FD377B-4BEC-50BB-50D9-3E0240A612F9}"/>
               </a:ext>
             </a:extLst>
           </p:cNvPr>
@@ -13061,7 +13599,7 @@
           <p:cNvPr id="7" name="TextBox 6">
             <a:extLst>
               <a:ext uri="{FF2B5EF4-FFF2-40B4-BE49-F238E27FC236}">
-                <a16:creationId xmlns:a16="http://schemas.microsoft.com/office/drawing/2014/main" xmlns="" id="{9F3191D6-8F59-1681-9C0E-A381F2473599}"/>
+                <a16:creationId xmlns:a16="http://schemas.microsoft.com/office/drawing/2014/main" id="{9F3191D6-8F59-1681-9C0E-A381F2473599}"/>
               </a:ext>
             </a:extLst>
           </p:cNvPr>
@@ -13085,7 +13623,7 @@
           <a:lstStyle/>
           <a:p>
             <a:r>
-              <a:rPr lang="en-US" altLang="ko-KR" sz="3200" smtClean="0">
+              <a:rPr lang="en-US" altLang="ko-KR" sz="3200">
                 <a:solidFill>
                   <a:srgbClr val="4C50BB"/>
                 </a:solidFill>
@@ -13095,7 +13633,7 @@
               <a:t>HttpUrlConnection</a:t>
             </a:r>
             <a:r>
-              <a:rPr lang="ko-KR" altLang="en-US" sz="3200" smtClean="0">
+              <a:rPr lang="ko-KR" altLang="en-US" sz="3200">
                 <a:solidFill>
                   <a:srgbClr val="4C50BB"/>
                 </a:solidFill>
@@ -13633,7 +14171,7 @@
           <p:cNvPr id="8" name="TextBox 7">
             <a:extLst>
               <a:ext uri="{FF2B5EF4-FFF2-40B4-BE49-F238E27FC236}">
-                <a16:creationId xmlns:a16="http://schemas.microsoft.com/office/drawing/2014/main" xmlns="" id="{E66DC9AA-85B3-4BAB-41B7-FE7976F0EAA5}"/>
+                <a16:creationId xmlns:a16="http://schemas.microsoft.com/office/drawing/2014/main" id="{E66DC9AA-85B3-4BAB-41B7-FE7976F0EAA5}"/>
               </a:ext>
             </a:extLst>
           </p:cNvPr>
@@ -13714,7 +14252,7 @@
           <p:cNvPr id="6" name="TextBox 5">
             <a:extLst>
               <a:ext uri="{FF2B5EF4-FFF2-40B4-BE49-F238E27FC236}">
-                <a16:creationId xmlns:a16="http://schemas.microsoft.com/office/drawing/2014/main" xmlns="" id="{69196D22-2A4C-4EF6-5A42-2031D7FEF549}"/>
+                <a16:creationId xmlns:a16="http://schemas.microsoft.com/office/drawing/2014/main" id="{69196D22-2A4C-4EF6-5A42-2031D7FEF549}"/>
               </a:ext>
             </a:extLst>
           </p:cNvPr>
@@ -13738,7 +14276,7 @@
           <a:lstStyle/>
           <a:p>
             <a:r>
-              <a:rPr lang="en-US" altLang="ko-KR" sz="5400" spc="-300" smtClean="0">
+              <a:rPr lang="en-US" altLang="ko-KR" sz="5400" spc="-300">
                 <a:solidFill>
                   <a:srgbClr val="4C50BC"/>
                 </a:solidFill>
@@ -13748,7 +14286,7 @@
               <a:t>6. </a:t>
             </a:r>
             <a:r>
-              <a:rPr lang="ko-KR" altLang="en-US" sz="5400" spc="-300" smtClean="0">
+              <a:rPr lang="ko-KR" altLang="en-US" sz="5400" spc="-300">
                 <a:solidFill>
                   <a:srgbClr val="4C50BC"/>
                 </a:solidFill>
@@ -13758,7 +14296,7 @@
               <a:t>실습문제</a:t>
             </a:r>
             <a:r>
-              <a:rPr lang="en-US" altLang="ko-KR" sz="5400" spc="-300" smtClean="0">
+              <a:rPr lang="en-US" altLang="ko-KR" sz="5400" spc="-300">
                 <a:solidFill>
                   <a:srgbClr val="FF0000"/>
                 </a:solidFill>
@@ -13782,7 +14320,7 @@
           <p:cNvPr id="9" name="직선 연결선 8">
             <a:extLst>
               <a:ext uri="{FF2B5EF4-FFF2-40B4-BE49-F238E27FC236}">
-                <a16:creationId xmlns:a16="http://schemas.microsoft.com/office/drawing/2014/main" xmlns="" id="{DDFA97EB-659B-5D0A-D41B-496A6FF66D9E}"/>
+                <a16:creationId xmlns:a16="http://schemas.microsoft.com/office/drawing/2014/main" id="{DDFA97EB-659B-5D0A-D41B-496A6FF66D9E}"/>
               </a:ext>
             </a:extLst>
           </p:cNvPr>
@@ -13833,7 +14371,7 @@
 </p:sld>
 </file>
 
-<file path=ppt/slides/slide33.xml><?xml version="1.0" encoding="utf-8"?>
+<file path=ppt/slides/slide34.xml><?xml version="1.0" encoding="utf-8"?>
 <p:sld xmlns:a="http://schemas.openxmlformats.org/drawingml/2006/main" xmlns:r="http://schemas.openxmlformats.org/officeDocument/2006/relationships" xmlns:p="http://schemas.openxmlformats.org/presentationml/2006/main">
   <p:cSld>
     <p:spTree>
@@ -13855,7 +14393,7 @@
           <p:cNvPr id="5" name="TextBox 4">
             <a:extLst>
               <a:ext uri="{FF2B5EF4-FFF2-40B4-BE49-F238E27FC236}">
-                <a16:creationId xmlns:a16="http://schemas.microsoft.com/office/drawing/2014/main" xmlns="" id="{52176D31-35F7-8916-46FA-6095EFEC1E49}"/>
+                <a16:creationId xmlns:a16="http://schemas.microsoft.com/office/drawing/2014/main" id="{52176D31-35F7-8916-46FA-6095EFEC1E49}"/>
               </a:ext>
             </a:extLst>
           </p:cNvPr>
@@ -14451,7 +14989,7 @@
 </p:sld>
 </file>
 
-<file path=ppt/slides/slide34.xml><?xml version="1.0" encoding="utf-8"?>
+<file path=ppt/slides/slide35.xml><?xml version="1.0" encoding="utf-8"?>
 <p:sld xmlns:a="http://schemas.openxmlformats.org/drawingml/2006/main" xmlns:r="http://schemas.openxmlformats.org/officeDocument/2006/relationships" xmlns:p="http://schemas.openxmlformats.org/presentationml/2006/main">
   <p:cSld>
     <p:spTree>
@@ -14473,7 +15011,7 @@
           <p:cNvPr id="4" name="그림 3">
             <a:extLst>
               <a:ext uri="{FF2B5EF4-FFF2-40B4-BE49-F238E27FC236}">
-                <a16:creationId xmlns:a16="http://schemas.microsoft.com/office/drawing/2014/main" xmlns="" id="{BB7942F3-DCFA-4FC7-4E07-7A1C40C2CBED}"/>
+                <a16:creationId xmlns:a16="http://schemas.microsoft.com/office/drawing/2014/main" id="{BB7942F3-DCFA-4FC7-4E07-7A1C40C2CBED}"/>
               </a:ext>
             </a:extLst>
           </p:cNvPr>
@@ -14503,7 +15041,7 @@
           <p:cNvPr id="6" name="TextBox 5">
             <a:extLst>
               <a:ext uri="{FF2B5EF4-FFF2-40B4-BE49-F238E27FC236}">
-                <a16:creationId xmlns:a16="http://schemas.microsoft.com/office/drawing/2014/main" xmlns="" id="{69196D22-2A4C-4EF6-5A42-2031D7FEF549}"/>
+                <a16:creationId xmlns:a16="http://schemas.microsoft.com/office/drawing/2014/main" id="{69196D22-2A4C-4EF6-5A42-2031D7FEF549}"/>
               </a:ext>
             </a:extLst>
           </p:cNvPr>
@@ -14527,7 +15065,7 @@
           <a:lstStyle/>
           <a:p>
             <a:r>
-              <a:rPr lang="en-US" altLang="ko-KR" sz="5400" spc="-300" smtClean="0">
+              <a:rPr lang="en-US" altLang="ko-KR" sz="5400" spc="-300">
                 <a:solidFill>
                   <a:srgbClr val="4C50BC"/>
                 </a:solidFill>
@@ -14537,7 +15075,7 @@
               <a:t>6. </a:t>
             </a:r>
             <a:r>
-              <a:rPr lang="ko-KR" altLang="en-US" sz="5400" spc="-300" smtClean="0">
+              <a:rPr lang="ko-KR" altLang="en-US" sz="5400" spc="-300">
                 <a:solidFill>
                   <a:srgbClr val="4C50BC"/>
                 </a:solidFill>
@@ -14547,7 +15085,7 @@
               <a:t>문제풀이</a:t>
             </a:r>
             <a:r>
-              <a:rPr lang="en-US" altLang="ko-KR" sz="5400" spc="-300" smtClean="0">
+              <a:rPr lang="en-US" altLang="ko-KR" sz="5400" spc="-300">
                 <a:solidFill>
                   <a:srgbClr val="FF0000"/>
                 </a:solidFill>
@@ -14571,7 +15109,7 @@
           <p:cNvPr id="7" name="직선 연결선 6">
             <a:extLst>
               <a:ext uri="{FF2B5EF4-FFF2-40B4-BE49-F238E27FC236}">
-                <a16:creationId xmlns:a16="http://schemas.microsoft.com/office/drawing/2014/main" xmlns="" id="{DDFA97EB-659B-5D0A-D41B-496A6FF66D9E}"/>
+                <a16:creationId xmlns:a16="http://schemas.microsoft.com/office/drawing/2014/main" id="{DDFA97EB-659B-5D0A-D41B-496A6FF66D9E}"/>
               </a:ext>
             </a:extLst>
           </p:cNvPr>
@@ -14614,7 +15152,7 @@
           <p:cNvPr id="8" name="TextBox 7">
             <a:extLst>
               <a:ext uri="{FF2B5EF4-FFF2-40B4-BE49-F238E27FC236}">
-                <a16:creationId xmlns:a16="http://schemas.microsoft.com/office/drawing/2014/main" xmlns="" id="{B1C05CB3-45A9-FA20-A8E0-BE6F095B8777}"/>
+                <a16:creationId xmlns:a16="http://schemas.microsoft.com/office/drawing/2014/main" id="{B1C05CB3-45A9-FA20-A8E0-BE6F095B8777}"/>
               </a:ext>
             </a:extLst>
           </p:cNvPr>
@@ -14642,7 +15180,7 @@
               <a:buChar char="•"/>
             </a:pPr>
             <a:r>
-              <a:rPr lang="en-US" altLang="ko-KR" sz="3600" smtClean="0">
+              <a:rPr lang="en-US" altLang="ko-KR" sz="3600">
                 <a:solidFill>
                   <a:schemeClr val="tx1">
                     <a:lumMod val="50000"/>
@@ -14655,7 +15193,7 @@
               <a:t>send</a:t>
             </a:r>
             <a:r>
-              <a:rPr lang="ko-KR" altLang="en-US" sz="3600" smtClean="0">
+              <a:rPr lang="ko-KR" altLang="en-US" sz="3600">
                 <a:solidFill>
                   <a:schemeClr val="tx1">
                     <a:lumMod val="50000"/>
@@ -14668,7 +15206,7 @@
               <a:t>메서드를 오버로딩 한다</a:t>
             </a:r>
             <a:r>
-              <a:rPr lang="en-US" altLang="ko-KR" sz="3600" smtClean="0">
+              <a:rPr lang="en-US" altLang="ko-KR" sz="3600">
                 <a:solidFill>
                   <a:schemeClr val="tx1">
                     <a:lumMod val="50000"/>
@@ -14687,7 +15225,7 @@
               <a:buChar char="•"/>
             </a:pPr>
             <a:r>
-              <a:rPr lang="en-US" altLang="ko-KR" sz="3600" smtClean="0">
+              <a:rPr lang="en-US" altLang="ko-KR" sz="3600">
                 <a:solidFill>
                   <a:schemeClr val="tx1">
                     <a:lumMod val="50000"/>
@@ -14700,7 +15238,7 @@
               <a:t>send(String msg)  </a:t>
             </a:r>
             <a:r>
-              <a:rPr lang="ko-KR" altLang="en-US" sz="3600" smtClean="0">
+              <a:rPr lang="ko-KR" altLang="en-US" sz="3600">
                 <a:solidFill>
                   <a:schemeClr val="tx1">
                     <a:lumMod val="50000"/>
@@ -14713,7 +15251,7 @@
               <a:t>와 </a:t>
             </a:r>
             <a:r>
-              <a:rPr lang="en-US" altLang="ko-KR" sz="3600" smtClean="0">
+              <a:rPr lang="en-US" altLang="ko-KR" sz="3600">
                 <a:solidFill>
                   <a:schemeClr val="tx1">
                     <a:lumMod val="50000"/>
@@ -14726,7 +15264,7 @@
               <a:t>send(OutputStream out, String msg) 2</a:t>
             </a:r>
             <a:r>
-              <a:rPr lang="ko-KR" altLang="en-US" sz="3600" smtClean="0">
+              <a:rPr lang="ko-KR" altLang="en-US" sz="3600">
                 <a:solidFill>
                   <a:schemeClr val="tx1">
                     <a:lumMod val="50000"/>
@@ -14739,7 +15277,7 @@
               <a:t>개의 메서드를 가지게 된다</a:t>
             </a:r>
             <a:r>
-              <a:rPr lang="en-US" altLang="ko-KR" sz="3600" smtClean="0">
+              <a:rPr lang="en-US" altLang="ko-KR" sz="3600">
                 <a:solidFill>
                   <a:schemeClr val="tx1">
                     <a:lumMod val="50000"/>
@@ -14758,7 +15296,7 @@
               <a:buChar char="•"/>
             </a:pPr>
             <a:r>
-              <a:rPr lang="ko-KR" altLang="en-US" sz="3600" smtClean="0">
+              <a:rPr lang="ko-KR" altLang="en-US" sz="3600">
                 <a:solidFill>
                   <a:schemeClr val="tx1">
                     <a:lumMod val="50000"/>
@@ -14771,7 +15309,7 @@
               <a:t>기존 코드와의 호환을 위해 이런식으로 오버로딩을 이용하는 경우가 많다</a:t>
             </a:r>
             <a:r>
-              <a:rPr lang="en-US" altLang="ko-KR" sz="3600" smtClean="0">
+              <a:rPr lang="en-US" altLang="ko-KR" sz="3600">
                 <a:solidFill>
                   <a:schemeClr val="tx1">
                     <a:lumMod val="50000"/>
@@ -14801,7 +15339,7 @@
           <p:cNvPr id="9" name="직사각형 8">
             <a:extLst>
               <a:ext uri="{FF2B5EF4-FFF2-40B4-BE49-F238E27FC236}">
-                <a16:creationId xmlns:a16="http://schemas.microsoft.com/office/drawing/2014/main" xmlns="" id="{361FA442-8171-4EBF-65A2-19C90654959D}"/>
+                <a16:creationId xmlns:a16="http://schemas.microsoft.com/office/drawing/2014/main" id="{361FA442-8171-4EBF-65A2-19C90654959D}"/>
               </a:ext>
             </a:extLst>
           </p:cNvPr>
@@ -14939,7 +15477,7 @@
 </p:sld>
 </file>
 
-<file path=ppt/slides/slide35.xml><?xml version="1.0" encoding="utf-8"?>
+<file path=ppt/slides/slide36.xml><?xml version="1.0" encoding="utf-8"?>
 <p:sld xmlns:a="http://schemas.openxmlformats.org/drawingml/2006/main" xmlns:r="http://schemas.openxmlformats.org/officeDocument/2006/relationships" xmlns:p="http://schemas.openxmlformats.org/presentationml/2006/main">
   <p:cSld>
     <p:spTree>
@@ -14985,7 +15523,7 @@
           <p:cNvPr id="5" name="TextBox 4">
             <a:extLst>
               <a:ext uri="{FF2B5EF4-FFF2-40B4-BE49-F238E27FC236}">
-                <a16:creationId xmlns:a16="http://schemas.microsoft.com/office/drawing/2014/main" xmlns="" id="{52176D31-35F7-8916-46FA-6095EFEC1E49}"/>
+                <a16:creationId xmlns:a16="http://schemas.microsoft.com/office/drawing/2014/main" id="{52176D31-35F7-8916-46FA-6095EFEC1E49}"/>
               </a:ext>
             </a:extLst>
           </p:cNvPr>
@@ -15009,7 +15547,7 @@
           <a:lstStyle/>
           <a:p>
             <a:r>
-              <a:rPr lang="en-US" altLang="ko-KR" sz="2800" smtClean="0">
+              <a:rPr lang="en-US" altLang="ko-KR" sz="2800">
                 <a:solidFill>
                   <a:srgbClr val="4C50BB"/>
                 </a:solidFill>
@@ -15222,7 +15760,7 @@
           <p:cNvPr id="7" name="직선 화살표 연결선 6">
             <a:extLst>
               <a:ext uri="{FF2B5EF4-FFF2-40B4-BE49-F238E27FC236}">
-                <a16:creationId xmlns:a16="http://schemas.microsoft.com/office/drawing/2014/main" xmlns="" id="{299DF5EC-9DF4-5255-06AC-0A7CE4FF58C3}"/>
+                <a16:creationId xmlns:a16="http://schemas.microsoft.com/office/drawing/2014/main" id="{299DF5EC-9DF4-5255-06AC-0A7CE4FF58C3}"/>
               </a:ext>
             </a:extLst>
           </p:cNvPr>
@@ -15263,7 +15801,7 @@
           <p:cNvPr id="8" name="직사각형 7">
             <a:extLst>
               <a:ext uri="{FF2B5EF4-FFF2-40B4-BE49-F238E27FC236}">
-                <a16:creationId xmlns:a16="http://schemas.microsoft.com/office/drawing/2014/main" xmlns="" id="{FFF506F9-840A-0508-4CAF-3AC711D8D5CE}"/>
+                <a16:creationId xmlns:a16="http://schemas.microsoft.com/office/drawing/2014/main" id="{FFF506F9-840A-0508-4CAF-3AC711D8D5CE}"/>
               </a:ext>
             </a:extLst>
           </p:cNvPr>
@@ -15315,7 +15853,7 @@
           <p:cNvPr id="9" name="TextBox 8">
             <a:extLst>
               <a:ext uri="{FF2B5EF4-FFF2-40B4-BE49-F238E27FC236}">
-                <a16:creationId xmlns:a16="http://schemas.microsoft.com/office/drawing/2014/main" xmlns="" id="{C6D113C6-EA5C-788F-0C77-E7CE6EBB865F}"/>
+                <a16:creationId xmlns:a16="http://schemas.microsoft.com/office/drawing/2014/main" id="{C6D113C6-EA5C-788F-0C77-E7CE6EBB865F}"/>
               </a:ext>
             </a:extLst>
           </p:cNvPr>
@@ -15397,7 +15935,7 @@
           <p:cNvPr id="4" name="직사각형 3">
             <a:extLst>
               <a:ext uri="{FF2B5EF4-FFF2-40B4-BE49-F238E27FC236}">
-                <a16:creationId xmlns:a16="http://schemas.microsoft.com/office/drawing/2014/main" xmlns="" id="{05FA8A96-04C4-92CB-A022-D5689D1D0DEA}"/>
+                <a16:creationId xmlns:a16="http://schemas.microsoft.com/office/drawing/2014/main" id="{05FA8A96-04C4-92CB-A022-D5689D1D0DEA}"/>
               </a:ext>
             </a:extLst>
           </p:cNvPr>
@@ -15449,7 +15987,7 @@
           <p:cNvPr id="10" name="TextBox 9">
             <a:extLst>
               <a:ext uri="{FF2B5EF4-FFF2-40B4-BE49-F238E27FC236}">
-                <a16:creationId xmlns:a16="http://schemas.microsoft.com/office/drawing/2014/main" xmlns="" id="{69196D22-2A4C-4EF6-5A42-2031D7FEF549}"/>
+                <a16:creationId xmlns:a16="http://schemas.microsoft.com/office/drawing/2014/main" id="{69196D22-2A4C-4EF6-5A42-2031D7FEF549}"/>
               </a:ext>
             </a:extLst>
           </p:cNvPr>
@@ -15480,30 +16018,20 @@
                 <a:latin typeface="G마켓 산스 Bold" panose="02000000000000000000" pitchFamily="50" charset="-127"/>
                 <a:ea typeface="G마켓 산스 Bold" panose="02000000000000000000" pitchFamily="50" charset="-127"/>
               </a:rPr>
-              <a:t>7</a:t>
-            </a:r>
-            <a:r>
-              <a:rPr lang="en-US" altLang="ko-KR" sz="5400" spc="-300" smtClean="0">
+              <a:t>7. </a:t>
+            </a:r>
+            <a:r>
+              <a:rPr lang="ko-KR" altLang="en-US" sz="5400" spc="-300">
                 <a:solidFill>
                   <a:srgbClr val="4C50BC"/>
                 </a:solidFill>
                 <a:latin typeface="G마켓 산스 Bold" panose="02000000000000000000" pitchFamily="50" charset="-127"/>
                 <a:ea typeface="G마켓 산스 Bold" panose="02000000000000000000" pitchFamily="50" charset="-127"/>
               </a:rPr>
-              <a:t>. </a:t>
-            </a:r>
-            <a:r>
-              <a:rPr lang="ko-KR" altLang="en-US" sz="5400" spc="-300" smtClean="0">
-                <a:solidFill>
-                  <a:srgbClr val="4C50BC"/>
-                </a:solidFill>
-                <a:latin typeface="G마켓 산스 Bold" panose="02000000000000000000" pitchFamily="50" charset="-127"/>
-                <a:ea typeface="G마켓 산스 Bold" panose="02000000000000000000" pitchFamily="50" charset="-127"/>
-              </a:rPr>
               <a:t>실습문제</a:t>
             </a:r>
             <a:r>
-              <a:rPr lang="en-US" altLang="ko-KR" sz="5400" spc="-300" smtClean="0">
+              <a:rPr lang="en-US" altLang="ko-KR" sz="5400" spc="-300">
                 <a:solidFill>
                   <a:srgbClr val="FF0000"/>
                 </a:solidFill>
@@ -15527,7 +16055,7 @@
           <p:cNvPr id="11" name="직선 연결선 10">
             <a:extLst>
               <a:ext uri="{FF2B5EF4-FFF2-40B4-BE49-F238E27FC236}">
-                <a16:creationId xmlns:a16="http://schemas.microsoft.com/office/drawing/2014/main" xmlns="" id="{DDFA97EB-659B-5D0A-D41B-496A6FF66D9E}"/>
+                <a16:creationId xmlns:a16="http://schemas.microsoft.com/office/drawing/2014/main" id="{DDFA97EB-659B-5D0A-D41B-496A6FF66D9E}"/>
               </a:ext>
             </a:extLst>
           </p:cNvPr>
@@ -15578,7 +16106,7 @@
 </p:sld>
 </file>
 
-<file path=ppt/slides/slide36.xml><?xml version="1.0" encoding="utf-8"?>
+<file path=ppt/slides/slide37.xml><?xml version="1.0" encoding="utf-8"?>
 <p:sld xmlns:a="http://schemas.openxmlformats.org/drawingml/2006/main" xmlns:r="http://schemas.openxmlformats.org/officeDocument/2006/relationships" xmlns:p="http://schemas.openxmlformats.org/presentationml/2006/main">
   <p:cSld>
     <p:spTree>
@@ -15600,7 +16128,7 @@
           <p:cNvPr id="16" name="그림 15">
             <a:extLst>
               <a:ext uri="{FF2B5EF4-FFF2-40B4-BE49-F238E27FC236}">
-                <a16:creationId xmlns:a16="http://schemas.microsoft.com/office/drawing/2014/main" xmlns="" id="{8123751A-6130-5EBE-7B7B-C12027030052}"/>
+                <a16:creationId xmlns:a16="http://schemas.microsoft.com/office/drawing/2014/main" id="{8123751A-6130-5EBE-7B7B-C12027030052}"/>
               </a:ext>
             </a:extLst>
           </p:cNvPr>
@@ -15630,7 +16158,7 @@
           <p:cNvPr id="8" name="그림 7">
             <a:extLst>
               <a:ext uri="{FF2B5EF4-FFF2-40B4-BE49-F238E27FC236}">
-                <a16:creationId xmlns:a16="http://schemas.microsoft.com/office/drawing/2014/main" xmlns="" id="{643A8D49-347C-319D-C394-297A0336785F}"/>
+                <a16:creationId xmlns:a16="http://schemas.microsoft.com/office/drawing/2014/main" id="{643A8D49-347C-319D-C394-297A0336785F}"/>
               </a:ext>
             </a:extLst>
           </p:cNvPr>
@@ -15660,7 +16188,7 @@
           <p:cNvPr id="9" name="직선 화살표 연결선 8">
             <a:extLst>
               <a:ext uri="{FF2B5EF4-FFF2-40B4-BE49-F238E27FC236}">
-                <a16:creationId xmlns:a16="http://schemas.microsoft.com/office/drawing/2014/main" xmlns="" id="{18F3B8A5-E331-801C-67EF-272B90BA7AE1}"/>
+                <a16:creationId xmlns:a16="http://schemas.microsoft.com/office/drawing/2014/main" id="{18F3B8A5-E331-801C-67EF-272B90BA7AE1}"/>
               </a:ext>
             </a:extLst>
           </p:cNvPr>
@@ -15701,7 +16229,7 @@
           <p:cNvPr id="10" name="직사각형 9">
             <a:extLst>
               <a:ext uri="{FF2B5EF4-FFF2-40B4-BE49-F238E27FC236}">
-                <a16:creationId xmlns:a16="http://schemas.microsoft.com/office/drawing/2014/main" xmlns="" id="{6EF53809-5FF0-89B1-0E43-978F7E47048E}"/>
+                <a16:creationId xmlns:a16="http://schemas.microsoft.com/office/drawing/2014/main" id="{6EF53809-5FF0-89B1-0E43-978F7E47048E}"/>
               </a:ext>
             </a:extLst>
           </p:cNvPr>
@@ -15753,7 +16281,7 @@
           <p:cNvPr id="11" name="TextBox 10">
             <a:extLst>
               <a:ext uri="{FF2B5EF4-FFF2-40B4-BE49-F238E27FC236}">
-                <a16:creationId xmlns:a16="http://schemas.microsoft.com/office/drawing/2014/main" xmlns="" id="{70C9D351-03D8-0814-A65C-4077108D72DE}"/>
+                <a16:creationId xmlns:a16="http://schemas.microsoft.com/office/drawing/2014/main" id="{70C9D351-03D8-0814-A65C-4077108D72DE}"/>
               </a:ext>
             </a:extLst>
           </p:cNvPr>
@@ -15841,7 +16369,7 @@
           <p:cNvPr id="18" name="직사각형 17">
             <a:extLst>
               <a:ext uri="{FF2B5EF4-FFF2-40B4-BE49-F238E27FC236}">
-                <a16:creationId xmlns:a16="http://schemas.microsoft.com/office/drawing/2014/main" xmlns="" id="{55C174C5-A035-7C25-B2A6-960C905FD339}"/>
+                <a16:creationId xmlns:a16="http://schemas.microsoft.com/office/drawing/2014/main" id="{55C174C5-A035-7C25-B2A6-960C905FD339}"/>
               </a:ext>
             </a:extLst>
           </p:cNvPr>
@@ -15893,7 +16421,7 @@
           <p:cNvPr id="19" name="TextBox 18">
             <a:extLst>
               <a:ext uri="{FF2B5EF4-FFF2-40B4-BE49-F238E27FC236}">
-                <a16:creationId xmlns:a16="http://schemas.microsoft.com/office/drawing/2014/main" xmlns="" id="{8BF1412E-C560-75D7-80E0-D4B7142262F1}"/>
+                <a16:creationId xmlns:a16="http://schemas.microsoft.com/office/drawing/2014/main" id="{8BF1412E-C560-75D7-80E0-D4B7142262F1}"/>
               </a:ext>
             </a:extLst>
           </p:cNvPr>
@@ -15974,7 +16502,7 @@
           <p:cNvPr id="12" name="TextBox 11">
             <a:extLst>
               <a:ext uri="{FF2B5EF4-FFF2-40B4-BE49-F238E27FC236}">
-                <a16:creationId xmlns:a16="http://schemas.microsoft.com/office/drawing/2014/main" xmlns="" id="{69196D22-2A4C-4EF6-5A42-2031D7FEF549}"/>
+                <a16:creationId xmlns:a16="http://schemas.microsoft.com/office/drawing/2014/main" id="{69196D22-2A4C-4EF6-5A42-2031D7FEF549}"/>
               </a:ext>
             </a:extLst>
           </p:cNvPr>
@@ -16005,30 +16533,20 @@
                 <a:latin typeface="G마켓 산스 Bold" panose="02000000000000000000" pitchFamily="50" charset="-127"/>
                 <a:ea typeface="G마켓 산스 Bold" panose="02000000000000000000" pitchFamily="50" charset="-127"/>
               </a:rPr>
-              <a:t>7</a:t>
-            </a:r>
-            <a:r>
-              <a:rPr lang="en-US" altLang="ko-KR" sz="5400" spc="-300" smtClean="0">
+              <a:t>7. </a:t>
+            </a:r>
+            <a:r>
+              <a:rPr lang="ko-KR" altLang="en-US" sz="5400" spc="-300">
                 <a:solidFill>
                   <a:srgbClr val="4C50BC"/>
                 </a:solidFill>
                 <a:latin typeface="G마켓 산스 Bold" panose="02000000000000000000" pitchFamily="50" charset="-127"/>
                 <a:ea typeface="G마켓 산스 Bold" panose="02000000000000000000" pitchFamily="50" charset="-127"/>
               </a:rPr>
-              <a:t>. </a:t>
-            </a:r>
-            <a:r>
-              <a:rPr lang="ko-KR" altLang="en-US" sz="5400" spc="-300" smtClean="0">
-                <a:solidFill>
-                  <a:srgbClr val="4C50BC"/>
-                </a:solidFill>
-                <a:latin typeface="G마켓 산스 Bold" panose="02000000000000000000" pitchFamily="50" charset="-127"/>
-                <a:ea typeface="G마켓 산스 Bold" panose="02000000000000000000" pitchFamily="50" charset="-127"/>
-              </a:rPr>
               <a:t>문제풀이</a:t>
             </a:r>
             <a:r>
-              <a:rPr lang="en-US" altLang="ko-KR" sz="5400" spc="-300" smtClean="0">
+              <a:rPr lang="en-US" altLang="ko-KR" sz="5400" spc="-300">
                 <a:solidFill>
                   <a:srgbClr val="FF0000"/>
                 </a:solidFill>
@@ -16052,7 +16570,7 @@
           <p:cNvPr id="13" name="직선 연결선 12">
             <a:extLst>
               <a:ext uri="{FF2B5EF4-FFF2-40B4-BE49-F238E27FC236}">
-                <a16:creationId xmlns:a16="http://schemas.microsoft.com/office/drawing/2014/main" xmlns="" id="{DDFA97EB-659B-5D0A-D41B-496A6FF66D9E}"/>
+                <a16:creationId xmlns:a16="http://schemas.microsoft.com/office/drawing/2014/main" id="{DDFA97EB-659B-5D0A-D41B-496A6FF66D9E}"/>
               </a:ext>
             </a:extLst>
           </p:cNvPr>
@@ -16095,7 +16613,7 @@
           <p:cNvPr id="14" name="직사각형 13">
             <a:extLst>
               <a:ext uri="{FF2B5EF4-FFF2-40B4-BE49-F238E27FC236}">
-                <a16:creationId xmlns:a16="http://schemas.microsoft.com/office/drawing/2014/main" xmlns="" id="{361FA442-8171-4EBF-65A2-19C90654959D}"/>
+                <a16:creationId xmlns:a16="http://schemas.microsoft.com/office/drawing/2014/main" id="{361FA442-8171-4EBF-65A2-19C90654959D}"/>
               </a:ext>
             </a:extLst>
           </p:cNvPr>
@@ -16233,340 +16751,6 @@
 </p:sld>
 </file>
 
-<file path=ppt/slides/slide37.xml><?xml version="1.0" encoding="utf-8"?>
-<p:sld xmlns:a="http://schemas.openxmlformats.org/drawingml/2006/main" xmlns:r="http://schemas.openxmlformats.org/officeDocument/2006/relationships" xmlns:p="http://schemas.openxmlformats.org/presentationml/2006/main">
-  <p:cSld>
-    <p:spTree>
-      <p:nvGrpSpPr>
-        <p:cNvPr id="1" name=""/>
-        <p:cNvGrpSpPr/>
-        <p:nvPr/>
-      </p:nvGrpSpPr>
-      <p:grpSpPr>
-        <a:xfrm>
-          <a:off x="0" y="0"/>
-          <a:ext cx="0" cy="0"/>
-          <a:chOff x="0" y="0"/>
-          <a:chExt cx="0" cy="0"/>
-        </a:xfrm>
-      </p:grpSpPr>
-      <p:sp>
-        <p:nvSpPr>
-          <p:cNvPr id="4" name="TextBox 3">
-            <a:extLst>
-              <a:ext uri="{FF2B5EF4-FFF2-40B4-BE49-F238E27FC236}">
-                <a16:creationId xmlns:a16="http://schemas.microsoft.com/office/drawing/2014/main" xmlns="" id="{52176D31-35F7-8916-46FA-6095EFEC1E49}"/>
-              </a:ext>
-            </a:extLst>
-          </p:cNvPr>
-          <p:cNvSpPr txBox="1"/>
-          <p:nvPr/>
-        </p:nvSpPr>
-        <p:spPr>
-          <a:xfrm>
-            <a:off x="2209800" y="2095500"/>
-            <a:ext cx="15087600" cy="1754326"/>
-          </a:xfrm>
-          <a:prstGeom prst="rect">
-            <a:avLst/>
-          </a:prstGeom>
-          <a:noFill/>
-        </p:spPr>
-        <p:txBody>
-          <a:bodyPr wrap="square" rtlCol="0">
-            <a:spAutoFit/>
-          </a:bodyPr>
-          <a:lstStyle/>
-          <a:p>
-            <a:r>
-              <a:rPr lang="en-US" altLang="ko-KR" sz="3600" dirty="0" err="1">
-                <a:solidFill>
-                  <a:srgbClr val="4C50BB"/>
-                </a:solidFill>
-                <a:latin typeface="G마켓 산스 Medium" panose="02000000000000000000" pitchFamily="50" charset="-127"/>
-                <a:ea typeface="G마켓 산스 Medium" panose="02000000000000000000" pitchFamily="50" charset="-127"/>
-              </a:rPr>
-              <a:t>chatGPT</a:t>
-            </a:r>
-            <a:r>
-              <a:rPr lang="en-US" altLang="ko-KR" sz="3600" dirty="0">
-                <a:solidFill>
-                  <a:srgbClr val="4C50BB"/>
-                </a:solidFill>
-                <a:latin typeface="G마켓 산스 Medium" panose="02000000000000000000" pitchFamily="50" charset="-127"/>
-                <a:ea typeface="G마켓 산스 Medium" panose="02000000000000000000" pitchFamily="50" charset="-127"/>
-              </a:rPr>
-              <a:t> </a:t>
-            </a:r>
-            <a:r>
-              <a:rPr lang="ko-KR" altLang="en-US" sz="3600" dirty="0">
-                <a:solidFill>
-                  <a:srgbClr val="4C50BB"/>
-                </a:solidFill>
-                <a:latin typeface="G마켓 산스 Medium" panose="02000000000000000000" pitchFamily="50" charset="-127"/>
-                <a:ea typeface="G마켓 산스 Medium" panose="02000000000000000000" pitchFamily="50" charset="-127"/>
-              </a:rPr>
-              <a:t>클래스 </a:t>
-            </a:r>
-            <a:r>
-              <a:rPr lang="ko-KR" altLang="en-US" sz="3600" dirty="0" err="1">
-                <a:solidFill>
-                  <a:srgbClr val="4C50BB"/>
-                </a:solidFill>
-                <a:latin typeface="G마켓 산스 Medium" panose="02000000000000000000" pitchFamily="50" charset="-127"/>
-                <a:ea typeface="G마켓 산스 Medium" panose="02000000000000000000" pitchFamily="50" charset="-127"/>
-              </a:rPr>
-              <a:t>리팩토링</a:t>
-            </a:r>
-            <a:r>
-              <a:rPr lang="ko-KR" altLang="en-US" sz="3600" dirty="0">
-                <a:solidFill>
-                  <a:srgbClr val="4C50BB"/>
-                </a:solidFill>
-                <a:latin typeface="G마켓 산스 Medium" panose="02000000000000000000" pitchFamily="50" charset="-127"/>
-                <a:ea typeface="G마켓 산스 Medium" panose="02000000000000000000" pitchFamily="50" charset="-127"/>
-              </a:rPr>
-              <a:t> 작업을 진행한 결과 사용시 코드가 상당히 간결해졌다</a:t>
-            </a:r>
-            <a:r>
-              <a:rPr lang="en-US" altLang="ko-KR" sz="3600" dirty="0">
-                <a:solidFill>
-                  <a:srgbClr val="4C50BB"/>
-                </a:solidFill>
-                <a:latin typeface="G마켓 산스 Medium" panose="02000000000000000000" pitchFamily="50" charset="-127"/>
-                <a:ea typeface="G마켓 산스 Medium" panose="02000000000000000000" pitchFamily="50" charset="-127"/>
-              </a:rPr>
-              <a:t>.</a:t>
-            </a:r>
-            <a:r>
-              <a:rPr lang="ko-KR" altLang="en-US" sz="3600" dirty="0">
-                <a:solidFill>
-                  <a:srgbClr val="4C50BB"/>
-                </a:solidFill>
-                <a:latin typeface="G마켓 산스 Medium" panose="02000000000000000000" pitchFamily="50" charset="-127"/>
-                <a:ea typeface="G마켓 산스 Medium" panose="02000000000000000000" pitchFamily="50" charset="-127"/>
-              </a:rPr>
-              <a:t>이런 작업은 사실 상당히 </a:t>
-            </a:r>
-            <a:r>
-              <a:rPr lang="ko-KR" altLang="en-US" sz="3600" dirty="0" err="1">
-                <a:solidFill>
-                  <a:srgbClr val="4C50BB"/>
-                </a:solidFill>
-                <a:latin typeface="G마켓 산스 Medium" panose="02000000000000000000" pitchFamily="50" charset="-127"/>
-                <a:ea typeface="G마켓 산스 Medium" panose="02000000000000000000" pitchFamily="50" charset="-127"/>
-              </a:rPr>
-              <a:t>고난이도</a:t>
-            </a:r>
-            <a:r>
-              <a:rPr lang="ko-KR" altLang="en-US" sz="3600" dirty="0">
-                <a:solidFill>
-                  <a:srgbClr val="4C50BB"/>
-                </a:solidFill>
-                <a:latin typeface="G마켓 산스 Medium" panose="02000000000000000000" pitchFamily="50" charset="-127"/>
-                <a:ea typeface="G마켓 산스 Medium" panose="02000000000000000000" pitchFamily="50" charset="-127"/>
-              </a:rPr>
-              <a:t> 작업이라 할 수 있다</a:t>
-            </a:r>
-            <a:r>
-              <a:rPr lang="en-US" altLang="ko-KR" sz="3600" dirty="0">
-                <a:solidFill>
-                  <a:srgbClr val="4C50BB"/>
-                </a:solidFill>
-                <a:latin typeface="G마켓 산스 Medium" panose="02000000000000000000" pitchFamily="50" charset="-127"/>
-                <a:ea typeface="G마켓 산스 Medium" panose="02000000000000000000" pitchFamily="50" charset="-127"/>
-              </a:rPr>
-              <a:t>.</a:t>
-            </a:r>
-            <a:r>
-              <a:rPr lang="ko-KR" altLang="en-US" sz="3600" dirty="0">
-                <a:solidFill>
-                  <a:srgbClr val="4C50BB"/>
-                </a:solidFill>
-                <a:latin typeface="G마켓 산스 Medium" panose="02000000000000000000" pitchFamily="50" charset="-127"/>
-                <a:ea typeface="G마켓 산스 Medium" panose="02000000000000000000" pitchFamily="50" charset="-127"/>
-              </a:rPr>
-              <a:t>나중에는 도움 없이 직접 </a:t>
-            </a:r>
-            <a:r>
-              <a:rPr lang="ko-KR" altLang="en-US" sz="3600" dirty="0" err="1">
-                <a:solidFill>
-                  <a:srgbClr val="4C50BB"/>
-                </a:solidFill>
-                <a:latin typeface="G마켓 산스 Medium" panose="02000000000000000000" pitchFamily="50" charset="-127"/>
-                <a:ea typeface="G마켓 산스 Medium" panose="02000000000000000000" pitchFamily="50" charset="-127"/>
-              </a:rPr>
-              <a:t>이런식의</a:t>
-            </a:r>
-            <a:r>
-              <a:rPr lang="ko-KR" altLang="en-US" sz="3600" dirty="0">
-                <a:solidFill>
-                  <a:srgbClr val="4C50BB"/>
-                </a:solidFill>
-                <a:latin typeface="G마켓 산스 Medium" panose="02000000000000000000" pitchFamily="50" charset="-127"/>
-                <a:ea typeface="G마켓 산스 Medium" panose="02000000000000000000" pitchFamily="50" charset="-127"/>
-              </a:rPr>
-              <a:t> 클래스 설계를 할 수 있도록 해보자</a:t>
-            </a:r>
-            <a:r>
-              <a:rPr lang="en-US" altLang="ko-KR" sz="3600" dirty="0">
-                <a:solidFill>
-                  <a:srgbClr val="4C50BB"/>
-                </a:solidFill>
-                <a:latin typeface="G마켓 산스 Medium" panose="02000000000000000000" pitchFamily="50" charset="-127"/>
-                <a:ea typeface="G마켓 산스 Medium" panose="02000000000000000000" pitchFamily="50" charset="-127"/>
-              </a:rPr>
-              <a:t>.</a:t>
-            </a:r>
-          </a:p>
-        </p:txBody>
-      </p:sp>
-      <p:sp>
-        <p:nvSpPr>
-          <p:cNvPr id="5" name="TextBox 4">
-            <a:extLst>
-              <a:ext uri="{FF2B5EF4-FFF2-40B4-BE49-F238E27FC236}">
-                <a16:creationId xmlns:a16="http://schemas.microsoft.com/office/drawing/2014/main" xmlns="" id="{52176D31-35F7-8916-46FA-6095EFEC1E49}"/>
-              </a:ext>
-            </a:extLst>
-          </p:cNvPr>
-          <p:cNvSpPr txBox="1"/>
-          <p:nvPr/>
-        </p:nvSpPr>
-        <p:spPr>
-          <a:xfrm>
-            <a:off x="2209800" y="4533900"/>
-            <a:ext cx="13944600" cy="2308324"/>
-          </a:xfrm>
-          <a:prstGeom prst="rect">
-            <a:avLst/>
-          </a:prstGeom>
-          <a:noFill/>
-        </p:spPr>
-        <p:txBody>
-          <a:bodyPr wrap="square" rtlCol="0">
-            <a:spAutoFit/>
-          </a:bodyPr>
-          <a:lstStyle/>
-          <a:p>
-            <a:r>
-              <a:rPr lang="ko-KR" altLang="en-US" sz="3600" dirty="0">
-                <a:solidFill>
-                  <a:srgbClr val="4C50BB"/>
-                </a:solidFill>
-                <a:latin typeface="G마켓 산스 Medium" panose="02000000000000000000" pitchFamily="50" charset="-127"/>
-                <a:ea typeface="G마켓 산스 Medium" panose="02000000000000000000" pitchFamily="50" charset="-127"/>
-              </a:rPr>
-              <a:t>이제 </a:t>
-            </a:r>
-            <a:r>
-              <a:rPr lang="ko-KR" altLang="en-US" sz="3600" dirty="0" err="1">
-                <a:solidFill>
-                  <a:srgbClr val="4C50BB"/>
-                </a:solidFill>
-                <a:latin typeface="G마켓 산스 Medium" panose="02000000000000000000" pitchFamily="50" charset="-127"/>
-                <a:ea typeface="G마켓 산스 Medium" panose="02000000000000000000" pitchFamily="50" charset="-127"/>
-              </a:rPr>
-              <a:t>다음장</a:t>
-            </a:r>
-            <a:r>
-              <a:rPr lang="ko-KR" altLang="en-US" sz="3600" dirty="0">
-                <a:solidFill>
-                  <a:srgbClr val="4C50BB"/>
-                </a:solidFill>
-                <a:latin typeface="G마켓 산스 Medium" panose="02000000000000000000" pitchFamily="50" charset="-127"/>
-                <a:ea typeface="G마켓 산스 Medium" panose="02000000000000000000" pitchFamily="50" charset="-127"/>
-              </a:rPr>
-              <a:t> </a:t>
-            </a:r>
-            <a:r>
-              <a:rPr lang="ko-KR" altLang="en-US" sz="3600" dirty="0" err="1">
-                <a:solidFill>
-                  <a:srgbClr val="4C50BB"/>
-                </a:solidFill>
-                <a:latin typeface="G마켓 산스 Medium" panose="02000000000000000000" pitchFamily="50" charset="-127"/>
-                <a:ea typeface="G마켓 산스 Medium" panose="02000000000000000000" pitchFamily="50" charset="-127"/>
-              </a:rPr>
-              <a:t>부터</a:t>
-            </a:r>
-            <a:r>
-              <a:rPr lang="ko-KR" altLang="en-US" sz="3600" dirty="0">
-                <a:solidFill>
-                  <a:srgbClr val="4C50BB"/>
-                </a:solidFill>
-                <a:latin typeface="G마켓 산스 Medium" panose="02000000000000000000" pitchFamily="50" charset="-127"/>
-                <a:ea typeface="G마켓 산스 Medium" panose="02000000000000000000" pitchFamily="50" charset="-127"/>
-              </a:rPr>
-              <a:t> 대화를 주고 받을 수 있도록 기능을 추가하도록 하자</a:t>
-            </a:r>
-            <a:r>
-              <a:rPr lang="en-US" altLang="ko-KR" sz="3600" dirty="0">
-                <a:solidFill>
-                  <a:srgbClr val="4C50BB"/>
-                </a:solidFill>
-                <a:latin typeface="G마켓 산스 Medium" panose="02000000000000000000" pitchFamily="50" charset="-127"/>
-                <a:ea typeface="G마켓 산스 Medium" panose="02000000000000000000" pitchFamily="50" charset="-127"/>
-              </a:rPr>
-              <a:t>.</a:t>
-            </a:r>
-          </a:p>
-          <a:p>
-            <a:r>
-              <a:rPr lang="en-US" altLang="ko-KR" sz="3600" dirty="0">
-                <a:solidFill>
-                  <a:srgbClr val="4C50BB"/>
-                </a:solidFill>
-                <a:latin typeface="G마켓 산스 Medium" panose="02000000000000000000" pitchFamily="50" charset="-127"/>
-                <a:ea typeface="G마켓 산스 Medium" panose="02000000000000000000" pitchFamily="50" charset="-127"/>
-              </a:rPr>
-              <a:t>(</a:t>
-            </a:r>
-            <a:r>
-              <a:rPr lang="ko-KR" altLang="en-US" sz="3600" dirty="0">
-                <a:solidFill>
-                  <a:srgbClr val="FF0000"/>
-                </a:solidFill>
-                <a:latin typeface="G마켓 산스 Medium" panose="02000000000000000000" pitchFamily="50" charset="-127"/>
-                <a:ea typeface="G마켓 산스 Medium" panose="02000000000000000000" pitchFamily="50" charset="-127"/>
-              </a:rPr>
-              <a:t>현재 코드가 모듈화가 잘되어 있는가를 항상 생각해보자 모듈화 되지 않은 채로 추가적인 기능 개발을 들어가면 코드가 점점 복잡 </a:t>
-            </a:r>
-            <a:r>
-              <a:rPr lang="ko-KR" altLang="en-US" sz="3600" dirty="0" err="1">
-                <a:solidFill>
-                  <a:srgbClr val="FF0000"/>
-                </a:solidFill>
-                <a:latin typeface="G마켓 산스 Medium" panose="02000000000000000000" pitchFamily="50" charset="-127"/>
-                <a:ea typeface="G마켓 산스 Medium" panose="02000000000000000000" pitchFamily="50" charset="-127"/>
-              </a:rPr>
-              <a:t>해질뿐이다</a:t>
-            </a:r>
-            <a:r>
-              <a:rPr lang="en-US" altLang="ko-KR" sz="3600" dirty="0">
-                <a:solidFill>
-                  <a:srgbClr val="FF0000"/>
-                </a:solidFill>
-                <a:latin typeface="G마켓 산스 Medium" panose="02000000000000000000" pitchFamily="50" charset="-127"/>
-                <a:ea typeface="G마켓 산스 Medium" panose="02000000000000000000" pitchFamily="50" charset="-127"/>
-              </a:rPr>
-              <a:t>.)</a:t>
-            </a:r>
-          </a:p>
-        </p:txBody>
-      </p:sp>
-    </p:spTree>
-    <p:extLst>
-      <p:ext uri="{BB962C8B-B14F-4D97-AF65-F5344CB8AC3E}">
-        <p14:creationId xmlns:p14="http://schemas.microsoft.com/office/powerpoint/2010/main" val="1926535390"/>
-      </p:ext>
-    </p:extLst>
-  </p:cSld>
-  <p:clrMapOvr>
-    <a:masterClrMapping/>
-  </p:clrMapOvr>
-</p:sld>
-</file>
-
 <file path=ppt/slides/slide38.xml><?xml version="1.0" encoding="utf-8"?>
 <p:sld xmlns:a="http://schemas.openxmlformats.org/drawingml/2006/main" xmlns:r="http://schemas.openxmlformats.org/officeDocument/2006/relationships" xmlns:p="http://schemas.openxmlformats.org/presentationml/2006/main">
   <p:cSld>
@@ -16589,7 +16773,341 @@
           <p:cNvPr id="4" name="TextBox 3">
             <a:extLst>
               <a:ext uri="{FF2B5EF4-FFF2-40B4-BE49-F238E27FC236}">
-                <a16:creationId xmlns:a16="http://schemas.microsoft.com/office/drawing/2014/main" xmlns="" id="{52176D31-35F7-8916-46FA-6095EFEC1E49}"/>
+                <a16:creationId xmlns:a16="http://schemas.microsoft.com/office/drawing/2014/main" id="{52176D31-35F7-8916-46FA-6095EFEC1E49}"/>
+              </a:ext>
+            </a:extLst>
+          </p:cNvPr>
+          <p:cNvSpPr txBox="1"/>
+          <p:nvPr/>
+        </p:nvSpPr>
+        <p:spPr>
+          <a:xfrm>
+            <a:off x="2209800" y="2095500"/>
+            <a:ext cx="15087600" cy="1754326"/>
+          </a:xfrm>
+          <a:prstGeom prst="rect">
+            <a:avLst/>
+          </a:prstGeom>
+          <a:noFill/>
+        </p:spPr>
+        <p:txBody>
+          <a:bodyPr wrap="square" rtlCol="0">
+            <a:spAutoFit/>
+          </a:bodyPr>
+          <a:lstStyle/>
+          <a:p>
+            <a:r>
+              <a:rPr lang="en-US" altLang="ko-KR" sz="3600" dirty="0" err="1">
+                <a:solidFill>
+                  <a:srgbClr val="4C50BB"/>
+                </a:solidFill>
+                <a:latin typeface="G마켓 산스 Medium" panose="02000000000000000000" pitchFamily="50" charset="-127"/>
+                <a:ea typeface="G마켓 산스 Medium" panose="02000000000000000000" pitchFamily="50" charset="-127"/>
+              </a:rPr>
+              <a:t>chatGPT</a:t>
+            </a:r>
+            <a:r>
+              <a:rPr lang="en-US" altLang="ko-KR" sz="3600" dirty="0">
+                <a:solidFill>
+                  <a:srgbClr val="4C50BB"/>
+                </a:solidFill>
+                <a:latin typeface="G마켓 산스 Medium" panose="02000000000000000000" pitchFamily="50" charset="-127"/>
+                <a:ea typeface="G마켓 산스 Medium" panose="02000000000000000000" pitchFamily="50" charset="-127"/>
+              </a:rPr>
+              <a:t> </a:t>
+            </a:r>
+            <a:r>
+              <a:rPr lang="ko-KR" altLang="en-US" sz="3600" dirty="0">
+                <a:solidFill>
+                  <a:srgbClr val="4C50BB"/>
+                </a:solidFill>
+                <a:latin typeface="G마켓 산스 Medium" panose="02000000000000000000" pitchFamily="50" charset="-127"/>
+                <a:ea typeface="G마켓 산스 Medium" panose="02000000000000000000" pitchFamily="50" charset="-127"/>
+              </a:rPr>
+              <a:t>클래스 </a:t>
+            </a:r>
+            <a:r>
+              <a:rPr lang="ko-KR" altLang="en-US" sz="3600" dirty="0" err="1">
+                <a:solidFill>
+                  <a:srgbClr val="4C50BB"/>
+                </a:solidFill>
+                <a:latin typeface="G마켓 산스 Medium" panose="02000000000000000000" pitchFamily="50" charset="-127"/>
+                <a:ea typeface="G마켓 산스 Medium" panose="02000000000000000000" pitchFamily="50" charset="-127"/>
+              </a:rPr>
+              <a:t>리팩토링</a:t>
+            </a:r>
+            <a:r>
+              <a:rPr lang="ko-KR" altLang="en-US" sz="3600" dirty="0">
+                <a:solidFill>
+                  <a:srgbClr val="4C50BB"/>
+                </a:solidFill>
+                <a:latin typeface="G마켓 산스 Medium" panose="02000000000000000000" pitchFamily="50" charset="-127"/>
+                <a:ea typeface="G마켓 산스 Medium" panose="02000000000000000000" pitchFamily="50" charset="-127"/>
+              </a:rPr>
+              <a:t> 작업을 진행한 결과 사용시 코드가 상당히 간결해졌다</a:t>
+            </a:r>
+            <a:r>
+              <a:rPr lang="en-US" altLang="ko-KR" sz="3600" dirty="0">
+                <a:solidFill>
+                  <a:srgbClr val="4C50BB"/>
+                </a:solidFill>
+                <a:latin typeface="G마켓 산스 Medium" panose="02000000000000000000" pitchFamily="50" charset="-127"/>
+                <a:ea typeface="G마켓 산스 Medium" panose="02000000000000000000" pitchFamily="50" charset="-127"/>
+              </a:rPr>
+              <a:t>.</a:t>
+            </a:r>
+            <a:r>
+              <a:rPr lang="ko-KR" altLang="en-US" sz="3600" dirty="0">
+                <a:solidFill>
+                  <a:srgbClr val="4C50BB"/>
+                </a:solidFill>
+                <a:latin typeface="G마켓 산스 Medium" panose="02000000000000000000" pitchFamily="50" charset="-127"/>
+                <a:ea typeface="G마켓 산스 Medium" panose="02000000000000000000" pitchFamily="50" charset="-127"/>
+              </a:rPr>
+              <a:t>이런 작업은 사실 상당히 </a:t>
+            </a:r>
+            <a:r>
+              <a:rPr lang="ko-KR" altLang="en-US" sz="3600" dirty="0" err="1">
+                <a:solidFill>
+                  <a:srgbClr val="4C50BB"/>
+                </a:solidFill>
+                <a:latin typeface="G마켓 산스 Medium" panose="02000000000000000000" pitchFamily="50" charset="-127"/>
+                <a:ea typeface="G마켓 산스 Medium" panose="02000000000000000000" pitchFamily="50" charset="-127"/>
+              </a:rPr>
+              <a:t>고난이도</a:t>
+            </a:r>
+            <a:r>
+              <a:rPr lang="ko-KR" altLang="en-US" sz="3600" dirty="0">
+                <a:solidFill>
+                  <a:srgbClr val="4C50BB"/>
+                </a:solidFill>
+                <a:latin typeface="G마켓 산스 Medium" panose="02000000000000000000" pitchFamily="50" charset="-127"/>
+                <a:ea typeface="G마켓 산스 Medium" panose="02000000000000000000" pitchFamily="50" charset="-127"/>
+              </a:rPr>
+              <a:t> 작업이라 할 수 있다</a:t>
+            </a:r>
+            <a:r>
+              <a:rPr lang="en-US" altLang="ko-KR" sz="3600" dirty="0">
+                <a:solidFill>
+                  <a:srgbClr val="4C50BB"/>
+                </a:solidFill>
+                <a:latin typeface="G마켓 산스 Medium" panose="02000000000000000000" pitchFamily="50" charset="-127"/>
+                <a:ea typeface="G마켓 산스 Medium" panose="02000000000000000000" pitchFamily="50" charset="-127"/>
+              </a:rPr>
+              <a:t>.</a:t>
+            </a:r>
+            <a:r>
+              <a:rPr lang="ko-KR" altLang="en-US" sz="3600" dirty="0">
+                <a:solidFill>
+                  <a:srgbClr val="4C50BB"/>
+                </a:solidFill>
+                <a:latin typeface="G마켓 산스 Medium" panose="02000000000000000000" pitchFamily="50" charset="-127"/>
+                <a:ea typeface="G마켓 산스 Medium" panose="02000000000000000000" pitchFamily="50" charset="-127"/>
+              </a:rPr>
+              <a:t>나중에는 도움 없이 직접 </a:t>
+            </a:r>
+            <a:r>
+              <a:rPr lang="ko-KR" altLang="en-US" sz="3600" dirty="0" err="1">
+                <a:solidFill>
+                  <a:srgbClr val="4C50BB"/>
+                </a:solidFill>
+                <a:latin typeface="G마켓 산스 Medium" panose="02000000000000000000" pitchFamily="50" charset="-127"/>
+                <a:ea typeface="G마켓 산스 Medium" panose="02000000000000000000" pitchFamily="50" charset="-127"/>
+              </a:rPr>
+              <a:t>이런식의</a:t>
+            </a:r>
+            <a:r>
+              <a:rPr lang="ko-KR" altLang="en-US" sz="3600" dirty="0">
+                <a:solidFill>
+                  <a:srgbClr val="4C50BB"/>
+                </a:solidFill>
+                <a:latin typeface="G마켓 산스 Medium" panose="02000000000000000000" pitchFamily="50" charset="-127"/>
+                <a:ea typeface="G마켓 산스 Medium" panose="02000000000000000000" pitchFamily="50" charset="-127"/>
+              </a:rPr>
+              <a:t> 클래스 설계를 할 수 있도록 해보자</a:t>
+            </a:r>
+            <a:r>
+              <a:rPr lang="en-US" altLang="ko-KR" sz="3600" dirty="0">
+                <a:solidFill>
+                  <a:srgbClr val="4C50BB"/>
+                </a:solidFill>
+                <a:latin typeface="G마켓 산스 Medium" panose="02000000000000000000" pitchFamily="50" charset="-127"/>
+                <a:ea typeface="G마켓 산스 Medium" panose="02000000000000000000" pitchFamily="50" charset="-127"/>
+              </a:rPr>
+              <a:t>.</a:t>
+            </a:r>
+          </a:p>
+        </p:txBody>
+      </p:sp>
+      <p:sp>
+        <p:nvSpPr>
+          <p:cNvPr id="5" name="TextBox 4">
+            <a:extLst>
+              <a:ext uri="{FF2B5EF4-FFF2-40B4-BE49-F238E27FC236}">
+                <a16:creationId xmlns:a16="http://schemas.microsoft.com/office/drawing/2014/main" id="{52176D31-35F7-8916-46FA-6095EFEC1E49}"/>
+              </a:ext>
+            </a:extLst>
+          </p:cNvPr>
+          <p:cNvSpPr txBox="1"/>
+          <p:nvPr/>
+        </p:nvSpPr>
+        <p:spPr>
+          <a:xfrm>
+            <a:off x="2209800" y="4533900"/>
+            <a:ext cx="13944600" cy="2308324"/>
+          </a:xfrm>
+          <a:prstGeom prst="rect">
+            <a:avLst/>
+          </a:prstGeom>
+          <a:noFill/>
+        </p:spPr>
+        <p:txBody>
+          <a:bodyPr wrap="square" rtlCol="0">
+            <a:spAutoFit/>
+          </a:bodyPr>
+          <a:lstStyle/>
+          <a:p>
+            <a:r>
+              <a:rPr lang="ko-KR" altLang="en-US" sz="3600" dirty="0">
+                <a:solidFill>
+                  <a:srgbClr val="4C50BB"/>
+                </a:solidFill>
+                <a:latin typeface="G마켓 산스 Medium" panose="02000000000000000000" pitchFamily="50" charset="-127"/>
+                <a:ea typeface="G마켓 산스 Medium" panose="02000000000000000000" pitchFamily="50" charset="-127"/>
+              </a:rPr>
+              <a:t>이제 </a:t>
+            </a:r>
+            <a:r>
+              <a:rPr lang="ko-KR" altLang="en-US" sz="3600" dirty="0" err="1">
+                <a:solidFill>
+                  <a:srgbClr val="4C50BB"/>
+                </a:solidFill>
+                <a:latin typeface="G마켓 산스 Medium" panose="02000000000000000000" pitchFamily="50" charset="-127"/>
+                <a:ea typeface="G마켓 산스 Medium" panose="02000000000000000000" pitchFamily="50" charset="-127"/>
+              </a:rPr>
+              <a:t>다음장</a:t>
+            </a:r>
+            <a:r>
+              <a:rPr lang="ko-KR" altLang="en-US" sz="3600" dirty="0">
+                <a:solidFill>
+                  <a:srgbClr val="4C50BB"/>
+                </a:solidFill>
+                <a:latin typeface="G마켓 산스 Medium" panose="02000000000000000000" pitchFamily="50" charset="-127"/>
+                <a:ea typeface="G마켓 산스 Medium" panose="02000000000000000000" pitchFamily="50" charset="-127"/>
+              </a:rPr>
+              <a:t> </a:t>
+            </a:r>
+            <a:r>
+              <a:rPr lang="ko-KR" altLang="en-US" sz="3600" dirty="0" err="1">
+                <a:solidFill>
+                  <a:srgbClr val="4C50BB"/>
+                </a:solidFill>
+                <a:latin typeface="G마켓 산스 Medium" panose="02000000000000000000" pitchFamily="50" charset="-127"/>
+                <a:ea typeface="G마켓 산스 Medium" panose="02000000000000000000" pitchFamily="50" charset="-127"/>
+              </a:rPr>
+              <a:t>부터</a:t>
+            </a:r>
+            <a:r>
+              <a:rPr lang="ko-KR" altLang="en-US" sz="3600" dirty="0">
+                <a:solidFill>
+                  <a:srgbClr val="4C50BB"/>
+                </a:solidFill>
+                <a:latin typeface="G마켓 산스 Medium" panose="02000000000000000000" pitchFamily="50" charset="-127"/>
+                <a:ea typeface="G마켓 산스 Medium" panose="02000000000000000000" pitchFamily="50" charset="-127"/>
+              </a:rPr>
+              <a:t> 대화를 주고 받을 수 있도록 기능을 추가하도록 하자</a:t>
+            </a:r>
+            <a:r>
+              <a:rPr lang="en-US" altLang="ko-KR" sz="3600" dirty="0">
+                <a:solidFill>
+                  <a:srgbClr val="4C50BB"/>
+                </a:solidFill>
+                <a:latin typeface="G마켓 산스 Medium" panose="02000000000000000000" pitchFamily="50" charset="-127"/>
+                <a:ea typeface="G마켓 산스 Medium" panose="02000000000000000000" pitchFamily="50" charset="-127"/>
+              </a:rPr>
+              <a:t>.</a:t>
+            </a:r>
+          </a:p>
+          <a:p>
+            <a:r>
+              <a:rPr lang="en-US" altLang="ko-KR" sz="3600" dirty="0">
+                <a:solidFill>
+                  <a:srgbClr val="4C50BB"/>
+                </a:solidFill>
+                <a:latin typeface="G마켓 산스 Medium" panose="02000000000000000000" pitchFamily="50" charset="-127"/>
+                <a:ea typeface="G마켓 산스 Medium" panose="02000000000000000000" pitchFamily="50" charset="-127"/>
+              </a:rPr>
+              <a:t>(</a:t>
+            </a:r>
+            <a:r>
+              <a:rPr lang="ko-KR" altLang="en-US" sz="3600" dirty="0">
+                <a:solidFill>
+                  <a:srgbClr val="FF0000"/>
+                </a:solidFill>
+                <a:latin typeface="G마켓 산스 Medium" panose="02000000000000000000" pitchFamily="50" charset="-127"/>
+                <a:ea typeface="G마켓 산스 Medium" panose="02000000000000000000" pitchFamily="50" charset="-127"/>
+              </a:rPr>
+              <a:t>현재 코드가 모듈화가 잘되어 있는가를 항상 생각해보자 모듈화 되지 않은 채로 추가적인 기능 개발을 들어가면 코드가 점점 복잡 </a:t>
+            </a:r>
+            <a:r>
+              <a:rPr lang="ko-KR" altLang="en-US" sz="3600" dirty="0" err="1">
+                <a:solidFill>
+                  <a:srgbClr val="FF0000"/>
+                </a:solidFill>
+                <a:latin typeface="G마켓 산스 Medium" panose="02000000000000000000" pitchFamily="50" charset="-127"/>
+                <a:ea typeface="G마켓 산스 Medium" panose="02000000000000000000" pitchFamily="50" charset="-127"/>
+              </a:rPr>
+              <a:t>해질뿐이다</a:t>
+            </a:r>
+            <a:r>
+              <a:rPr lang="en-US" altLang="ko-KR" sz="3600" dirty="0">
+                <a:solidFill>
+                  <a:srgbClr val="FF0000"/>
+                </a:solidFill>
+                <a:latin typeface="G마켓 산스 Medium" panose="02000000000000000000" pitchFamily="50" charset="-127"/>
+                <a:ea typeface="G마켓 산스 Medium" panose="02000000000000000000" pitchFamily="50" charset="-127"/>
+              </a:rPr>
+              <a:t>.)</a:t>
+            </a:r>
+          </a:p>
+        </p:txBody>
+      </p:sp>
+    </p:spTree>
+    <p:extLst>
+      <p:ext uri="{BB962C8B-B14F-4D97-AF65-F5344CB8AC3E}">
+        <p14:creationId xmlns:p14="http://schemas.microsoft.com/office/powerpoint/2010/main" val="1926535390"/>
+      </p:ext>
+    </p:extLst>
+  </p:cSld>
+  <p:clrMapOvr>
+    <a:masterClrMapping/>
+  </p:clrMapOvr>
+</p:sld>
+</file>
+
+<file path=ppt/slides/slide39.xml><?xml version="1.0" encoding="utf-8"?>
+<p:sld xmlns:a="http://schemas.openxmlformats.org/drawingml/2006/main" xmlns:r="http://schemas.openxmlformats.org/officeDocument/2006/relationships" xmlns:p="http://schemas.openxmlformats.org/presentationml/2006/main">
+  <p:cSld>
+    <p:spTree>
+      <p:nvGrpSpPr>
+        <p:cNvPr id="1" name=""/>
+        <p:cNvGrpSpPr/>
+        <p:nvPr/>
+      </p:nvGrpSpPr>
+      <p:grpSpPr>
+        <a:xfrm>
+          <a:off x="0" y="0"/>
+          <a:ext cx="0" cy="0"/>
+          <a:chOff x="0" y="0"/>
+          <a:chExt cx="0" cy="0"/>
+        </a:xfrm>
+      </p:grpSpPr>
+      <p:sp>
+        <p:nvSpPr>
+          <p:cNvPr id="4" name="TextBox 3">
+            <a:extLst>
+              <a:ext uri="{FF2B5EF4-FFF2-40B4-BE49-F238E27FC236}">
+                <a16:creationId xmlns:a16="http://schemas.microsoft.com/office/drawing/2014/main" id="{52176D31-35F7-8916-46FA-6095EFEC1E49}"/>
               </a:ext>
             </a:extLst>
           </p:cNvPr>
@@ -16674,7 +17192,7 @@
           <p:cNvPr id="3" name="그림 2">
             <a:extLst>
               <a:ext uri="{FF2B5EF4-FFF2-40B4-BE49-F238E27FC236}">
-                <a16:creationId xmlns:a16="http://schemas.microsoft.com/office/drawing/2014/main" xmlns="" id="{124F1805-73BC-BF2C-D996-DF330D9110BB}"/>
+                <a16:creationId xmlns:a16="http://schemas.microsoft.com/office/drawing/2014/main" id="{124F1805-73BC-BF2C-D996-DF330D9110BB}"/>
               </a:ext>
             </a:extLst>
           </p:cNvPr>
@@ -16704,7 +17222,7 @@
           <p:cNvPr id="5" name="직선 화살표 연결선 4">
             <a:extLst>
               <a:ext uri="{FF2B5EF4-FFF2-40B4-BE49-F238E27FC236}">
-                <a16:creationId xmlns:a16="http://schemas.microsoft.com/office/drawing/2014/main" xmlns="" id="{040CDC6C-927B-4CF7-554C-A59C3C8F7DA8}"/>
+                <a16:creationId xmlns:a16="http://schemas.microsoft.com/office/drawing/2014/main" id="{040CDC6C-927B-4CF7-554C-A59C3C8F7DA8}"/>
               </a:ext>
             </a:extLst>
           </p:cNvPr>
@@ -16746,7 +17264,7 @@
           <p:cNvPr id="6" name="직사각형 5">
             <a:extLst>
               <a:ext uri="{FF2B5EF4-FFF2-40B4-BE49-F238E27FC236}">
-                <a16:creationId xmlns:a16="http://schemas.microsoft.com/office/drawing/2014/main" xmlns="" id="{A3BC91D4-DE67-32B7-EB25-05DC3913733C}"/>
+                <a16:creationId xmlns:a16="http://schemas.microsoft.com/office/drawing/2014/main" id="{A3BC91D4-DE67-32B7-EB25-05DC3913733C}"/>
               </a:ext>
             </a:extLst>
           </p:cNvPr>
@@ -16798,7 +17316,7 @@
           <p:cNvPr id="9" name="TextBox 8">
             <a:extLst>
               <a:ext uri="{FF2B5EF4-FFF2-40B4-BE49-F238E27FC236}">
-                <a16:creationId xmlns:a16="http://schemas.microsoft.com/office/drawing/2014/main" xmlns="" id="{D671669E-0223-7A24-5D51-24F351817DDA}"/>
+                <a16:creationId xmlns:a16="http://schemas.microsoft.com/office/drawing/2014/main" id="{D671669E-0223-7A24-5D51-24F351817DDA}"/>
               </a:ext>
             </a:extLst>
           </p:cNvPr>
@@ -16846,7 +17364,7 @@
           <p:cNvPr id="11" name="TextBox 10">
             <a:extLst>
               <a:ext uri="{FF2B5EF4-FFF2-40B4-BE49-F238E27FC236}">
-                <a16:creationId xmlns:a16="http://schemas.microsoft.com/office/drawing/2014/main" xmlns="" id="{69196D22-2A4C-4EF6-5A42-2031D7FEF549}"/>
+                <a16:creationId xmlns:a16="http://schemas.microsoft.com/office/drawing/2014/main" id="{69196D22-2A4C-4EF6-5A42-2031D7FEF549}"/>
               </a:ext>
             </a:extLst>
           </p:cNvPr>
@@ -16877,30 +17395,20 @@
                 <a:latin typeface="G마켓 산스 Bold" panose="02000000000000000000" pitchFamily="50" charset="-127"/>
                 <a:ea typeface="G마켓 산스 Bold" panose="02000000000000000000" pitchFamily="50" charset="-127"/>
               </a:rPr>
-              <a:t>8</a:t>
-            </a:r>
-            <a:r>
-              <a:rPr lang="en-US" altLang="ko-KR" sz="5400" spc="-300" smtClean="0">
+              <a:t>8. </a:t>
+            </a:r>
+            <a:r>
+              <a:rPr lang="ko-KR" altLang="en-US" sz="5400" spc="-300">
                 <a:solidFill>
                   <a:srgbClr val="4C50BC"/>
                 </a:solidFill>
                 <a:latin typeface="G마켓 산스 Bold" panose="02000000000000000000" pitchFamily="50" charset="-127"/>
                 <a:ea typeface="G마켓 산스 Bold" panose="02000000000000000000" pitchFamily="50" charset="-127"/>
               </a:rPr>
-              <a:t>. </a:t>
-            </a:r>
-            <a:r>
-              <a:rPr lang="ko-KR" altLang="en-US" sz="5400" spc="-300" smtClean="0">
-                <a:solidFill>
-                  <a:srgbClr val="4C50BC"/>
-                </a:solidFill>
-                <a:latin typeface="G마켓 산스 Bold" panose="02000000000000000000" pitchFamily="50" charset="-127"/>
-                <a:ea typeface="G마켓 산스 Bold" panose="02000000000000000000" pitchFamily="50" charset="-127"/>
-              </a:rPr>
               <a:t>실습문제</a:t>
             </a:r>
             <a:r>
-              <a:rPr lang="en-US" altLang="ko-KR" sz="5400" spc="-300" smtClean="0">
+              <a:rPr lang="en-US" altLang="ko-KR" sz="5400" spc="-300">
                 <a:solidFill>
                   <a:srgbClr val="FF0000"/>
                 </a:solidFill>
@@ -16924,7 +17432,7 @@
           <p:cNvPr id="12" name="직선 연결선 11">
             <a:extLst>
               <a:ext uri="{FF2B5EF4-FFF2-40B4-BE49-F238E27FC236}">
-                <a16:creationId xmlns:a16="http://schemas.microsoft.com/office/drawing/2014/main" xmlns="" id="{DDFA97EB-659B-5D0A-D41B-496A6FF66D9E}"/>
+                <a16:creationId xmlns:a16="http://schemas.microsoft.com/office/drawing/2014/main" id="{DDFA97EB-659B-5D0A-D41B-496A6FF66D9E}"/>
               </a:ext>
             </a:extLst>
           </p:cNvPr>
@@ -16975,7 +17483,162 @@
 </p:sld>
 </file>
 
-<file path=ppt/slides/slide39.xml><?xml version="1.0" encoding="utf-8"?>
+<file path=ppt/slides/slide4.xml><?xml version="1.0" encoding="utf-8"?>
+<p:sld xmlns:a="http://schemas.openxmlformats.org/drawingml/2006/main" xmlns:r="http://schemas.openxmlformats.org/officeDocument/2006/relationships" xmlns:p="http://schemas.openxmlformats.org/presentationml/2006/main">
+  <p:cSld>
+    <p:spTree>
+      <p:nvGrpSpPr>
+        <p:cNvPr id="1" name=""/>
+        <p:cNvGrpSpPr/>
+        <p:nvPr/>
+      </p:nvGrpSpPr>
+      <p:grpSpPr>
+        <a:xfrm>
+          <a:off x="0" y="0"/>
+          <a:ext cx="0" cy="0"/>
+          <a:chOff x="0" y="0"/>
+          <a:chExt cx="0" cy="0"/>
+        </a:xfrm>
+      </p:grpSpPr>
+      <p:pic>
+        <p:nvPicPr>
+          <p:cNvPr id="4" name="그림 3"/>
+          <p:cNvPicPr>
+            <a:picLocks noChangeAspect="1"/>
+          </p:cNvPicPr>
+          <p:nvPr/>
+        </p:nvPicPr>
+        <p:blipFill>
+          <a:blip r:embed="rId2"/>
+          <a:stretch>
+            <a:fillRect/>
+          </a:stretch>
+        </p:blipFill>
+        <p:spPr>
+          <a:xfrm>
+            <a:off x="4572000" y="2247900"/>
+            <a:ext cx="6421582" cy="4800600"/>
+          </a:xfrm>
+          <a:prstGeom prst="rect">
+            <a:avLst/>
+          </a:prstGeom>
+        </p:spPr>
+      </p:pic>
+      <p:sp>
+        <p:nvSpPr>
+          <p:cNvPr id="2" name="TextBox 1">
+            <a:extLst>
+              <a:ext uri="{FF2B5EF4-FFF2-40B4-BE49-F238E27FC236}">
+                <a16:creationId xmlns:a16="http://schemas.microsoft.com/office/drawing/2014/main" id="{71735F58-3949-FFD2-4FDB-AA0B9E023602}"/>
+              </a:ext>
+            </a:extLst>
+          </p:cNvPr>
+          <p:cNvSpPr txBox="1"/>
+          <p:nvPr/>
+        </p:nvSpPr>
+        <p:spPr>
+          <a:xfrm>
+            <a:off x="304800" y="114300"/>
+            <a:ext cx="8534400" cy="923330"/>
+          </a:xfrm>
+          <a:prstGeom prst="rect">
+            <a:avLst/>
+          </a:prstGeom>
+          <a:noFill/>
+        </p:spPr>
+        <p:txBody>
+          <a:bodyPr wrap="square" rtlCol="0">
+            <a:spAutoFit/>
+          </a:bodyPr>
+          <a:lstStyle/>
+          <a:p>
+            <a:r>
+              <a:rPr lang="en-US" altLang="ko-KR" sz="5400" spc="-300" dirty="0">
+                <a:solidFill>
+                  <a:srgbClr val="4C50BB"/>
+                </a:solidFill>
+                <a:latin typeface="G마켓 산스 Bold" panose="02000000000000000000" pitchFamily="50" charset="-127"/>
+                <a:ea typeface="G마켓 산스 Bold" panose="02000000000000000000" pitchFamily="50" charset="-127"/>
+              </a:rPr>
+              <a:t>ChatGPT </a:t>
+            </a:r>
+            <a:r>
+              <a:rPr lang="ko-KR" altLang="en-US" sz="5400" spc="-300" dirty="0">
+                <a:solidFill>
+                  <a:srgbClr val="4C50BB"/>
+                </a:solidFill>
+                <a:latin typeface="G마켓 산스 Bold" panose="02000000000000000000" pitchFamily="50" charset="-127"/>
+                <a:ea typeface="G마켓 산스 Bold" panose="02000000000000000000" pitchFamily="50" charset="-127"/>
+              </a:rPr>
+              <a:t>사이트 접속</a:t>
+            </a:r>
+            <a:endParaRPr lang="en-US" altLang="ko-KR" sz="5400" spc="-300" dirty="0">
+              <a:solidFill>
+                <a:srgbClr val="4C50BB"/>
+              </a:solidFill>
+              <a:latin typeface="G마켓 산스 Bold" panose="02000000000000000000" pitchFamily="50" charset="-127"/>
+              <a:ea typeface="G마켓 산스 Bold" panose="02000000000000000000" pitchFamily="50" charset="-127"/>
+            </a:endParaRPr>
+          </a:p>
+        </p:txBody>
+      </p:sp>
+      <p:cxnSp>
+        <p:nvCxnSpPr>
+          <p:cNvPr id="12" name="직선 연결선 11">
+            <a:extLst>
+              <a:ext uri="{FF2B5EF4-FFF2-40B4-BE49-F238E27FC236}">
+                <a16:creationId xmlns:a16="http://schemas.microsoft.com/office/drawing/2014/main" id="{7781B4C0-C68E-A029-DEF1-3F9436AFC513}"/>
+              </a:ext>
+            </a:extLst>
+          </p:cNvPr>
+          <p:cNvCxnSpPr>
+            <a:cxnSpLocks/>
+          </p:cNvCxnSpPr>
+          <p:nvPr/>
+        </p:nvCxnSpPr>
+        <p:spPr>
+          <a:xfrm flipH="1" flipV="1">
+            <a:off x="-13447" y="972511"/>
+            <a:ext cx="18288000" cy="65119"/>
+          </a:xfrm>
+          <a:prstGeom prst="line">
+            <a:avLst/>
+          </a:prstGeom>
+          <a:ln w="38100">
+            <a:solidFill>
+              <a:srgbClr val="4C50BC"/>
+            </a:solidFill>
+          </a:ln>
+        </p:spPr>
+        <p:style>
+          <a:lnRef idx="1">
+            <a:schemeClr val="accent1"/>
+          </a:lnRef>
+          <a:fillRef idx="0">
+            <a:schemeClr val="accent1"/>
+          </a:fillRef>
+          <a:effectRef idx="0">
+            <a:schemeClr val="accent1"/>
+          </a:effectRef>
+          <a:fontRef idx="minor">
+            <a:schemeClr val="tx1"/>
+          </a:fontRef>
+        </p:style>
+      </p:cxnSp>
+    </p:spTree>
+    <p:extLst>
+      <p:ext uri="{BB962C8B-B14F-4D97-AF65-F5344CB8AC3E}">
+        <p14:creationId xmlns:p14="http://schemas.microsoft.com/office/powerpoint/2010/main" val="3950760473"/>
+      </p:ext>
+    </p:extLst>
+  </p:cSld>
+  <p:clrMapOvr>
+    <a:masterClrMapping/>
+  </p:clrMapOvr>
+</p:sld>
+</file>
+
+<file path=ppt/slides/slide40.xml><?xml version="1.0" encoding="utf-8"?>
 <p:sld xmlns:a="http://schemas.openxmlformats.org/drawingml/2006/main" xmlns:r="http://schemas.openxmlformats.org/officeDocument/2006/relationships" xmlns:p="http://schemas.openxmlformats.org/presentationml/2006/main">
   <p:cSld>
     <p:spTree>
@@ -16997,7 +17660,7 @@
           <p:cNvPr id="3" name="그림 2">
             <a:extLst>
               <a:ext uri="{FF2B5EF4-FFF2-40B4-BE49-F238E27FC236}">
-                <a16:creationId xmlns:a16="http://schemas.microsoft.com/office/drawing/2014/main" xmlns="" id="{ED5C1357-B576-C509-D1FA-35A59EEBC018}"/>
+                <a16:creationId xmlns:a16="http://schemas.microsoft.com/office/drawing/2014/main" id="{ED5C1357-B576-C509-D1FA-35A59EEBC018}"/>
               </a:ext>
             </a:extLst>
           </p:cNvPr>
@@ -17027,7 +17690,7 @@
           <p:cNvPr id="7" name="직선 화살표 연결선 6">
             <a:extLst>
               <a:ext uri="{FF2B5EF4-FFF2-40B4-BE49-F238E27FC236}">
-                <a16:creationId xmlns:a16="http://schemas.microsoft.com/office/drawing/2014/main" xmlns="" id="{53B5F98B-75CA-E6C2-E1AE-C42CC295247F}"/>
+                <a16:creationId xmlns:a16="http://schemas.microsoft.com/office/drawing/2014/main" id="{53B5F98B-75CA-E6C2-E1AE-C42CC295247F}"/>
               </a:ext>
             </a:extLst>
           </p:cNvPr>
@@ -17068,7 +17731,7 @@
           <p:cNvPr id="8" name="직사각형 7">
             <a:extLst>
               <a:ext uri="{FF2B5EF4-FFF2-40B4-BE49-F238E27FC236}">
-                <a16:creationId xmlns:a16="http://schemas.microsoft.com/office/drawing/2014/main" xmlns="" id="{85FACF68-8FB7-78AD-AD6E-5CB0831F700F}"/>
+                <a16:creationId xmlns:a16="http://schemas.microsoft.com/office/drawing/2014/main" id="{85FACF68-8FB7-78AD-AD6E-5CB0831F700F}"/>
               </a:ext>
             </a:extLst>
           </p:cNvPr>
@@ -17120,7 +17783,7 @@
           <p:cNvPr id="9" name="TextBox 8">
             <a:extLst>
               <a:ext uri="{FF2B5EF4-FFF2-40B4-BE49-F238E27FC236}">
-                <a16:creationId xmlns:a16="http://schemas.microsoft.com/office/drawing/2014/main" xmlns="" id="{2C908948-3D18-842F-C410-CCEE3516BCF1}"/>
+                <a16:creationId xmlns:a16="http://schemas.microsoft.com/office/drawing/2014/main" id="{2C908948-3D18-842F-C410-CCEE3516BCF1}"/>
               </a:ext>
             </a:extLst>
           </p:cNvPr>
@@ -17221,7 +17884,7 @@
           <p:cNvPr id="10" name="TextBox 9">
             <a:extLst>
               <a:ext uri="{FF2B5EF4-FFF2-40B4-BE49-F238E27FC236}">
-                <a16:creationId xmlns:a16="http://schemas.microsoft.com/office/drawing/2014/main" xmlns="" id="{69196D22-2A4C-4EF6-5A42-2031D7FEF549}"/>
+                <a16:creationId xmlns:a16="http://schemas.microsoft.com/office/drawing/2014/main" id="{69196D22-2A4C-4EF6-5A42-2031D7FEF549}"/>
               </a:ext>
             </a:extLst>
           </p:cNvPr>
@@ -17245,7 +17908,7 @@
           <a:lstStyle/>
           <a:p>
             <a:r>
-              <a:rPr lang="en-US" altLang="ko-KR" sz="5400" spc="-300" smtClean="0">
+              <a:rPr lang="en-US" altLang="ko-KR" sz="5400" spc="-300">
                 <a:solidFill>
                   <a:srgbClr val="4C50BC"/>
                 </a:solidFill>
@@ -17255,7 +17918,7 @@
               <a:t>8. </a:t>
             </a:r>
             <a:r>
-              <a:rPr lang="ko-KR" altLang="en-US" sz="5400" spc="-300" smtClean="0">
+              <a:rPr lang="ko-KR" altLang="en-US" sz="5400" spc="-300">
                 <a:solidFill>
                   <a:srgbClr val="4C50BC"/>
                 </a:solidFill>
@@ -17265,7 +17928,7 @@
               <a:t>문제풀이</a:t>
             </a:r>
             <a:r>
-              <a:rPr lang="en-US" altLang="ko-KR" sz="5400" spc="-300" smtClean="0">
+              <a:rPr lang="en-US" altLang="ko-KR" sz="5400" spc="-300">
                 <a:solidFill>
                   <a:srgbClr val="FF0000"/>
                 </a:solidFill>
@@ -17289,7 +17952,7 @@
           <p:cNvPr id="12" name="직선 연결선 11">
             <a:extLst>
               <a:ext uri="{FF2B5EF4-FFF2-40B4-BE49-F238E27FC236}">
-                <a16:creationId xmlns:a16="http://schemas.microsoft.com/office/drawing/2014/main" xmlns="" id="{DDFA97EB-659B-5D0A-D41B-496A6FF66D9E}"/>
+                <a16:creationId xmlns:a16="http://schemas.microsoft.com/office/drawing/2014/main" id="{DDFA97EB-659B-5D0A-D41B-496A6FF66D9E}"/>
               </a:ext>
             </a:extLst>
           </p:cNvPr>
@@ -17332,7 +17995,7 @@
           <p:cNvPr id="13" name="직사각형 12">
             <a:extLst>
               <a:ext uri="{FF2B5EF4-FFF2-40B4-BE49-F238E27FC236}">
-                <a16:creationId xmlns:a16="http://schemas.microsoft.com/office/drawing/2014/main" xmlns="" id="{361FA442-8171-4EBF-65A2-19C90654959D}"/>
+                <a16:creationId xmlns:a16="http://schemas.microsoft.com/office/drawing/2014/main" id="{361FA442-8171-4EBF-65A2-19C90654959D}"/>
               </a:ext>
             </a:extLst>
           </p:cNvPr>
@@ -17470,482 +18133,7 @@
 </p:sld>
 </file>
 
-<file path=ppt/slides/slide4.xml><?xml version="1.0" encoding="utf-8"?>
-<p:sld xmlns:a="http://schemas.openxmlformats.org/drawingml/2006/main" xmlns:r="http://schemas.openxmlformats.org/officeDocument/2006/relationships" xmlns:p="http://schemas.openxmlformats.org/presentationml/2006/main">
-  <p:cSld>
-    <p:spTree>
-      <p:nvGrpSpPr>
-        <p:cNvPr id="1" name=""/>
-        <p:cNvGrpSpPr/>
-        <p:nvPr/>
-      </p:nvGrpSpPr>
-      <p:grpSpPr>
-        <a:xfrm>
-          <a:off x="0" y="0"/>
-          <a:ext cx="0" cy="0"/>
-          <a:chOff x="0" y="0"/>
-          <a:chExt cx="0" cy="0"/>
-        </a:xfrm>
-      </p:grpSpPr>
-      <p:pic>
-        <p:nvPicPr>
-          <p:cNvPr id="3" name="그림 2">
-            <a:extLst>
-              <a:ext uri="{FF2B5EF4-FFF2-40B4-BE49-F238E27FC236}">
-                <a16:creationId xmlns:a16="http://schemas.microsoft.com/office/drawing/2014/main" xmlns="" id="{0C3B87EB-F631-EDCE-0CC4-A2731ADA1688}"/>
-              </a:ext>
-            </a:extLst>
-          </p:cNvPr>
-          <p:cNvPicPr>
-            <a:picLocks noChangeAspect="1"/>
-          </p:cNvPicPr>
-          <p:nvPr/>
-        </p:nvPicPr>
-        <p:blipFill rotWithShape="1">
-          <a:blip r:embed="rId2"/>
-          <a:srcRect r="26901"/>
-          <a:stretch/>
-        </p:blipFill>
-        <p:spPr>
-          <a:xfrm>
-            <a:off x="9984512" y="60215"/>
-            <a:ext cx="7534734" cy="6458851"/>
-          </a:xfrm>
-          <a:prstGeom prst="rect">
-            <a:avLst/>
-          </a:prstGeom>
-        </p:spPr>
-      </p:pic>
-      <p:pic>
-        <p:nvPicPr>
-          <p:cNvPr id="4" name="그림 3"/>
-          <p:cNvPicPr>
-            <a:picLocks noChangeAspect="1"/>
-          </p:cNvPicPr>
-          <p:nvPr/>
-        </p:nvPicPr>
-        <p:blipFill>
-          <a:blip r:embed="rId3"/>
-          <a:stretch>
-            <a:fillRect/>
-          </a:stretch>
-        </p:blipFill>
-        <p:spPr>
-          <a:xfrm>
-            <a:off x="838200" y="495300"/>
-            <a:ext cx="6421582" cy="4800600"/>
-          </a:xfrm>
-          <a:prstGeom prst="rect">
-            <a:avLst/>
-          </a:prstGeom>
-        </p:spPr>
-      </p:pic>
-      <p:grpSp>
-        <p:nvGrpSpPr>
-          <p:cNvPr id="5" name="그룹 1008">
-            <a:extLst>
-              <a:ext uri="{FF2B5EF4-FFF2-40B4-BE49-F238E27FC236}">
-                <a16:creationId xmlns:a16="http://schemas.microsoft.com/office/drawing/2014/main" xmlns="" id="{678F6342-C505-E8AD-ADA4-022CB2C2088E}"/>
-              </a:ext>
-            </a:extLst>
-          </p:cNvPr>
-          <p:cNvGrpSpPr/>
-          <p:nvPr/>
-        </p:nvGrpSpPr>
-        <p:grpSpPr>
-          <a:xfrm>
-            <a:off x="8153400" y="2602096"/>
-            <a:ext cx="720996" cy="587007"/>
-            <a:chOff x="9011713" y="5350533"/>
-            <a:chExt cx="720996" cy="587007"/>
-          </a:xfrm>
-        </p:grpSpPr>
-        <p:grpSp>
-          <p:nvGrpSpPr>
-            <p:cNvPr id="6" name="그룹 1009">
-              <a:extLst>
-                <a:ext uri="{FF2B5EF4-FFF2-40B4-BE49-F238E27FC236}">
-                  <a16:creationId xmlns:a16="http://schemas.microsoft.com/office/drawing/2014/main" xmlns="" id="{4E1F1FED-812B-9BBB-925A-84B54A077414}"/>
-                </a:ext>
-              </a:extLst>
-            </p:cNvPr>
-            <p:cNvGrpSpPr/>
-            <p:nvPr/>
-          </p:nvGrpSpPr>
-          <p:grpSpPr>
-            <a:xfrm>
-              <a:off x="9440725" y="5350533"/>
-              <a:ext cx="291983" cy="587007"/>
-              <a:chOff x="9440725" y="5350533"/>
-              <a:chExt cx="291983" cy="587007"/>
-            </a:xfrm>
-          </p:grpSpPr>
-          <p:pic>
-            <p:nvPicPr>
-              <p:cNvPr id="11" name="Object 29">
-                <a:extLst>
-                  <a:ext uri="{FF2B5EF4-FFF2-40B4-BE49-F238E27FC236}">
-                    <a16:creationId xmlns:a16="http://schemas.microsoft.com/office/drawing/2014/main" xmlns="" id="{7B078609-4286-7B00-51EB-809C8E2DE289}"/>
-                  </a:ext>
-                </a:extLst>
-              </p:cNvPr>
-              <p:cNvPicPr>
-                <a:picLocks noChangeAspect="1"/>
-              </p:cNvPicPr>
-              <p:nvPr/>
-            </p:nvPicPr>
-            <p:blipFill>
-              <a:blip r:embed="rId4" cstate="print"/>
-              <a:stretch>
-                <a:fillRect/>
-              </a:stretch>
-            </p:blipFill>
-            <p:spPr>
-              <a:xfrm rot="-10800000">
-                <a:off x="9440725" y="5350533"/>
-                <a:ext cx="291983" cy="587007"/>
-              </a:xfrm>
-              <a:prstGeom prst="rect">
-                <a:avLst/>
-              </a:prstGeom>
-            </p:spPr>
-          </p:pic>
-        </p:grpSp>
-        <p:grpSp>
-          <p:nvGrpSpPr>
-            <p:cNvPr id="7" name="그룹 1010">
-              <a:extLst>
-                <a:ext uri="{FF2B5EF4-FFF2-40B4-BE49-F238E27FC236}">
-                  <a16:creationId xmlns:a16="http://schemas.microsoft.com/office/drawing/2014/main" xmlns="" id="{02A649BF-B5B5-FBAF-7DFD-E118A4DF8907}"/>
-                </a:ext>
-              </a:extLst>
-            </p:cNvPr>
-            <p:cNvGrpSpPr/>
-            <p:nvPr/>
-          </p:nvGrpSpPr>
-          <p:grpSpPr>
-            <a:xfrm>
-              <a:off x="9226219" y="5350533"/>
-              <a:ext cx="291983" cy="587007"/>
-              <a:chOff x="9226219" y="5350533"/>
-              <a:chExt cx="291983" cy="587007"/>
-            </a:xfrm>
-          </p:grpSpPr>
-          <p:pic>
-            <p:nvPicPr>
-              <p:cNvPr id="10" name="Object 32">
-                <a:extLst>
-                  <a:ext uri="{FF2B5EF4-FFF2-40B4-BE49-F238E27FC236}">
-                    <a16:creationId xmlns:a16="http://schemas.microsoft.com/office/drawing/2014/main" xmlns="" id="{2A0FFF23-B3C9-3EA0-1C1B-A87D4FF098AE}"/>
-                  </a:ext>
-                </a:extLst>
-              </p:cNvPr>
-              <p:cNvPicPr>
-                <a:picLocks noChangeAspect="1"/>
-              </p:cNvPicPr>
-              <p:nvPr/>
-            </p:nvPicPr>
-            <p:blipFill>
-              <a:blip r:embed="rId5" cstate="print"/>
-              <a:stretch>
-                <a:fillRect/>
-              </a:stretch>
-            </p:blipFill>
-            <p:spPr>
-              <a:xfrm rot="-10800000">
-                <a:off x="9226219" y="5350533"/>
-                <a:ext cx="291983" cy="587007"/>
-              </a:xfrm>
-              <a:prstGeom prst="rect">
-                <a:avLst/>
-              </a:prstGeom>
-            </p:spPr>
-          </p:pic>
-        </p:grpSp>
-        <p:grpSp>
-          <p:nvGrpSpPr>
-            <p:cNvPr id="8" name="그룹 1011">
-              <a:extLst>
-                <a:ext uri="{FF2B5EF4-FFF2-40B4-BE49-F238E27FC236}">
-                  <a16:creationId xmlns:a16="http://schemas.microsoft.com/office/drawing/2014/main" xmlns="" id="{881F5410-F7FB-F261-A584-707359BAC593}"/>
-                </a:ext>
-              </a:extLst>
-            </p:cNvPr>
-            <p:cNvGrpSpPr/>
-            <p:nvPr/>
-          </p:nvGrpSpPr>
-          <p:grpSpPr>
-            <a:xfrm>
-              <a:off x="9011713" y="5350533"/>
-              <a:ext cx="291983" cy="587007"/>
-              <a:chOff x="9011713" y="5350533"/>
-              <a:chExt cx="291983" cy="587007"/>
-            </a:xfrm>
-          </p:grpSpPr>
-          <p:pic>
-            <p:nvPicPr>
-              <p:cNvPr id="9" name="Object 35">
-                <a:extLst>
-                  <a:ext uri="{FF2B5EF4-FFF2-40B4-BE49-F238E27FC236}">
-                    <a16:creationId xmlns:a16="http://schemas.microsoft.com/office/drawing/2014/main" xmlns="" id="{4E99E669-73EB-F9F4-EFE8-DC107035C265}"/>
-                  </a:ext>
-                </a:extLst>
-              </p:cNvPr>
-              <p:cNvPicPr>
-                <a:picLocks noChangeAspect="1"/>
-              </p:cNvPicPr>
-              <p:nvPr/>
-            </p:nvPicPr>
-            <p:blipFill>
-              <a:blip r:embed="rId6" cstate="print"/>
-              <a:stretch>
-                <a:fillRect/>
-              </a:stretch>
-            </p:blipFill>
-            <p:spPr>
-              <a:xfrm rot="-10800000">
-                <a:off x="9011713" y="5350533"/>
-                <a:ext cx="291983" cy="587007"/>
-              </a:xfrm>
-              <a:prstGeom prst="rect">
-                <a:avLst/>
-              </a:prstGeom>
-            </p:spPr>
-          </p:pic>
-        </p:grpSp>
-      </p:grpSp>
-      <p:cxnSp>
-        <p:nvCxnSpPr>
-          <p:cNvPr id="13" name="직선 화살표 연결선 12">
-            <a:extLst>
-              <a:ext uri="{FF2B5EF4-FFF2-40B4-BE49-F238E27FC236}">
-                <a16:creationId xmlns:a16="http://schemas.microsoft.com/office/drawing/2014/main" xmlns="" id="{299DF5EC-9DF4-5255-06AC-0A7CE4FF58C3}"/>
-              </a:ext>
-            </a:extLst>
-          </p:cNvPr>
-          <p:cNvCxnSpPr>
-            <a:cxnSpLocks/>
-          </p:cNvCxnSpPr>
-          <p:nvPr/>
-        </p:nvCxnSpPr>
-        <p:spPr>
-          <a:xfrm flipH="1">
-            <a:off x="8257915" y="5428424"/>
-            <a:ext cx="1914066" cy="381000"/>
-          </a:xfrm>
-          <a:prstGeom prst="straightConnector1">
-            <a:avLst/>
-          </a:prstGeom>
-          <a:ln w="38100">
-            <a:tailEnd type="triangle"/>
-          </a:ln>
-        </p:spPr>
-        <p:style>
-          <a:lnRef idx="1">
-            <a:schemeClr val="accent2"/>
-          </a:lnRef>
-          <a:fillRef idx="0">
-            <a:schemeClr val="accent2"/>
-          </a:fillRef>
-          <a:effectRef idx="0">
-            <a:schemeClr val="accent2"/>
-          </a:effectRef>
-          <a:fontRef idx="minor">
-            <a:schemeClr val="tx1"/>
-          </a:fontRef>
-        </p:style>
-      </p:cxnSp>
-      <p:sp>
-        <p:nvSpPr>
-          <p:cNvPr id="14" name="TextBox 13">
-            <a:extLst>
-              <a:ext uri="{FF2B5EF4-FFF2-40B4-BE49-F238E27FC236}">
-                <a16:creationId xmlns:a16="http://schemas.microsoft.com/office/drawing/2014/main" xmlns="" id="{C6D113C6-EA5C-788F-0C77-E7CE6EBB865F}"/>
-              </a:ext>
-            </a:extLst>
-          </p:cNvPr>
-          <p:cNvSpPr txBox="1"/>
-          <p:nvPr/>
-        </p:nvSpPr>
-        <p:spPr>
-          <a:xfrm>
-            <a:off x="3492415" y="6173520"/>
-            <a:ext cx="7534734" cy="707886"/>
-          </a:xfrm>
-          <a:prstGeom prst="rect">
-            <a:avLst/>
-          </a:prstGeom>
-          <a:noFill/>
-        </p:spPr>
-        <p:txBody>
-          <a:bodyPr wrap="square" rtlCol="0">
-            <a:spAutoFit/>
-          </a:bodyPr>
-          <a:lstStyle/>
-          <a:p>
-            <a:r>
-              <a:rPr lang="ko-KR" altLang="en-US" sz="4000" dirty="0">
-                <a:solidFill>
-                  <a:srgbClr val="FF0000"/>
-                </a:solidFill>
-                <a:latin typeface="G마켓 산스 Medium" panose="02000000000000000000" pitchFamily="50" charset="-127"/>
-                <a:ea typeface="G마켓 산스 Medium" panose="02000000000000000000" pitchFamily="50" charset="-127"/>
-              </a:rPr>
-              <a:t>웹으로 바로 채팅을 </a:t>
-            </a:r>
-            <a:r>
-              <a:rPr lang="ko-KR" altLang="en-US" sz="4000" dirty="0" err="1">
-                <a:solidFill>
-                  <a:srgbClr val="FF0000"/>
-                </a:solidFill>
-                <a:latin typeface="G마켓 산스 Medium" panose="02000000000000000000" pitchFamily="50" charset="-127"/>
-                <a:ea typeface="G마켓 산스 Medium" panose="02000000000000000000" pitchFamily="50" charset="-127"/>
-              </a:rPr>
-              <a:t>하는곳</a:t>
-            </a:r>
-            <a:endParaRPr lang="en-US" altLang="ko-KR" sz="4000" dirty="0">
-              <a:solidFill>
-                <a:srgbClr val="FF0000"/>
-              </a:solidFill>
-              <a:latin typeface="G마켓 산스 Medium" panose="02000000000000000000" pitchFamily="50" charset="-127"/>
-              <a:ea typeface="G마켓 산스 Medium" panose="02000000000000000000" pitchFamily="50" charset="-127"/>
-            </a:endParaRPr>
-          </a:p>
-        </p:txBody>
-      </p:sp>
-      <p:cxnSp>
-        <p:nvCxnSpPr>
-          <p:cNvPr id="16" name="직선 화살표 연결선 15">
-            <a:extLst>
-              <a:ext uri="{FF2B5EF4-FFF2-40B4-BE49-F238E27FC236}">
-                <a16:creationId xmlns:a16="http://schemas.microsoft.com/office/drawing/2014/main" xmlns="" id="{299DF5EC-9DF4-5255-06AC-0A7CE4FF58C3}"/>
-              </a:ext>
-            </a:extLst>
-          </p:cNvPr>
-          <p:cNvCxnSpPr>
-            <a:cxnSpLocks/>
-          </p:cNvCxnSpPr>
-          <p:nvPr/>
-        </p:nvCxnSpPr>
-        <p:spPr>
-          <a:xfrm flipH="1">
-            <a:off x="13411200" y="495300"/>
-            <a:ext cx="587326" cy="1295400"/>
-          </a:xfrm>
-          <a:prstGeom prst="straightConnector1">
-            <a:avLst/>
-          </a:prstGeom>
-          <a:ln w="38100">
-            <a:tailEnd type="triangle"/>
-          </a:ln>
-        </p:spPr>
-        <p:style>
-          <a:lnRef idx="1">
-            <a:schemeClr val="accent2"/>
-          </a:lnRef>
-          <a:fillRef idx="0">
-            <a:schemeClr val="accent2"/>
-          </a:fillRef>
-          <a:effectRef idx="0">
-            <a:schemeClr val="accent2"/>
-          </a:effectRef>
-          <a:fontRef idx="minor">
-            <a:schemeClr val="tx1"/>
-          </a:fontRef>
-        </p:style>
-      </p:cxnSp>
-      <p:sp>
-        <p:nvSpPr>
-          <p:cNvPr id="17" name="TextBox 16">
-            <a:extLst>
-              <a:ext uri="{FF2B5EF4-FFF2-40B4-BE49-F238E27FC236}">
-                <a16:creationId xmlns:a16="http://schemas.microsoft.com/office/drawing/2014/main" xmlns="" id="{C6D113C6-EA5C-788F-0C77-E7CE6EBB865F}"/>
-              </a:ext>
-            </a:extLst>
-          </p:cNvPr>
-          <p:cNvSpPr txBox="1"/>
-          <p:nvPr/>
-        </p:nvSpPr>
-        <p:spPr>
-          <a:xfrm>
-            <a:off x="11599125" y="1898313"/>
-            <a:ext cx="6400800" cy="707886"/>
-          </a:xfrm>
-          <a:prstGeom prst="rect">
-            <a:avLst/>
-          </a:prstGeom>
-          <a:noFill/>
-        </p:spPr>
-        <p:txBody>
-          <a:bodyPr wrap="square" rtlCol="0">
-            <a:spAutoFit/>
-          </a:bodyPr>
-          <a:lstStyle/>
-          <a:p>
-            <a:r>
-              <a:rPr lang="ko-KR" altLang="en-US" sz="4000">
-                <a:solidFill>
-                  <a:srgbClr val="FF0000"/>
-                </a:solidFill>
-                <a:latin typeface="G마켓 산스 Medium" panose="02000000000000000000" pitchFamily="50" charset="-127"/>
-                <a:ea typeface="G마켓 산스 Medium" panose="02000000000000000000" pitchFamily="50" charset="-127"/>
-              </a:rPr>
-              <a:t>개발에 필요한곳</a:t>
-            </a:r>
-            <a:endParaRPr lang="en-US" altLang="ko-KR" sz="4000" dirty="0">
-              <a:solidFill>
-                <a:srgbClr val="FF0000"/>
-              </a:solidFill>
-              <a:latin typeface="G마켓 산스 Medium" panose="02000000000000000000" pitchFamily="50" charset="-127"/>
-              <a:ea typeface="G마켓 산스 Medium" panose="02000000000000000000" pitchFamily="50" charset="-127"/>
-            </a:endParaRPr>
-          </a:p>
-        </p:txBody>
-      </p:sp>
-      <p:pic>
-        <p:nvPicPr>
-          <p:cNvPr id="21" name="그림 20">
-            <a:extLst>
-              <a:ext uri="{FF2B5EF4-FFF2-40B4-BE49-F238E27FC236}">
-                <a16:creationId xmlns:a16="http://schemas.microsoft.com/office/drawing/2014/main" xmlns="" id="{66A1961A-12C7-534B-42C7-FE2ABB0F8031}"/>
-              </a:ext>
-            </a:extLst>
-          </p:cNvPr>
-          <p:cNvPicPr>
-            <a:picLocks noChangeAspect="1"/>
-          </p:cNvPicPr>
-          <p:nvPr/>
-        </p:nvPicPr>
-        <p:blipFill>
-          <a:blip r:embed="rId7"/>
-          <a:stretch>
-            <a:fillRect/>
-          </a:stretch>
-        </p:blipFill>
-        <p:spPr>
-          <a:xfrm>
-            <a:off x="9984512" y="6801630"/>
-            <a:ext cx="4645888" cy="3323214"/>
-          </a:xfrm>
-          <a:prstGeom prst="rect">
-            <a:avLst/>
-          </a:prstGeom>
-        </p:spPr>
-      </p:pic>
-    </p:spTree>
-    <p:extLst>
-      <p:ext uri="{BB962C8B-B14F-4D97-AF65-F5344CB8AC3E}">
-        <p14:creationId xmlns:p14="http://schemas.microsoft.com/office/powerpoint/2010/main" val="3950760473"/>
-      </p:ext>
-    </p:extLst>
-  </p:cSld>
-  <p:clrMapOvr>
-    <a:masterClrMapping/>
-  </p:clrMapOvr>
-</p:sld>
-</file>
-
-<file path=ppt/slides/slide40.xml><?xml version="1.0" encoding="utf-8"?>
+<file path=ppt/slides/slide41.xml><?xml version="1.0" encoding="utf-8"?>
 <p:sld xmlns:a="http://schemas.openxmlformats.org/drawingml/2006/main" xmlns:r="http://schemas.openxmlformats.org/officeDocument/2006/relationships" xmlns:p="http://schemas.openxmlformats.org/presentationml/2006/main">
   <p:cSld>
     <p:spTree>
@@ -17967,7 +18155,7 @@
           <p:cNvPr id="4" name="TextBox 3">
             <a:extLst>
               <a:ext uri="{FF2B5EF4-FFF2-40B4-BE49-F238E27FC236}">
-                <a16:creationId xmlns:a16="http://schemas.microsoft.com/office/drawing/2014/main" xmlns="" id="{52176D31-35F7-8916-46FA-6095EFEC1E49}"/>
+                <a16:creationId xmlns:a16="http://schemas.microsoft.com/office/drawing/2014/main" id="{52176D31-35F7-8916-46FA-6095EFEC1E49}"/>
               </a:ext>
             </a:extLst>
           </p:cNvPr>
@@ -17991,7 +18179,7 @@
           <a:lstStyle/>
           <a:p>
             <a:r>
-              <a:rPr lang="ko-KR" altLang="en-US" sz="2800" smtClean="0">
+              <a:rPr lang="ko-KR" altLang="en-US" sz="2800">
                 <a:solidFill>
                   <a:srgbClr val="4C50BB"/>
                 </a:solidFill>
@@ -18338,7 +18526,7 @@
           <p:cNvPr id="5" name="TextBox 4">
             <a:extLst>
               <a:ext uri="{FF2B5EF4-FFF2-40B4-BE49-F238E27FC236}">
-                <a16:creationId xmlns:a16="http://schemas.microsoft.com/office/drawing/2014/main" xmlns="" id="{69196D22-2A4C-4EF6-5A42-2031D7FEF549}"/>
+                <a16:creationId xmlns:a16="http://schemas.microsoft.com/office/drawing/2014/main" id="{69196D22-2A4C-4EF6-5A42-2031D7FEF549}"/>
               </a:ext>
             </a:extLst>
           </p:cNvPr>
@@ -18362,7 +18550,7 @@
           <a:lstStyle/>
           <a:p>
             <a:r>
-              <a:rPr lang="en-US" altLang="ko-KR" sz="5400" spc="-300" smtClean="0">
+              <a:rPr lang="en-US" altLang="ko-KR" sz="5400" spc="-300">
                 <a:solidFill>
                   <a:srgbClr val="4C50BC"/>
                 </a:solidFill>
@@ -18372,7 +18560,7 @@
               <a:t>9. </a:t>
             </a:r>
             <a:r>
-              <a:rPr lang="ko-KR" altLang="en-US" sz="5400" spc="-300" smtClean="0">
+              <a:rPr lang="ko-KR" altLang="en-US" sz="5400" spc="-300">
                 <a:solidFill>
                   <a:srgbClr val="4C50BC"/>
                 </a:solidFill>
@@ -18382,7 +18570,7 @@
               <a:t>실습문제</a:t>
             </a:r>
             <a:r>
-              <a:rPr lang="en-US" altLang="ko-KR" sz="5400" spc="-300" smtClean="0">
+              <a:rPr lang="en-US" altLang="ko-KR" sz="5400" spc="-300">
                 <a:solidFill>
                   <a:srgbClr val="FF0000"/>
                 </a:solidFill>
@@ -18406,7 +18594,7 @@
           <p:cNvPr id="6" name="직선 연결선 5">
             <a:extLst>
               <a:ext uri="{FF2B5EF4-FFF2-40B4-BE49-F238E27FC236}">
-                <a16:creationId xmlns:a16="http://schemas.microsoft.com/office/drawing/2014/main" xmlns="" id="{DDFA97EB-659B-5D0A-D41B-496A6FF66D9E}"/>
+                <a16:creationId xmlns:a16="http://schemas.microsoft.com/office/drawing/2014/main" id="{DDFA97EB-659B-5D0A-D41B-496A6FF66D9E}"/>
               </a:ext>
             </a:extLst>
           </p:cNvPr>
@@ -18457,7 +18645,7 @@
 </p:sld>
 </file>
 
-<file path=ppt/slides/slide41.xml><?xml version="1.0" encoding="utf-8"?>
+<file path=ppt/slides/slide42.xml><?xml version="1.0" encoding="utf-8"?>
 <p:sld xmlns:a="http://schemas.openxmlformats.org/drawingml/2006/main" xmlns:r="http://schemas.openxmlformats.org/officeDocument/2006/relationships" xmlns:p="http://schemas.openxmlformats.org/presentationml/2006/main">
   <p:cSld>
     <p:spTree>
@@ -18479,7 +18667,7 @@
           <p:cNvPr id="11" name="그림 10">
             <a:extLst>
               <a:ext uri="{FF2B5EF4-FFF2-40B4-BE49-F238E27FC236}">
-                <a16:creationId xmlns:a16="http://schemas.microsoft.com/office/drawing/2014/main" xmlns="" id="{24CA5C36-077C-7DC4-0C67-19AF2A79D677}"/>
+                <a16:creationId xmlns:a16="http://schemas.microsoft.com/office/drawing/2014/main" id="{24CA5C36-077C-7DC4-0C67-19AF2A79D677}"/>
               </a:ext>
             </a:extLst>
           </p:cNvPr>
@@ -18509,7 +18697,7 @@
           <p:cNvPr id="7" name="직선 화살표 연결선 6">
             <a:extLst>
               <a:ext uri="{FF2B5EF4-FFF2-40B4-BE49-F238E27FC236}">
-                <a16:creationId xmlns:a16="http://schemas.microsoft.com/office/drawing/2014/main" xmlns="" id="{5363F204-C9E6-2302-5F19-F448CD41DDA5}"/>
+                <a16:creationId xmlns:a16="http://schemas.microsoft.com/office/drawing/2014/main" id="{5363F204-C9E6-2302-5F19-F448CD41DDA5}"/>
               </a:ext>
             </a:extLst>
           </p:cNvPr>
@@ -18550,7 +18738,7 @@
           <p:cNvPr id="8" name="직사각형 7">
             <a:extLst>
               <a:ext uri="{FF2B5EF4-FFF2-40B4-BE49-F238E27FC236}">
-                <a16:creationId xmlns:a16="http://schemas.microsoft.com/office/drawing/2014/main" xmlns="" id="{FD211A3A-74DD-29AE-A851-5EFA498CA78A}"/>
+                <a16:creationId xmlns:a16="http://schemas.microsoft.com/office/drawing/2014/main" id="{FD211A3A-74DD-29AE-A851-5EFA498CA78A}"/>
               </a:ext>
             </a:extLst>
           </p:cNvPr>
@@ -18602,7 +18790,7 @@
           <p:cNvPr id="9" name="TextBox 8">
             <a:extLst>
               <a:ext uri="{FF2B5EF4-FFF2-40B4-BE49-F238E27FC236}">
-                <a16:creationId xmlns:a16="http://schemas.microsoft.com/office/drawing/2014/main" xmlns="" id="{FEEDD94A-3601-869A-97B5-4FBCCDEBA853}"/>
+                <a16:creationId xmlns:a16="http://schemas.microsoft.com/office/drawing/2014/main" id="{FEEDD94A-3601-869A-97B5-4FBCCDEBA853}"/>
               </a:ext>
             </a:extLst>
           </p:cNvPr>
@@ -18670,7 +18858,7 @@
           <p:cNvPr id="12" name="직선 화살표 연결선 11">
             <a:extLst>
               <a:ext uri="{FF2B5EF4-FFF2-40B4-BE49-F238E27FC236}">
-                <a16:creationId xmlns:a16="http://schemas.microsoft.com/office/drawing/2014/main" xmlns="" id="{B5BAAB63-925C-5560-3B2D-B55173D8E23F}"/>
+                <a16:creationId xmlns:a16="http://schemas.microsoft.com/office/drawing/2014/main" id="{B5BAAB63-925C-5560-3B2D-B55173D8E23F}"/>
               </a:ext>
             </a:extLst>
           </p:cNvPr>
@@ -18711,7 +18899,7 @@
           <p:cNvPr id="13" name="직사각형 12">
             <a:extLst>
               <a:ext uri="{FF2B5EF4-FFF2-40B4-BE49-F238E27FC236}">
-                <a16:creationId xmlns:a16="http://schemas.microsoft.com/office/drawing/2014/main" xmlns="" id="{55620CDB-AF0B-2BE4-611D-8A6A0C2A88A7}"/>
+                <a16:creationId xmlns:a16="http://schemas.microsoft.com/office/drawing/2014/main" id="{55620CDB-AF0B-2BE4-611D-8A6A0C2A88A7}"/>
               </a:ext>
             </a:extLst>
           </p:cNvPr>
@@ -18763,7 +18951,7 @@
           <p:cNvPr id="14" name="TextBox 13">
             <a:extLst>
               <a:ext uri="{FF2B5EF4-FFF2-40B4-BE49-F238E27FC236}">
-                <a16:creationId xmlns:a16="http://schemas.microsoft.com/office/drawing/2014/main" xmlns="" id="{59032D16-DA08-FA4D-D4E0-2336157861A9}"/>
+                <a16:creationId xmlns:a16="http://schemas.microsoft.com/office/drawing/2014/main" id="{59032D16-DA08-FA4D-D4E0-2336157861A9}"/>
               </a:ext>
             </a:extLst>
           </p:cNvPr>
@@ -18844,7 +19032,7 @@
           <p:cNvPr id="16" name="TextBox 15">
             <a:extLst>
               <a:ext uri="{FF2B5EF4-FFF2-40B4-BE49-F238E27FC236}">
-                <a16:creationId xmlns:a16="http://schemas.microsoft.com/office/drawing/2014/main" xmlns="" id="{69196D22-2A4C-4EF6-5A42-2031D7FEF549}"/>
+                <a16:creationId xmlns:a16="http://schemas.microsoft.com/office/drawing/2014/main" id="{69196D22-2A4C-4EF6-5A42-2031D7FEF549}"/>
               </a:ext>
             </a:extLst>
           </p:cNvPr>
@@ -18875,30 +19063,20 @@
                 <a:latin typeface="G마켓 산스 Bold" panose="02000000000000000000" pitchFamily="50" charset="-127"/>
                 <a:ea typeface="G마켓 산스 Bold" panose="02000000000000000000" pitchFamily="50" charset="-127"/>
               </a:rPr>
-              <a:t>9</a:t>
-            </a:r>
-            <a:r>
-              <a:rPr lang="en-US" altLang="ko-KR" sz="5400" spc="-300" smtClean="0">
+              <a:t>9. </a:t>
+            </a:r>
+            <a:r>
+              <a:rPr lang="ko-KR" altLang="en-US" sz="5400" spc="-300">
                 <a:solidFill>
                   <a:srgbClr val="4C50BC"/>
                 </a:solidFill>
                 <a:latin typeface="G마켓 산스 Bold" panose="02000000000000000000" pitchFamily="50" charset="-127"/>
                 <a:ea typeface="G마켓 산스 Bold" panose="02000000000000000000" pitchFamily="50" charset="-127"/>
               </a:rPr>
-              <a:t>. </a:t>
-            </a:r>
-            <a:r>
-              <a:rPr lang="ko-KR" altLang="en-US" sz="5400" spc="-300" smtClean="0">
-                <a:solidFill>
-                  <a:srgbClr val="4C50BC"/>
-                </a:solidFill>
-                <a:latin typeface="G마켓 산스 Bold" panose="02000000000000000000" pitchFamily="50" charset="-127"/>
-                <a:ea typeface="G마켓 산스 Bold" panose="02000000000000000000" pitchFamily="50" charset="-127"/>
-              </a:rPr>
               <a:t>문제풀이</a:t>
             </a:r>
             <a:r>
-              <a:rPr lang="en-US" altLang="ko-KR" sz="5400" spc="-300" smtClean="0">
+              <a:rPr lang="en-US" altLang="ko-KR" sz="5400" spc="-300">
                 <a:solidFill>
                   <a:srgbClr val="FF0000"/>
                 </a:solidFill>
@@ -18922,7 +19100,7 @@
           <p:cNvPr id="17" name="직선 연결선 16">
             <a:extLst>
               <a:ext uri="{FF2B5EF4-FFF2-40B4-BE49-F238E27FC236}">
-                <a16:creationId xmlns:a16="http://schemas.microsoft.com/office/drawing/2014/main" xmlns="" id="{DDFA97EB-659B-5D0A-D41B-496A6FF66D9E}"/>
+                <a16:creationId xmlns:a16="http://schemas.microsoft.com/office/drawing/2014/main" id="{DDFA97EB-659B-5D0A-D41B-496A6FF66D9E}"/>
               </a:ext>
             </a:extLst>
           </p:cNvPr>
@@ -18965,7 +19143,7 @@
           <p:cNvPr id="18" name="직사각형 17">
             <a:extLst>
               <a:ext uri="{FF2B5EF4-FFF2-40B4-BE49-F238E27FC236}">
-                <a16:creationId xmlns:a16="http://schemas.microsoft.com/office/drawing/2014/main" xmlns="" id="{361FA442-8171-4EBF-65A2-19C90654959D}"/>
+                <a16:creationId xmlns:a16="http://schemas.microsoft.com/office/drawing/2014/main" id="{361FA442-8171-4EBF-65A2-19C90654959D}"/>
               </a:ext>
             </a:extLst>
           </p:cNvPr>
@@ -19103,7 +19281,7 @@
 </p:sld>
 </file>
 
-<file path=ppt/slides/slide42.xml><?xml version="1.0" encoding="utf-8"?>
+<file path=ppt/slides/slide43.xml><?xml version="1.0" encoding="utf-8"?>
 <p:sld xmlns:a="http://schemas.openxmlformats.org/drawingml/2006/main" xmlns:r="http://schemas.openxmlformats.org/officeDocument/2006/relationships" xmlns:p="http://schemas.openxmlformats.org/presentationml/2006/main">
   <p:cSld>
     <p:spTree>
@@ -19125,7 +19303,7 @@
           <p:cNvPr id="4" name="TextBox 3">
             <a:extLst>
               <a:ext uri="{FF2B5EF4-FFF2-40B4-BE49-F238E27FC236}">
-                <a16:creationId xmlns:a16="http://schemas.microsoft.com/office/drawing/2014/main" xmlns="" id="{52176D31-35F7-8916-46FA-6095EFEC1E49}"/>
+                <a16:creationId xmlns:a16="http://schemas.microsoft.com/office/drawing/2014/main" id="{52176D31-35F7-8916-46FA-6095EFEC1E49}"/>
               </a:ext>
             </a:extLst>
           </p:cNvPr>
@@ -19149,7 +19327,7 @@
           <a:lstStyle/>
           <a:p>
             <a:r>
-              <a:rPr lang="ko-KR" altLang="en-US" sz="2800" smtClean="0">
+              <a:rPr lang="ko-KR" altLang="en-US" sz="2800">
                 <a:solidFill>
                   <a:srgbClr val="4C50BB"/>
                 </a:solidFill>
@@ -19561,7 +19739,7 @@
               <a:t>보자</a:t>
             </a:r>
             <a:r>
-              <a:rPr lang="en-US" altLang="ko-KR" sz="2800" smtClean="0">
+              <a:rPr lang="en-US" altLang="ko-KR" sz="2800">
                 <a:solidFill>
                   <a:schemeClr val="bg1">
                     <a:lumMod val="50000"/>
@@ -19579,7 +19757,7 @@
               <a:buChar char="-"/>
             </a:pPr>
             <a:r>
-              <a:rPr lang="en-US" altLang="ko-KR" sz="2800" smtClean="0">
+              <a:rPr lang="en-US" altLang="ko-KR" sz="2800">
                 <a:solidFill>
                   <a:schemeClr val="bg1">
                     <a:lumMod val="50000"/>
@@ -19591,7 +19769,7 @@
               <a:t>JSONObject sendMsg; </a:t>
             </a:r>
             <a:r>
-              <a:rPr lang="ko-KR" altLang="en-US" sz="2800" smtClean="0">
+              <a:rPr lang="ko-KR" altLang="en-US" sz="2800">
                 <a:solidFill>
                   <a:schemeClr val="bg1">
                     <a:lumMod val="50000"/>
@@ -19603,7 +19781,7 @@
               <a:t>멤버변수를 추가하여 대화내역을 관리하자</a:t>
             </a:r>
             <a:r>
-              <a:rPr lang="en-US" altLang="ko-KR" sz="2800" smtClean="0">
+              <a:rPr lang="en-US" altLang="ko-KR" sz="2800">
                 <a:solidFill>
                   <a:schemeClr val="bg1">
                     <a:lumMod val="50000"/>
@@ -19702,7 +19880,7 @@
           <p:cNvPr id="6" name="직선 화살표 연결선 5">
             <a:extLst>
               <a:ext uri="{FF2B5EF4-FFF2-40B4-BE49-F238E27FC236}">
-                <a16:creationId xmlns:a16="http://schemas.microsoft.com/office/drawing/2014/main" xmlns="" id="{299DF5EC-9DF4-5255-06AC-0A7CE4FF58C3}"/>
+                <a16:creationId xmlns:a16="http://schemas.microsoft.com/office/drawing/2014/main" id="{299DF5EC-9DF4-5255-06AC-0A7CE4FF58C3}"/>
               </a:ext>
             </a:extLst>
           </p:cNvPr>
@@ -19743,7 +19921,7 @@
           <p:cNvPr id="7" name="직사각형 6">
             <a:extLst>
               <a:ext uri="{FF2B5EF4-FFF2-40B4-BE49-F238E27FC236}">
-                <a16:creationId xmlns:a16="http://schemas.microsoft.com/office/drawing/2014/main" xmlns="" id="{FFF506F9-840A-0508-4CAF-3AC711D8D5CE}"/>
+                <a16:creationId xmlns:a16="http://schemas.microsoft.com/office/drawing/2014/main" id="{FFF506F9-840A-0508-4CAF-3AC711D8D5CE}"/>
               </a:ext>
             </a:extLst>
           </p:cNvPr>
@@ -19795,7 +19973,7 @@
           <p:cNvPr id="9" name="TextBox 8">
             <a:extLst>
               <a:ext uri="{FF2B5EF4-FFF2-40B4-BE49-F238E27FC236}">
-                <a16:creationId xmlns:a16="http://schemas.microsoft.com/office/drawing/2014/main" xmlns="" id="{69196D22-2A4C-4EF6-5A42-2031D7FEF549}"/>
+                <a16:creationId xmlns:a16="http://schemas.microsoft.com/office/drawing/2014/main" id="{69196D22-2A4C-4EF6-5A42-2031D7FEF549}"/>
               </a:ext>
             </a:extLst>
           </p:cNvPr>
@@ -19819,7 +19997,7 @@
           <a:lstStyle/>
           <a:p>
             <a:r>
-              <a:rPr lang="en-US" altLang="ko-KR" sz="5400" spc="-300" smtClean="0">
+              <a:rPr lang="en-US" altLang="ko-KR" sz="5400" spc="-300">
                 <a:solidFill>
                   <a:srgbClr val="4C50BC"/>
                 </a:solidFill>
@@ -19829,7 +20007,7 @@
               <a:t>10. </a:t>
             </a:r>
             <a:r>
-              <a:rPr lang="ko-KR" altLang="en-US" sz="5400" spc="-300" smtClean="0">
+              <a:rPr lang="ko-KR" altLang="en-US" sz="5400" spc="-300">
                 <a:solidFill>
                   <a:srgbClr val="4C50BC"/>
                 </a:solidFill>
@@ -19839,7 +20017,7 @@
               <a:t>실습문제</a:t>
             </a:r>
             <a:r>
-              <a:rPr lang="en-US" altLang="ko-KR" sz="5400" spc="-300" smtClean="0">
+              <a:rPr lang="en-US" altLang="ko-KR" sz="5400" spc="-300">
                 <a:solidFill>
                   <a:srgbClr val="FF0000"/>
                 </a:solidFill>
@@ -19863,7 +20041,7 @@
           <p:cNvPr id="10" name="직선 연결선 9">
             <a:extLst>
               <a:ext uri="{FF2B5EF4-FFF2-40B4-BE49-F238E27FC236}">
-                <a16:creationId xmlns:a16="http://schemas.microsoft.com/office/drawing/2014/main" xmlns="" id="{DDFA97EB-659B-5D0A-D41B-496A6FF66D9E}"/>
+                <a16:creationId xmlns:a16="http://schemas.microsoft.com/office/drawing/2014/main" id="{DDFA97EB-659B-5D0A-D41B-496A6FF66D9E}"/>
               </a:ext>
             </a:extLst>
           </p:cNvPr>
@@ -19914,7 +20092,7 @@
 </p:sld>
 </file>
 
-<file path=ppt/slides/slide43.xml><?xml version="1.0" encoding="utf-8"?>
+<file path=ppt/slides/slide44.xml><?xml version="1.0" encoding="utf-8"?>
 <p:sld xmlns:a="http://schemas.openxmlformats.org/drawingml/2006/main" xmlns:r="http://schemas.openxmlformats.org/officeDocument/2006/relationships" xmlns:p="http://schemas.openxmlformats.org/presentationml/2006/main">
   <p:cSld>
     <p:spTree>
@@ -19936,7 +20114,7 @@
           <p:cNvPr id="8" name="그림 7">
             <a:extLst>
               <a:ext uri="{FF2B5EF4-FFF2-40B4-BE49-F238E27FC236}">
-                <a16:creationId xmlns:a16="http://schemas.microsoft.com/office/drawing/2014/main" xmlns="" id="{A3CC94B1-4174-F2EB-16D9-4E03640237B2}"/>
+                <a16:creationId xmlns:a16="http://schemas.microsoft.com/office/drawing/2014/main" id="{A3CC94B1-4174-F2EB-16D9-4E03640237B2}"/>
               </a:ext>
             </a:extLst>
           </p:cNvPr>
@@ -19966,7 +20144,7 @@
           <p:cNvPr id="9" name="직선 화살표 연결선 8">
             <a:extLst>
               <a:ext uri="{FF2B5EF4-FFF2-40B4-BE49-F238E27FC236}">
-                <a16:creationId xmlns:a16="http://schemas.microsoft.com/office/drawing/2014/main" xmlns="" id="{E67C432A-823B-39E6-CB3F-2093108CC5CF}"/>
+                <a16:creationId xmlns:a16="http://schemas.microsoft.com/office/drawing/2014/main" id="{E67C432A-823B-39E6-CB3F-2093108CC5CF}"/>
               </a:ext>
             </a:extLst>
           </p:cNvPr>
@@ -20007,7 +20185,7 @@
           <p:cNvPr id="10" name="직사각형 9">
             <a:extLst>
               <a:ext uri="{FF2B5EF4-FFF2-40B4-BE49-F238E27FC236}">
-                <a16:creationId xmlns:a16="http://schemas.microsoft.com/office/drawing/2014/main" xmlns="" id="{060AD2B0-ED96-D68B-B49E-C2A5608DCE7A}"/>
+                <a16:creationId xmlns:a16="http://schemas.microsoft.com/office/drawing/2014/main" id="{060AD2B0-ED96-D68B-B49E-C2A5608DCE7A}"/>
               </a:ext>
             </a:extLst>
           </p:cNvPr>
@@ -20059,7 +20237,7 @@
           <p:cNvPr id="11" name="TextBox 10">
             <a:extLst>
               <a:ext uri="{FF2B5EF4-FFF2-40B4-BE49-F238E27FC236}">
-                <a16:creationId xmlns:a16="http://schemas.microsoft.com/office/drawing/2014/main" xmlns="" id="{726B62C5-F008-1434-1C3F-CFB1E05DF429}"/>
+                <a16:creationId xmlns:a16="http://schemas.microsoft.com/office/drawing/2014/main" id="{726B62C5-F008-1434-1C3F-CFB1E05DF429}"/>
               </a:ext>
             </a:extLst>
           </p:cNvPr>
@@ -20140,7 +20318,7 @@
           <p:cNvPr id="12" name="직선 화살표 연결선 11">
             <a:extLst>
               <a:ext uri="{FF2B5EF4-FFF2-40B4-BE49-F238E27FC236}">
-                <a16:creationId xmlns:a16="http://schemas.microsoft.com/office/drawing/2014/main" xmlns="" id="{696D88A0-EBFA-66AD-476C-BB7A4D448270}"/>
+                <a16:creationId xmlns:a16="http://schemas.microsoft.com/office/drawing/2014/main" id="{696D88A0-EBFA-66AD-476C-BB7A4D448270}"/>
               </a:ext>
             </a:extLst>
           </p:cNvPr>
@@ -20181,7 +20359,7 @@
           <p:cNvPr id="13" name="직사각형 12">
             <a:extLst>
               <a:ext uri="{FF2B5EF4-FFF2-40B4-BE49-F238E27FC236}">
-                <a16:creationId xmlns:a16="http://schemas.microsoft.com/office/drawing/2014/main" xmlns="" id="{C1CDA1CF-C0A6-C495-1A03-4DDE36C4D517}"/>
+                <a16:creationId xmlns:a16="http://schemas.microsoft.com/office/drawing/2014/main" id="{C1CDA1CF-C0A6-C495-1A03-4DDE36C4D517}"/>
               </a:ext>
             </a:extLst>
           </p:cNvPr>
@@ -20233,7 +20411,7 @@
           <p:cNvPr id="14" name="TextBox 13">
             <a:extLst>
               <a:ext uri="{FF2B5EF4-FFF2-40B4-BE49-F238E27FC236}">
-                <a16:creationId xmlns:a16="http://schemas.microsoft.com/office/drawing/2014/main" xmlns="" id="{BCDB2599-9D21-75DE-0264-0FB8340D66E8}"/>
+                <a16:creationId xmlns:a16="http://schemas.microsoft.com/office/drawing/2014/main" id="{BCDB2599-9D21-75DE-0264-0FB8340D66E8}"/>
               </a:ext>
             </a:extLst>
           </p:cNvPr>
@@ -20314,7 +20492,7 @@
           <p:cNvPr id="15" name="TextBox 14">
             <a:extLst>
               <a:ext uri="{FF2B5EF4-FFF2-40B4-BE49-F238E27FC236}">
-                <a16:creationId xmlns:a16="http://schemas.microsoft.com/office/drawing/2014/main" xmlns="" id="{69196D22-2A4C-4EF6-5A42-2031D7FEF549}"/>
+                <a16:creationId xmlns:a16="http://schemas.microsoft.com/office/drawing/2014/main" id="{69196D22-2A4C-4EF6-5A42-2031D7FEF549}"/>
               </a:ext>
             </a:extLst>
           </p:cNvPr>
@@ -20338,7 +20516,7 @@
           <a:lstStyle/>
           <a:p>
             <a:r>
-              <a:rPr lang="en-US" altLang="ko-KR" sz="5400" spc="-300" smtClean="0">
+              <a:rPr lang="en-US" altLang="ko-KR" sz="5400" spc="-300">
                 <a:solidFill>
                   <a:srgbClr val="4C50BC"/>
                 </a:solidFill>
@@ -20348,7 +20526,7 @@
               <a:t>10. </a:t>
             </a:r>
             <a:r>
-              <a:rPr lang="ko-KR" altLang="en-US" sz="5400" spc="-300" smtClean="0">
+              <a:rPr lang="ko-KR" altLang="en-US" sz="5400" spc="-300">
                 <a:solidFill>
                   <a:srgbClr val="4C50BC"/>
                 </a:solidFill>
@@ -20358,7 +20536,7 @@
               <a:t>문제풀이</a:t>
             </a:r>
             <a:r>
-              <a:rPr lang="en-US" altLang="ko-KR" sz="5400" spc="-300" smtClean="0">
+              <a:rPr lang="en-US" altLang="ko-KR" sz="5400" spc="-300">
                 <a:solidFill>
                   <a:srgbClr val="FF0000"/>
                 </a:solidFill>
@@ -20382,7 +20560,7 @@
           <p:cNvPr id="16" name="직선 연결선 15">
             <a:extLst>
               <a:ext uri="{FF2B5EF4-FFF2-40B4-BE49-F238E27FC236}">
-                <a16:creationId xmlns:a16="http://schemas.microsoft.com/office/drawing/2014/main" xmlns="" id="{DDFA97EB-659B-5D0A-D41B-496A6FF66D9E}"/>
+                <a16:creationId xmlns:a16="http://schemas.microsoft.com/office/drawing/2014/main" id="{DDFA97EB-659B-5D0A-D41B-496A6FF66D9E}"/>
               </a:ext>
             </a:extLst>
           </p:cNvPr>
@@ -20425,7 +20603,7 @@
           <p:cNvPr id="18" name="TextBox 17">
             <a:extLst>
               <a:ext uri="{FF2B5EF4-FFF2-40B4-BE49-F238E27FC236}">
-                <a16:creationId xmlns:a16="http://schemas.microsoft.com/office/drawing/2014/main" xmlns="" id="{B1C05CB3-45A9-FA20-A8E0-BE6F095B8777}"/>
+                <a16:creationId xmlns:a16="http://schemas.microsoft.com/office/drawing/2014/main" id="{B1C05CB3-45A9-FA20-A8E0-BE6F095B8777}"/>
               </a:ext>
             </a:extLst>
           </p:cNvPr>
@@ -20453,7 +20631,7 @@
               <a:buChar char="•"/>
             </a:pPr>
             <a:r>
-              <a:rPr lang="ko-KR" altLang="en-US" sz="3600" smtClean="0">
+              <a:rPr lang="ko-KR" altLang="en-US" sz="3600">
                 <a:solidFill>
                   <a:schemeClr val="tx1">
                     <a:lumMod val="50000"/>
@@ -20466,7 +20644,7 @@
               <a:t>생성자에서 전송해야할 메시지 형태대로 키값 </a:t>
             </a:r>
             <a:r>
-              <a:rPr lang="en-US" altLang="ko-KR" sz="3600" smtClean="0">
+              <a:rPr lang="en-US" altLang="ko-KR" sz="3600">
                 <a:solidFill>
                   <a:schemeClr val="tx1">
                     <a:lumMod val="50000"/>
@@ -20479,7 +20657,7 @@
               <a:t>model </a:t>
             </a:r>
             <a:r>
-              <a:rPr lang="ko-KR" altLang="en-US" sz="3600" smtClean="0">
+              <a:rPr lang="ko-KR" altLang="en-US" sz="3600">
                 <a:solidFill>
                   <a:schemeClr val="tx1">
                     <a:lumMod val="50000"/>
@@ -20492,7 +20670,7 @@
               <a:t>과 </a:t>
             </a:r>
             <a:r>
-              <a:rPr lang="en-US" altLang="ko-KR" sz="3600" smtClean="0">
+              <a:rPr lang="en-US" altLang="ko-KR" sz="3600">
                 <a:solidFill>
                   <a:schemeClr val="tx1">
                     <a:lumMod val="50000"/>
@@ -20505,7 +20683,7 @@
               <a:t>messages</a:t>
             </a:r>
             <a:r>
-              <a:rPr lang="ko-KR" altLang="en-US" sz="3600" smtClean="0">
+              <a:rPr lang="ko-KR" altLang="en-US" sz="3600">
                 <a:solidFill>
                   <a:schemeClr val="tx1">
                     <a:lumMod val="50000"/>
@@ -20535,7 +20713,7 @@
           <p:cNvPr id="19" name="직사각형 18">
             <a:extLst>
               <a:ext uri="{FF2B5EF4-FFF2-40B4-BE49-F238E27FC236}">
-                <a16:creationId xmlns:a16="http://schemas.microsoft.com/office/drawing/2014/main" xmlns="" id="{361FA442-8171-4EBF-65A2-19C90654959D}"/>
+                <a16:creationId xmlns:a16="http://schemas.microsoft.com/office/drawing/2014/main" id="{361FA442-8171-4EBF-65A2-19C90654959D}"/>
               </a:ext>
             </a:extLst>
           </p:cNvPr>
@@ -20673,7 +20851,7 @@
 </p:sld>
 </file>
 
-<file path=ppt/slides/slide44.xml><?xml version="1.0" encoding="utf-8"?>
+<file path=ppt/slides/slide45.xml><?xml version="1.0" encoding="utf-8"?>
 <p:sld xmlns:a="http://schemas.openxmlformats.org/drawingml/2006/main" xmlns:r="http://schemas.openxmlformats.org/officeDocument/2006/relationships" xmlns:p="http://schemas.openxmlformats.org/presentationml/2006/main">
   <p:cSld>
     <p:spTree>
@@ -20695,7 +20873,7 @@
           <p:cNvPr id="4" name="그림 3">
             <a:extLst>
               <a:ext uri="{FF2B5EF4-FFF2-40B4-BE49-F238E27FC236}">
-                <a16:creationId xmlns:a16="http://schemas.microsoft.com/office/drawing/2014/main" xmlns="" id="{1ACE2E77-F1F1-71C1-12D5-7CBEA6C13739}"/>
+                <a16:creationId xmlns:a16="http://schemas.microsoft.com/office/drawing/2014/main" id="{1ACE2E77-F1F1-71C1-12D5-7CBEA6C13739}"/>
               </a:ext>
             </a:extLst>
           </p:cNvPr>
@@ -20725,7 +20903,7 @@
           <p:cNvPr id="5" name="직선 화살표 연결선 4">
             <a:extLst>
               <a:ext uri="{FF2B5EF4-FFF2-40B4-BE49-F238E27FC236}">
-                <a16:creationId xmlns:a16="http://schemas.microsoft.com/office/drawing/2014/main" xmlns="" id="{86CCE7CC-A735-B579-BD40-6F0731751E8F}"/>
+                <a16:creationId xmlns:a16="http://schemas.microsoft.com/office/drawing/2014/main" id="{86CCE7CC-A735-B579-BD40-6F0731751E8F}"/>
               </a:ext>
             </a:extLst>
           </p:cNvPr>
@@ -20766,7 +20944,7 @@
           <p:cNvPr id="6" name="직사각형 5">
             <a:extLst>
               <a:ext uri="{FF2B5EF4-FFF2-40B4-BE49-F238E27FC236}">
-                <a16:creationId xmlns:a16="http://schemas.microsoft.com/office/drawing/2014/main" xmlns="" id="{A40CD881-93AE-640C-C0FF-45FFD6B0F99C}"/>
+                <a16:creationId xmlns:a16="http://schemas.microsoft.com/office/drawing/2014/main" id="{A40CD881-93AE-640C-C0FF-45FFD6B0F99C}"/>
               </a:ext>
             </a:extLst>
           </p:cNvPr>
@@ -20818,7 +20996,7 @@
           <p:cNvPr id="7" name="TextBox 6">
             <a:extLst>
               <a:ext uri="{FF2B5EF4-FFF2-40B4-BE49-F238E27FC236}">
-                <a16:creationId xmlns:a16="http://schemas.microsoft.com/office/drawing/2014/main" xmlns="" id="{3CFD8AB3-8CDF-A471-7E07-D0DBC3BBF9A0}"/>
+                <a16:creationId xmlns:a16="http://schemas.microsoft.com/office/drawing/2014/main" id="{3CFD8AB3-8CDF-A471-7E07-D0DBC3BBF9A0}"/>
               </a:ext>
             </a:extLst>
           </p:cNvPr>
@@ -20929,7 +21107,7 @@
           <p:cNvPr id="9" name="직선 화살표 연결선 8">
             <a:extLst>
               <a:ext uri="{FF2B5EF4-FFF2-40B4-BE49-F238E27FC236}">
-                <a16:creationId xmlns:a16="http://schemas.microsoft.com/office/drawing/2014/main" xmlns="" id="{16C8FF51-987B-3FA5-8349-DC95A224992B}"/>
+                <a16:creationId xmlns:a16="http://schemas.microsoft.com/office/drawing/2014/main" id="{16C8FF51-987B-3FA5-8349-DC95A224992B}"/>
               </a:ext>
             </a:extLst>
           </p:cNvPr>
@@ -20970,7 +21148,7 @@
           <p:cNvPr id="10" name="직사각형 9">
             <a:extLst>
               <a:ext uri="{FF2B5EF4-FFF2-40B4-BE49-F238E27FC236}">
-                <a16:creationId xmlns:a16="http://schemas.microsoft.com/office/drawing/2014/main" xmlns="" id="{66433DC1-ACF8-A4B4-D598-0FCAACF0C863}"/>
+                <a16:creationId xmlns:a16="http://schemas.microsoft.com/office/drawing/2014/main" id="{66433DC1-ACF8-A4B4-D598-0FCAACF0C863}"/>
               </a:ext>
             </a:extLst>
           </p:cNvPr>
@@ -21022,7 +21200,7 @@
           <p:cNvPr id="11" name="TextBox 10">
             <a:extLst>
               <a:ext uri="{FF2B5EF4-FFF2-40B4-BE49-F238E27FC236}">
-                <a16:creationId xmlns:a16="http://schemas.microsoft.com/office/drawing/2014/main" xmlns="" id="{9B32DE82-2B8C-781D-A8A6-097B62EAB180}"/>
+                <a16:creationId xmlns:a16="http://schemas.microsoft.com/office/drawing/2014/main" id="{9B32DE82-2B8C-781D-A8A6-097B62EAB180}"/>
               </a:ext>
             </a:extLst>
           </p:cNvPr>
@@ -21103,7 +21281,7 @@
           <p:cNvPr id="12" name="직선 화살표 연결선 11">
             <a:extLst>
               <a:ext uri="{FF2B5EF4-FFF2-40B4-BE49-F238E27FC236}">
-                <a16:creationId xmlns:a16="http://schemas.microsoft.com/office/drawing/2014/main" xmlns="" id="{FD39E826-3467-0974-6767-443EED3CF078}"/>
+                <a16:creationId xmlns:a16="http://schemas.microsoft.com/office/drawing/2014/main" id="{FD39E826-3467-0974-6767-443EED3CF078}"/>
               </a:ext>
             </a:extLst>
           </p:cNvPr>
@@ -21144,7 +21322,7 @@
           <p:cNvPr id="13" name="직사각형 12">
             <a:extLst>
               <a:ext uri="{FF2B5EF4-FFF2-40B4-BE49-F238E27FC236}">
-                <a16:creationId xmlns:a16="http://schemas.microsoft.com/office/drawing/2014/main" xmlns="" id="{DCE5C993-8D64-A751-7B94-28B38EE0B546}"/>
+                <a16:creationId xmlns:a16="http://schemas.microsoft.com/office/drawing/2014/main" id="{DCE5C993-8D64-A751-7B94-28B38EE0B546}"/>
               </a:ext>
             </a:extLst>
           </p:cNvPr>
@@ -21196,7 +21374,7 @@
           <p:cNvPr id="14" name="TextBox 13">
             <a:extLst>
               <a:ext uri="{FF2B5EF4-FFF2-40B4-BE49-F238E27FC236}">
-                <a16:creationId xmlns:a16="http://schemas.microsoft.com/office/drawing/2014/main" xmlns="" id="{EF3EE8D4-C485-79A8-0B36-3170007A76CB}"/>
+                <a16:creationId xmlns:a16="http://schemas.microsoft.com/office/drawing/2014/main" id="{EF3EE8D4-C485-79A8-0B36-3170007A76CB}"/>
               </a:ext>
             </a:extLst>
           </p:cNvPr>
@@ -21297,7 +21475,7 @@
           <p:cNvPr id="15" name="TextBox 14">
             <a:extLst>
               <a:ext uri="{FF2B5EF4-FFF2-40B4-BE49-F238E27FC236}">
-                <a16:creationId xmlns:a16="http://schemas.microsoft.com/office/drawing/2014/main" xmlns="" id="{69196D22-2A4C-4EF6-5A42-2031D7FEF549}"/>
+                <a16:creationId xmlns:a16="http://schemas.microsoft.com/office/drawing/2014/main" id="{69196D22-2A4C-4EF6-5A42-2031D7FEF549}"/>
               </a:ext>
             </a:extLst>
           </p:cNvPr>
@@ -21321,7 +21499,7 @@
           <a:lstStyle/>
           <a:p>
             <a:r>
-              <a:rPr lang="en-US" altLang="ko-KR" sz="5400" spc="-300" smtClean="0">
+              <a:rPr lang="en-US" altLang="ko-KR" sz="5400" spc="-300">
                 <a:solidFill>
                   <a:srgbClr val="4C50BC"/>
                 </a:solidFill>
@@ -21331,7 +21509,7 @@
               <a:t>10. </a:t>
             </a:r>
             <a:r>
-              <a:rPr lang="ko-KR" altLang="en-US" sz="5400" spc="-300" smtClean="0">
+              <a:rPr lang="ko-KR" altLang="en-US" sz="5400" spc="-300">
                 <a:solidFill>
                   <a:srgbClr val="4C50BC"/>
                 </a:solidFill>
@@ -21341,7 +21519,7 @@
               <a:t>문제풀이</a:t>
             </a:r>
             <a:r>
-              <a:rPr lang="en-US" altLang="ko-KR" sz="5400" spc="-300" smtClean="0">
+              <a:rPr lang="en-US" altLang="ko-KR" sz="5400" spc="-300">
                 <a:solidFill>
                   <a:srgbClr val="FF0000"/>
                 </a:solidFill>
@@ -21365,7 +21543,7 @@
           <p:cNvPr id="17" name="직선 연결선 16">
             <a:extLst>
               <a:ext uri="{FF2B5EF4-FFF2-40B4-BE49-F238E27FC236}">
-                <a16:creationId xmlns:a16="http://schemas.microsoft.com/office/drawing/2014/main" xmlns="" id="{DDFA97EB-659B-5D0A-D41B-496A6FF66D9E}"/>
+                <a16:creationId xmlns:a16="http://schemas.microsoft.com/office/drawing/2014/main" id="{DDFA97EB-659B-5D0A-D41B-496A6FF66D9E}"/>
               </a:ext>
             </a:extLst>
           </p:cNvPr>
@@ -21408,7 +21586,7 @@
           <p:cNvPr id="18" name="직사각형 17">
             <a:extLst>
               <a:ext uri="{FF2B5EF4-FFF2-40B4-BE49-F238E27FC236}">
-                <a16:creationId xmlns:a16="http://schemas.microsoft.com/office/drawing/2014/main" xmlns="" id="{361FA442-8171-4EBF-65A2-19C90654959D}"/>
+                <a16:creationId xmlns:a16="http://schemas.microsoft.com/office/drawing/2014/main" id="{361FA442-8171-4EBF-65A2-19C90654959D}"/>
               </a:ext>
             </a:extLst>
           </p:cNvPr>
@@ -21546,7 +21724,7 @@
 </p:sld>
 </file>
 
-<file path=ppt/slides/slide45.xml><?xml version="1.0" encoding="utf-8"?>
+<file path=ppt/slides/slide46.xml><?xml version="1.0" encoding="utf-8"?>
 <p:sld xmlns:a="http://schemas.openxmlformats.org/drawingml/2006/main" xmlns:r="http://schemas.openxmlformats.org/officeDocument/2006/relationships" xmlns:p="http://schemas.openxmlformats.org/presentationml/2006/main">
   <p:cSld>
     <p:spTree>
@@ -21568,7 +21746,7 @@
           <p:cNvPr id="5" name="그림 4">
             <a:extLst>
               <a:ext uri="{FF2B5EF4-FFF2-40B4-BE49-F238E27FC236}">
-                <a16:creationId xmlns:a16="http://schemas.microsoft.com/office/drawing/2014/main" xmlns="" id="{5CF412A2-F998-DB6B-33E3-B2CD45026E12}"/>
+                <a16:creationId xmlns:a16="http://schemas.microsoft.com/office/drawing/2014/main" id="{5CF412A2-F998-DB6B-33E3-B2CD45026E12}"/>
               </a:ext>
             </a:extLst>
           </p:cNvPr>
@@ -21598,7 +21776,7 @@
           <p:cNvPr id="6" name="직선 화살표 연결선 5">
             <a:extLst>
               <a:ext uri="{FF2B5EF4-FFF2-40B4-BE49-F238E27FC236}">
-                <a16:creationId xmlns:a16="http://schemas.microsoft.com/office/drawing/2014/main" xmlns="" id="{6E36623E-3636-01A3-BBCF-6EC64793FD9C}"/>
+                <a16:creationId xmlns:a16="http://schemas.microsoft.com/office/drawing/2014/main" id="{6E36623E-3636-01A3-BBCF-6EC64793FD9C}"/>
               </a:ext>
             </a:extLst>
           </p:cNvPr>
@@ -21639,7 +21817,7 @@
           <p:cNvPr id="7" name="직사각형 6">
             <a:extLst>
               <a:ext uri="{FF2B5EF4-FFF2-40B4-BE49-F238E27FC236}">
-                <a16:creationId xmlns:a16="http://schemas.microsoft.com/office/drawing/2014/main" xmlns="" id="{C10624BD-5B05-58C0-4C28-4DF4DDADD450}"/>
+                <a16:creationId xmlns:a16="http://schemas.microsoft.com/office/drawing/2014/main" id="{C10624BD-5B05-58C0-4C28-4DF4DDADD450}"/>
               </a:ext>
             </a:extLst>
           </p:cNvPr>
@@ -21691,7 +21869,7 @@
           <p:cNvPr id="8" name="TextBox 7">
             <a:extLst>
               <a:ext uri="{FF2B5EF4-FFF2-40B4-BE49-F238E27FC236}">
-                <a16:creationId xmlns:a16="http://schemas.microsoft.com/office/drawing/2014/main" xmlns="" id="{272C4835-40CA-773E-22AD-F4F5D85D4E7C}"/>
+                <a16:creationId xmlns:a16="http://schemas.microsoft.com/office/drawing/2014/main" id="{272C4835-40CA-773E-22AD-F4F5D85D4E7C}"/>
               </a:ext>
             </a:extLst>
           </p:cNvPr>
@@ -21802,7 +21980,7 @@
           <p:cNvPr id="10" name="TextBox 9">
             <a:extLst>
               <a:ext uri="{FF2B5EF4-FFF2-40B4-BE49-F238E27FC236}">
-                <a16:creationId xmlns:a16="http://schemas.microsoft.com/office/drawing/2014/main" xmlns="" id="{69196D22-2A4C-4EF6-5A42-2031D7FEF549}"/>
+                <a16:creationId xmlns:a16="http://schemas.microsoft.com/office/drawing/2014/main" id="{69196D22-2A4C-4EF6-5A42-2031D7FEF549}"/>
               </a:ext>
             </a:extLst>
           </p:cNvPr>
@@ -21826,7 +22004,7 @@
           <a:lstStyle/>
           <a:p>
             <a:r>
-              <a:rPr lang="en-US" altLang="ko-KR" sz="5400" spc="-300" smtClean="0">
+              <a:rPr lang="en-US" altLang="ko-KR" sz="5400" spc="-300">
                 <a:solidFill>
                   <a:srgbClr val="4C50BC"/>
                 </a:solidFill>
@@ -21836,7 +22014,7 @@
               <a:t>10. </a:t>
             </a:r>
             <a:r>
-              <a:rPr lang="ko-KR" altLang="en-US" sz="5400" spc="-300" smtClean="0">
+              <a:rPr lang="ko-KR" altLang="en-US" sz="5400" spc="-300">
                 <a:solidFill>
                   <a:srgbClr val="4C50BC"/>
                 </a:solidFill>
@@ -21846,7 +22024,7 @@
               <a:t>문제풀이</a:t>
             </a:r>
             <a:r>
-              <a:rPr lang="en-US" altLang="ko-KR" sz="5400" spc="-300" smtClean="0">
+              <a:rPr lang="en-US" altLang="ko-KR" sz="5400" spc="-300">
                 <a:solidFill>
                   <a:srgbClr val="FF0000"/>
                 </a:solidFill>
@@ -21870,7 +22048,7 @@
           <p:cNvPr id="11" name="직선 연결선 10">
             <a:extLst>
               <a:ext uri="{FF2B5EF4-FFF2-40B4-BE49-F238E27FC236}">
-                <a16:creationId xmlns:a16="http://schemas.microsoft.com/office/drawing/2014/main" xmlns="" id="{DDFA97EB-659B-5D0A-D41B-496A6FF66D9E}"/>
+                <a16:creationId xmlns:a16="http://schemas.microsoft.com/office/drawing/2014/main" id="{DDFA97EB-659B-5D0A-D41B-496A6FF66D9E}"/>
               </a:ext>
             </a:extLst>
           </p:cNvPr>
@@ -21913,7 +22091,7 @@
           <p:cNvPr id="12" name="직사각형 11">
             <a:extLst>
               <a:ext uri="{FF2B5EF4-FFF2-40B4-BE49-F238E27FC236}">
-                <a16:creationId xmlns:a16="http://schemas.microsoft.com/office/drawing/2014/main" xmlns="" id="{361FA442-8171-4EBF-65A2-19C90654959D}"/>
+                <a16:creationId xmlns:a16="http://schemas.microsoft.com/office/drawing/2014/main" id="{361FA442-8171-4EBF-65A2-19C90654959D}"/>
               </a:ext>
             </a:extLst>
           </p:cNvPr>
@@ -22051,7 +22229,7 @@
 </p:sld>
 </file>
 
-<file path=ppt/slides/slide46.xml><?xml version="1.0" encoding="utf-8"?>
+<file path=ppt/slides/slide47.xml><?xml version="1.0" encoding="utf-8"?>
 <p:sld xmlns:a="http://schemas.openxmlformats.org/drawingml/2006/main" xmlns:r="http://schemas.openxmlformats.org/officeDocument/2006/relationships" xmlns:p="http://schemas.openxmlformats.org/presentationml/2006/main">
   <p:cSld>
     <p:spTree>
@@ -22073,7 +22251,7 @@
           <p:cNvPr id="5" name="그림 4">
             <a:extLst>
               <a:ext uri="{FF2B5EF4-FFF2-40B4-BE49-F238E27FC236}">
-                <a16:creationId xmlns:a16="http://schemas.microsoft.com/office/drawing/2014/main" xmlns="" id="{BCA03FDB-95CE-C608-E3F9-5A4957840F99}"/>
+                <a16:creationId xmlns:a16="http://schemas.microsoft.com/office/drawing/2014/main" id="{BCA03FDB-95CE-C608-E3F9-5A4957840F99}"/>
               </a:ext>
             </a:extLst>
           </p:cNvPr>
@@ -22103,7 +22281,7 @@
           <p:cNvPr id="8" name="직선 화살표 연결선 7">
             <a:extLst>
               <a:ext uri="{FF2B5EF4-FFF2-40B4-BE49-F238E27FC236}">
-                <a16:creationId xmlns:a16="http://schemas.microsoft.com/office/drawing/2014/main" xmlns="" id="{E88CB966-124D-AEB0-21D2-D242DF298ADF}"/>
+                <a16:creationId xmlns:a16="http://schemas.microsoft.com/office/drawing/2014/main" id="{E88CB966-124D-AEB0-21D2-D242DF298ADF}"/>
               </a:ext>
             </a:extLst>
           </p:cNvPr>
@@ -22144,7 +22322,7 @@
           <p:cNvPr id="9" name="직사각형 8">
             <a:extLst>
               <a:ext uri="{FF2B5EF4-FFF2-40B4-BE49-F238E27FC236}">
-                <a16:creationId xmlns:a16="http://schemas.microsoft.com/office/drawing/2014/main" xmlns="" id="{EBBEC844-03D2-DB3D-ED31-00C61AFD60F9}"/>
+                <a16:creationId xmlns:a16="http://schemas.microsoft.com/office/drawing/2014/main" id="{EBBEC844-03D2-DB3D-ED31-00C61AFD60F9}"/>
               </a:ext>
             </a:extLst>
           </p:cNvPr>
@@ -22196,7 +22374,7 @@
           <p:cNvPr id="10" name="TextBox 9">
             <a:extLst>
               <a:ext uri="{FF2B5EF4-FFF2-40B4-BE49-F238E27FC236}">
-                <a16:creationId xmlns:a16="http://schemas.microsoft.com/office/drawing/2014/main" xmlns="" id="{BC1BE785-9824-10C7-1EC9-04A3B7162C3E}"/>
+                <a16:creationId xmlns:a16="http://schemas.microsoft.com/office/drawing/2014/main" id="{BC1BE785-9824-10C7-1EC9-04A3B7162C3E}"/>
               </a:ext>
             </a:extLst>
           </p:cNvPr>
@@ -22307,7 +22485,7 @@
           <p:cNvPr id="7" name="TextBox 6">
             <a:extLst>
               <a:ext uri="{FF2B5EF4-FFF2-40B4-BE49-F238E27FC236}">
-                <a16:creationId xmlns:a16="http://schemas.microsoft.com/office/drawing/2014/main" xmlns="" id="{69196D22-2A4C-4EF6-5A42-2031D7FEF549}"/>
+                <a16:creationId xmlns:a16="http://schemas.microsoft.com/office/drawing/2014/main" id="{69196D22-2A4C-4EF6-5A42-2031D7FEF549}"/>
               </a:ext>
             </a:extLst>
           </p:cNvPr>
@@ -22331,7 +22509,7 @@
           <a:lstStyle/>
           <a:p>
             <a:r>
-              <a:rPr lang="en-US" altLang="ko-KR" sz="5400" spc="-300" smtClean="0">
+              <a:rPr lang="en-US" altLang="ko-KR" sz="5400" spc="-300">
                 <a:solidFill>
                   <a:srgbClr val="4C50BC"/>
                 </a:solidFill>
@@ -22341,7 +22519,7 @@
               <a:t>10. </a:t>
             </a:r>
             <a:r>
-              <a:rPr lang="ko-KR" altLang="en-US" sz="5400" spc="-300" smtClean="0">
+              <a:rPr lang="ko-KR" altLang="en-US" sz="5400" spc="-300">
                 <a:solidFill>
                   <a:srgbClr val="4C50BC"/>
                 </a:solidFill>
@@ -22351,7 +22529,7 @@
               <a:t>문제풀이</a:t>
             </a:r>
             <a:r>
-              <a:rPr lang="en-US" altLang="ko-KR" sz="5400" spc="-300" smtClean="0">
+              <a:rPr lang="en-US" altLang="ko-KR" sz="5400" spc="-300">
                 <a:solidFill>
                   <a:srgbClr val="FF0000"/>
                 </a:solidFill>
@@ -22375,7 +22553,7 @@
           <p:cNvPr id="12" name="직선 연결선 11">
             <a:extLst>
               <a:ext uri="{FF2B5EF4-FFF2-40B4-BE49-F238E27FC236}">
-                <a16:creationId xmlns:a16="http://schemas.microsoft.com/office/drawing/2014/main" xmlns="" id="{DDFA97EB-659B-5D0A-D41B-496A6FF66D9E}"/>
+                <a16:creationId xmlns:a16="http://schemas.microsoft.com/office/drawing/2014/main" id="{DDFA97EB-659B-5D0A-D41B-496A6FF66D9E}"/>
               </a:ext>
             </a:extLst>
           </p:cNvPr>
@@ -22418,7 +22596,7 @@
           <p:cNvPr id="13" name="직사각형 12">
             <a:extLst>
               <a:ext uri="{FF2B5EF4-FFF2-40B4-BE49-F238E27FC236}">
-                <a16:creationId xmlns:a16="http://schemas.microsoft.com/office/drawing/2014/main" xmlns="" id="{361FA442-8171-4EBF-65A2-19C90654959D}"/>
+                <a16:creationId xmlns:a16="http://schemas.microsoft.com/office/drawing/2014/main" id="{361FA442-8171-4EBF-65A2-19C90654959D}"/>
               </a:ext>
             </a:extLst>
           </p:cNvPr>
@@ -22556,7 +22734,7 @@
 </p:sld>
 </file>
 
-<file path=ppt/slides/slide47.xml><?xml version="1.0" encoding="utf-8"?>
+<file path=ppt/slides/slide48.xml><?xml version="1.0" encoding="utf-8"?>
 <p:sld xmlns:a="http://schemas.openxmlformats.org/drawingml/2006/main" xmlns:r="http://schemas.openxmlformats.org/officeDocument/2006/relationships" xmlns:p="http://schemas.openxmlformats.org/presentationml/2006/main">
   <p:cSld>
     <p:spTree>
@@ -22578,7 +22756,7 @@
           <p:cNvPr id="4" name="TextBox 3">
             <a:extLst>
               <a:ext uri="{FF2B5EF4-FFF2-40B4-BE49-F238E27FC236}">
-                <a16:creationId xmlns:a16="http://schemas.microsoft.com/office/drawing/2014/main" xmlns="" id="{52176D31-35F7-8916-46FA-6095EFEC1E49}"/>
+                <a16:creationId xmlns:a16="http://schemas.microsoft.com/office/drawing/2014/main" id="{52176D31-35F7-8916-46FA-6095EFEC1E49}"/>
               </a:ext>
             </a:extLst>
           </p:cNvPr>
@@ -22756,7 +22934,7 @@
               <a:t>따라서 </a:t>
             </a:r>
             <a:r>
-              <a:rPr lang="en-US" altLang="ko-KR" sz="2800" smtClean="0">
+              <a:rPr lang="en-US" altLang="ko-KR" sz="2800">
                 <a:solidFill>
                   <a:srgbClr val="4C50BB"/>
                 </a:solidFill>
@@ -22766,7 +22944,7 @@
               <a:t>URL </a:t>
             </a:r>
             <a:r>
-              <a:rPr lang="ko-KR" altLang="en-US" sz="2800" smtClean="0">
+              <a:rPr lang="ko-KR" altLang="en-US" sz="2800">
                 <a:solidFill>
                   <a:srgbClr val="4C50BB"/>
                 </a:solidFill>
@@ -22776,7 +22954,7 @@
               <a:t>주소를 </a:t>
             </a:r>
             <a:r>
-              <a:rPr lang="en-US" altLang="ko-KR" sz="2800" smtClean="0">
+              <a:rPr lang="en-US" altLang="ko-KR" sz="2800">
                 <a:solidFill>
                   <a:srgbClr val="4C50BB"/>
                 </a:solidFill>
@@ -23021,7 +23199,7 @@
           <p:cNvPr id="6" name="직사각형 5">
             <a:extLst>
               <a:ext uri="{FF2B5EF4-FFF2-40B4-BE49-F238E27FC236}">
-                <a16:creationId xmlns:a16="http://schemas.microsoft.com/office/drawing/2014/main" xmlns="" id="{FFF506F9-840A-0508-4CAF-3AC711D8D5CE}"/>
+                <a16:creationId xmlns:a16="http://schemas.microsoft.com/office/drawing/2014/main" id="{FFF506F9-840A-0508-4CAF-3AC711D8D5CE}"/>
               </a:ext>
             </a:extLst>
           </p:cNvPr>
@@ -23097,7 +23275,7 @@
           <p:cNvPr id="8" name="TextBox 7">
             <a:extLst>
               <a:ext uri="{FF2B5EF4-FFF2-40B4-BE49-F238E27FC236}">
-                <a16:creationId xmlns:a16="http://schemas.microsoft.com/office/drawing/2014/main" xmlns="" id="{69196D22-2A4C-4EF6-5A42-2031D7FEF549}"/>
+                <a16:creationId xmlns:a16="http://schemas.microsoft.com/office/drawing/2014/main" id="{69196D22-2A4C-4EF6-5A42-2031D7FEF549}"/>
               </a:ext>
             </a:extLst>
           </p:cNvPr>
@@ -23121,7 +23299,7 @@
           <a:lstStyle/>
           <a:p>
             <a:r>
-              <a:rPr lang="en-US" altLang="ko-KR" sz="5400" spc="-300" smtClean="0">
+              <a:rPr lang="en-US" altLang="ko-KR" sz="5400" spc="-300">
                 <a:solidFill>
                   <a:srgbClr val="4C50BC"/>
                 </a:solidFill>
@@ -23131,7 +23309,7 @@
               <a:t>11. </a:t>
             </a:r>
             <a:r>
-              <a:rPr lang="ko-KR" altLang="en-US" sz="5400" spc="-300" smtClean="0">
+              <a:rPr lang="ko-KR" altLang="en-US" sz="5400" spc="-300">
                 <a:solidFill>
                   <a:srgbClr val="4C50BC"/>
                 </a:solidFill>
@@ -23141,7 +23319,7 @@
               <a:t>실습문제</a:t>
             </a:r>
             <a:r>
-              <a:rPr lang="en-US" altLang="ko-KR" sz="5400" spc="-300" smtClean="0">
+              <a:rPr lang="en-US" altLang="ko-KR" sz="5400" spc="-300">
                 <a:solidFill>
                   <a:srgbClr val="FF0000"/>
                 </a:solidFill>
@@ -23165,7 +23343,7 @@
           <p:cNvPr id="9" name="직선 연결선 8">
             <a:extLst>
               <a:ext uri="{FF2B5EF4-FFF2-40B4-BE49-F238E27FC236}">
-                <a16:creationId xmlns:a16="http://schemas.microsoft.com/office/drawing/2014/main" xmlns="" id="{DDFA97EB-659B-5D0A-D41B-496A6FF66D9E}"/>
+                <a16:creationId xmlns:a16="http://schemas.microsoft.com/office/drawing/2014/main" id="{DDFA97EB-659B-5D0A-D41B-496A6FF66D9E}"/>
               </a:ext>
             </a:extLst>
           </p:cNvPr>
@@ -23208,7 +23386,7 @@
           <p:cNvPr id="10" name="그룹 1008">
             <a:extLst>
               <a:ext uri="{FF2B5EF4-FFF2-40B4-BE49-F238E27FC236}">
-                <a16:creationId xmlns:a16="http://schemas.microsoft.com/office/drawing/2014/main" xmlns="" id="{678F6342-C505-E8AD-ADA4-022CB2C2088E}"/>
+                <a16:creationId xmlns:a16="http://schemas.microsoft.com/office/drawing/2014/main" id="{678F6342-C505-E8AD-ADA4-022CB2C2088E}"/>
               </a:ext>
             </a:extLst>
           </p:cNvPr>
@@ -23228,7 +23406,7 @@
             <p:cNvPr id="11" name="그룹 1009">
               <a:extLst>
                 <a:ext uri="{FF2B5EF4-FFF2-40B4-BE49-F238E27FC236}">
-                  <a16:creationId xmlns:a16="http://schemas.microsoft.com/office/drawing/2014/main" xmlns="" id="{4E1F1FED-812B-9BBB-925A-84B54A077414}"/>
+                  <a16:creationId xmlns:a16="http://schemas.microsoft.com/office/drawing/2014/main" id="{4E1F1FED-812B-9BBB-925A-84B54A077414}"/>
                 </a:ext>
               </a:extLst>
             </p:cNvPr>
@@ -23248,7 +23426,7 @@
               <p:cNvPr id="16" name="Object 29">
                 <a:extLst>
                   <a:ext uri="{FF2B5EF4-FFF2-40B4-BE49-F238E27FC236}">
-                    <a16:creationId xmlns:a16="http://schemas.microsoft.com/office/drawing/2014/main" xmlns="" id="{7B078609-4286-7B00-51EB-809C8E2DE289}"/>
+                    <a16:creationId xmlns:a16="http://schemas.microsoft.com/office/drawing/2014/main" id="{7B078609-4286-7B00-51EB-809C8E2DE289}"/>
                   </a:ext>
                 </a:extLst>
               </p:cNvPr>
@@ -23279,7 +23457,7 @@
             <p:cNvPr id="12" name="그룹 1010">
               <a:extLst>
                 <a:ext uri="{FF2B5EF4-FFF2-40B4-BE49-F238E27FC236}">
-                  <a16:creationId xmlns:a16="http://schemas.microsoft.com/office/drawing/2014/main" xmlns="" id="{02A649BF-B5B5-FBAF-7DFD-E118A4DF8907}"/>
+                  <a16:creationId xmlns:a16="http://schemas.microsoft.com/office/drawing/2014/main" id="{02A649BF-B5B5-FBAF-7DFD-E118A4DF8907}"/>
                 </a:ext>
               </a:extLst>
             </p:cNvPr>
@@ -23299,7 +23477,7 @@
               <p:cNvPr id="15" name="Object 32">
                 <a:extLst>
                   <a:ext uri="{FF2B5EF4-FFF2-40B4-BE49-F238E27FC236}">
-                    <a16:creationId xmlns:a16="http://schemas.microsoft.com/office/drawing/2014/main" xmlns="" id="{2A0FFF23-B3C9-3EA0-1C1B-A87D4FF098AE}"/>
+                    <a16:creationId xmlns:a16="http://schemas.microsoft.com/office/drawing/2014/main" id="{2A0FFF23-B3C9-3EA0-1C1B-A87D4FF098AE}"/>
                   </a:ext>
                 </a:extLst>
               </p:cNvPr>
@@ -23330,7 +23508,7 @@
             <p:cNvPr id="13" name="그룹 1011">
               <a:extLst>
                 <a:ext uri="{FF2B5EF4-FFF2-40B4-BE49-F238E27FC236}">
-                  <a16:creationId xmlns:a16="http://schemas.microsoft.com/office/drawing/2014/main" xmlns="" id="{881F5410-F7FB-F261-A584-707359BAC593}"/>
+                  <a16:creationId xmlns:a16="http://schemas.microsoft.com/office/drawing/2014/main" id="{881F5410-F7FB-F261-A584-707359BAC593}"/>
                 </a:ext>
               </a:extLst>
             </p:cNvPr>
@@ -23350,7 +23528,7 @@
               <p:cNvPr id="14" name="Object 35">
                 <a:extLst>
                   <a:ext uri="{FF2B5EF4-FFF2-40B4-BE49-F238E27FC236}">
-                    <a16:creationId xmlns:a16="http://schemas.microsoft.com/office/drawing/2014/main" xmlns="" id="{4E99E669-73EB-F9F4-EFE8-DC107035C265}"/>
+                    <a16:creationId xmlns:a16="http://schemas.microsoft.com/office/drawing/2014/main" id="{4E99E669-73EB-F9F4-EFE8-DC107035C265}"/>
                   </a:ext>
                 </a:extLst>
               </p:cNvPr>
@@ -23382,7 +23560,7 @@
           <p:cNvPr id="17" name="직사각형 16">
             <a:extLst>
               <a:ext uri="{FF2B5EF4-FFF2-40B4-BE49-F238E27FC236}">
-                <a16:creationId xmlns:a16="http://schemas.microsoft.com/office/drawing/2014/main" xmlns="" id="{FFF506F9-840A-0508-4CAF-3AC711D8D5CE}"/>
+                <a16:creationId xmlns:a16="http://schemas.microsoft.com/office/drawing/2014/main" id="{FFF506F9-840A-0508-4CAF-3AC711D8D5CE}"/>
               </a:ext>
             </a:extLst>
           </p:cNvPr>
@@ -23442,7 +23620,7 @@
 </p:sld>
 </file>
 
-<file path=ppt/slides/slide48.xml><?xml version="1.0" encoding="utf-8"?>
+<file path=ppt/slides/slide49.xml><?xml version="1.0" encoding="utf-8"?>
 <p:sld xmlns:a="http://schemas.openxmlformats.org/drawingml/2006/main" xmlns:r="http://schemas.openxmlformats.org/officeDocument/2006/relationships" xmlns:p="http://schemas.openxmlformats.org/presentationml/2006/main">
   <p:cSld>
     <p:spTree>
@@ -23488,7 +23666,7 @@
           <p:cNvPr id="2" name="직선 화살표 연결선 1">
             <a:extLst>
               <a:ext uri="{FF2B5EF4-FFF2-40B4-BE49-F238E27FC236}">
-                <a16:creationId xmlns:a16="http://schemas.microsoft.com/office/drawing/2014/main" xmlns="" id="{29A43AB1-820B-FBBE-D423-68599C45B528}"/>
+                <a16:creationId xmlns:a16="http://schemas.microsoft.com/office/drawing/2014/main" id="{29A43AB1-820B-FBBE-D423-68599C45B528}"/>
               </a:ext>
             </a:extLst>
           </p:cNvPr>
@@ -23529,7 +23707,7 @@
           <p:cNvPr id="3" name="직사각형 2">
             <a:extLst>
               <a:ext uri="{FF2B5EF4-FFF2-40B4-BE49-F238E27FC236}">
-                <a16:creationId xmlns:a16="http://schemas.microsoft.com/office/drawing/2014/main" xmlns="" id="{AC0CFA31-AF2B-2CDB-69E5-E8F1DF24820D}"/>
+                <a16:creationId xmlns:a16="http://schemas.microsoft.com/office/drawing/2014/main" id="{AC0CFA31-AF2B-2CDB-69E5-E8F1DF24820D}"/>
               </a:ext>
             </a:extLst>
           </p:cNvPr>
@@ -23581,7 +23759,7 @@
           <p:cNvPr id="6" name="TextBox 5">
             <a:extLst>
               <a:ext uri="{FF2B5EF4-FFF2-40B4-BE49-F238E27FC236}">
-                <a16:creationId xmlns:a16="http://schemas.microsoft.com/office/drawing/2014/main" xmlns="" id="{0D40E269-0109-C383-D21B-31116B34560F}"/>
+                <a16:creationId xmlns:a16="http://schemas.microsoft.com/office/drawing/2014/main" id="{0D40E269-0109-C383-D21B-31116B34560F}"/>
               </a:ext>
             </a:extLst>
           </p:cNvPr>
@@ -23632,7 +23810,7 @@
           <p:cNvPr id="7" name="직선 화살표 연결선 6">
             <a:extLst>
               <a:ext uri="{FF2B5EF4-FFF2-40B4-BE49-F238E27FC236}">
-                <a16:creationId xmlns:a16="http://schemas.microsoft.com/office/drawing/2014/main" xmlns="" id="{3086DDD5-EBC2-B7F2-C1F7-31A037D04740}"/>
+                <a16:creationId xmlns:a16="http://schemas.microsoft.com/office/drawing/2014/main" id="{3086DDD5-EBC2-B7F2-C1F7-31A037D04740}"/>
               </a:ext>
             </a:extLst>
           </p:cNvPr>
@@ -23673,7 +23851,7 @@
           <p:cNvPr id="8" name="직사각형 7">
             <a:extLst>
               <a:ext uri="{FF2B5EF4-FFF2-40B4-BE49-F238E27FC236}">
-                <a16:creationId xmlns:a16="http://schemas.microsoft.com/office/drawing/2014/main" xmlns="" id="{AC902605-DC8E-C4D5-02BF-53D04E7D0789}"/>
+                <a16:creationId xmlns:a16="http://schemas.microsoft.com/office/drawing/2014/main" id="{AC902605-DC8E-C4D5-02BF-53D04E7D0789}"/>
               </a:ext>
             </a:extLst>
           </p:cNvPr>
@@ -23725,7 +23903,7 @@
           <p:cNvPr id="9" name="TextBox 8">
             <a:extLst>
               <a:ext uri="{FF2B5EF4-FFF2-40B4-BE49-F238E27FC236}">
-                <a16:creationId xmlns:a16="http://schemas.microsoft.com/office/drawing/2014/main" xmlns="" id="{6C636918-C32A-1BD3-5257-FA7243A44295}"/>
+                <a16:creationId xmlns:a16="http://schemas.microsoft.com/office/drawing/2014/main" id="{6C636918-C32A-1BD3-5257-FA7243A44295}"/>
               </a:ext>
             </a:extLst>
           </p:cNvPr>
@@ -23816,7 +23994,7 @@
           <p:cNvPr id="11" name="TextBox 10">
             <a:extLst>
               <a:ext uri="{FF2B5EF4-FFF2-40B4-BE49-F238E27FC236}">
-                <a16:creationId xmlns:a16="http://schemas.microsoft.com/office/drawing/2014/main" xmlns="" id="{69196D22-2A4C-4EF6-5A42-2031D7FEF549}"/>
+                <a16:creationId xmlns:a16="http://schemas.microsoft.com/office/drawing/2014/main" id="{69196D22-2A4C-4EF6-5A42-2031D7FEF549}"/>
               </a:ext>
             </a:extLst>
           </p:cNvPr>
@@ -23840,7 +24018,7 @@
           <a:lstStyle/>
           <a:p>
             <a:r>
-              <a:rPr lang="en-US" altLang="ko-KR" sz="5400" spc="-300" smtClean="0">
+              <a:rPr lang="en-US" altLang="ko-KR" sz="5400" spc="-300">
                 <a:solidFill>
                   <a:srgbClr val="4C50BC"/>
                 </a:solidFill>
@@ -23850,7 +24028,7 @@
               <a:t>11. </a:t>
             </a:r>
             <a:r>
-              <a:rPr lang="ko-KR" altLang="en-US" sz="5400" spc="-300" smtClean="0">
+              <a:rPr lang="ko-KR" altLang="en-US" sz="5400" spc="-300">
                 <a:solidFill>
                   <a:srgbClr val="4C50BC"/>
                 </a:solidFill>
@@ -23860,7 +24038,7 @@
               <a:t>문제풀이</a:t>
             </a:r>
             <a:r>
-              <a:rPr lang="en-US" altLang="ko-KR" sz="5400" spc="-300" smtClean="0">
+              <a:rPr lang="en-US" altLang="ko-KR" sz="5400" spc="-300">
                 <a:solidFill>
                   <a:srgbClr val="FF0000"/>
                 </a:solidFill>
@@ -23884,7 +24062,7 @@
           <p:cNvPr id="12" name="직선 연결선 11">
             <a:extLst>
               <a:ext uri="{FF2B5EF4-FFF2-40B4-BE49-F238E27FC236}">
-                <a16:creationId xmlns:a16="http://schemas.microsoft.com/office/drawing/2014/main" xmlns="" id="{DDFA97EB-659B-5D0A-D41B-496A6FF66D9E}"/>
+                <a16:creationId xmlns:a16="http://schemas.microsoft.com/office/drawing/2014/main" id="{DDFA97EB-659B-5D0A-D41B-496A6FF66D9E}"/>
               </a:ext>
             </a:extLst>
           </p:cNvPr>
@@ -23927,7 +24105,7 @@
           <p:cNvPr id="13" name="직사각형 12">
             <a:extLst>
               <a:ext uri="{FF2B5EF4-FFF2-40B4-BE49-F238E27FC236}">
-                <a16:creationId xmlns:a16="http://schemas.microsoft.com/office/drawing/2014/main" xmlns="" id="{361FA442-8171-4EBF-65A2-19C90654959D}"/>
+                <a16:creationId xmlns:a16="http://schemas.microsoft.com/office/drawing/2014/main" id="{361FA442-8171-4EBF-65A2-19C90654959D}"/>
               </a:ext>
             </a:extLst>
           </p:cNvPr>
@@ -24065,7 +24243,284 @@
 </p:sld>
 </file>
 
-<file path=ppt/slides/slide49.xml><?xml version="1.0" encoding="utf-8"?>
+<file path=ppt/slides/slide5.xml><?xml version="1.0" encoding="utf-8"?>
+<p:sld xmlns:a="http://schemas.openxmlformats.org/drawingml/2006/main" xmlns:r="http://schemas.openxmlformats.org/officeDocument/2006/relationships" xmlns:p="http://schemas.openxmlformats.org/presentationml/2006/main">
+  <p:cSld>
+    <p:spTree>
+      <p:nvGrpSpPr>
+        <p:cNvPr id="1" name=""/>
+        <p:cNvGrpSpPr/>
+        <p:nvPr/>
+      </p:nvGrpSpPr>
+      <p:grpSpPr>
+        <a:xfrm>
+          <a:off x="0" y="0"/>
+          <a:ext cx="0" cy="0"/>
+          <a:chOff x="0" y="0"/>
+          <a:chExt cx="0" cy="0"/>
+        </a:xfrm>
+      </p:grpSpPr>
+      <p:pic>
+        <p:nvPicPr>
+          <p:cNvPr id="4" name="그림 3">
+            <a:extLst>
+              <a:ext uri="{FF2B5EF4-FFF2-40B4-BE49-F238E27FC236}">
+                <a16:creationId xmlns:a16="http://schemas.microsoft.com/office/drawing/2014/main" id="{39F2E535-8D3E-2D85-7F92-48B97EB74364}"/>
+              </a:ext>
+            </a:extLst>
+          </p:cNvPr>
+          <p:cNvPicPr>
+            <a:picLocks noChangeAspect="1"/>
+          </p:cNvPicPr>
+          <p:nvPr/>
+        </p:nvPicPr>
+        <p:blipFill rotWithShape="1">
+          <a:blip r:embed="rId2"/>
+          <a:srcRect r="26901"/>
+          <a:stretch/>
+        </p:blipFill>
+        <p:spPr>
+          <a:xfrm>
+            <a:off x="1066800" y="800100"/>
+            <a:ext cx="7534734" cy="6458851"/>
+          </a:xfrm>
+          <a:prstGeom prst="rect">
+            <a:avLst/>
+          </a:prstGeom>
+        </p:spPr>
+      </p:pic>
+      <p:cxnSp>
+        <p:nvCxnSpPr>
+          <p:cNvPr id="5" name="직선 화살표 연결선 4">
+            <a:extLst>
+              <a:ext uri="{FF2B5EF4-FFF2-40B4-BE49-F238E27FC236}">
+                <a16:creationId xmlns:a16="http://schemas.microsoft.com/office/drawing/2014/main" id="{DDB9D919-0419-97E6-E8E0-D3AD78179E45}"/>
+              </a:ext>
+            </a:extLst>
+          </p:cNvPr>
+          <p:cNvCxnSpPr>
+            <a:cxnSpLocks/>
+          </p:cNvCxnSpPr>
+          <p:nvPr/>
+        </p:nvCxnSpPr>
+        <p:spPr>
+          <a:xfrm>
+            <a:off x="2295066" y="6316571"/>
+            <a:ext cx="0" cy="1306476"/>
+          </a:xfrm>
+          <a:prstGeom prst="straightConnector1">
+            <a:avLst/>
+          </a:prstGeom>
+          <a:ln w="38100">
+            <a:tailEnd type="triangle"/>
+          </a:ln>
+        </p:spPr>
+        <p:style>
+          <a:lnRef idx="1">
+            <a:schemeClr val="accent2"/>
+          </a:lnRef>
+          <a:fillRef idx="0">
+            <a:schemeClr val="accent2"/>
+          </a:fillRef>
+          <a:effectRef idx="0">
+            <a:schemeClr val="accent2"/>
+          </a:effectRef>
+          <a:fontRef idx="minor">
+            <a:schemeClr val="tx1"/>
+          </a:fontRef>
+        </p:style>
+      </p:cxnSp>
+      <p:cxnSp>
+        <p:nvCxnSpPr>
+          <p:cNvPr id="6" name="직선 화살표 연결선 5">
+            <a:extLst>
+              <a:ext uri="{FF2B5EF4-FFF2-40B4-BE49-F238E27FC236}">
+                <a16:creationId xmlns:a16="http://schemas.microsoft.com/office/drawing/2014/main" id="{BE23CE08-0689-D5C2-6698-E2918072683F}"/>
+              </a:ext>
+            </a:extLst>
+          </p:cNvPr>
+          <p:cNvCxnSpPr>
+            <a:cxnSpLocks/>
+          </p:cNvCxnSpPr>
+          <p:nvPr/>
+        </p:nvCxnSpPr>
+        <p:spPr>
+          <a:xfrm flipH="1">
+            <a:off x="4493488" y="1235185"/>
+            <a:ext cx="587326" cy="1295400"/>
+          </a:xfrm>
+          <a:prstGeom prst="straightConnector1">
+            <a:avLst/>
+          </a:prstGeom>
+          <a:ln w="38100">
+            <a:tailEnd type="triangle"/>
+          </a:ln>
+        </p:spPr>
+        <p:style>
+          <a:lnRef idx="1">
+            <a:schemeClr val="accent2"/>
+          </a:lnRef>
+          <a:fillRef idx="0">
+            <a:schemeClr val="accent2"/>
+          </a:fillRef>
+          <a:effectRef idx="0">
+            <a:schemeClr val="accent2"/>
+          </a:effectRef>
+          <a:fontRef idx="minor">
+            <a:schemeClr val="tx1"/>
+          </a:fontRef>
+        </p:style>
+      </p:cxnSp>
+      <p:sp>
+        <p:nvSpPr>
+          <p:cNvPr id="7" name="TextBox 6">
+            <a:extLst>
+              <a:ext uri="{FF2B5EF4-FFF2-40B4-BE49-F238E27FC236}">
+                <a16:creationId xmlns:a16="http://schemas.microsoft.com/office/drawing/2014/main" id="{D2FF0818-E6ED-B024-1925-A62F15EF4146}"/>
+              </a:ext>
+            </a:extLst>
+          </p:cNvPr>
+          <p:cNvSpPr txBox="1"/>
+          <p:nvPr/>
+        </p:nvSpPr>
+        <p:spPr>
+          <a:xfrm>
+            <a:off x="2681413" y="2638198"/>
+            <a:ext cx="6400800" cy="707886"/>
+          </a:xfrm>
+          <a:prstGeom prst="rect">
+            <a:avLst/>
+          </a:prstGeom>
+          <a:noFill/>
+        </p:spPr>
+        <p:txBody>
+          <a:bodyPr wrap="square" rtlCol="0">
+            <a:spAutoFit/>
+          </a:bodyPr>
+          <a:lstStyle/>
+          <a:p>
+            <a:r>
+              <a:rPr lang="ko-KR" altLang="en-US" sz="4000">
+                <a:solidFill>
+                  <a:srgbClr val="FF0000"/>
+                </a:solidFill>
+                <a:latin typeface="G마켓 산스 Medium" panose="02000000000000000000" pitchFamily="50" charset="-127"/>
+                <a:ea typeface="G마켓 산스 Medium" panose="02000000000000000000" pitchFamily="50" charset="-127"/>
+              </a:rPr>
+              <a:t>개발에 필요한곳</a:t>
+            </a:r>
+            <a:endParaRPr lang="en-US" altLang="ko-KR" sz="4000" dirty="0">
+              <a:solidFill>
+                <a:srgbClr val="FF0000"/>
+              </a:solidFill>
+              <a:latin typeface="G마켓 산스 Medium" panose="02000000000000000000" pitchFamily="50" charset="-127"/>
+              <a:ea typeface="G마켓 산스 Medium" panose="02000000000000000000" pitchFamily="50" charset="-127"/>
+            </a:endParaRPr>
+          </a:p>
+        </p:txBody>
+      </p:sp>
+      <p:sp>
+        <p:nvSpPr>
+          <p:cNvPr id="8" name="TextBox 7">
+            <a:extLst>
+              <a:ext uri="{FF2B5EF4-FFF2-40B4-BE49-F238E27FC236}">
+                <a16:creationId xmlns:a16="http://schemas.microsoft.com/office/drawing/2014/main" id="{19AD7C72-2C8E-9D77-1743-83912CBCED9A}"/>
+              </a:ext>
+            </a:extLst>
+          </p:cNvPr>
+          <p:cNvSpPr txBox="1"/>
+          <p:nvPr/>
+        </p:nvSpPr>
+        <p:spPr>
+          <a:xfrm>
+            <a:off x="838200" y="7897214"/>
+            <a:ext cx="7534734" cy="707886"/>
+          </a:xfrm>
+          <a:prstGeom prst="rect">
+            <a:avLst/>
+          </a:prstGeom>
+          <a:noFill/>
+        </p:spPr>
+        <p:txBody>
+          <a:bodyPr wrap="square" rtlCol="0">
+            <a:spAutoFit/>
+          </a:bodyPr>
+          <a:lstStyle/>
+          <a:p>
+            <a:r>
+              <a:rPr lang="ko-KR" altLang="en-US" sz="4000" dirty="0">
+                <a:solidFill>
+                  <a:srgbClr val="FF0000"/>
+                </a:solidFill>
+                <a:latin typeface="G마켓 산스 Medium" panose="02000000000000000000" pitchFamily="50" charset="-127"/>
+                <a:ea typeface="G마켓 산스 Medium" panose="02000000000000000000" pitchFamily="50" charset="-127"/>
+              </a:rPr>
+              <a:t>웹으로 바로 채팅을 </a:t>
+            </a:r>
+            <a:r>
+              <a:rPr lang="ko-KR" altLang="en-US" sz="4000" dirty="0" err="1">
+                <a:solidFill>
+                  <a:srgbClr val="FF0000"/>
+                </a:solidFill>
+                <a:latin typeface="G마켓 산스 Medium" panose="02000000000000000000" pitchFamily="50" charset="-127"/>
+                <a:ea typeface="G마켓 산스 Medium" panose="02000000000000000000" pitchFamily="50" charset="-127"/>
+              </a:rPr>
+              <a:t>하는곳</a:t>
+            </a:r>
+            <a:endParaRPr lang="en-US" altLang="ko-KR" sz="4000" dirty="0">
+              <a:solidFill>
+                <a:srgbClr val="FF0000"/>
+              </a:solidFill>
+              <a:latin typeface="G마켓 산스 Medium" panose="02000000000000000000" pitchFamily="50" charset="-127"/>
+              <a:ea typeface="G마켓 산스 Medium" panose="02000000000000000000" pitchFamily="50" charset="-127"/>
+            </a:endParaRPr>
+          </a:p>
+        </p:txBody>
+      </p:sp>
+      <p:pic>
+        <p:nvPicPr>
+          <p:cNvPr id="9" name="그림 8">
+            <a:extLst>
+              <a:ext uri="{FF2B5EF4-FFF2-40B4-BE49-F238E27FC236}">
+                <a16:creationId xmlns:a16="http://schemas.microsoft.com/office/drawing/2014/main" id="{780444B2-0AD5-ECF4-E393-D45067657E13}"/>
+              </a:ext>
+            </a:extLst>
+          </p:cNvPr>
+          <p:cNvPicPr>
+            <a:picLocks noChangeAspect="1"/>
+          </p:cNvPicPr>
+          <p:nvPr/>
+        </p:nvPicPr>
+        <p:blipFill>
+          <a:blip r:embed="rId3"/>
+          <a:stretch>
+            <a:fillRect/>
+          </a:stretch>
+        </p:blipFill>
+        <p:spPr>
+          <a:xfrm>
+            <a:off x="10439400" y="794657"/>
+            <a:ext cx="4645888" cy="3323214"/>
+          </a:xfrm>
+          <a:prstGeom prst="rect">
+            <a:avLst/>
+          </a:prstGeom>
+        </p:spPr>
+      </p:pic>
+    </p:spTree>
+    <p:extLst>
+      <p:ext uri="{BB962C8B-B14F-4D97-AF65-F5344CB8AC3E}">
+        <p14:creationId xmlns:p14="http://schemas.microsoft.com/office/powerpoint/2010/main" val="2374902431"/>
+      </p:ext>
+    </p:extLst>
+  </p:cSld>
+  <p:clrMapOvr>
+    <a:masterClrMapping/>
+  </p:clrMapOvr>
+</p:sld>
+</file>
+
+<file path=ppt/slides/slide50.xml><?xml version="1.0" encoding="utf-8"?>
 <p:sld xmlns:a="http://schemas.openxmlformats.org/drawingml/2006/main" xmlns:r="http://schemas.openxmlformats.org/officeDocument/2006/relationships" xmlns:p="http://schemas.openxmlformats.org/presentationml/2006/main">
   <p:cSld>
     <p:spTree>
@@ -24087,7 +24542,7 @@
           <p:cNvPr id="4" name="TextBox 3">
             <a:extLst>
               <a:ext uri="{FF2B5EF4-FFF2-40B4-BE49-F238E27FC236}">
-                <a16:creationId xmlns:a16="http://schemas.microsoft.com/office/drawing/2014/main" xmlns="" id="{52176D31-35F7-8916-46FA-6095EFEC1E49}"/>
+                <a16:creationId xmlns:a16="http://schemas.microsoft.com/office/drawing/2014/main" id="{52176D31-35F7-8916-46FA-6095EFEC1E49}"/>
               </a:ext>
             </a:extLst>
           </p:cNvPr>
@@ -24111,7 +24566,7 @@
           <a:lstStyle/>
           <a:p>
             <a:r>
-              <a:rPr lang="en-US" altLang="ko-KR" sz="2800" smtClean="0">
+              <a:rPr lang="en-US" altLang="ko-KR" sz="2800">
                 <a:solidFill>
                   <a:srgbClr val="4C50BB"/>
                 </a:solidFill>
@@ -24604,7 +25059,7 @@
           <p:cNvPr id="6" name="직사각형 5">
             <a:extLst>
               <a:ext uri="{FF2B5EF4-FFF2-40B4-BE49-F238E27FC236}">
-                <a16:creationId xmlns:a16="http://schemas.microsoft.com/office/drawing/2014/main" xmlns="" id="{FFF506F9-840A-0508-4CAF-3AC711D8D5CE}"/>
+                <a16:creationId xmlns:a16="http://schemas.microsoft.com/office/drawing/2014/main" id="{FFF506F9-840A-0508-4CAF-3AC711D8D5CE}"/>
               </a:ext>
             </a:extLst>
           </p:cNvPr>
@@ -24656,7 +25111,7 @@
           <p:cNvPr id="7" name="직사각형 6">
             <a:extLst>
               <a:ext uri="{FF2B5EF4-FFF2-40B4-BE49-F238E27FC236}">
-                <a16:creationId xmlns:a16="http://schemas.microsoft.com/office/drawing/2014/main" xmlns="" id="{FFF506F9-840A-0508-4CAF-3AC711D8D5CE}"/>
+                <a16:creationId xmlns:a16="http://schemas.microsoft.com/office/drawing/2014/main" id="{FFF506F9-840A-0508-4CAF-3AC711D8D5CE}"/>
               </a:ext>
             </a:extLst>
           </p:cNvPr>
@@ -24708,7 +25163,7 @@
           <p:cNvPr id="8" name="TextBox 7">
             <a:extLst>
               <a:ext uri="{FF2B5EF4-FFF2-40B4-BE49-F238E27FC236}">
-                <a16:creationId xmlns:a16="http://schemas.microsoft.com/office/drawing/2014/main" xmlns="" id="{C6D113C6-EA5C-788F-0C77-E7CE6EBB865F}"/>
+                <a16:creationId xmlns:a16="http://schemas.microsoft.com/office/drawing/2014/main" id="{C6D113C6-EA5C-788F-0C77-E7CE6EBB865F}"/>
               </a:ext>
             </a:extLst>
           </p:cNvPr>
@@ -24800,7 +25255,7 @@
           <p:cNvPr id="10" name="직사각형 9">
             <a:extLst>
               <a:ext uri="{FF2B5EF4-FFF2-40B4-BE49-F238E27FC236}">
-                <a16:creationId xmlns:a16="http://schemas.microsoft.com/office/drawing/2014/main" xmlns="" id="{FFF506F9-840A-0508-4CAF-3AC711D8D5CE}"/>
+                <a16:creationId xmlns:a16="http://schemas.microsoft.com/office/drawing/2014/main" id="{FFF506F9-840A-0508-4CAF-3AC711D8D5CE}"/>
               </a:ext>
             </a:extLst>
           </p:cNvPr>
@@ -24852,7 +25307,7 @@
           <p:cNvPr id="11" name="직선 화살표 연결선 10">
             <a:extLst>
               <a:ext uri="{FF2B5EF4-FFF2-40B4-BE49-F238E27FC236}">
-                <a16:creationId xmlns:a16="http://schemas.microsoft.com/office/drawing/2014/main" xmlns="" id="{299DF5EC-9DF4-5255-06AC-0A7CE4FF58C3}"/>
+                <a16:creationId xmlns:a16="http://schemas.microsoft.com/office/drawing/2014/main" id="{299DF5EC-9DF4-5255-06AC-0A7CE4FF58C3}"/>
               </a:ext>
             </a:extLst>
           </p:cNvPr>
@@ -24893,7 +25348,7 @@
           <p:cNvPr id="13" name="직선 화살표 연결선 12">
             <a:extLst>
               <a:ext uri="{FF2B5EF4-FFF2-40B4-BE49-F238E27FC236}">
-                <a16:creationId xmlns:a16="http://schemas.microsoft.com/office/drawing/2014/main" xmlns="" id="{299DF5EC-9DF4-5255-06AC-0A7CE4FF58C3}"/>
+                <a16:creationId xmlns:a16="http://schemas.microsoft.com/office/drawing/2014/main" id="{299DF5EC-9DF4-5255-06AC-0A7CE4FF58C3}"/>
               </a:ext>
             </a:extLst>
           </p:cNvPr>
@@ -24958,7 +25413,7 @@
           <p:cNvPr id="15" name="TextBox 14">
             <a:extLst>
               <a:ext uri="{FF2B5EF4-FFF2-40B4-BE49-F238E27FC236}">
-                <a16:creationId xmlns:a16="http://schemas.microsoft.com/office/drawing/2014/main" xmlns="" id="{69196D22-2A4C-4EF6-5A42-2031D7FEF549}"/>
+                <a16:creationId xmlns:a16="http://schemas.microsoft.com/office/drawing/2014/main" id="{69196D22-2A4C-4EF6-5A42-2031D7FEF549}"/>
               </a:ext>
             </a:extLst>
           </p:cNvPr>
@@ -24982,7 +25437,7 @@
           <a:lstStyle/>
           <a:p>
             <a:r>
-              <a:rPr lang="en-US" altLang="ko-KR" sz="5400" spc="-300" smtClean="0">
+              <a:rPr lang="en-US" altLang="ko-KR" sz="5400" spc="-300">
                 <a:solidFill>
                   <a:srgbClr val="4C50BC"/>
                 </a:solidFill>
@@ -24992,7 +25447,7 @@
               <a:t>12. </a:t>
             </a:r>
             <a:r>
-              <a:rPr lang="ko-KR" altLang="en-US" sz="5400" spc="-300" smtClean="0">
+              <a:rPr lang="ko-KR" altLang="en-US" sz="5400" spc="-300">
                 <a:solidFill>
                   <a:srgbClr val="4C50BC"/>
                 </a:solidFill>
@@ -25002,7 +25457,7 @@
               <a:t>실습문제</a:t>
             </a:r>
             <a:r>
-              <a:rPr lang="en-US" altLang="ko-KR" sz="5400" spc="-300" smtClean="0">
+              <a:rPr lang="en-US" altLang="ko-KR" sz="5400" spc="-300">
                 <a:solidFill>
                   <a:srgbClr val="FF0000"/>
                 </a:solidFill>
@@ -25026,7 +25481,7 @@
           <p:cNvPr id="16" name="직선 연결선 15">
             <a:extLst>
               <a:ext uri="{FF2B5EF4-FFF2-40B4-BE49-F238E27FC236}">
-                <a16:creationId xmlns:a16="http://schemas.microsoft.com/office/drawing/2014/main" xmlns="" id="{DDFA97EB-659B-5D0A-D41B-496A6FF66D9E}"/>
+                <a16:creationId xmlns:a16="http://schemas.microsoft.com/office/drawing/2014/main" id="{DDFA97EB-659B-5D0A-D41B-496A6FF66D9E}"/>
               </a:ext>
             </a:extLst>
           </p:cNvPr>
@@ -25077,61 +25532,7 @@
 </p:sld>
 </file>
 
-<file path=ppt/slides/slide5.xml><?xml version="1.0" encoding="utf-8"?>
-<p:sld xmlns:a="http://schemas.openxmlformats.org/drawingml/2006/main" xmlns:r="http://schemas.openxmlformats.org/officeDocument/2006/relationships" xmlns:p="http://schemas.openxmlformats.org/presentationml/2006/main">
-  <p:cSld>
-    <p:spTree>
-      <p:nvGrpSpPr>
-        <p:cNvPr id="1" name=""/>
-        <p:cNvGrpSpPr/>
-        <p:nvPr/>
-      </p:nvGrpSpPr>
-      <p:grpSpPr>
-        <a:xfrm>
-          <a:off x="0" y="0"/>
-          <a:ext cx="0" cy="0"/>
-          <a:chOff x="0" y="0"/>
-          <a:chExt cx="0" cy="0"/>
-        </a:xfrm>
-      </p:grpSpPr>
-      <p:pic>
-        <p:nvPicPr>
-          <p:cNvPr id="4" name="그림 3"/>
-          <p:cNvPicPr>
-            <a:picLocks noChangeAspect="1"/>
-          </p:cNvPicPr>
-          <p:nvPr/>
-        </p:nvPicPr>
-        <p:blipFill>
-          <a:blip r:embed="rId2"/>
-          <a:stretch>
-            <a:fillRect/>
-          </a:stretch>
-        </p:blipFill>
-        <p:spPr>
-          <a:xfrm>
-            <a:off x="914400" y="495300"/>
-            <a:ext cx="13354050" cy="5153025"/>
-          </a:xfrm>
-          <a:prstGeom prst="rect">
-            <a:avLst/>
-          </a:prstGeom>
-        </p:spPr>
-      </p:pic>
-    </p:spTree>
-    <p:extLst>
-      <p:ext uri="{BB962C8B-B14F-4D97-AF65-F5344CB8AC3E}">
-        <p14:creationId xmlns:p14="http://schemas.microsoft.com/office/powerpoint/2010/main" val="2497085143"/>
-      </p:ext>
-    </p:extLst>
-  </p:cSld>
-  <p:clrMapOvr>
-    <a:masterClrMapping/>
-  </p:clrMapOvr>
-</p:sld>
-</file>
-
-<file path=ppt/slides/slide50.xml><?xml version="1.0" encoding="utf-8"?>
+<file path=ppt/slides/slide51.xml><?xml version="1.0" encoding="utf-8"?>
 <p:sld xmlns:a="http://schemas.openxmlformats.org/drawingml/2006/main" xmlns:r="http://schemas.openxmlformats.org/officeDocument/2006/relationships" xmlns:p="http://schemas.openxmlformats.org/presentationml/2006/main">
   <p:cSld>
     <p:spTree>
@@ -25153,7 +25554,7 @@
           <p:cNvPr id="9" name="그림 8">
             <a:extLst>
               <a:ext uri="{FF2B5EF4-FFF2-40B4-BE49-F238E27FC236}">
-                <a16:creationId xmlns:a16="http://schemas.microsoft.com/office/drawing/2014/main" xmlns="" id="{DDF00F89-9982-A188-8F98-68D40FBAC221}"/>
+                <a16:creationId xmlns:a16="http://schemas.microsoft.com/office/drawing/2014/main" id="{DDF00F89-9982-A188-8F98-68D40FBAC221}"/>
               </a:ext>
             </a:extLst>
           </p:cNvPr>
@@ -25183,7 +25584,7 @@
           <p:cNvPr id="10" name="직선 화살표 연결선 9">
             <a:extLst>
               <a:ext uri="{FF2B5EF4-FFF2-40B4-BE49-F238E27FC236}">
-                <a16:creationId xmlns:a16="http://schemas.microsoft.com/office/drawing/2014/main" xmlns="" id="{A1736F14-BCCE-8241-7BEB-00348F2D2A00}"/>
+                <a16:creationId xmlns:a16="http://schemas.microsoft.com/office/drawing/2014/main" id="{A1736F14-BCCE-8241-7BEB-00348F2D2A00}"/>
               </a:ext>
             </a:extLst>
           </p:cNvPr>
@@ -25224,7 +25625,7 @@
           <p:cNvPr id="11" name="직사각형 10">
             <a:extLst>
               <a:ext uri="{FF2B5EF4-FFF2-40B4-BE49-F238E27FC236}">
-                <a16:creationId xmlns:a16="http://schemas.microsoft.com/office/drawing/2014/main" xmlns="" id="{23437B3A-1603-8C88-3115-3059F9B50D0F}"/>
+                <a16:creationId xmlns:a16="http://schemas.microsoft.com/office/drawing/2014/main" id="{23437B3A-1603-8C88-3115-3059F9B50D0F}"/>
               </a:ext>
             </a:extLst>
           </p:cNvPr>
@@ -25276,7 +25677,7 @@
           <p:cNvPr id="12" name="TextBox 11">
             <a:extLst>
               <a:ext uri="{FF2B5EF4-FFF2-40B4-BE49-F238E27FC236}">
-                <a16:creationId xmlns:a16="http://schemas.microsoft.com/office/drawing/2014/main" xmlns="" id="{666EEBAF-A1B1-5EDD-A63A-FBA701D2560E}"/>
+                <a16:creationId xmlns:a16="http://schemas.microsoft.com/office/drawing/2014/main" id="{666EEBAF-A1B1-5EDD-A63A-FBA701D2560E}"/>
               </a:ext>
             </a:extLst>
           </p:cNvPr>
@@ -25374,7 +25775,7 @@
           <p:cNvPr id="14" name="직선 화살표 연결선 13">
             <a:extLst>
               <a:ext uri="{FF2B5EF4-FFF2-40B4-BE49-F238E27FC236}">
-                <a16:creationId xmlns:a16="http://schemas.microsoft.com/office/drawing/2014/main" xmlns="" id="{25BBB4D1-5836-7BA5-8F70-F9179EDD0439}"/>
+                <a16:creationId xmlns:a16="http://schemas.microsoft.com/office/drawing/2014/main" id="{25BBB4D1-5836-7BA5-8F70-F9179EDD0439}"/>
               </a:ext>
             </a:extLst>
           </p:cNvPr>
@@ -25415,7 +25816,7 @@
           <p:cNvPr id="15" name="직사각형 14">
             <a:extLst>
               <a:ext uri="{FF2B5EF4-FFF2-40B4-BE49-F238E27FC236}">
-                <a16:creationId xmlns:a16="http://schemas.microsoft.com/office/drawing/2014/main" xmlns="" id="{CA9BFEEC-A09A-E861-2E17-C08C4FD155F6}"/>
+                <a16:creationId xmlns:a16="http://schemas.microsoft.com/office/drawing/2014/main" id="{CA9BFEEC-A09A-E861-2E17-C08C4FD155F6}"/>
               </a:ext>
             </a:extLst>
           </p:cNvPr>
@@ -25467,7 +25868,7 @@
           <p:cNvPr id="16" name="TextBox 15">
             <a:extLst>
               <a:ext uri="{FF2B5EF4-FFF2-40B4-BE49-F238E27FC236}">
-                <a16:creationId xmlns:a16="http://schemas.microsoft.com/office/drawing/2014/main" xmlns="" id="{0B7A04CB-4A9D-CE9E-5BF9-4AA7998A4C4A}"/>
+                <a16:creationId xmlns:a16="http://schemas.microsoft.com/office/drawing/2014/main" id="{0B7A04CB-4A9D-CE9E-5BF9-4AA7998A4C4A}"/>
               </a:ext>
             </a:extLst>
           </p:cNvPr>
@@ -25548,7 +25949,7 @@
           <p:cNvPr id="17" name="직선 화살표 연결선 16">
             <a:extLst>
               <a:ext uri="{FF2B5EF4-FFF2-40B4-BE49-F238E27FC236}">
-                <a16:creationId xmlns:a16="http://schemas.microsoft.com/office/drawing/2014/main" xmlns="" id="{DE095772-CA41-1F39-31EC-0CF4C5B75C0B}"/>
+                <a16:creationId xmlns:a16="http://schemas.microsoft.com/office/drawing/2014/main" id="{DE095772-CA41-1F39-31EC-0CF4C5B75C0B}"/>
               </a:ext>
             </a:extLst>
           </p:cNvPr>
@@ -25589,7 +25990,7 @@
           <p:cNvPr id="18" name="직사각형 17">
             <a:extLst>
               <a:ext uri="{FF2B5EF4-FFF2-40B4-BE49-F238E27FC236}">
-                <a16:creationId xmlns:a16="http://schemas.microsoft.com/office/drawing/2014/main" xmlns="" id="{B5378DE6-EB7D-F0A1-C621-699BDC43C749}"/>
+                <a16:creationId xmlns:a16="http://schemas.microsoft.com/office/drawing/2014/main" id="{B5378DE6-EB7D-F0A1-C621-699BDC43C749}"/>
               </a:ext>
             </a:extLst>
           </p:cNvPr>
@@ -25641,7 +26042,7 @@
           <p:cNvPr id="19" name="TextBox 18">
             <a:extLst>
               <a:ext uri="{FF2B5EF4-FFF2-40B4-BE49-F238E27FC236}">
-                <a16:creationId xmlns:a16="http://schemas.microsoft.com/office/drawing/2014/main" xmlns="" id="{1C81A44B-75D1-B387-4285-B3B09A077CAC}"/>
+                <a16:creationId xmlns:a16="http://schemas.microsoft.com/office/drawing/2014/main" id="{1C81A44B-75D1-B387-4285-B3B09A077CAC}"/>
               </a:ext>
             </a:extLst>
           </p:cNvPr>
@@ -25712,7 +26113,7 @@
           <p:cNvPr id="20" name="직선 화살표 연결선 19">
             <a:extLst>
               <a:ext uri="{FF2B5EF4-FFF2-40B4-BE49-F238E27FC236}">
-                <a16:creationId xmlns:a16="http://schemas.microsoft.com/office/drawing/2014/main" xmlns="" id="{DC695EC8-F79C-ED24-2EFD-80EB89BF23D4}"/>
+                <a16:creationId xmlns:a16="http://schemas.microsoft.com/office/drawing/2014/main" id="{DC695EC8-F79C-ED24-2EFD-80EB89BF23D4}"/>
               </a:ext>
             </a:extLst>
           </p:cNvPr>
@@ -25753,7 +26154,7 @@
           <p:cNvPr id="21" name="직사각형 20">
             <a:extLst>
               <a:ext uri="{FF2B5EF4-FFF2-40B4-BE49-F238E27FC236}">
-                <a16:creationId xmlns:a16="http://schemas.microsoft.com/office/drawing/2014/main" xmlns="" id="{98AB9FFD-C4B9-61B7-73B5-C2DBDC48E37E}"/>
+                <a16:creationId xmlns:a16="http://schemas.microsoft.com/office/drawing/2014/main" id="{98AB9FFD-C4B9-61B7-73B5-C2DBDC48E37E}"/>
               </a:ext>
             </a:extLst>
           </p:cNvPr>
@@ -25805,7 +26206,7 @@
           <p:cNvPr id="22" name="TextBox 21">
             <a:extLst>
               <a:ext uri="{FF2B5EF4-FFF2-40B4-BE49-F238E27FC236}">
-                <a16:creationId xmlns:a16="http://schemas.microsoft.com/office/drawing/2014/main" xmlns="" id="{6E532B6C-97F4-8CA9-F155-8BF276042196}"/>
+                <a16:creationId xmlns:a16="http://schemas.microsoft.com/office/drawing/2014/main" id="{6E532B6C-97F4-8CA9-F155-8BF276042196}"/>
               </a:ext>
             </a:extLst>
           </p:cNvPr>
@@ -25896,7 +26297,7 @@
           <p:cNvPr id="24" name="TextBox 23">
             <a:extLst>
               <a:ext uri="{FF2B5EF4-FFF2-40B4-BE49-F238E27FC236}">
-                <a16:creationId xmlns:a16="http://schemas.microsoft.com/office/drawing/2014/main" xmlns="" id="{69196D22-2A4C-4EF6-5A42-2031D7FEF549}"/>
+                <a16:creationId xmlns:a16="http://schemas.microsoft.com/office/drawing/2014/main" id="{69196D22-2A4C-4EF6-5A42-2031D7FEF549}"/>
               </a:ext>
             </a:extLst>
           </p:cNvPr>
@@ -25920,7 +26321,7 @@
           <a:lstStyle/>
           <a:p>
             <a:r>
-              <a:rPr lang="en-US" altLang="ko-KR" sz="5400" spc="-300" smtClean="0">
+              <a:rPr lang="en-US" altLang="ko-KR" sz="5400" spc="-300">
                 <a:solidFill>
                   <a:srgbClr val="4C50BC"/>
                 </a:solidFill>
@@ -25930,7 +26331,7 @@
               <a:t>12. </a:t>
             </a:r>
             <a:r>
-              <a:rPr lang="ko-KR" altLang="en-US" sz="5400" spc="-300" smtClean="0">
+              <a:rPr lang="ko-KR" altLang="en-US" sz="5400" spc="-300">
                 <a:solidFill>
                   <a:srgbClr val="4C50BC"/>
                 </a:solidFill>
@@ -25940,7 +26341,7 @@
               <a:t>문제풀이</a:t>
             </a:r>
             <a:r>
-              <a:rPr lang="en-US" altLang="ko-KR" sz="5400" spc="-300" smtClean="0">
+              <a:rPr lang="en-US" altLang="ko-KR" sz="5400" spc="-300">
                 <a:solidFill>
                   <a:srgbClr val="FF0000"/>
                 </a:solidFill>
@@ -25964,7 +26365,7 @@
           <p:cNvPr id="25" name="직선 연결선 24">
             <a:extLst>
               <a:ext uri="{FF2B5EF4-FFF2-40B4-BE49-F238E27FC236}">
-                <a16:creationId xmlns:a16="http://schemas.microsoft.com/office/drawing/2014/main" xmlns="" id="{DDFA97EB-659B-5D0A-D41B-496A6FF66D9E}"/>
+                <a16:creationId xmlns:a16="http://schemas.microsoft.com/office/drawing/2014/main" id="{DDFA97EB-659B-5D0A-D41B-496A6FF66D9E}"/>
               </a:ext>
             </a:extLst>
           </p:cNvPr>
@@ -26007,7 +26408,7 @@
           <p:cNvPr id="26" name="직사각형 25">
             <a:extLst>
               <a:ext uri="{FF2B5EF4-FFF2-40B4-BE49-F238E27FC236}">
-                <a16:creationId xmlns:a16="http://schemas.microsoft.com/office/drawing/2014/main" xmlns="" id="{361FA442-8171-4EBF-65A2-19C90654959D}"/>
+                <a16:creationId xmlns:a16="http://schemas.microsoft.com/office/drawing/2014/main" id="{361FA442-8171-4EBF-65A2-19C90654959D}"/>
               </a:ext>
             </a:extLst>
           </p:cNvPr>
@@ -26145,7 +26546,7 @@
 </p:sld>
 </file>
 
-<file path=ppt/slides/slide51.xml><?xml version="1.0" encoding="utf-8"?>
+<file path=ppt/slides/slide52.xml><?xml version="1.0" encoding="utf-8"?>
 <p:sld xmlns:a="http://schemas.openxmlformats.org/drawingml/2006/main" xmlns:r="http://schemas.openxmlformats.org/officeDocument/2006/relationships" xmlns:p="http://schemas.openxmlformats.org/presentationml/2006/main">
   <p:cSld name="Slide 20">
     <p:bg>
@@ -26433,7 +26834,7 @@
           <p:cNvPr id="2" name="TextBox 1">
             <a:extLst>
               <a:ext uri="{FF2B5EF4-FFF2-40B4-BE49-F238E27FC236}">
-                <a16:creationId xmlns:a16="http://schemas.microsoft.com/office/drawing/2014/main" xmlns="" id="{715D88A2-BD52-978B-A00A-540446126E3D}"/>
+                <a16:creationId xmlns:a16="http://schemas.microsoft.com/office/drawing/2014/main" id="{715D88A2-BD52-978B-A00A-540446126E3D}"/>
               </a:ext>
             </a:extLst>
           </p:cNvPr>
@@ -26503,7 +26904,7 @@
       </p:grpSpPr>
       <p:pic>
         <p:nvPicPr>
-          <p:cNvPr id="2" name="그림 1"/>
+          <p:cNvPr id="4" name="그림 3"/>
           <p:cNvPicPr>
             <a:picLocks noChangeAspect="1"/>
           </p:cNvPicPr>
@@ -26517,6 +26918,60 @@
         </p:blipFill>
         <p:spPr>
           <a:xfrm>
+            <a:off x="2466975" y="2566987"/>
+            <a:ext cx="13354050" cy="5153025"/>
+          </a:xfrm>
+          <a:prstGeom prst="rect">
+            <a:avLst/>
+          </a:prstGeom>
+        </p:spPr>
+      </p:pic>
+    </p:spTree>
+    <p:extLst>
+      <p:ext uri="{BB962C8B-B14F-4D97-AF65-F5344CB8AC3E}">
+        <p14:creationId xmlns:p14="http://schemas.microsoft.com/office/powerpoint/2010/main" val="2497085143"/>
+      </p:ext>
+    </p:extLst>
+  </p:cSld>
+  <p:clrMapOvr>
+    <a:masterClrMapping/>
+  </p:clrMapOvr>
+</p:sld>
+</file>
+
+<file path=ppt/slides/slide7.xml><?xml version="1.0" encoding="utf-8"?>
+<p:sld xmlns:a="http://schemas.openxmlformats.org/drawingml/2006/main" xmlns:r="http://schemas.openxmlformats.org/officeDocument/2006/relationships" xmlns:p="http://schemas.openxmlformats.org/presentationml/2006/main">
+  <p:cSld>
+    <p:spTree>
+      <p:nvGrpSpPr>
+        <p:cNvPr id="1" name=""/>
+        <p:cNvGrpSpPr/>
+        <p:nvPr/>
+      </p:nvGrpSpPr>
+      <p:grpSpPr>
+        <a:xfrm>
+          <a:off x="0" y="0"/>
+          <a:ext cx="0" cy="0"/>
+          <a:chOff x="0" y="0"/>
+          <a:chExt cx="0" cy="0"/>
+        </a:xfrm>
+      </p:grpSpPr>
+      <p:pic>
+        <p:nvPicPr>
+          <p:cNvPr id="2" name="그림 1"/>
+          <p:cNvPicPr>
+            <a:picLocks noChangeAspect="1"/>
+          </p:cNvPicPr>
+          <p:nvPr/>
+        </p:nvPicPr>
+        <p:blipFill>
+          <a:blip r:embed="rId2"/>
+          <a:stretch>
+            <a:fillRect/>
+          </a:stretch>
+        </p:blipFill>
+        <p:spPr>
+          <a:xfrm>
             <a:off x="1066800" y="723900"/>
             <a:ext cx="5394374" cy="6757626"/>
           </a:xfrm>
@@ -26554,7 +27009,7 @@
           <p:cNvPr id="4" name="TextBox 3">
             <a:extLst>
               <a:ext uri="{FF2B5EF4-FFF2-40B4-BE49-F238E27FC236}">
-                <a16:creationId xmlns:a16="http://schemas.microsoft.com/office/drawing/2014/main" xmlns="" id="{D15853EE-94B0-D08B-DCB7-3381290CC3FF}"/>
+                <a16:creationId xmlns:a16="http://schemas.microsoft.com/office/drawing/2014/main" id="{D15853EE-94B0-D08B-DCB7-3381290CC3FF}"/>
               </a:ext>
             </a:extLst>
           </p:cNvPr>
@@ -26602,7 +27057,7 @@
           <p:cNvPr id="5" name="그룹 1008">
             <a:extLst>
               <a:ext uri="{FF2B5EF4-FFF2-40B4-BE49-F238E27FC236}">
-                <a16:creationId xmlns:a16="http://schemas.microsoft.com/office/drawing/2014/main" xmlns="" id="{678F6342-C505-E8AD-ADA4-022CB2C2088E}"/>
+                <a16:creationId xmlns:a16="http://schemas.microsoft.com/office/drawing/2014/main" id="{678F6342-C505-E8AD-ADA4-022CB2C2088E}"/>
               </a:ext>
             </a:extLst>
           </p:cNvPr>
@@ -26622,7 +27077,7 @@
             <p:cNvPr id="6" name="그룹 1009">
               <a:extLst>
                 <a:ext uri="{FF2B5EF4-FFF2-40B4-BE49-F238E27FC236}">
-                  <a16:creationId xmlns:a16="http://schemas.microsoft.com/office/drawing/2014/main" xmlns="" id="{4E1F1FED-812B-9BBB-925A-84B54A077414}"/>
+                  <a16:creationId xmlns:a16="http://schemas.microsoft.com/office/drawing/2014/main" id="{4E1F1FED-812B-9BBB-925A-84B54A077414}"/>
                 </a:ext>
               </a:extLst>
             </p:cNvPr>
@@ -26642,7 +27097,7 @@
               <p:cNvPr id="11" name="Object 29">
                 <a:extLst>
                   <a:ext uri="{FF2B5EF4-FFF2-40B4-BE49-F238E27FC236}">
-                    <a16:creationId xmlns:a16="http://schemas.microsoft.com/office/drawing/2014/main" xmlns="" id="{7B078609-4286-7B00-51EB-809C8E2DE289}"/>
+                    <a16:creationId xmlns:a16="http://schemas.microsoft.com/office/drawing/2014/main" id="{7B078609-4286-7B00-51EB-809C8E2DE289}"/>
                   </a:ext>
                 </a:extLst>
               </p:cNvPr>
@@ -26673,7 +27128,7 @@
             <p:cNvPr id="7" name="그룹 1010">
               <a:extLst>
                 <a:ext uri="{FF2B5EF4-FFF2-40B4-BE49-F238E27FC236}">
-                  <a16:creationId xmlns:a16="http://schemas.microsoft.com/office/drawing/2014/main" xmlns="" id="{02A649BF-B5B5-FBAF-7DFD-E118A4DF8907}"/>
+                  <a16:creationId xmlns:a16="http://schemas.microsoft.com/office/drawing/2014/main" id="{02A649BF-B5B5-FBAF-7DFD-E118A4DF8907}"/>
                 </a:ext>
               </a:extLst>
             </p:cNvPr>
@@ -26693,7 +27148,7 @@
               <p:cNvPr id="10" name="Object 32">
                 <a:extLst>
                   <a:ext uri="{FF2B5EF4-FFF2-40B4-BE49-F238E27FC236}">
-                    <a16:creationId xmlns:a16="http://schemas.microsoft.com/office/drawing/2014/main" xmlns="" id="{2A0FFF23-B3C9-3EA0-1C1B-A87D4FF098AE}"/>
+                    <a16:creationId xmlns:a16="http://schemas.microsoft.com/office/drawing/2014/main" id="{2A0FFF23-B3C9-3EA0-1C1B-A87D4FF098AE}"/>
                   </a:ext>
                 </a:extLst>
               </p:cNvPr>
@@ -26724,7 +27179,7 @@
             <p:cNvPr id="8" name="그룹 1011">
               <a:extLst>
                 <a:ext uri="{FF2B5EF4-FFF2-40B4-BE49-F238E27FC236}">
-                  <a16:creationId xmlns:a16="http://schemas.microsoft.com/office/drawing/2014/main" xmlns="" id="{881F5410-F7FB-F261-A584-707359BAC593}"/>
+                  <a16:creationId xmlns:a16="http://schemas.microsoft.com/office/drawing/2014/main" id="{881F5410-F7FB-F261-A584-707359BAC593}"/>
                 </a:ext>
               </a:extLst>
             </p:cNvPr>
@@ -26744,7 +27199,7 @@
               <p:cNvPr id="9" name="Object 35">
                 <a:extLst>
                   <a:ext uri="{FF2B5EF4-FFF2-40B4-BE49-F238E27FC236}">
-                    <a16:creationId xmlns:a16="http://schemas.microsoft.com/office/drawing/2014/main" xmlns="" id="{4E99E669-73EB-F9F4-EFE8-DC107035C265}"/>
+                    <a16:creationId xmlns:a16="http://schemas.microsoft.com/office/drawing/2014/main" id="{4E99E669-73EB-F9F4-EFE8-DC107035C265}"/>
                   </a:ext>
                 </a:extLst>
               </p:cNvPr>
@@ -26776,7 +27231,7 @@
           <p:cNvPr id="12" name="TextBox 11">
             <a:extLst>
               <a:ext uri="{FF2B5EF4-FFF2-40B4-BE49-F238E27FC236}">
-                <a16:creationId xmlns:a16="http://schemas.microsoft.com/office/drawing/2014/main" xmlns="" id="{0CC591F2-8F48-E497-8235-C42F53678846}"/>
+                <a16:creationId xmlns:a16="http://schemas.microsoft.com/office/drawing/2014/main" id="{0CC591F2-8F48-E497-8235-C42F53678846}"/>
               </a:ext>
             </a:extLst>
           </p:cNvPr>
@@ -26883,152 +27338,6 @@
     <p:extLst>
       <p:ext uri="{BB962C8B-B14F-4D97-AF65-F5344CB8AC3E}">
         <p14:creationId xmlns:p14="http://schemas.microsoft.com/office/powerpoint/2010/main" val="518223273"/>
-      </p:ext>
-    </p:extLst>
-  </p:cSld>
-  <p:clrMapOvr>
-    <a:masterClrMapping/>
-  </p:clrMapOvr>
-</p:sld>
-</file>
-
-<file path=ppt/slides/slide7.xml><?xml version="1.0" encoding="utf-8"?>
-<p:sld xmlns:a="http://schemas.openxmlformats.org/drawingml/2006/main" xmlns:r="http://schemas.openxmlformats.org/officeDocument/2006/relationships" xmlns:p="http://schemas.openxmlformats.org/presentationml/2006/main">
-  <p:cSld>
-    <p:spTree>
-      <p:nvGrpSpPr>
-        <p:cNvPr id="1" name=""/>
-        <p:cNvGrpSpPr/>
-        <p:nvPr/>
-      </p:nvGrpSpPr>
-      <p:grpSpPr>
-        <a:xfrm>
-          <a:off x="0" y="0"/>
-          <a:ext cx="0" cy="0"/>
-          <a:chOff x="0" y="0"/>
-          <a:chExt cx="0" cy="0"/>
-        </a:xfrm>
-      </p:grpSpPr>
-      <p:pic>
-        <p:nvPicPr>
-          <p:cNvPr id="6" name="그림 5"/>
-          <p:cNvPicPr>
-            <a:picLocks noChangeAspect="1"/>
-          </p:cNvPicPr>
-          <p:nvPr/>
-        </p:nvPicPr>
-        <p:blipFill>
-          <a:blip r:embed="rId3"/>
-          <a:stretch>
-            <a:fillRect/>
-          </a:stretch>
-        </p:blipFill>
-        <p:spPr>
-          <a:xfrm>
-            <a:off x="1219200" y="647700"/>
-            <a:ext cx="16565027" cy="7239000"/>
-          </a:xfrm>
-          <a:prstGeom prst="rect">
-            <a:avLst/>
-          </a:prstGeom>
-        </p:spPr>
-      </p:pic>
-      <p:cxnSp>
-        <p:nvCxnSpPr>
-          <p:cNvPr id="8" name="직선 화살표 연결선 7">
-            <a:extLst>
-              <a:ext uri="{FF2B5EF4-FFF2-40B4-BE49-F238E27FC236}">
-                <a16:creationId xmlns:a16="http://schemas.microsoft.com/office/drawing/2014/main" xmlns="" id="{299DF5EC-9DF4-5255-06AC-0A7CE4FF58C3}"/>
-              </a:ext>
-            </a:extLst>
-          </p:cNvPr>
-          <p:cNvCxnSpPr>
-            <a:cxnSpLocks/>
-          </p:cNvCxnSpPr>
-          <p:nvPr/>
-        </p:nvCxnSpPr>
-        <p:spPr>
-          <a:xfrm flipV="1">
-            <a:off x="13335000" y="1409700"/>
-            <a:ext cx="2590800" cy="1143000"/>
-          </a:xfrm>
-          <a:prstGeom prst="straightConnector1">
-            <a:avLst/>
-          </a:prstGeom>
-          <a:ln w="38100">
-            <a:tailEnd type="triangle"/>
-          </a:ln>
-        </p:spPr>
-        <p:style>
-          <a:lnRef idx="1">
-            <a:schemeClr val="accent2"/>
-          </a:lnRef>
-          <a:fillRef idx="0">
-            <a:schemeClr val="accent2"/>
-          </a:fillRef>
-          <a:effectRef idx="0">
-            <a:schemeClr val="accent2"/>
-          </a:effectRef>
-          <a:fontRef idx="minor">
-            <a:schemeClr val="tx1"/>
-          </a:fontRef>
-        </p:style>
-      </p:cxnSp>
-      <p:sp>
-        <p:nvSpPr>
-          <p:cNvPr id="9" name="TextBox 8">
-            <a:extLst>
-              <a:ext uri="{FF2B5EF4-FFF2-40B4-BE49-F238E27FC236}">
-                <a16:creationId xmlns:a16="http://schemas.microsoft.com/office/drawing/2014/main" xmlns="" id="{C6D113C6-EA5C-788F-0C77-E7CE6EBB865F}"/>
-              </a:ext>
-            </a:extLst>
-          </p:cNvPr>
-          <p:cNvSpPr txBox="1"/>
-          <p:nvPr/>
-        </p:nvSpPr>
-        <p:spPr>
-          <a:xfrm>
-            <a:off x="12420600" y="2668369"/>
-            <a:ext cx="2438400" cy="646331"/>
-          </a:xfrm>
-          <a:prstGeom prst="rect">
-            <a:avLst/>
-          </a:prstGeom>
-          <a:noFill/>
-        </p:spPr>
-        <p:txBody>
-          <a:bodyPr wrap="square" rtlCol="0">
-            <a:spAutoFit/>
-          </a:bodyPr>
-          <a:lstStyle/>
-          <a:p>
-            <a:r>
-              <a:rPr lang="ko-KR" altLang="en-US" sz="3600" dirty="0">
-                <a:solidFill>
-                  <a:srgbClr val="FF0000"/>
-                </a:solidFill>
-                <a:latin typeface="G마켓 산스 Medium" panose="02000000000000000000" pitchFamily="50" charset="-127"/>
-                <a:ea typeface="G마켓 산스 Medium" panose="02000000000000000000" pitchFamily="50" charset="-127"/>
-              </a:rPr>
-              <a:t>클릭</a:t>
-            </a:r>
-            <a:r>
-              <a:rPr lang="en-US" altLang="ko-KR" sz="3600" dirty="0">
-                <a:solidFill>
-                  <a:srgbClr val="FF0000"/>
-                </a:solidFill>
-                <a:latin typeface="G마켓 산스 Medium" panose="02000000000000000000" pitchFamily="50" charset="-127"/>
-                <a:ea typeface="G마켓 산스 Medium" panose="02000000000000000000" pitchFamily="50" charset="-127"/>
-              </a:rPr>
-              <a:t>!</a:t>
-            </a:r>
-          </a:p>
-        </p:txBody>
-      </p:sp>
-    </p:spTree>
-    <p:extLst>
-      <p:ext uri="{BB962C8B-B14F-4D97-AF65-F5344CB8AC3E}">
-        <p14:creationId xmlns:p14="http://schemas.microsoft.com/office/powerpoint/2010/main" val="917691742"/>
       </p:ext>
     </p:extLst>
   </p:cSld>
@@ -27064,77 +27373,117 @@
           <p:nvPr/>
         </p:nvPicPr>
         <p:blipFill>
-          <a:blip r:embed="rId2"/>
+          <a:blip r:embed="rId3"/>
           <a:stretch>
             <a:fillRect/>
           </a:stretch>
         </p:blipFill>
         <p:spPr>
           <a:xfrm>
-            <a:off x="2895600" y="1257300"/>
-            <a:ext cx="6324600" cy="7439575"/>
+            <a:off x="1219200" y="647700"/>
+            <a:ext cx="16565027" cy="7239000"/>
           </a:xfrm>
           <a:prstGeom prst="rect">
             <a:avLst/>
           </a:prstGeom>
         </p:spPr>
       </p:pic>
-      <p:sp>
-        <p:nvSpPr>
-          <p:cNvPr id="7" name="직사각형 6">
+      <p:cxnSp>
+        <p:nvCxnSpPr>
+          <p:cNvPr id="8" name="직선 화살표 연결선 7">
             <a:extLst>
               <a:ext uri="{FF2B5EF4-FFF2-40B4-BE49-F238E27FC236}">
-                <a16:creationId xmlns:a16="http://schemas.microsoft.com/office/drawing/2014/main" xmlns="" id="{FFF506F9-840A-0508-4CAF-3AC711D8D5CE}"/>
+                <a16:creationId xmlns:a16="http://schemas.microsoft.com/office/drawing/2014/main" id="{299DF5EC-9DF4-5255-06AC-0A7CE4FF58C3}"/>
               </a:ext>
             </a:extLst>
           </p:cNvPr>
-          <p:cNvSpPr/>
-          <p:nvPr/>
-        </p:nvSpPr>
-        <p:spPr>
-          <a:xfrm>
-            <a:off x="5334000" y="4610100"/>
-            <a:ext cx="2590800" cy="457200"/>
-          </a:xfrm>
-          <a:prstGeom prst="rect">
-            <a:avLst/>
-          </a:prstGeom>
-          <a:noFill/>
-          <a:ln>
-            <a:solidFill>
-              <a:srgbClr val="FF0000"/>
-            </a:solidFill>
+          <p:cNvCxnSpPr>
+            <a:cxnSpLocks/>
+          </p:cNvCxnSpPr>
+          <p:nvPr/>
+        </p:nvCxnSpPr>
+        <p:spPr>
+          <a:xfrm flipV="1">
+            <a:off x="13335000" y="1409700"/>
+            <a:ext cx="2590800" cy="1143000"/>
+          </a:xfrm>
+          <a:prstGeom prst="straightConnector1">
+            <a:avLst/>
+          </a:prstGeom>
+          <a:ln w="38100">
+            <a:tailEnd type="triangle"/>
           </a:ln>
         </p:spPr>
         <p:style>
-          <a:lnRef idx="2">
-            <a:schemeClr val="accent2">
-              <a:shade val="50000"/>
-            </a:schemeClr>
+          <a:lnRef idx="1">
+            <a:schemeClr val="accent2"/>
           </a:lnRef>
-          <a:fillRef idx="1">
+          <a:fillRef idx="0">
             <a:schemeClr val="accent2"/>
           </a:fillRef>
           <a:effectRef idx="0">
             <a:schemeClr val="accent2"/>
           </a:effectRef>
           <a:fontRef idx="minor">
-            <a:schemeClr val="lt1"/>
+            <a:schemeClr val="tx1"/>
           </a:fontRef>
         </p:style>
+      </p:cxnSp>
+      <p:sp>
+        <p:nvSpPr>
+          <p:cNvPr id="9" name="TextBox 8">
+            <a:extLst>
+              <a:ext uri="{FF2B5EF4-FFF2-40B4-BE49-F238E27FC236}">
+                <a16:creationId xmlns:a16="http://schemas.microsoft.com/office/drawing/2014/main" id="{C6D113C6-EA5C-788F-0C77-E7CE6EBB865F}"/>
+              </a:ext>
+            </a:extLst>
+          </p:cNvPr>
+          <p:cNvSpPr txBox="1"/>
+          <p:nvPr/>
+        </p:nvSpPr>
+        <p:spPr>
+          <a:xfrm>
+            <a:off x="12420600" y="2668369"/>
+            <a:ext cx="2438400" cy="646331"/>
+          </a:xfrm>
+          <a:prstGeom prst="rect">
+            <a:avLst/>
+          </a:prstGeom>
+          <a:noFill/>
+        </p:spPr>
         <p:txBody>
-          <a:bodyPr rtlCol="0" anchor="ctr"/>
+          <a:bodyPr wrap="square" rtlCol="0">
+            <a:spAutoFit/>
+          </a:bodyPr>
           <a:lstStyle/>
           <a:p>
-            <a:pPr algn="ctr"/>
-            <a:endParaRPr lang="ko-KR" altLang="en-US"/>
+            <a:r>
+              <a:rPr lang="ko-KR" altLang="en-US" sz="3600" dirty="0">
+                <a:solidFill>
+                  <a:srgbClr val="FF0000"/>
+                </a:solidFill>
+                <a:latin typeface="G마켓 산스 Medium" panose="02000000000000000000" pitchFamily="50" charset="-127"/>
+                <a:ea typeface="G마켓 산스 Medium" panose="02000000000000000000" pitchFamily="50" charset="-127"/>
+              </a:rPr>
+              <a:t>클릭</a:t>
+            </a:r>
+            <a:r>
+              <a:rPr lang="en-US" altLang="ko-KR" sz="3600" dirty="0">
+                <a:solidFill>
+                  <a:srgbClr val="FF0000"/>
+                </a:solidFill>
+                <a:latin typeface="G마켓 산스 Medium" panose="02000000000000000000" pitchFamily="50" charset="-127"/>
+                <a:ea typeface="G마켓 산스 Medium" panose="02000000000000000000" pitchFamily="50" charset="-127"/>
+              </a:rPr>
+              <a:t>!</a:t>
+            </a:r>
           </a:p>
         </p:txBody>
       </p:sp>
     </p:spTree>
     <p:extLst>
       <p:ext uri="{BB962C8B-B14F-4D97-AF65-F5344CB8AC3E}">
-        <p14:creationId xmlns:p14="http://schemas.microsoft.com/office/powerpoint/2010/main" val="4209904341"/>
+        <p14:creationId xmlns:p14="http://schemas.microsoft.com/office/powerpoint/2010/main" val="917691742"/>
       </p:ext>
     </p:extLst>
   </p:cSld>
@@ -27163,7 +27512,7 @@
       </p:grpSpPr>
       <p:pic>
         <p:nvPicPr>
-          <p:cNvPr id="4" name="그림 3"/>
+          <p:cNvPr id="6" name="그림 5"/>
           <p:cNvPicPr>
             <a:picLocks noChangeAspect="1"/>
           </p:cNvPicPr>
@@ -27177,8 +27526,8 @@
         </p:blipFill>
         <p:spPr>
           <a:xfrm>
-            <a:off x="1066800" y="647700"/>
-            <a:ext cx="15828506" cy="8610600"/>
+            <a:off x="2895600" y="1257300"/>
+            <a:ext cx="6324600" cy="7439575"/>
           </a:xfrm>
           <a:prstGeom prst="rect">
             <a:avLst/>
@@ -27187,10 +27536,10 @@
       </p:pic>
       <p:sp>
         <p:nvSpPr>
-          <p:cNvPr id="3" name="직사각형 2">
+          <p:cNvPr id="7" name="직사각형 6">
             <a:extLst>
               <a:ext uri="{FF2B5EF4-FFF2-40B4-BE49-F238E27FC236}">
-                <a16:creationId xmlns:a16="http://schemas.microsoft.com/office/drawing/2014/main" xmlns="" id="{FFF506F9-840A-0508-4CAF-3AC711D8D5CE}"/>
+                <a16:creationId xmlns:a16="http://schemas.microsoft.com/office/drawing/2014/main" id="{FFF506F9-840A-0508-4CAF-3AC711D8D5CE}"/>
               </a:ext>
             </a:extLst>
           </p:cNvPr>
@@ -27199,7 +27548,7 @@
         </p:nvSpPr>
         <p:spPr>
           <a:xfrm>
-            <a:off x="1085850" y="4957762"/>
+            <a:off x="5334000" y="4610100"/>
             <a:ext cx="2590800" cy="457200"/>
           </a:xfrm>
           <a:prstGeom prst="rect">
@@ -27240,7 +27589,7 @@
     </p:spTree>
     <p:extLst>
       <p:ext uri="{BB962C8B-B14F-4D97-AF65-F5344CB8AC3E}">
-        <p14:creationId xmlns:p14="http://schemas.microsoft.com/office/powerpoint/2010/main" val="650856561"/>
+        <p14:creationId xmlns:p14="http://schemas.microsoft.com/office/powerpoint/2010/main" val="4209904341"/>
       </p:ext>
     </p:extLst>
   </p:cSld>

--- a/JavaLecture/LectureFile/java 16강 chatGPT.pptx
+++ b/JavaLecture/LectureFile/java 16강 chatGPT.pptx
@@ -5,7 +5,7 @@
     <p:sldMasterId id="2147483648" r:id="rId1"/>
   </p:sldMasterIdLst>
   <p:notesMasterIdLst>
-    <p:notesMasterId r:id="rId54"/>
+    <p:notesMasterId r:id="rId52"/>
   </p:notesMasterIdLst>
   <p:sldIdLst>
     <p:sldId id="257" r:id="rId2"/>
@@ -16,50 +16,48 @@
     <p:sldId id="893" r:id="rId7"/>
     <p:sldId id="661" r:id="rId8"/>
     <p:sldId id="811" r:id="rId9"/>
-    <p:sldId id="883" r:id="rId10"/>
-    <p:sldId id="884" r:id="rId11"/>
-    <p:sldId id="885" r:id="rId12"/>
-    <p:sldId id="894" r:id="rId13"/>
-    <p:sldId id="891" r:id="rId14"/>
-    <p:sldId id="895" r:id="rId15"/>
-    <p:sldId id="897" r:id="rId16"/>
-    <p:sldId id="890" r:id="rId17"/>
-    <p:sldId id="903" r:id="rId18"/>
-    <p:sldId id="926" r:id="rId19"/>
-    <p:sldId id="909" r:id="rId20"/>
-    <p:sldId id="905" r:id="rId21"/>
-    <p:sldId id="906" r:id="rId22"/>
-    <p:sldId id="907" r:id="rId23"/>
-    <p:sldId id="910" r:id="rId24"/>
-    <p:sldId id="925" r:id="rId25"/>
-    <p:sldId id="911" r:id="rId26"/>
-    <p:sldId id="927" r:id="rId27"/>
-    <p:sldId id="912" r:id="rId28"/>
-    <p:sldId id="928" r:id="rId29"/>
-    <p:sldId id="913" r:id="rId30"/>
-    <p:sldId id="929" r:id="rId31"/>
-    <p:sldId id="914" r:id="rId32"/>
-    <p:sldId id="932" r:id="rId33"/>
-    <p:sldId id="930" r:id="rId34"/>
-    <p:sldId id="915" r:id="rId35"/>
-    <p:sldId id="933" r:id="rId36"/>
-    <p:sldId id="916" r:id="rId37"/>
-    <p:sldId id="934" r:id="rId38"/>
-    <p:sldId id="917" r:id="rId39"/>
-    <p:sldId id="918" r:id="rId40"/>
-    <p:sldId id="931" r:id="rId41"/>
-    <p:sldId id="919" r:id="rId42"/>
-    <p:sldId id="935" r:id="rId43"/>
-    <p:sldId id="920" r:id="rId44"/>
-    <p:sldId id="936" r:id="rId45"/>
-    <p:sldId id="937" r:id="rId46"/>
-    <p:sldId id="938" r:id="rId47"/>
-    <p:sldId id="939" r:id="rId48"/>
-    <p:sldId id="921" r:id="rId49"/>
-    <p:sldId id="922" r:id="rId50"/>
-    <p:sldId id="923" r:id="rId51"/>
-    <p:sldId id="924" r:id="rId52"/>
-    <p:sldId id="275" r:id="rId53"/>
+    <p:sldId id="885" r:id="rId10"/>
+    <p:sldId id="894" r:id="rId11"/>
+    <p:sldId id="891" r:id="rId12"/>
+    <p:sldId id="895" r:id="rId13"/>
+    <p:sldId id="941" r:id="rId14"/>
+    <p:sldId id="890" r:id="rId15"/>
+    <p:sldId id="903" r:id="rId16"/>
+    <p:sldId id="926" r:id="rId17"/>
+    <p:sldId id="909" r:id="rId18"/>
+    <p:sldId id="905" r:id="rId19"/>
+    <p:sldId id="906" r:id="rId20"/>
+    <p:sldId id="907" r:id="rId21"/>
+    <p:sldId id="910" r:id="rId22"/>
+    <p:sldId id="925" r:id="rId23"/>
+    <p:sldId id="911" r:id="rId24"/>
+    <p:sldId id="927" r:id="rId25"/>
+    <p:sldId id="912" r:id="rId26"/>
+    <p:sldId id="928" r:id="rId27"/>
+    <p:sldId id="913" r:id="rId28"/>
+    <p:sldId id="929" r:id="rId29"/>
+    <p:sldId id="914" r:id="rId30"/>
+    <p:sldId id="932" r:id="rId31"/>
+    <p:sldId id="930" r:id="rId32"/>
+    <p:sldId id="915" r:id="rId33"/>
+    <p:sldId id="933" r:id="rId34"/>
+    <p:sldId id="916" r:id="rId35"/>
+    <p:sldId id="934" r:id="rId36"/>
+    <p:sldId id="917" r:id="rId37"/>
+    <p:sldId id="918" r:id="rId38"/>
+    <p:sldId id="931" r:id="rId39"/>
+    <p:sldId id="919" r:id="rId40"/>
+    <p:sldId id="935" r:id="rId41"/>
+    <p:sldId id="920" r:id="rId42"/>
+    <p:sldId id="936" r:id="rId43"/>
+    <p:sldId id="937" r:id="rId44"/>
+    <p:sldId id="938" r:id="rId45"/>
+    <p:sldId id="939" r:id="rId46"/>
+    <p:sldId id="921" r:id="rId47"/>
+    <p:sldId id="922" r:id="rId48"/>
+    <p:sldId id="923" r:id="rId49"/>
+    <p:sldId id="924" r:id="rId50"/>
+    <p:sldId id="275" r:id="rId51"/>
   </p:sldIdLst>
   <p:sldSz cx="18288000" cy="10287000"/>
   <p:notesSz cx="7104063" cy="10234613"/>
@@ -259,7 +257,7 @@
           <a:p>
             <a:fld id="{D79F2C30-10E1-4C46-91DC-BBDB9629E720}" type="datetimeFigureOut">
               <a:rPr lang="ko-KR" altLang="en-US" smtClean="0"/>
-              <a:t>2023-11-19 Sunday</a:t>
+              <a:t>2024-04-20 Saturday</a:t>
             </a:fld>
             <a:endParaRPr lang="ko-KR" altLang="en-US"/>
           </a:p>
@@ -803,7 +801,7 @@
           <a:p>
             <a:fld id="{F8166F1F-CE9B-4651-A6AA-CD717754106B}" type="datetimeFigureOut">
               <a:rPr lang="en-US" smtClean="0"/>
-              <a:t>11/19/2023</a:t>
+              <a:t>4/20/2024</a:t>
             </a:fld>
             <a:endParaRPr lang="en-US"/>
           </a:p>
@@ -1006,7 +1004,7 @@
           <a:p>
             <a:fld id="{A76116CE-C4A3-4A05-B2D7-7C2E9A889C0F}" type="datetimeFigureOut">
               <a:rPr lang="en-US" smtClean="0"/>
-              <a:t>11/19/2023</a:t>
+              <a:t>4/20/2024</a:t>
             </a:fld>
             <a:endParaRPr lang="en-US"/>
           </a:p>
@@ -1209,7 +1207,7 @@
           <a:p>
             <a:fld id="{A76116CE-C4A3-4A05-B2D7-7C2E9A889C0F}" type="datetimeFigureOut">
               <a:rPr lang="en-US" smtClean="0"/>
-              <a:t>11/19/2023</a:t>
+              <a:t>4/20/2024</a:t>
             </a:fld>
             <a:endParaRPr lang="en-US"/>
           </a:p>
@@ -1414,7 +1412,7 @@
           <a:p>
             <a:fld id="{A76116CE-C4A3-4A05-B2D7-7C2E9A889C0F}" type="datetimeFigureOut">
               <a:rPr lang="en-US" smtClean="0"/>
-              <a:t>11/19/2023</a:t>
+              <a:t>4/20/2024</a:t>
             </a:fld>
             <a:endParaRPr lang="en-US"/>
           </a:p>
@@ -1684,7 +1682,7 @@
           <a:p>
             <a:fld id="{A76116CE-C4A3-4A05-B2D7-7C2E9A889C0F}" type="datetimeFigureOut">
               <a:rPr lang="en-US" smtClean="0"/>
-              <a:t>11/19/2023</a:t>
+              <a:t>4/20/2024</a:t>
             </a:fld>
             <a:endParaRPr lang="en-US"/>
           </a:p>
@@ -2002,7 +2000,7 @@
           <a:p>
             <a:fld id="{A76116CE-C4A3-4A05-B2D7-7C2E9A889C0F}" type="datetimeFigureOut">
               <a:rPr lang="en-US" smtClean="0"/>
-              <a:t>11/19/2023</a:t>
+              <a:t>4/20/2024</a:t>
             </a:fld>
             <a:endParaRPr lang="en-US"/>
           </a:p>
@@ -2460,7 +2458,7 @@
           <a:p>
             <a:fld id="{A76116CE-C4A3-4A05-B2D7-7C2E9A889C0F}" type="datetimeFigureOut">
               <a:rPr lang="en-US" smtClean="0"/>
-              <a:t>11/19/2023</a:t>
+              <a:t>4/20/2024</a:t>
             </a:fld>
             <a:endParaRPr lang="en-US"/>
           </a:p>
@@ -2604,7 +2602,7 @@
           <a:p>
             <a:fld id="{A76116CE-C4A3-4A05-B2D7-7C2E9A889C0F}" type="datetimeFigureOut">
               <a:rPr lang="en-US" smtClean="0"/>
-              <a:t>11/19/2023</a:t>
+              <a:t>4/20/2024</a:t>
             </a:fld>
             <a:endParaRPr lang="en-US"/>
           </a:p>
@@ -2718,7 +2716,7 @@
           <a:p>
             <a:fld id="{A76116CE-C4A3-4A05-B2D7-7C2E9A889C0F}" type="datetimeFigureOut">
               <a:rPr lang="en-US" smtClean="0"/>
-              <a:t>11/19/2023</a:t>
+              <a:t>4/20/2024</a:t>
             </a:fld>
             <a:endParaRPr lang="en-US"/>
           </a:p>
@@ -3021,7 +3019,7 @@
           <a:p>
             <a:fld id="{A76116CE-C4A3-4A05-B2D7-7C2E9A889C0F}" type="datetimeFigureOut">
               <a:rPr lang="en-US" smtClean="0"/>
-              <a:t>11/19/2023</a:t>
+              <a:t>4/20/2024</a:t>
             </a:fld>
             <a:endParaRPr lang="en-US"/>
           </a:p>
@@ -3301,7 +3299,7 @@
           <a:p>
             <a:fld id="{A76116CE-C4A3-4A05-B2D7-7C2E9A889C0F}" type="datetimeFigureOut">
               <a:rPr lang="en-US" smtClean="0"/>
-              <a:t>11/19/2023</a:t>
+              <a:t>4/20/2024</a:t>
             </a:fld>
             <a:endParaRPr lang="en-US"/>
           </a:p>
@@ -4252,7 +4250,7 @@
       </p:grpSpPr>
       <p:pic>
         <p:nvPicPr>
-          <p:cNvPr id="4" name="그림 3"/>
+          <p:cNvPr id="2" name="그림 1"/>
           <p:cNvPicPr>
             <a:picLocks noChangeAspect="1"/>
           </p:cNvPicPr>
@@ -4266,8 +4264,8 @@
         </p:blipFill>
         <p:spPr>
           <a:xfrm>
-            <a:off x="1066800" y="647700"/>
-            <a:ext cx="15828506" cy="8610600"/>
+            <a:off x="1371599" y="190500"/>
+            <a:ext cx="15945599" cy="9829800"/>
           </a:xfrm>
           <a:prstGeom prst="rect">
             <a:avLst/>
@@ -4276,7 +4274,7 @@
       </p:pic>
       <p:sp>
         <p:nvSpPr>
-          <p:cNvPr id="3" name="직사각형 2">
+          <p:cNvPr id="5" name="직사각형 4">
             <a:extLst>
               <a:ext uri="{FF2B5EF4-FFF2-40B4-BE49-F238E27FC236}">
                 <a16:creationId xmlns:a16="http://schemas.microsoft.com/office/drawing/2014/main" id="{FFF506F9-840A-0508-4CAF-3AC711D8D5CE}"/>
@@ -4288,8 +4286,8 @@
         </p:nvSpPr>
         <p:spPr>
           <a:xfrm>
-            <a:off x="1085850" y="4957762"/>
-            <a:ext cx="2590800" cy="457200"/>
+            <a:off x="1676400" y="7810500"/>
+            <a:ext cx="4038600" cy="990600"/>
           </a:xfrm>
           <a:prstGeom prst="rect">
             <a:avLst/>
@@ -4329,7 +4327,7 @@
     </p:spTree>
     <p:extLst>
       <p:ext uri="{BB962C8B-B14F-4D97-AF65-F5344CB8AC3E}">
-        <p14:creationId xmlns:p14="http://schemas.microsoft.com/office/powerpoint/2010/main" val="650856561"/>
+        <p14:creationId xmlns:p14="http://schemas.microsoft.com/office/powerpoint/2010/main" val="267216847"/>
       </p:ext>
     </p:extLst>
   </p:cSld>
@@ -4372,20 +4370,114 @@
         </p:blipFill>
         <p:spPr>
           <a:xfrm>
-            <a:off x="1143000" y="38100"/>
-            <a:ext cx="10169000" cy="7772400"/>
+            <a:off x="7010400" y="647700"/>
+            <a:ext cx="10287000" cy="8126730"/>
           </a:xfrm>
           <a:prstGeom prst="rect">
             <a:avLst/>
           </a:prstGeom>
         </p:spPr>
       </p:pic>
+      <p:cxnSp>
+        <p:nvCxnSpPr>
+          <p:cNvPr id="5" name="직선 화살표 연결선 4">
+            <a:extLst>
+              <a:ext uri="{FF2B5EF4-FFF2-40B4-BE49-F238E27FC236}">
+                <a16:creationId xmlns:a16="http://schemas.microsoft.com/office/drawing/2014/main" id="{299DF5EC-9DF4-5255-06AC-0A7CE4FF58C3}"/>
+              </a:ext>
+            </a:extLst>
+          </p:cNvPr>
+          <p:cNvCxnSpPr>
+            <a:cxnSpLocks/>
+            <a:stCxn id="4" idx="1"/>
+          </p:cNvCxnSpPr>
+          <p:nvPr/>
+        </p:nvCxnSpPr>
+        <p:spPr>
+          <a:xfrm flipH="1">
+            <a:off x="3048000" y="4711065"/>
+            <a:ext cx="3962400" cy="2032635"/>
+          </a:xfrm>
+          <a:prstGeom prst="straightConnector1">
+            <a:avLst/>
+          </a:prstGeom>
+          <a:ln w="38100">
+            <a:tailEnd type="triangle"/>
+          </a:ln>
+        </p:spPr>
+        <p:style>
+          <a:lnRef idx="1">
+            <a:schemeClr val="accent2"/>
+          </a:lnRef>
+          <a:fillRef idx="0">
+            <a:schemeClr val="accent2"/>
+          </a:fillRef>
+          <a:effectRef idx="0">
+            <a:schemeClr val="accent2"/>
+          </a:effectRef>
+          <a:fontRef idx="minor">
+            <a:schemeClr val="tx1"/>
+          </a:fontRef>
+        </p:style>
+      </p:cxnSp>
       <p:sp>
         <p:nvSpPr>
-          <p:cNvPr id="5" name="TextBox 4">
+          <p:cNvPr id="6" name="직사각형 5">
             <a:extLst>
               <a:ext uri="{FF2B5EF4-FFF2-40B4-BE49-F238E27FC236}">
-                <a16:creationId xmlns:a16="http://schemas.microsoft.com/office/drawing/2014/main" id="{D15853EE-94B0-D08B-DCB7-3381290CC3FF}"/>
+                <a16:creationId xmlns:a16="http://schemas.microsoft.com/office/drawing/2014/main" id="{FFF506F9-840A-0508-4CAF-3AC711D8D5CE}"/>
+              </a:ext>
+            </a:extLst>
+          </p:cNvPr>
+          <p:cNvSpPr/>
+          <p:nvPr/>
+        </p:nvSpPr>
+        <p:spPr>
+          <a:xfrm>
+            <a:off x="7068703" y="3619500"/>
+            <a:ext cx="1313297" cy="1320165"/>
+          </a:xfrm>
+          <a:prstGeom prst="rect">
+            <a:avLst/>
+          </a:prstGeom>
+          <a:noFill/>
+          <a:ln>
+            <a:solidFill>
+              <a:srgbClr val="FF0000"/>
+            </a:solidFill>
+          </a:ln>
+        </p:spPr>
+        <p:style>
+          <a:lnRef idx="2">
+            <a:schemeClr val="accent2">
+              <a:shade val="50000"/>
+            </a:schemeClr>
+          </a:lnRef>
+          <a:fillRef idx="1">
+            <a:schemeClr val="accent2"/>
+          </a:fillRef>
+          <a:effectRef idx="0">
+            <a:schemeClr val="accent2"/>
+          </a:effectRef>
+          <a:fontRef idx="minor">
+            <a:schemeClr val="lt1"/>
+          </a:fontRef>
+        </p:style>
+        <p:txBody>
+          <a:bodyPr rtlCol="0" anchor="ctr"/>
+          <a:lstStyle/>
+          <a:p>
+            <a:pPr algn="ctr"/>
+            <a:endParaRPr lang="ko-KR" altLang="en-US"/>
+          </a:p>
+        </p:txBody>
+      </p:sp>
+      <p:sp>
+        <p:nvSpPr>
+          <p:cNvPr id="7" name="TextBox 6">
+            <a:extLst>
+              <a:ext uri="{FF2B5EF4-FFF2-40B4-BE49-F238E27FC236}">
+                <a16:creationId xmlns:a16="http://schemas.microsoft.com/office/drawing/2014/main" id="{C6D113C6-EA5C-788F-0C77-E7CE6EBB865F}"/>
               </a:ext>
             </a:extLst>
           </p:cNvPr>
@@ -4394,8 +4486,8 @@
         </p:nvSpPr>
         <p:spPr>
           <a:xfrm>
-            <a:off x="228600" y="7962900"/>
-            <a:ext cx="17678400" cy="1938992"/>
+            <a:off x="381000" y="6959011"/>
+            <a:ext cx="6400800" cy="707886"/>
           </a:xfrm>
           <a:prstGeom prst="rect">
             <a:avLst/>
@@ -4416,7 +4508,7 @@
                 <a:latin typeface="G마켓 산스 Medium" panose="02000000000000000000" pitchFamily="50" charset="-127"/>
                 <a:ea typeface="G마켓 산스 Medium" panose="02000000000000000000" pitchFamily="50" charset="-127"/>
               </a:rPr>
-              <a:t>키는 반드시 따로 저장해두기</a:t>
+              <a:t>자연어를 이해하는 모델</a:t>
             </a:r>
             <a:endParaRPr lang="en-US" altLang="ko-KR" sz="4000" dirty="0">
               <a:solidFill>
@@ -4426,103 +4518,12 @@
               <a:ea typeface="G마켓 산스 Medium" panose="02000000000000000000" pitchFamily="50" charset="-127"/>
             </a:endParaRPr>
           </a:p>
-          <a:p>
-            <a:r>
-              <a:rPr lang="en-US" altLang="ko-KR" sz="4000" dirty="0">
-                <a:solidFill>
-                  <a:srgbClr val="FF0000"/>
-                </a:solidFill>
-                <a:latin typeface="G마켓 산스 Medium" panose="02000000000000000000" pitchFamily="50" charset="-127"/>
-                <a:ea typeface="G마켓 산스 Medium" panose="02000000000000000000" pitchFamily="50" charset="-127"/>
-              </a:rPr>
-              <a:t>(</a:t>
-            </a:r>
-            <a:r>
-              <a:rPr lang="ko-KR" altLang="en-US" sz="4000" dirty="0">
-                <a:solidFill>
-                  <a:srgbClr val="FF0000"/>
-                </a:solidFill>
-                <a:latin typeface="G마켓 산스 Medium" panose="02000000000000000000" pitchFamily="50" charset="-127"/>
-                <a:ea typeface="G마켓 산스 Medium" panose="02000000000000000000" pitchFamily="50" charset="-127"/>
-              </a:rPr>
-              <a:t>사이트에서 다시 조회 불가능</a:t>
-            </a:r>
-            <a:r>
-              <a:rPr lang="en-US" altLang="ko-KR" sz="4000" dirty="0">
-                <a:solidFill>
-                  <a:srgbClr val="FF0000"/>
-                </a:solidFill>
-                <a:latin typeface="G마켓 산스 Medium" panose="02000000000000000000" pitchFamily="50" charset="-127"/>
-                <a:ea typeface="G마켓 산스 Medium" panose="02000000000000000000" pitchFamily="50" charset="-127"/>
-              </a:rPr>
-              <a:t>, </a:t>
-            </a:r>
-            <a:r>
-              <a:rPr lang="ko-KR" altLang="en-US" sz="4000" dirty="0">
-                <a:solidFill>
-                  <a:srgbClr val="FF0000"/>
-                </a:solidFill>
-                <a:latin typeface="G마켓 산스 Medium" panose="02000000000000000000" pitchFamily="50" charset="-127"/>
-                <a:ea typeface="G마켓 산스 Medium" panose="02000000000000000000" pitchFamily="50" charset="-127"/>
-              </a:rPr>
-              <a:t>재발급 해야 됨</a:t>
-            </a:r>
-            <a:r>
-              <a:rPr lang="en-US" altLang="ko-KR" sz="4000" dirty="0">
-                <a:solidFill>
-                  <a:srgbClr val="FF0000"/>
-                </a:solidFill>
-                <a:latin typeface="G마켓 산스 Medium" panose="02000000000000000000" pitchFamily="50" charset="-127"/>
-                <a:ea typeface="G마켓 산스 Medium" panose="02000000000000000000" pitchFamily="50" charset="-127"/>
-              </a:rPr>
-              <a:t>)</a:t>
-            </a:r>
-          </a:p>
-          <a:p>
-            <a:r>
-              <a:rPr lang="ko-KR" altLang="en-US" sz="4000" dirty="0">
-                <a:solidFill>
-                  <a:srgbClr val="FF0000"/>
-                </a:solidFill>
-                <a:latin typeface="G마켓 산스 Medium" panose="02000000000000000000" pitchFamily="50" charset="-127"/>
-                <a:ea typeface="G마켓 산스 Medium" panose="02000000000000000000" pitchFamily="50" charset="-127"/>
-              </a:rPr>
-              <a:t>소스코드에 포함된 채 </a:t>
-            </a:r>
-            <a:r>
-              <a:rPr lang="ko-KR" altLang="en-US" sz="4000" dirty="0" err="1">
-                <a:solidFill>
-                  <a:srgbClr val="FF0000"/>
-                </a:solidFill>
-                <a:latin typeface="G마켓 산스 Medium" panose="02000000000000000000" pitchFamily="50" charset="-127"/>
-                <a:ea typeface="G마켓 산스 Medium" panose="02000000000000000000" pitchFamily="50" charset="-127"/>
-              </a:rPr>
-              <a:t>깃허브</a:t>
-            </a:r>
-            <a:r>
-              <a:rPr lang="ko-KR" altLang="en-US" sz="4000" dirty="0">
-                <a:solidFill>
-                  <a:srgbClr val="FF0000"/>
-                </a:solidFill>
-                <a:latin typeface="G마켓 산스 Medium" panose="02000000000000000000" pitchFamily="50" charset="-127"/>
-                <a:ea typeface="G마켓 산스 Medium" panose="02000000000000000000" pitchFamily="50" charset="-127"/>
-              </a:rPr>
-              <a:t> 올라가면 키 누출 감지되어 재발급해야 함</a:t>
-            </a:r>
-            <a:endParaRPr lang="en-US" altLang="ko-KR" sz="4000" dirty="0">
-              <a:solidFill>
-                <a:srgbClr val="FF0000"/>
-              </a:solidFill>
-              <a:latin typeface="G마켓 산스 Medium" panose="02000000000000000000" pitchFamily="50" charset="-127"/>
-              <a:ea typeface="G마켓 산스 Medium" panose="02000000000000000000" pitchFamily="50" charset="-127"/>
-            </a:endParaRPr>
-          </a:p>
         </p:txBody>
       </p:sp>
     </p:spTree>
     <p:extLst>
       <p:ext uri="{BB962C8B-B14F-4D97-AF65-F5344CB8AC3E}">
-        <p14:creationId xmlns:p14="http://schemas.microsoft.com/office/powerpoint/2010/main" val="3819788863"/>
+        <p14:creationId xmlns:p14="http://schemas.microsoft.com/office/powerpoint/2010/main" val="162401542"/>
       </p:ext>
     </p:extLst>
   </p:cSld>
@@ -4551,7 +4552,7 @@
       </p:grpSpPr>
       <p:pic>
         <p:nvPicPr>
-          <p:cNvPr id="2" name="그림 1"/>
+          <p:cNvPr id="4" name="그림 3"/>
           <p:cNvPicPr>
             <a:picLocks noChangeAspect="1"/>
           </p:cNvPicPr>
@@ -4565,8 +4566,8 @@
         </p:blipFill>
         <p:spPr>
           <a:xfrm>
-            <a:off x="1371599" y="190500"/>
-            <a:ext cx="15945599" cy="9829800"/>
+            <a:off x="4114800" y="419100"/>
+            <a:ext cx="9906000" cy="9413855"/>
           </a:xfrm>
           <a:prstGeom prst="rect">
             <a:avLst/>
@@ -4575,10 +4576,10 @@
       </p:pic>
       <p:sp>
         <p:nvSpPr>
-          <p:cNvPr id="5" name="직사각형 4">
+          <p:cNvPr id="3" name="직사각형 2">
             <a:extLst>
               <a:ext uri="{FF2B5EF4-FFF2-40B4-BE49-F238E27FC236}">
-                <a16:creationId xmlns:a16="http://schemas.microsoft.com/office/drawing/2014/main" id="{FFF506F9-840A-0508-4CAF-3AC711D8D5CE}"/>
+                <a16:creationId xmlns:a16="http://schemas.microsoft.com/office/drawing/2014/main" id="{D56F2D37-FCDE-A9A1-204F-BF5EA09D8A51}"/>
               </a:ext>
             </a:extLst>
           </p:cNvPr>
@@ -4587,8 +4588,8 @@
         </p:nvSpPr>
         <p:spPr>
           <a:xfrm>
-            <a:off x="1676400" y="7810500"/>
-            <a:ext cx="4038600" cy="990600"/>
+            <a:off x="3962400" y="5825672"/>
+            <a:ext cx="2362200" cy="3432628"/>
           </a:xfrm>
           <a:prstGeom prst="rect">
             <a:avLst/>
@@ -4625,10 +4626,58 @@
           </a:p>
         </p:txBody>
       </p:sp>
+      <p:sp>
+        <p:nvSpPr>
+          <p:cNvPr id="7" name="TextBox 6">
+            <a:extLst>
+              <a:ext uri="{FF2B5EF4-FFF2-40B4-BE49-F238E27FC236}">
+                <a16:creationId xmlns:a16="http://schemas.microsoft.com/office/drawing/2014/main" id="{3462652A-D76E-A8FF-1E72-DDD72FF09084}"/>
+              </a:ext>
+            </a:extLst>
+          </p:cNvPr>
+          <p:cNvSpPr txBox="1"/>
+          <p:nvPr/>
+        </p:nvSpPr>
+        <p:spPr>
+          <a:xfrm>
+            <a:off x="304800" y="7160829"/>
+            <a:ext cx="3810000" cy="707886"/>
+          </a:xfrm>
+          <a:prstGeom prst="rect">
+            <a:avLst/>
+          </a:prstGeom>
+          <a:noFill/>
+        </p:spPr>
+        <p:txBody>
+          <a:bodyPr wrap="square" rtlCol="0">
+            <a:spAutoFit/>
+          </a:bodyPr>
+          <a:lstStyle/>
+          <a:p>
+            <a:r>
+              <a:rPr lang="ko-KR" altLang="en-US" sz="4000" dirty="0">
+                <a:solidFill>
+                  <a:srgbClr val="FF0000"/>
+                </a:solidFill>
+                <a:latin typeface="G마켓 산스 Medium" panose="02000000000000000000" pitchFamily="50" charset="-127"/>
+                <a:ea typeface="G마켓 산스 Medium" panose="02000000000000000000" pitchFamily="50" charset="-127"/>
+              </a:rPr>
+              <a:t>현재는 삭제됨</a:t>
+            </a:r>
+            <a:endParaRPr lang="en-US" altLang="ko-KR" sz="4000" dirty="0">
+              <a:solidFill>
+                <a:srgbClr val="FF0000"/>
+              </a:solidFill>
+              <a:latin typeface="G마켓 산스 Medium" panose="02000000000000000000" pitchFamily="50" charset="-127"/>
+              <a:ea typeface="G마켓 산스 Medium" panose="02000000000000000000" pitchFamily="50" charset="-127"/>
+            </a:endParaRPr>
+          </a:p>
+        </p:txBody>
+      </p:sp>
     </p:spTree>
     <p:extLst>
       <p:ext uri="{BB962C8B-B14F-4D97-AF65-F5344CB8AC3E}">
-        <p14:creationId xmlns:p14="http://schemas.microsoft.com/office/powerpoint/2010/main" val="267216847"/>
+        <p14:creationId xmlns:p14="http://schemas.microsoft.com/office/powerpoint/2010/main" val="621010423"/>
       </p:ext>
     </p:extLst>
   </p:cSld>
@@ -4657,7 +4706,13 @@
       </p:grpSpPr>
       <p:pic>
         <p:nvPicPr>
-          <p:cNvPr id="4" name="그림 3"/>
+          <p:cNvPr id="5" name="그림 4">
+            <a:extLst>
+              <a:ext uri="{FF2B5EF4-FFF2-40B4-BE49-F238E27FC236}">
+                <a16:creationId xmlns:a16="http://schemas.microsoft.com/office/drawing/2014/main" id="{76F5294A-9FE7-2DFE-579A-AF78402013AA}"/>
+              </a:ext>
+            </a:extLst>
+          </p:cNvPr>
           <p:cNvPicPr>
             <a:picLocks noChangeAspect="1"/>
           </p:cNvPicPr>
@@ -4671,8 +4726,8 @@
         </p:blipFill>
         <p:spPr>
           <a:xfrm>
-            <a:off x="7010400" y="647700"/>
-            <a:ext cx="10287000" cy="8126730"/>
+            <a:off x="4191000" y="1638300"/>
+            <a:ext cx="9310057" cy="8305800"/>
           </a:xfrm>
           <a:prstGeom prst="rect">
             <a:avLst/>
@@ -4681,23 +4736,22 @@
       </p:pic>
       <p:cxnSp>
         <p:nvCxnSpPr>
-          <p:cNvPr id="5" name="직선 화살표 연결선 4">
+          <p:cNvPr id="6" name="직선 화살표 연결선 5">
             <a:extLst>
               <a:ext uri="{FF2B5EF4-FFF2-40B4-BE49-F238E27FC236}">
-                <a16:creationId xmlns:a16="http://schemas.microsoft.com/office/drawing/2014/main" id="{299DF5EC-9DF4-5255-06AC-0A7CE4FF58C3}"/>
+                <a16:creationId xmlns:a16="http://schemas.microsoft.com/office/drawing/2014/main" id="{091EE58E-F194-632A-FD9E-3522FBE5B522}"/>
               </a:ext>
             </a:extLst>
           </p:cNvPr>
           <p:cNvCxnSpPr>
             <a:cxnSpLocks/>
-            <a:stCxn id="4" idx="1"/>
           </p:cNvCxnSpPr>
           <p:nvPr/>
         </p:nvCxnSpPr>
         <p:spPr>
           <a:xfrm flipH="1">
-            <a:off x="3048000" y="4711065"/>
-            <a:ext cx="3962400" cy="2032635"/>
+            <a:off x="3048000" y="4838701"/>
+            <a:ext cx="2057400" cy="1904999"/>
           </a:xfrm>
           <a:prstGeom prst="straightConnector1">
             <a:avLst/>
@@ -4723,10 +4777,10 @@
       </p:cxnSp>
       <p:sp>
         <p:nvSpPr>
-          <p:cNvPr id="6" name="직사각형 5">
+          <p:cNvPr id="7" name="직사각형 6">
             <a:extLst>
               <a:ext uri="{FF2B5EF4-FFF2-40B4-BE49-F238E27FC236}">
-                <a16:creationId xmlns:a16="http://schemas.microsoft.com/office/drawing/2014/main" id="{FFF506F9-840A-0508-4CAF-3AC711D8D5CE}"/>
+                <a16:creationId xmlns:a16="http://schemas.microsoft.com/office/drawing/2014/main" id="{6EE15A6A-5802-F652-23A0-B955767E984E}"/>
               </a:ext>
             </a:extLst>
           </p:cNvPr>
@@ -4735,8 +4789,8 @@
         </p:nvSpPr>
         <p:spPr>
           <a:xfrm>
-            <a:off x="7068703" y="4482465"/>
-            <a:ext cx="1327052" cy="457200"/>
+            <a:off x="4267200" y="4229101"/>
+            <a:ext cx="1600200" cy="609600"/>
           </a:xfrm>
           <a:prstGeom prst="rect">
             <a:avLst/>
@@ -4775,10 +4829,10 @@
       </p:sp>
       <p:sp>
         <p:nvSpPr>
-          <p:cNvPr id="7" name="TextBox 6">
+          <p:cNvPr id="8" name="TextBox 7">
             <a:extLst>
               <a:ext uri="{FF2B5EF4-FFF2-40B4-BE49-F238E27FC236}">
-                <a16:creationId xmlns:a16="http://schemas.microsoft.com/office/drawing/2014/main" id="{C6D113C6-EA5C-788F-0C77-E7CE6EBB865F}"/>
+                <a16:creationId xmlns:a16="http://schemas.microsoft.com/office/drawing/2014/main" id="{FD96AD31-4C64-A2EC-C524-97527879948B}"/>
               </a:ext>
             </a:extLst>
           </p:cNvPr>
@@ -4788,7 +4842,7 @@
         <p:spPr>
           <a:xfrm>
             <a:off x="381000" y="6959011"/>
-            <a:ext cx="6400800" cy="707886"/>
+            <a:ext cx="3810000" cy="707886"/>
           </a:xfrm>
           <a:prstGeom prst="rect">
             <a:avLst/>
@@ -4802,14 +4856,14 @@
           <a:lstStyle/>
           <a:p>
             <a:r>
-              <a:rPr lang="ko-KR" altLang="en-US" sz="4000">
+              <a:rPr lang="ko-KR" altLang="en-US" sz="4000" dirty="0">
                 <a:solidFill>
                   <a:srgbClr val="FF0000"/>
                 </a:solidFill>
                 <a:latin typeface="G마켓 산스 Medium" panose="02000000000000000000" pitchFamily="50" charset="-127"/>
                 <a:ea typeface="G마켓 산스 Medium" panose="02000000000000000000" pitchFamily="50" charset="-127"/>
               </a:rPr>
-              <a:t>자연어를 이해하는 모델</a:t>
+              <a:t>가장 최신모델</a:t>
             </a:r>
             <a:endParaRPr lang="en-US" altLang="ko-KR" sz="4000" dirty="0">
               <a:solidFill>
@@ -4824,7 +4878,7 @@
     </p:spTree>
     <p:extLst>
       <p:ext uri="{BB962C8B-B14F-4D97-AF65-F5344CB8AC3E}">
-        <p14:creationId xmlns:p14="http://schemas.microsoft.com/office/powerpoint/2010/main" val="162401542"/>
+        <p14:creationId xmlns:p14="http://schemas.microsoft.com/office/powerpoint/2010/main" val="2879894615"/>
       </p:ext>
     </p:extLst>
   </p:cSld>
@@ -4867,20 +4921,156 @@
         </p:blipFill>
         <p:spPr>
           <a:xfrm>
-            <a:off x="2438400" y="419100"/>
-            <a:ext cx="9906000" cy="9413855"/>
+            <a:off x="3886199" y="1569303"/>
+            <a:ext cx="10323773" cy="7315200"/>
           </a:xfrm>
           <a:prstGeom prst="rect">
             <a:avLst/>
           </a:prstGeom>
         </p:spPr>
       </p:pic>
+      <p:sp>
+        <p:nvSpPr>
+          <p:cNvPr id="5" name="TextBox 4">
+            <a:extLst>
+              <a:ext uri="{FF2B5EF4-FFF2-40B4-BE49-F238E27FC236}">
+                <a16:creationId xmlns:a16="http://schemas.microsoft.com/office/drawing/2014/main" id="{D15853EE-94B0-D08B-DCB7-3381290CC3FF}"/>
+              </a:ext>
+            </a:extLst>
+          </p:cNvPr>
+          <p:cNvSpPr txBox="1"/>
+          <p:nvPr/>
+        </p:nvSpPr>
+        <p:spPr>
+          <a:xfrm>
+            <a:off x="2133600" y="9341703"/>
+            <a:ext cx="15316200" cy="830997"/>
+          </a:xfrm>
+          <a:prstGeom prst="rect">
+            <a:avLst/>
+          </a:prstGeom>
+          <a:noFill/>
+        </p:spPr>
+        <p:txBody>
+          <a:bodyPr wrap="square" rtlCol="0">
+            <a:spAutoFit/>
+          </a:bodyPr>
+          <a:lstStyle/>
+          <a:p>
+            <a:r>
+              <a:rPr lang="ko-KR" altLang="en-US" sz="4800" dirty="0">
+                <a:solidFill>
+                  <a:srgbClr val="4C50BC"/>
+                </a:solidFill>
+                <a:latin typeface="G마켓 산스 Medium" panose="02000000000000000000" pitchFamily="50" charset="-127"/>
+                <a:ea typeface="G마켓 산스 Medium" panose="02000000000000000000" pitchFamily="50" charset="-127"/>
+              </a:rPr>
+              <a:t>사용량이 정해져 있으나 개발에 </a:t>
+            </a:r>
+            <a:r>
+              <a:rPr lang="ko-KR" altLang="en-US" sz="4800" dirty="0" err="1">
+                <a:solidFill>
+                  <a:srgbClr val="4C50BC"/>
+                </a:solidFill>
+                <a:latin typeface="G마켓 산스 Medium" panose="02000000000000000000" pitchFamily="50" charset="-127"/>
+                <a:ea typeface="G마켓 산스 Medium" panose="02000000000000000000" pitchFamily="50" charset="-127"/>
+              </a:rPr>
+              <a:t>쓰는건</a:t>
+            </a:r>
+            <a:r>
+              <a:rPr lang="ko-KR" altLang="en-US" sz="4800" dirty="0">
+                <a:solidFill>
+                  <a:srgbClr val="4C50BC"/>
+                </a:solidFill>
+                <a:latin typeface="G마켓 산스 Medium" panose="02000000000000000000" pitchFamily="50" charset="-127"/>
+                <a:ea typeface="G마켓 산스 Medium" panose="02000000000000000000" pitchFamily="50" charset="-127"/>
+              </a:rPr>
+              <a:t> 충분</a:t>
+            </a:r>
+            <a:endParaRPr lang="en-US" altLang="ko-KR" sz="4800" dirty="0">
+              <a:solidFill>
+                <a:srgbClr val="4C50BC"/>
+              </a:solidFill>
+              <a:latin typeface="G마켓 산스 Medium" panose="02000000000000000000" pitchFamily="50" charset="-127"/>
+              <a:ea typeface="G마켓 산스 Medium" panose="02000000000000000000" pitchFamily="50" charset="-127"/>
+            </a:endParaRPr>
+          </a:p>
+        </p:txBody>
+      </p:sp>
+      <p:sp>
+        <p:nvSpPr>
+          <p:cNvPr id="2" name="TextBox 1">
+            <a:extLst>
+              <a:ext uri="{FF2B5EF4-FFF2-40B4-BE49-F238E27FC236}">
+                <a16:creationId xmlns:a16="http://schemas.microsoft.com/office/drawing/2014/main" id="{E153F502-DAED-6B1A-D64D-F2E121D3F510}"/>
+              </a:ext>
+            </a:extLst>
+          </p:cNvPr>
+          <p:cNvSpPr txBox="1"/>
+          <p:nvPr/>
+        </p:nvSpPr>
+        <p:spPr>
+          <a:xfrm>
+            <a:off x="304800" y="114300"/>
+            <a:ext cx="4343400" cy="923330"/>
+          </a:xfrm>
+          <a:prstGeom prst="rect">
+            <a:avLst/>
+          </a:prstGeom>
+          <a:noFill/>
+        </p:spPr>
+        <p:txBody>
+          <a:bodyPr wrap="square" rtlCol="0">
+            <a:spAutoFit/>
+          </a:bodyPr>
+          <a:lstStyle/>
+          <a:p>
+            <a:r>
+              <a:rPr lang="en-US" altLang="ko-KR" sz="5400" spc="-300" dirty="0" err="1">
+                <a:solidFill>
+                  <a:srgbClr val="4C50BC"/>
+                </a:solidFill>
+                <a:latin typeface="G마켓 산스 Bold" panose="02000000000000000000" pitchFamily="50" charset="-127"/>
+                <a:ea typeface="G마켓 산스 Bold" panose="02000000000000000000" pitchFamily="50" charset="-127"/>
+              </a:rPr>
+              <a:t>chatGPT</a:t>
+            </a:r>
+            <a:r>
+              <a:rPr lang="en-US" altLang="ko-KR" sz="5400" spc="-300" dirty="0">
+                <a:solidFill>
+                  <a:srgbClr val="4C50BC"/>
+                </a:solidFill>
+                <a:latin typeface="G마켓 산스 Bold" panose="02000000000000000000" pitchFamily="50" charset="-127"/>
+                <a:ea typeface="G마켓 산스 Bold" panose="02000000000000000000" pitchFamily="50" charset="-127"/>
+              </a:rPr>
+              <a:t> </a:t>
+            </a:r>
+            <a:r>
+              <a:rPr lang="ko-KR" altLang="en-US" sz="5400" spc="-300" dirty="0">
+                <a:solidFill>
+                  <a:srgbClr val="4C50BC"/>
+                </a:solidFill>
+                <a:latin typeface="G마켓 산스 Bold" panose="02000000000000000000" pitchFamily="50" charset="-127"/>
+                <a:ea typeface="G마켓 산스 Bold" panose="02000000000000000000" pitchFamily="50" charset="-127"/>
+              </a:rPr>
+              <a:t>비용</a:t>
+            </a:r>
+            <a:endParaRPr lang="en-US" altLang="ko-KR" sz="5400" spc="-300" dirty="0">
+              <a:solidFill>
+                <a:srgbClr val="4C50BC"/>
+              </a:solidFill>
+              <a:latin typeface="G마켓 산스 Bold" panose="02000000000000000000" pitchFamily="50" charset="-127"/>
+              <a:ea typeface="G마켓 산스 Bold" panose="02000000000000000000" pitchFamily="50" charset="-127"/>
+            </a:endParaRPr>
+          </a:p>
+        </p:txBody>
+      </p:sp>
       <p:cxnSp>
         <p:nvCxnSpPr>
-          <p:cNvPr id="5" name="직선 화살표 연결선 4">
+          <p:cNvPr id="3" name="직선 연결선 2">
             <a:extLst>
               <a:ext uri="{FF2B5EF4-FFF2-40B4-BE49-F238E27FC236}">
-                <a16:creationId xmlns:a16="http://schemas.microsoft.com/office/drawing/2014/main" id="{299DF5EC-9DF4-5255-06AC-0A7CE4FF58C3}"/>
+                <a16:creationId xmlns:a16="http://schemas.microsoft.com/office/drawing/2014/main" id="{569AE169-AD61-A085-C927-C87DD4402D2C}"/>
               </a:ext>
             </a:extLst>
           </p:cNvPr>
@@ -4890,134 +5080,38 @@
           <p:nvPr/>
         </p:nvCxnSpPr>
         <p:spPr>
-          <a:xfrm flipV="1">
-            <a:off x="4188343" y="1992243"/>
-            <a:ext cx="1374257" cy="899771"/>
-          </a:xfrm>
-          <a:prstGeom prst="straightConnector1">
+          <a:xfrm flipH="1" flipV="1">
+            <a:off x="-13447" y="972511"/>
+            <a:ext cx="18288000" cy="65119"/>
+          </a:xfrm>
+          <a:prstGeom prst="line">
             <a:avLst/>
           </a:prstGeom>
           <a:ln w="38100">
-            <a:tailEnd type="triangle"/>
+            <a:solidFill>
+              <a:srgbClr val="4C50BC"/>
+            </a:solidFill>
           </a:ln>
         </p:spPr>
         <p:style>
           <a:lnRef idx="1">
-            <a:schemeClr val="accent2"/>
+            <a:schemeClr val="accent1"/>
           </a:lnRef>
           <a:fillRef idx="0">
-            <a:schemeClr val="accent2"/>
+            <a:schemeClr val="accent1"/>
           </a:fillRef>
           <a:effectRef idx="0">
-            <a:schemeClr val="accent2"/>
+            <a:schemeClr val="accent1"/>
           </a:effectRef>
           <a:fontRef idx="minor">
             <a:schemeClr val="tx1"/>
           </a:fontRef>
         </p:style>
       </p:cxnSp>
-      <p:sp>
-        <p:nvSpPr>
-          <p:cNvPr id="6" name="TextBox 5">
-            <a:extLst>
-              <a:ext uri="{FF2B5EF4-FFF2-40B4-BE49-F238E27FC236}">
-                <a16:creationId xmlns:a16="http://schemas.microsoft.com/office/drawing/2014/main" id="{C6D113C6-EA5C-788F-0C77-E7CE6EBB865F}"/>
-              </a:ext>
-            </a:extLst>
-          </p:cNvPr>
-          <p:cNvSpPr txBox="1"/>
-          <p:nvPr/>
-        </p:nvSpPr>
-        <p:spPr>
-          <a:xfrm>
-            <a:off x="5715000" y="1638300"/>
-            <a:ext cx="7848600" cy="707886"/>
-          </a:xfrm>
-          <a:prstGeom prst="rect">
-            <a:avLst/>
-          </a:prstGeom>
-          <a:noFill/>
-        </p:spPr>
-        <p:txBody>
-          <a:bodyPr wrap="square" rtlCol="0">
-            <a:spAutoFit/>
-          </a:bodyPr>
-          <a:lstStyle/>
-          <a:p>
-            <a:r>
-              <a:rPr lang="en-US" altLang="ko-KR" sz="4000">
-                <a:solidFill>
-                  <a:srgbClr val="FF0000"/>
-                </a:solidFill>
-                <a:latin typeface="G마켓 산스 Medium" panose="02000000000000000000" pitchFamily="50" charset="-127"/>
-                <a:ea typeface="G마켓 산스 Medium" panose="02000000000000000000" pitchFamily="50" charset="-127"/>
-              </a:rPr>
-              <a:t>3</a:t>
-            </a:r>
-            <a:r>
-              <a:rPr lang="ko-KR" altLang="en-US" sz="4000">
-                <a:solidFill>
-                  <a:srgbClr val="FF0000"/>
-                </a:solidFill>
-                <a:latin typeface="G마켓 산스 Medium" panose="02000000000000000000" pitchFamily="50" charset="-127"/>
-                <a:ea typeface="G마켓 산스 Medium" panose="02000000000000000000" pitchFamily="50" charset="-127"/>
-              </a:rPr>
-              <a:t>월 </a:t>
-            </a:r>
-            <a:r>
-              <a:rPr lang="en-US" altLang="ko-KR" sz="4000">
-                <a:solidFill>
-                  <a:srgbClr val="FF0000"/>
-                </a:solidFill>
-                <a:latin typeface="G마켓 산스 Medium" panose="02000000000000000000" pitchFamily="50" charset="-127"/>
-                <a:ea typeface="G마켓 산스 Medium" panose="02000000000000000000" pitchFamily="50" charset="-127"/>
-              </a:rPr>
-              <a:t>1</a:t>
-            </a:r>
-            <a:r>
-              <a:rPr lang="ko-KR" altLang="en-US" sz="4000">
-                <a:solidFill>
-                  <a:srgbClr val="FF0000"/>
-                </a:solidFill>
-                <a:latin typeface="G마켓 산스 Medium" panose="02000000000000000000" pitchFamily="50" charset="-127"/>
-                <a:ea typeface="G마켓 산스 Medium" panose="02000000000000000000" pitchFamily="50" charset="-127"/>
-              </a:rPr>
-              <a:t>일 </a:t>
-            </a:r>
-            <a:r>
-              <a:rPr lang="en-US" altLang="ko-KR" sz="4000">
-                <a:solidFill>
-                  <a:srgbClr val="FF0000"/>
-                </a:solidFill>
-                <a:latin typeface="G마켓 산스 Medium" panose="02000000000000000000" pitchFamily="50" charset="-127"/>
-                <a:ea typeface="G마켓 산스 Medium" panose="02000000000000000000" pitchFamily="50" charset="-127"/>
-              </a:rPr>
-              <a:t>API</a:t>
-            </a:r>
-            <a:r>
-              <a:rPr lang="ko-KR" altLang="en-US" sz="4000">
-                <a:solidFill>
-                  <a:srgbClr val="FF0000"/>
-                </a:solidFill>
-                <a:latin typeface="G마켓 산스 Medium" panose="02000000000000000000" pitchFamily="50" charset="-127"/>
-                <a:ea typeface="G마켓 산스 Medium" panose="02000000000000000000" pitchFamily="50" charset="-127"/>
-              </a:rPr>
-              <a:t>가 공개된 최신버전</a:t>
-            </a:r>
-            <a:endParaRPr lang="en-US" altLang="ko-KR" sz="4000" dirty="0">
-              <a:solidFill>
-                <a:srgbClr val="FF0000"/>
-              </a:solidFill>
-              <a:latin typeface="G마켓 산스 Medium" panose="02000000000000000000" pitchFamily="50" charset="-127"/>
-              <a:ea typeface="G마켓 산스 Medium" panose="02000000000000000000" pitchFamily="50" charset="-127"/>
-            </a:endParaRPr>
-          </a:p>
-        </p:txBody>
-      </p:sp>
     </p:spTree>
     <p:extLst>
       <p:ext uri="{BB962C8B-B14F-4D97-AF65-F5344CB8AC3E}">
-        <p14:creationId xmlns:p14="http://schemas.microsoft.com/office/powerpoint/2010/main" val="621010423"/>
+        <p14:creationId xmlns:p14="http://schemas.microsoft.com/office/powerpoint/2010/main" val="1434441881"/>
       </p:ext>
     </p:extLst>
   </p:cSld>
@@ -5046,7 +5140,7 @@
       </p:grpSpPr>
       <p:pic>
         <p:nvPicPr>
-          <p:cNvPr id="4" name="그림 3"/>
+          <p:cNvPr id="2" name="그림 1"/>
           <p:cNvPicPr>
             <a:picLocks noChangeAspect="1"/>
           </p:cNvPicPr>
@@ -5060,18 +5154,202 @@
         </p:blipFill>
         <p:spPr>
           <a:xfrm>
-            <a:off x="3200400" y="1028700"/>
-            <a:ext cx="10504861" cy="8534400"/>
+            <a:off x="1219200" y="0"/>
+            <a:ext cx="8534400" cy="10233944"/>
           </a:xfrm>
           <a:prstGeom prst="rect">
             <a:avLst/>
           </a:prstGeom>
         </p:spPr>
       </p:pic>
+      <p:cxnSp>
+        <p:nvCxnSpPr>
+          <p:cNvPr id="5" name="직선 화살표 연결선 4">
+            <a:extLst>
+              <a:ext uri="{FF2B5EF4-FFF2-40B4-BE49-F238E27FC236}">
+                <a16:creationId xmlns:a16="http://schemas.microsoft.com/office/drawing/2014/main" id="{299DF5EC-9DF4-5255-06AC-0A7CE4FF58C3}"/>
+              </a:ext>
+            </a:extLst>
+          </p:cNvPr>
+          <p:cNvCxnSpPr>
+            <a:cxnSpLocks/>
+          </p:cNvCxnSpPr>
+          <p:nvPr/>
+        </p:nvCxnSpPr>
+        <p:spPr>
+          <a:xfrm flipV="1">
+            <a:off x="4114800" y="6134100"/>
+            <a:ext cx="5791199" cy="2743200"/>
+          </a:xfrm>
+          <a:prstGeom prst="straightConnector1">
+            <a:avLst/>
+          </a:prstGeom>
+          <a:ln w="38100">
+            <a:tailEnd type="triangle"/>
+          </a:ln>
+        </p:spPr>
+        <p:style>
+          <a:lnRef idx="1">
+            <a:schemeClr val="accent2"/>
+          </a:lnRef>
+          <a:fillRef idx="0">
+            <a:schemeClr val="accent2"/>
+          </a:fillRef>
+          <a:effectRef idx="0">
+            <a:schemeClr val="accent2"/>
+          </a:effectRef>
+          <a:fontRef idx="minor">
+            <a:schemeClr val="tx1"/>
+          </a:fontRef>
+        </p:style>
+      </p:cxnSp>
+      <p:sp>
+        <p:nvSpPr>
+          <p:cNvPr id="6" name="TextBox 5">
+            <a:extLst>
+              <a:ext uri="{FF2B5EF4-FFF2-40B4-BE49-F238E27FC236}">
+                <a16:creationId xmlns:a16="http://schemas.microsoft.com/office/drawing/2014/main" id="{C6D113C6-EA5C-788F-0C77-E7CE6EBB865F}"/>
+              </a:ext>
+            </a:extLst>
+          </p:cNvPr>
+          <p:cNvSpPr txBox="1"/>
+          <p:nvPr/>
+        </p:nvSpPr>
+        <p:spPr>
+          <a:xfrm>
+            <a:off x="9906000" y="4836974"/>
+            <a:ext cx="8077200" cy="1754326"/>
+          </a:xfrm>
+          <a:prstGeom prst="rect">
+            <a:avLst/>
+          </a:prstGeom>
+          <a:noFill/>
+        </p:spPr>
+        <p:txBody>
+          <a:bodyPr wrap="square" rtlCol="0">
+            <a:spAutoFit/>
+          </a:bodyPr>
+          <a:lstStyle/>
+          <a:p>
+            <a:r>
+              <a:rPr lang="ko-KR" altLang="en-US" sz="3600" dirty="0">
+                <a:solidFill>
+                  <a:srgbClr val="FF0000"/>
+                </a:solidFill>
+                <a:latin typeface="G마켓 산스 Medium" panose="02000000000000000000" pitchFamily="50" charset="-127"/>
+                <a:ea typeface="G마켓 산스 Medium" panose="02000000000000000000" pitchFamily="50" charset="-127"/>
+              </a:rPr>
+              <a:t>대화 내역을 계속 추가 해가면서 보내 줘야지 </a:t>
+            </a:r>
+            <a:r>
+              <a:rPr lang="en-US" altLang="ko-KR" sz="3600" dirty="0">
+                <a:solidFill>
+                  <a:srgbClr val="FF0000"/>
+                </a:solidFill>
+                <a:latin typeface="G마켓 산스 Medium" panose="02000000000000000000" pitchFamily="50" charset="-127"/>
+                <a:ea typeface="G마켓 산스 Medium" panose="02000000000000000000" pitchFamily="50" charset="-127"/>
+              </a:rPr>
+              <a:t>AI</a:t>
+            </a:r>
+            <a:r>
+              <a:rPr lang="ko-KR" altLang="en-US" sz="3600" dirty="0">
+                <a:solidFill>
+                  <a:srgbClr val="FF0000"/>
+                </a:solidFill>
+                <a:latin typeface="G마켓 산스 Medium" panose="02000000000000000000" pitchFamily="50" charset="-127"/>
+                <a:ea typeface="G마켓 산스 Medium" panose="02000000000000000000" pitchFamily="50" charset="-127"/>
+              </a:rPr>
+              <a:t>가 맥락을 이해하면서 </a:t>
+            </a:r>
+            <a:r>
+              <a:rPr lang="ko-KR" altLang="en-US" sz="3600" dirty="0" err="1">
+                <a:solidFill>
+                  <a:srgbClr val="FF0000"/>
+                </a:solidFill>
+                <a:latin typeface="G마켓 산스 Medium" panose="02000000000000000000" pitchFamily="50" charset="-127"/>
+                <a:ea typeface="G마켓 산스 Medium" panose="02000000000000000000" pitchFamily="50" charset="-127"/>
+              </a:rPr>
+              <a:t>대화할수</a:t>
+            </a:r>
+            <a:r>
+              <a:rPr lang="ko-KR" altLang="en-US" sz="3600" dirty="0">
+                <a:solidFill>
+                  <a:srgbClr val="FF0000"/>
+                </a:solidFill>
+                <a:latin typeface="G마켓 산스 Medium" panose="02000000000000000000" pitchFamily="50" charset="-127"/>
+                <a:ea typeface="G마켓 산스 Medium" panose="02000000000000000000" pitchFamily="50" charset="-127"/>
+              </a:rPr>
+              <a:t> 있다</a:t>
+            </a:r>
+            <a:r>
+              <a:rPr lang="en-US" altLang="ko-KR" sz="3600" dirty="0">
+                <a:solidFill>
+                  <a:srgbClr val="FF0000"/>
+                </a:solidFill>
+                <a:latin typeface="G마켓 산스 Medium" panose="02000000000000000000" pitchFamily="50" charset="-127"/>
+                <a:ea typeface="G마켓 산스 Medium" panose="02000000000000000000" pitchFamily="50" charset="-127"/>
+              </a:rPr>
+              <a:t>.</a:t>
+            </a:r>
+          </a:p>
+        </p:txBody>
+      </p:sp>
+      <p:sp>
+        <p:nvSpPr>
+          <p:cNvPr id="7" name="직사각형 6">
+            <a:extLst>
+              <a:ext uri="{FF2B5EF4-FFF2-40B4-BE49-F238E27FC236}">
+                <a16:creationId xmlns:a16="http://schemas.microsoft.com/office/drawing/2014/main" id="{FFF506F9-840A-0508-4CAF-3AC711D8D5CE}"/>
+              </a:ext>
+            </a:extLst>
+          </p:cNvPr>
+          <p:cNvSpPr/>
+          <p:nvPr/>
+        </p:nvSpPr>
+        <p:spPr>
+          <a:xfrm>
+            <a:off x="1247774" y="8867774"/>
+            <a:ext cx="8505825" cy="1366169"/>
+          </a:xfrm>
+          <a:prstGeom prst="rect">
+            <a:avLst/>
+          </a:prstGeom>
+          <a:noFill/>
+          <a:ln>
+            <a:solidFill>
+              <a:srgbClr val="FF0000"/>
+            </a:solidFill>
+          </a:ln>
+        </p:spPr>
+        <p:style>
+          <a:lnRef idx="2">
+            <a:schemeClr val="accent2">
+              <a:shade val="50000"/>
+            </a:schemeClr>
+          </a:lnRef>
+          <a:fillRef idx="1">
+            <a:schemeClr val="accent2"/>
+          </a:fillRef>
+          <a:effectRef idx="0">
+            <a:schemeClr val="accent2"/>
+          </a:effectRef>
+          <a:fontRef idx="minor">
+            <a:schemeClr val="lt1"/>
+          </a:fontRef>
+        </p:style>
+        <p:txBody>
+          <a:bodyPr rtlCol="0" anchor="ctr"/>
+          <a:lstStyle/>
+          <a:p>
+            <a:pPr algn="ctr"/>
+            <a:endParaRPr lang="ko-KR" altLang="en-US"/>
+          </a:p>
+        </p:txBody>
+      </p:sp>
     </p:spTree>
     <p:extLst>
       <p:ext uri="{BB962C8B-B14F-4D97-AF65-F5344CB8AC3E}">
-        <p14:creationId xmlns:p14="http://schemas.microsoft.com/office/powerpoint/2010/main" val="3460737353"/>
+        <p14:creationId xmlns:p14="http://schemas.microsoft.com/office/powerpoint/2010/main" val="1236467171"/>
       </p:ext>
     </p:extLst>
   </p:cSld>
@@ -5100,7 +5378,13 @@
       </p:grpSpPr>
       <p:pic>
         <p:nvPicPr>
-          <p:cNvPr id="4" name="그림 3"/>
+          <p:cNvPr id="6" name="그림 5">
+            <a:extLst>
+              <a:ext uri="{FF2B5EF4-FFF2-40B4-BE49-F238E27FC236}">
+                <a16:creationId xmlns:a16="http://schemas.microsoft.com/office/drawing/2014/main" id="{58BF4167-A0FA-C472-92B2-53A0A0D42345}"/>
+              </a:ext>
+            </a:extLst>
+          </p:cNvPr>
           <p:cNvPicPr>
             <a:picLocks noChangeAspect="1"/>
           </p:cNvPicPr>
@@ -5114,8 +5398,8 @@
         </p:blipFill>
         <p:spPr>
           <a:xfrm>
-            <a:off x="3886199" y="1569303"/>
-            <a:ext cx="10323773" cy="7315200"/>
+            <a:off x="179751" y="3848100"/>
+            <a:ext cx="17928498" cy="2362200"/>
           </a:xfrm>
           <a:prstGeom prst="rect">
             <a:avLst/>
@@ -5124,10 +5408,10 @@
       </p:pic>
       <p:sp>
         <p:nvSpPr>
-          <p:cNvPr id="5" name="TextBox 4">
+          <p:cNvPr id="7" name="TextBox 6">
             <a:extLst>
               <a:ext uri="{FF2B5EF4-FFF2-40B4-BE49-F238E27FC236}">
-                <a16:creationId xmlns:a16="http://schemas.microsoft.com/office/drawing/2014/main" id="{D15853EE-94B0-D08B-DCB7-3381290CC3FF}"/>
+                <a16:creationId xmlns:a16="http://schemas.microsoft.com/office/drawing/2014/main" id="{AC9FB06F-5A5D-5235-A074-40A6D5C3BFBE}"/>
               </a:ext>
             </a:extLst>
           </p:cNvPr>
@@ -5136,7 +5420,7 @@
         </p:nvSpPr>
         <p:spPr>
           <a:xfrm>
-            <a:off x="2133600" y="9341703"/>
+            <a:off x="1485900" y="7200900"/>
             <a:ext cx="15316200" cy="830997"/>
           </a:xfrm>
           <a:prstGeom prst="rect">
@@ -5151,6 +5435,16 @@
           <a:lstStyle/>
           <a:p>
             <a:r>
+              <a:rPr lang="en-US" altLang="ko-KR" sz="4800" dirty="0" err="1">
+                <a:solidFill>
+                  <a:srgbClr val="4C50BC"/>
+                </a:solidFill>
+                <a:latin typeface="G마켓 산스 Medium" panose="02000000000000000000" pitchFamily="50" charset="-127"/>
+                <a:ea typeface="G마켓 산스 Medium" panose="02000000000000000000" pitchFamily="50" charset="-127"/>
+              </a:rPr>
+              <a:t>chatGPT</a:t>
+            </a:r>
+            <a:r>
               <a:rPr lang="ko-KR" altLang="en-US" sz="4800" dirty="0">
                 <a:solidFill>
                   <a:srgbClr val="4C50BC"/>
@@ -5158,7 +5452,7 @@
                 <a:latin typeface="G마켓 산스 Medium" panose="02000000000000000000" pitchFamily="50" charset="-127"/>
                 <a:ea typeface="G마켓 산스 Medium" panose="02000000000000000000" pitchFamily="50" charset="-127"/>
               </a:rPr>
-              <a:t>사용량이 정해져 있으나 개발에 </a:t>
+              <a:t>와 </a:t>
             </a:r>
             <a:r>
               <a:rPr lang="ko-KR" altLang="en-US" sz="4800" dirty="0" err="1">
@@ -5168,7 +5462,7 @@
                 <a:latin typeface="G마켓 산스 Medium" panose="02000000000000000000" pitchFamily="50" charset="-127"/>
                 <a:ea typeface="G마켓 산스 Medium" panose="02000000000000000000" pitchFamily="50" charset="-127"/>
               </a:rPr>
-              <a:t>쓰는건</a:t>
+              <a:t>통신할때는</a:t>
             </a:r>
             <a:r>
               <a:rPr lang="ko-KR" altLang="en-US" sz="4800" dirty="0">
@@ -5178,133 +5472,45 @@
                 <a:latin typeface="G마켓 산스 Medium" panose="02000000000000000000" pitchFamily="50" charset="-127"/>
                 <a:ea typeface="G마켓 산스 Medium" panose="02000000000000000000" pitchFamily="50" charset="-127"/>
               </a:rPr>
-              <a:t> 충분</a:t>
-            </a:r>
-            <a:endParaRPr lang="en-US" altLang="ko-KR" sz="4800" dirty="0">
-              <a:solidFill>
-                <a:srgbClr val="4C50BC"/>
-              </a:solidFill>
-              <a:latin typeface="G마켓 산스 Medium" panose="02000000000000000000" pitchFamily="50" charset="-127"/>
-              <a:ea typeface="G마켓 산스 Medium" panose="02000000000000000000" pitchFamily="50" charset="-127"/>
-            </a:endParaRPr>
+              <a:t> </a:t>
+            </a:r>
+            <a:r>
+              <a:rPr lang="en-US" altLang="ko-KR" sz="4800" dirty="0">
+                <a:solidFill>
+                  <a:srgbClr val="4C50BC"/>
+                </a:solidFill>
+                <a:latin typeface="G마켓 산스 Medium" panose="02000000000000000000" pitchFamily="50" charset="-127"/>
+                <a:ea typeface="G마켓 산스 Medium" panose="02000000000000000000" pitchFamily="50" charset="-127"/>
+              </a:rPr>
+              <a:t>JSON </a:t>
+            </a:r>
+            <a:r>
+              <a:rPr lang="ko-KR" altLang="en-US" sz="4800" dirty="0">
+                <a:solidFill>
+                  <a:srgbClr val="4C50BC"/>
+                </a:solidFill>
+                <a:latin typeface="G마켓 산스 Medium" panose="02000000000000000000" pitchFamily="50" charset="-127"/>
+                <a:ea typeface="G마켓 산스 Medium" panose="02000000000000000000" pitchFamily="50" charset="-127"/>
+              </a:rPr>
+              <a:t>형태로 주고 받아야 한다</a:t>
+            </a:r>
+            <a:r>
+              <a:rPr lang="en-US" altLang="ko-KR" sz="4800" dirty="0">
+                <a:solidFill>
+                  <a:srgbClr val="4C50BC"/>
+                </a:solidFill>
+                <a:latin typeface="G마켓 산스 Medium" panose="02000000000000000000" pitchFamily="50" charset="-127"/>
+                <a:ea typeface="G마켓 산스 Medium" panose="02000000000000000000" pitchFamily="50" charset="-127"/>
+              </a:rPr>
+              <a:t>.</a:t>
+            </a:r>
           </a:p>
         </p:txBody>
       </p:sp>
-      <p:sp>
-        <p:nvSpPr>
-          <p:cNvPr id="2" name="TextBox 1">
-            <a:extLst>
-              <a:ext uri="{FF2B5EF4-FFF2-40B4-BE49-F238E27FC236}">
-                <a16:creationId xmlns:a16="http://schemas.microsoft.com/office/drawing/2014/main" id="{E153F502-DAED-6B1A-D64D-F2E121D3F510}"/>
-              </a:ext>
-            </a:extLst>
-          </p:cNvPr>
-          <p:cNvSpPr txBox="1"/>
-          <p:nvPr/>
-        </p:nvSpPr>
-        <p:spPr>
-          <a:xfrm>
-            <a:off x="304800" y="114300"/>
-            <a:ext cx="4343400" cy="923330"/>
-          </a:xfrm>
-          <a:prstGeom prst="rect">
-            <a:avLst/>
-          </a:prstGeom>
-          <a:noFill/>
-        </p:spPr>
-        <p:txBody>
-          <a:bodyPr wrap="square" rtlCol="0">
-            <a:spAutoFit/>
-          </a:bodyPr>
-          <a:lstStyle/>
-          <a:p>
-            <a:r>
-              <a:rPr lang="en-US" altLang="ko-KR" sz="5400" spc="-300" dirty="0" err="1">
-                <a:solidFill>
-                  <a:srgbClr val="4C50BC"/>
-                </a:solidFill>
-                <a:latin typeface="G마켓 산스 Bold" panose="02000000000000000000" pitchFamily="50" charset="-127"/>
-                <a:ea typeface="G마켓 산스 Bold" panose="02000000000000000000" pitchFamily="50" charset="-127"/>
-              </a:rPr>
-              <a:t>chatGPT</a:t>
-            </a:r>
-            <a:r>
-              <a:rPr lang="en-US" altLang="ko-KR" sz="5400" spc="-300" dirty="0">
-                <a:solidFill>
-                  <a:srgbClr val="4C50BC"/>
-                </a:solidFill>
-                <a:latin typeface="G마켓 산스 Bold" panose="02000000000000000000" pitchFamily="50" charset="-127"/>
-                <a:ea typeface="G마켓 산스 Bold" panose="02000000000000000000" pitchFamily="50" charset="-127"/>
-              </a:rPr>
-              <a:t> </a:t>
-            </a:r>
-            <a:r>
-              <a:rPr lang="ko-KR" altLang="en-US" sz="5400" spc="-300" dirty="0">
-                <a:solidFill>
-                  <a:srgbClr val="4C50BC"/>
-                </a:solidFill>
-                <a:latin typeface="G마켓 산스 Bold" panose="02000000000000000000" pitchFamily="50" charset="-127"/>
-                <a:ea typeface="G마켓 산스 Bold" panose="02000000000000000000" pitchFamily="50" charset="-127"/>
-              </a:rPr>
-              <a:t>비용</a:t>
-            </a:r>
-            <a:endParaRPr lang="en-US" altLang="ko-KR" sz="5400" spc="-300" dirty="0">
-              <a:solidFill>
-                <a:srgbClr val="4C50BC"/>
-              </a:solidFill>
-              <a:latin typeface="G마켓 산스 Bold" panose="02000000000000000000" pitchFamily="50" charset="-127"/>
-              <a:ea typeface="G마켓 산스 Bold" panose="02000000000000000000" pitchFamily="50" charset="-127"/>
-            </a:endParaRPr>
-          </a:p>
-        </p:txBody>
-      </p:sp>
-      <p:cxnSp>
-        <p:nvCxnSpPr>
-          <p:cNvPr id="3" name="직선 연결선 2">
-            <a:extLst>
-              <a:ext uri="{FF2B5EF4-FFF2-40B4-BE49-F238E27FC236}">
-                <a16:creationId xmlns:a16="http://schemas.microsoft.com/office/drawing/2014/main" id="{569AE169-AD61-A085-C927-C87DD4402D2C}"/>
-              </a:ext>
-            </a:extLst>
-          </p:cNvPr>
-          <p:cNvCxnSpPr>
-            <a:cxnSpLocks/>
-          </p:cNvCxnSpPr>
-          <p:nvPr/>
-        </p:nvCxnSpPr>
-        <p:spPr>
-          <a:xfrm flipH="1" flipV="1">
-            <a:off x="-13447" y="972511"/>
-            <a:ext cx="18288000" cy="65119"/>
-          </a:xfrm>
-          <a:prstGeom prst="line">
-            <a:avLst/>
-          </a:prstGeom>
-          <a:ln w="38100">
-            <a:solidFill>
-              <a:srgbClr val="4C50BC"/>
-            </a:solidFill>
-          </a:ln>
-        </p:spPr>
-        <p:style>
-          <a:lnRef idx="1">
-            <a:schemeClr val="accent1"/>
-          </a:lnRef>
-          <a:fillRef idx="0">
-            <a:schemeClr val="accent1"/>
-          </a:fillRef>
-          <a:effectRef idx="0">
-            <a:schemeClr val="accent1"/>
-          </a:effectRef>
-          <a:fontRef idx="minor">
-            <a:schemeClr val="tx1"/>
-          </a:fontRef>
-        </p:style>
-      </p:cxnSp>
     </p:spTree>
     <p:extLst>
       <p:ext uri="{BB962C8B-B14F-4D97-AF65-F5344CB8AC3E}">
-        <p14:creationId xmlns:p14="http://schemas.microsoft.com/office/powerpoint/2010/main" val="1434441881"/>
+        <p14:creationId xmlns:p14="http://schemas.microsoft.com/office/powerpoint/2010/main" val="1441367658"/>
       </p:ext>
     </p:extLst>
   </p:cSld>
@@ -5333,7 +5539,7 @@
       </p:grpSpPr>
       <p:pic>
         <p:nvPicPr>
-          <p:cNvPr id="2" name="그림 1"/>
+          <p:cNvPr id="4" name="그림 3"/>
           <p:cNvPicPr>
             <a:picLocks noChangeAspect="1"/>
           </p:cNvPicPr>
@@ -5347,20 +5553,78 @@
         </p:blipFill>
         <p:spPr>
           <a:xfrm>
-            <a:off x="1219200" y="0"/>
-            <a:ext cx="8534400" cy="10233944"/>
+            <a:off x="10515600" y="1901284"/>
+            <a:ext cx="7414488" cy="7467600"/>
           </a:xfrm>
           <a:prstGeom prst="rect">
             <a:avLst/>
           </a:prstGeom>
         </p:spPr>
       </p:pic>
+      <p:sp>
+        <p:nvSpPr>
+          <p:cNvPr id="2" name="TextBox 1">
+            <a:extLst>
+              <a:ext uri="{FF2B5EF4-FFF2-40B4-BE49-F238E27FC236}">
+                <a16:creationId xmlns:a16="http://schemas.microsoft.com/office/drawing/2014/main" id="{EBECE379-EA70-E020-A8B7-3EB3EA7B27E5}"/>
+              </a:ext>
+            </a:extLst>
+          </p:cNvPr>
+          <p:cNvSpPr txBox="1"/>
+          <p:nvPr/>
+        </p:nvSpPr>
+        <p:spPr>
+          <a:xfrm>
+            <a:off x="304800" y="114300"/>
+            <a:ext cx="8077200" cy="923330"/>
+          </a:xfrm>
+          <a:prstGeom prst="rect">
+            <a:avLst/>
+          </a:prstGeom>
+          <a:noFill/>
+        </p:spPr>
+        <p:txBody>
+          <a:bodyPr wrap="square" rtlCol="0">
+            <a:spAutoFit/>
+          </a:bodyPr>
+          <a:lstStyle/>
+          <a:p>
+            <a:r>
+              <a:rPr lang="en-US" altLang="ko-KR" sz="5400" spc="-300" dirty="0">
+                <a:solidFill>
+                  <a:srgbClr val="4C50BC"/>
+                </a:solidFill>
+                <a:latin typeface="G마켓 산스 Bold" panose="02000000000000000000" pitchFamily="50" charset="-127"/>
+                <a:ea typeface="G마켓 산스 Bold" panose="02000000000000000000" pitchFamily="50" charset="-127"/>
+              </a:rPr>
+              <a:t>ChatGPT </a:t>
+            </a:r>
+            <a:r>
+              <a:rPr lang="ko-KR" altLang="en-US" sz="5400" spc="-300" dirty="0">
+                <a:solidFill>
+                  <a:srgbClr val="4C50BC"/>
+                </a:solidFill>
+                <a:latin typeface="G마켓 산스 Bold" panose="02000000000000000000" pitchFamily="50" charset="-127"/>
+                <a:ea typeface="G마켓 산스 Bold" panose="02000000000000000000" pitchFamily="50" charset="-127"/>
+              </a:rPr>
+              <a:t>응답형태</a:t>
+            </a:r>
+            <a:endParaRPr lang="en-US" altLang="ko-KR" sz="5400" spc="-300" dirty="0">
+              <a:solidFill>
+                <a:srgbClr val="4C50BC"/>
+              </a:solidFill>
+              <a:latin typeface="G마켓 산스 Bold" panose="02000000000000000000" pitchFamily="50" charset="-127"/>
+              <a:ea typeface="G마켓 산스 Bold" panose="02000000000000000000" pitchFamily="50" charset="-127"/>
+            </a:endParaRPr>
+          </a:p>
+        </p:txBody>
+      </p:sp>
       <p:cxnSp>
         <p:nvCxnSpPr>
-          <p:cNvPr id="5" name="직선 화살표 연결선 4">
+          <p:cNvPr id="3" name="직선 연결선 2">
             <a:extLst>
               <a:ext uri="{FF2B5EF4-FFF2-40B4-BE49-F238E27FC236}">
-                <a16:creationId xmlns:a16="http://schemas.microsoft.com/office/drawing/2014/main" id="{299DF5EC-9DF4-5255-06AC-0A7CE4FF58C3}"/>
+                <a16:creationId xmlns:a16="http://schemas.microsoft.com/office/drawing/2014/main" id="{BE9DDB2F-8D53-F3EA-C17E-57B1C45CBBEC}"/>
               </a:ext>
             </a:extLst>
           </p:cNvPr>
@@ -5370,26 +5634,28 @@
           <p:nvPr/>
         </p:nvCxnSpPr>
         <p:spPr>
-          <a:xfrm flipV="1">
-            <a:off x="4114800" y="6134100"/>
-            <a:ext cx="5791199" cy="2743200"/>
-          </a:xfrm>
-          <a:prstGeom prst="straightConnector1">
+          <a:xfrm flipH="1" flipV="1">
+            <a:off x="-13447" y="972511"/>
+            <a:ext cx="18288000" cy="65119"/>
+          </a:xfrm>
+          <a:prstGeom prst="line">
             <a:avLst/>
           </a:prstGeom>
           <a:ln w="38100">
-            <a:tailEnd type="triangle"/>
+            <a:solidFill>
+              <a:srgbClr val="4C50BC"/>
+            </a:solidFill>
           </a:ln>
         </p:spPr>
         <p:style>
           <a:lnRef idx="1">
-            <a:schemeClr val="accent2"/>
+            <a:schemeClr val="accent1"/>
           </a:lnRef>
           <a:fillRef idx="0">
-            <a:schemeClr val="accent2"/>
+            <a:schemeClr val="accent1"/>
           </a:fillRef>
           <a:effectRef idx="0">
-            <a:schemeClr val="accent2"/>
+            <a:schemeClr val="accent1"/>
           </a:effectRef>
           <a:fontRef idx="minor">
             <a:schemeClr val="tx1"/>
@@ -5398,10 +5664,10 @@
       </p:cxnSp>
       <p:sp>
         <p:nvSpPr>
-          <p:cNvPr id="6" name="TextBox 5">
+          <p:cNvPr id="5" name="TextBox 4">
             <a:extLst>
               <a:ext uri="{FF2B5EF4-FFF2-40B4-BE49-F238E27FC236}">
-                <a16:creationId xmlns:a16="http://schemas.microsoft.com/office/drawing/2014/main" id="{C6D113C6-EA5C-788F-0C77-E7CE6EBB865F}"/>
+                <a16:creationId xmlns:a16="http://schemas.microsoft.com/office/drawing/2014/main" id="{C8A2F4E0-5BAE-1B15-4CCB-4B62BB4781C5}"/>
               </a:ext>
             </a:extLst>
           </p:cNvPr>
@@ -5410,8 +5676,8 @@
         </p:nvSpPr>
         <p:spPr>
           <a:xfrm>
-            <a:off x="9906000" y="4836974"/>
-            <a:ext cx="8077200" cy="1754326"/>
+            <a:off x="762000" y="1201111"/>
+            <a:ext cx="14167562" cy="2185214"/>
           </a:xfrm>
           <a:prstGeom prst="rect">
             <a:avLst/>
@@ -5424,75 +5690,235 @@
           </a:bodyPr>
           <a:lstStyle/>
           <a:p>
+            <a:pPr marL="571500" indent="-571500">
+              <a:buFont typeface="Arial" panose="020B0604020202020204" pitchFamily="34" charset="0"/>
+              <a:buChar char="•"/>
+            </a:pPr>
+            <a:r>
+              <a:rPr lang="en-US" altLang="ko-KR" sz="3600" dirty="0">
+                <a:solidFill>
+                  <a:schemeClr val="tx1">
+                    <a:lumMod val="50000"/>
+                    <a:lumOff val="50000"/>
+                  </a:schemeClr>
+                </a:solidFill>
+                <a:latin typeface="G마켓 산스 Medium" panose="02000000000000000000" pitchFamily="50" charset="-127"/>
+                <a:ea typeface="G마켓 산스 Medium" panose="02000000000000000000" pitchFamily="50" charset="-127"/>
+              </a:rPr>
+              <a:t>Json </a:t>
+            </a:r>
             <a:r>
               <a:rPr lang="ko-KR" altLang="en-US" sz="3600" dirty="0">
                 <a:solidFill>
-                  <a:srgbClr val="FF0000"/>
-                </a:solidFill>
-                <a:latin typeface="G마켓 산스 Medium" panose="02000000000000000000" pitchFamily="50" charset="-127"/>
-                <a:ea typeface="G마켓 산스 Medium" panose="02000000000000000000" pitchFamily="50" charset="-127"/>
-              </a:rPr>
-              <a:t>대화 내역을 계속 추가 해가면서 보내 줘야지 </a:t>
+                  <a:schemeClr val="tx1">
+                    <a:lumMod val="50000"/>
+                    <a:lumOff val="50000"/>
+                  </a:schemeClr>
+                </a:solidFill>
+                <a:latin typeface="G마켓 산스 Medium" panose="02000000000000000000" pitchFamily="50" charset="-127"/>
+                <a:ea typeface="G마켓 산스 Medium" panose="02000000000000000000" pitchFamily="50" charset="-127"/>
+              </a:rPr>
+              <a:t>형태로 응답을 주며 모델정보 및 질문건에 대한 세션 아이디</a:t>
             </a:r>
             <a:r>
               <a:rPr lang="en-US" altLang="ko-KR" sz="3600" dirty="0">
                 <a:solidFill>
-                  <a:srgbClr val="FF0000"/>
-                </a:solidFill>
-                <a:latin typeface="G마켓 산스 Medium" panose="02000000000000000000" pitchFamily="50" charset="-127"/>
-                <a:ea typeface="G마켓 산스 Medium" panose="02000000000000000000" pitchFamily="50" charset="-127"/>
-              </a:rPr>
-              <a:t>AI</a:t>
+                  <a:schemeClr val="tx1">
+                    <a:lumMod val="50000"/>
+                    <a:lumOff val="50000"/>
+                  </a:schemeClr>
+                </a:solidFill>
+                <a:latin typeface="G마켓 산스 Medium" panose="02000000000000000000" pitchFamily="50" charset="-127"/>
+                <a:ea typeface="G마켓 산스 Medium" panose="02000000000000000000" pitchFamily="50" charset="-127"/>
+              </a:rPr>
+              <a:t>, </a:t>
             </a:r>
             <a:r>
               <a:rPr lang="ko-KR" altLang="en-US" sz="3600" dirty="0">
                 <a:solidFill>
-                  <a:srgbClr val="FF0000"/>
-                </a:solidFill>
-                <a:latin typeface="G마켓 산스 Medium" panose="02000000000000000000" pitchFamily="50" charset="-127"/>
-                <a:ea typeface="G마켓 산스 Medium" panose="02000000000000000000" pitchFamily="50" charset="-127"/>
-              </a:rPr>
-              <a:t>가 맥락을 이해하면서 </a:t>
-            </a:r>
-            <a:r>
-              <a:rPr lang="ko-KR" altLang="en-US" sz="3600" dirty="0" err="1">
-                <a:solidFill>
-                  <a:srgbClr val="FF0000"/>
-                </a:solidFill>
-                <a:latin typeface="G마켓 산스 Medium" panose="02000000000000000000" pitchFamily="50" charset="-127"/>
-                <a:ea typeface="G마켓 산스 Medium" panose="02000000000000000000" pitchFamily="50" charset="-127"/>
-              </a:rPr>
-              <a:t>대화할수</a:t>
+                  <a:schemeClr val="tx1">
+                    <a:lumMod val="50000"/>
+                    <a:lumOff val="50000"/>
+                  </a:schemeClr>
+                </a:solidFill>
+                <a:latin typeface="G마켓 산스 Medium" panose="02000000000000000000" pitchFamily="50" charset="-127"/>
+                <a:ea typeface="G마켓 산스 Medium" panose="02000000000000000000" pitchFamily="50" charset="-127"/>
+              </a:rPr>
+              <a:t>토큰</a:t>
+            </a:r>
+            <a:r>
+              <a:rPr lang="en-US" altLang="ko-KR" sz="3600" dirty="0">
+                <a:solidFill>
+                  <a:schemeClr val="tx1">
+                    <a:lumMod val="50000"/>
+                    <a:lumOff val="50000"/>
+                  </a:schemeClr>
+                </a:solidFill>
+                <a:latin typeface="G마켓 산스 Medium" panose="02000000000000000000" pitchFamily="50" charset="-127"/>
+                <a:ea typeface="G마켓 산스 Medium" panose="02000000000000000000" pitchFamily="50" charset="-127"/>
+              </a:rPr>
+              <a:t>, </a:t>
             </a:r>
             <a:r>
               <a:rPr lang="ko-KR" altLang="en-US" sz="3600" dirty="0">
                 <a:solidFill>
-                  <a:srgbClr val="FF0000"/>
-                </a:solidFill>
-                <a:latin typeface="G마켓 산스 Medium" panose="02000000000000000000" pitchFamily="50" charset="-127"/>
-                <a:ea typeface="G마켓 산스 Medium" panose="02000000000000000000" pitchFamily="50" charset="-127"/>
-              </a:rPr>
-              <a:t> 있다</a:t>
+                  <a:schemeClr val="tx1">
+                    <a:lumMod val="50000"/>
+                    <a:lumOff val="50000"/>
+                  </a:schemeClr>
+                </a:solidFill>
+                <a:latin typeface="G마켓 산스 Medium" panose="02000000000000000000" pitchFamily="50" charset="-127"/>
+                <a:ea typeface="G마켓 산스 Medium" panose="02000000000000000000" pitchFamily="50" charset="-127"/>
+              </a:rPr>
+              <a:t>비용 등등의 부가 정보들이 들어온다</a:t>
             </a:r>
             <a:r>
               <a:rPr lang="en-US" altLang="ko-KR" sz="3600" dirty="0">
                 <a:solidFill>
-                  <a:srgbClr val="FF0000"/>
+                  <a:schemeClr val="tx1">
+                    <a:lumMod val="50000"/>
+                    <a:lumOff val="50000"/>
+                  </a:schemeClr>
                 </a:solidFill>
                 <a:latin typeface="G마켓 산스 Medium" panose="02000000000000000000" pitchFamily="50" charset="-127"/>
                 <a:ea typeface="G마켓 산스 Medium" panose="02000000000000000000" pitchFamily="50" charset="-127"/>
               </a:rPr>
               <a:t>.</a:t>
+            </a:r>
+          </a:p>
+          <a:p>
+            <a:pPr marL="571500" indent="-571500">
+              <a:buFont typeface="Arial" panose="020B0604020202020204" pitchFamily="34" charset="0"/>
+              <a:buChar char="•"/>
+            </a:pPr>
+            <a:r>
+              <a:rPr lang="ko-KR" altLang="en-US" sz="3600" dirty="0">
+                <a:solidFill>
+                  <a:schemeClr val="tx1">
+                    <a:lumMod val="50000"/>
+                    <a:lumOff val="50000"/>
+                  </a:schemeClr>
+                </a:solidFill>
+                <a:latin typeface="G마켓 산스 Medium" panose="02000000000000000000" pitchFamily="50" charset="-127"/>
+                <a:ea typeface="G마켓 산스 Medium" panose="02000000000000000000" pitchFamily="50" charset="-127"/>
+              </a:rPr>
+              <a:t>대화에 대한 응답만을 추출하여 쓰면 된다</a:t>
+            </a:r>
+            <a:r>
+              <a:rPr lang="en-US" altLang="ko-KR" sz="3600" dirty="0">
+                <a:solidFill>
+                  <a:schemeClr val="tx1">
+                    <a:lumMod val="50000"/>
+                    <a:lumOff val="50000"/>
+                  </a:schemeClr>
+                </a:solidFill>
+                <a:latin typeface="G마켓 산스 Medium" panose="02000000000000000000" pitchFamily="50" charset="-127"/>
+                <a:ea typeface="G마켓 산스 Medium" panose="02000000000000000000" pitchFamily="50" charset="-127"/>
+              </a:rPr>
+              <a:t>.</a:t>
+            </a:r>
+          </a:p>
+          <a:p>
+            <a:r>
+              <a:rPr lang="en-US" altLang="ko-KR" sz="2800" dirty="0">
+                <a:solidFill>
+                  <a:schemeClr val="tx1">
+                    <a:lumMod val="50000"/>
+                    <a:lumOff val="50000"/>
+                  </a:schemeClr>
+                </a:solidFill>
+                <a:latin typeface="G마켓 산스 Medium" panose="02000000000000000000" pitchFamily="50" charset="-127"/>
+                <a:ea typeface="G마켓 산스 Medium" panose="02000000000000000000" pitchFamily="50" charset="-127"/>
+              </a:rPr>
+              <a:t>(</a:t>
+            </a:r>
+            <a:r>
+              <a:rPr lang="ko-KR" altLang="en-US" sz="2800" dirty="0">
+                <a:solidFill>
+                  <a:schemeClr val="tx1">
+                    <a:lumMod val="50000"/>
+                    <a:lumOff val="50000"/>
+                  </a:schemeClr>
+                </a:solidFill>
+                <a:latin typeface="G마켓 산스 Medium" panose="02000000000000000000" pitchFamily="50" charset="-127"/>
+                <a:ea typeface="G마켓 산스 Medium" panose="02000000000000000000" pitchFamily="50" charset="-127"/>
+              </a:rPr>
+              <a:t>물론 </a:t>
+            </a:r>
+            <a:r>
+              <a:rPr lang="ko-KR" altLang="en-US" sz="2800" dirty="0" err="1">
+                <a:solidFill>
+                  <a:schemeClr val="tx1">
+                    <a:lumMod val="50000"/>
+                    <a:lumOff val="50000"/>
+                  </a:schemeClr>
+                </a:solidFill>
+                <a:latin typeface="G마켓 산스 Medium" panose="02000000000000000000" pitchFamily="50" charset="-127"/>
+                <a:ea typeface="G마켓 산스 Medium" panose="02000000000000000000" pitchFamily="50" charset="-127"/>
+              </a:rPr>
+              <a:t>그외에</a:t>
+            </a:r>
+            <a:r>
+              <a:rPr lang="ko-KR" altLang="en-US" sz="2800" dirty="0">
+                <a:solidFill>
+                  <a:schemeClr val="tx1">
+                    <a:lumMod val="50000"/>
+                    <a:lumOff val="50000"/>
+                  </a:schemeClr>
+                </a:solidFill>
+                <a:latin typeface="G마켓 산스 Medium" panose="02000000000000000000" pitchFamily="50" charset="-127"/>
+                <a:ea typeface="G마켓 산스 Medium" panose="02000000000000000000" pitchFamily="50" charset="-127"/>
+              </a:rPr>
+              <a:t> 기타 정보들도 필요하다면 </a:t>
+            </a:r>
+            <a:r>
+              <a:rPr lang="ko-KR" altLang="en-US" sz="2800" dirty="0" err="1">
+                <a:solidFill>
+                  <a:schemeClr val="tx1">
+                    <a:lumMod val="50000"/>
+                    <a:lumOff val="50000"/>
+                  </a:schemeClr>
+                </a:solidFill>
+                <a:latin typeface="G마켓 산스 Medium" panose="02000000000000000000" pitchFamily="50" charset="-127"/>
+                <a:ea typeface="G마켓 산스 Medium" panose="02000000000000000000" pitchFamily="50" charset="-127"/>
+              </a:rPr>
+              <a:t>파싱하여</a:t>
+            </a:r>
+            <a:r>
+              <a:rPr lang="ko-KR" altLang="en-US" sz="2800" dirty="0">
+                <a:solidFill>
+                  <a:schemeClr val="tx1">
+                    <a:lumMod val="50000"/>
+                    <a:lumOff val="50000"/>
+                  </a:schemeClr>
+                </a:solidFill>
+                <a:latin typeface="G마켓 산스 Medium" panose="02000000000000000000" pitchFamily="50" charset="-127"/>
+                <a:ea typeface="G마켓 산스 Medium" panose="02000000000000000000" pitchFamily="50" charset="-127"/>
+              </a:rPr>
+              <a:t> 사용한다</a:t>
+            </a:r>
+            <a:r>
+              <a:rPr lang="en-US" altLang="ko-KR" sz="2800" dirty="0">
+                <a:solidFill>
+                  <a:schemeClr val="tx1">
+                    <a:lumMod val="50000"/>
+                    <a:lumOff val="50000"/>
+                  </a:schemeClr>
+                </a:solidFill>
+                <a:latin typeface="G마켓 산스 Medium" panose="02000000000000000000" pitchFamily="50" charset="-127"/>
+                <a:ea typeface="G마켓 산스 Medium" panose="02000000000000000000" pitchFamily="50" charset="-127"/>
+              </a:rPr>
+              <a:t>.)</a:t>
             </a:r>
           </a:p>
         </p:txBody>
       </p:sp>
       <p:sp>
         <p:nvSpPr>
-          <p:cNvPr id="7" name="직사각형 6">
+          <p:cNvPr id="6" name="직사각형 5">
             <a:extLst>
               <a:ext uri="{FF2B5EF4-FFF2-40B4-BE49-F238E27FC236}">
-                <a16:creationId xmlns:a16="http://schemas.microsoft.com/office/drawing/2014/main" id="{FFF506F9-840A-0508-4CAF-3AC711D8D5CE}"/>
+                <a16:creationId xmlns:a16="http://schemas.microsoft.com/office/drawing/2014/main" id="{8307E1A4-B03E-D97C-3B35-C4BC95CAC1BE}"/>
               </a:ext>
             </a:extLst>
           </p:cNvPr>
@@ -5501,8 +5927,8 @@
         </p:nvSpPr>
         <p:spPr>
           <a:xfrm>
-            <a:off x="1247774" y="8867774"/>
-            <a:ext cx="8505825" cy="1366169"/>
+            <a:off x="11534072" y="5219700"/>
+            <a:ext cx="6396015" cy="304800"/>
           </a:xfrm>
           <a:prstGeom prst="rect">
             <a:avLst/>
@@ -5542,7 +5968,7 @@
     </p:spTree>
     <p:extLst>
       <p:ext uri="{BB962C8B-B14F-4D97-AF65-F5344CB8AC3E}">
-        <p14:creationId xmlns:p14="http://schemas.microsoft.com/office/powerpoint/2010/main" val="1236467171"/>
+        <p14:creationId xmlns:p14="http://schemas.microsoft.com/office/powerpoint/2010/main" val="3046827982"/>
       </p:ext>
     </p:extLst>
   </p:cSld>
@@ -5571,13 +5997,7 @@
       </p:grpSpPr>
       <p:pic>
         <p:nvPicPr>
-          <p:cNvPr id="6" name="그림 5">
-            <a:extLst>
-              <a:ext uri="{FF2B5EF4-FFF2-40B4-BE49-F238E27FC236}">
-                <a16:creationId xmlns:a16="http://schemas.microsoft.com/office/drawing/2014/main" id="{58BF4167-A0FA-C472-92B2-53A0A0D42345}"/>
-              </a:ext>
-            </a:extLst>
-          </p:cNvPr>
+          <p:cNvPr id="2" name="그림 1"/>
           <p:cNvPicPr>
             <a:picLocks noChangeAspect="1"/>
           </p:cNvPicPr>
@@ -5591,8 +6011,43 @@
         </p:blipFill>
         <p:spPr>
           <a:xfrm>
-            <a:off x="179751" y="3848100"/>
-            <a:ext cx="17928498" cy="2362200"/>
+            <a:off x="685801" y="1097790"/>
+            <a:ext cx="14554200" cy="9189209"/>
+          </a:xfrm>
+          <a:prstGeom prst="rect">
+            <a:avLst/>
+          </a:prstGeom>
+        </p:spPr>
+      </p:pic>
+      <p:pic>
+        <p:nvPicPr>
+          <p:cNvPr id="5" name="그림 4"/>
+          <p:cNvPicPr>
+            <a:picLocks noChangeAspect="1"/>
+          </p:cNvPicPr>
+          <p:nvPr/>
+        </p:nvPicPr>
+        <p:blipFill rotWithShape="1">
+          <a:blip r:embed="rId3">
+            <a:extLst>
+              <a:ext uri="{BEBA8EAE-BF5A-486C-A8C5-ECC9F3942E4B}">
+                <a14:imgProps xmlns:a14="http://schemas.microsoft.com/office/drawing/2010/main">
+                  <a14:imgLayer r:embed="rId4">
+                    <a14:imgEffect>
+                      <a14:artisticGlass/>
+                    </a14:imgEffect>
+                  </a14:imgLayer>
+                </a14:imgProps>
+              </a:ext>
+            </a:extLst>
+          </a:blip>
+          <a:srcRect l="14432" t="5715" r="39182" b="91020"/>
+          <a:stretch/>
+        </p:blipFill>
+        <p:spPr>
+          <a:xfrm>
+            <a:off x="2743200" y="1591041"/>
+            <a:ext cx="6858001" cy="304800"/>
           </a:xfrm>
           <a:prstGeom prst="rect">
             <a:avLst/>
@@ -5604,7 +6059,7 @@
           <p:cNvPr id="7" name="TextBox 6">
             <a:extLst>
               <a:ext uri="{FF2B5EF4-FFF2-40B4-BE49-F238E27FC236}">
-                <a16:creationId xmlns:a16="http://schemas.microsoft.com/office/drawing/2014/main" id="{AC9FB06F-5A5D-5235-A074-40A6D5C3BFBE}"/>
+                <a16:creationId xmlns:a16="http://schemas.microsoft.com/office/drawing/2014/main" id="{69196D22-2A4C-4EF6-5A42-2031D7FEF549}"/>
               </a:ext>
             </a:extLst>
           </p:cNvPr>
@@ -5613,8 +6068,8 @@
         </p:nvSpPr>
         <p:spPr>
           <a:xfrm>
-            <a:off x="1485900" y="7200900"/>
-            <a:ext cx="15316200" cy="830997"/>
+            <a:off x="304800" y="114300"/>
+            <a:ext cx="4343400" cy="923330"/>
           </a:xfrm>
           <a:prstGeom prst="rect">
             <a:avLst/>
@@ -5628,82 +6083,72 @@
           <a:lstStyle/>
           <a:p>
             <a:r>
-              <a:rPr lang="en-US" altLang="ko-KR" sz="4800" dirty="0" err="1">
+              <a:rPr lang="ko-KR" altLang="en-US" sz="5400" spc="-300">
                 <a:solidFill>
                   <a:srgbClr val="4C50BC"/>
                 </a:solidFill>
-                <a:latin typeface="G마켓 산스 Medium" panose="02000000000000000000" pitchFamily="50" charset="-127"/>
-                <a:ea typeface="G마켓 산스 Medium" panose="02000000000000000000" pitchFamily="50" charset="-127"/>
-              </a:rPr>
-              <a:t>chatGPT</a:t>
-            </a:r>
-            <a:r>
-              <a:rPr lang="ko-KR" altLang="en-US" sz="4800" dirty="0">
-                <a:solidFill>
-                  <a:srgbClr val="4C50BC"/>
-                </a:solidFill>
-                <a:latin typeface="G마켓 산스 Medium" panose="02000000000000000000" pitchFamily="50" charset="-127"/>
-                <a:ea typeface="G마켓 산스 Medium" panose="02000000000000000000" pitchFamily="50" charset="-127"/>
-              </a:rPr>
-              <a:t>와 </a:t>
-            </a:r>
-            <a:r>
-              <a:rPr lang="ko-KR" altLang="en-US" sz="4800" dirty="0" err="1">
-                <a:solidFill>
-                  <a:srgbClr val="4C50BC"/>
-                </a:solidFill>
-                <a:latin typeface="G마켓 산스 Medium" panose="02000000000000000000" pitchFamily="50" charset="-127"/>
-                <a:ea typeface="G마켓 산스 Medium" panose="02000000000000000000" pitchFamily="50" charset="-127"/>
-              </a:rPr>
-              <a:t>통신할때는</a:t>
-            </a:r>
-            <a:r>
-              <a:rPr lang="ko-KR" altLang="en-US" sz="4800" dirty="0">
-                <a:solidFill>
-                  <a:srgbClr val="4C50BC"/>
-                </a:solidFill>
-                <a:latin typeface="G마켓 산스 Medium" panose="02000000000000000000" pitchFamily="50" charset="-127"/>
-                <a:ea typeface="G마켓 산스 Medium" panose="02000000000000000000" pitchFamily="50" charset="-127"/>
-              </a:rPr>
-              <a:t> </a:t>
-            </a:r>
-            <a:r>
-              <a:rPr lang="en-US" altLang="ko-KR" sz="4800" dirty="0">
-                <a:solidFill>
-                  <a:srgbClr val="4C50BC"/>
-                </a:solidFill>
-                <a:latin typeface="G마켓 산스 Medium" panose="02000000000000000000" pitchFamily="50" charset="-127"/>
-                <a:ea typeface="G마켓 산스 Medium" panose="02000000000000000000" pitchFamily="50" charset="-127"/>
-              </a:rPr>
-              <a:t>JSON </a:t>
-            </a:r>
-            <a:r>
-              <a:rPr lang="ko-KR" altLang="en-US" sz="4800" dirty="0">
-                <a:solidFill>
-                  <a:srgbClr val="4C50BC"/>
-                </a:solidFill>
-                <a:latin typeface="G마켓 산스 Medium" panose="02000000000000000000" pitchFamily="50" charset="-127"/>
-                <a:ea typeface="G마켓 산스 Medium" panose="02000000000000000000" pitchFamily="50" charset="-127"/>
-              </a:rPr>
-              <a:t>형태로 주고 받아야 한다</a:t>
-            </a:r>
-            <a:r>
-              <a:rPr lang="en-US" altLang="ko-KR" sz="4800" dirty="0">
-                <a:solidFill>
-                  <a:srgbClr val="4C50BC"/>
-                </a:solidFill>
-                <a:latin typeface="G마켓 산스 Medium" panose="02000000000000000000" pitchFamily="50" charset="-127"/>
-                <a:ea typeface="G마켓 산스 Medium" panose="02000000000000000000" pitchFamily="50" charset="-127"/>
-              </a:rPr>
-              <a:t>.</a:t>
-            </a:r>
+                <a:latin typeface="G마켓 산스 Bold" panose="02000000000000000000" pitchFamily="50" charset="-127"/>
+                <a:ea typeface="G마켓 산스 Bold" panose="02000000000000000000" pitchFamily="50" charset="-127"/>
+              </a:rPr>
+              <a:t>기본소스코드</a:t>
+            </a:r>
+            <a:endParaRPr lang="en-US" altLang="ko-KR" sz="5400" spc="-300" dirty="0">
+              <a:solidFill>
+                <a:srgbClr val="4C50BC"/>
+              </a:solidFill>
+              <a:latin typeface="G마켓 산스 Bold" panose="02000000000000000000" pitchFamily="50" charset="-127"/>
+              <a:ea typeface="G마켓 산스 Bold" panose="02000000000000000000" pitchFamily="50" charset="-127"/>
+            </a:endParaRPr>
           </a:p>
         </p:txBody>
       </p:sp>
+      <p:cxnSp>
+        <p:nvCxnSpPr>
+          <p:cNvPr id="8" name="직선 연결선 7">
+            <a:extLst>
+              <a:ext uri="{FF2B5EF4-FFF2-40B4-BE49-F238E27FC236}">
+                <a16:creationId xmlns:a16="http://schemas.microsoft.com/office/drawing/2014/main" id="{DDFA97EB-659B-5D0A-D41B-496A6FF66D9E}"/>
+              </a:ext>
+            </a:extLst>
+          </p:cNvPr>
+          <p:cNvCxnSpPr>
+            <a:cxnSpLocks/>
+          </p:cNvCxnSpPr>
+          <p:nvPr/>
+        </p:nvCxnSpPr>
+        <p:spPr>
+          <a:xfrm flipH="1" flipV="1">
+            <a:off x="-13447" y="972511"/>
+            <a:ext cx="18288000" cy="65119"/>
+          </a:xfrm>
+          <a:prstGeom prst="line">
+            <a:avLst/>
+          </a:prstGeom>
+          <a:ln w="38100">
+            <a:solidFill>
+              <a:srgbClr val="4C50BC"/>
+            </a:solidFill>
+          </a:ln>
+        </p:spPr>
+        <p:style>
+          <a:lnRef idx="1">
+            <a:schemeClr val="accent1"/>
+          </a:lnRef>
+          <a:fillRef idx="0">
+            <a:schemeClr val="accent1"/>
+          </a:fillRef>
+          <a:effectRef idx="0">
+            <a:schemeClr val="accent1"/>
+          </a:effectRef>
+          <a:fontRef idx="minor">
+            <a:schemeClr val="tx1"/>
+          </a:fontRef>
+        </p:style>
+      </p:cxnSp>
     </p:spTree>
     <p:extLst>
       <p:ext uri="{BB962C8B-B14F-4D97-AF65-F5344CB8AC3E}">
-        <p14:creationId xmlns:p14="http://schemas.microsoft.com/office/powerpoint/2010/main" val="1441367658"/>
+        <p14:creationId xmlns:p14="http://schemas.microsoft.com/office/powerpoint/2010/main" val="871931030"/>
       </p:ext>
     </p:extLst>
   </p:cSld>
@@ -5732,7 +6177,7 @@
       </p:grpSpPr>
       <p:pic>
         <p:nvPicPr>
-          <p:cNvPr id="4" name="그림 3"/>
+          <p:cNvPr id="3" name="그림 2"/>
           <p:cNvPicPr>
             <a:picLocks noChangeAspect="1"/>
           </p:cNvPicPr>
@@ -5746,422 +6191,18 @@
         </p:blipFill>
         <p:spPr>
           <a:xfrm>
-            <a:off x="10515600" y="1901284"/>
-            <a:ext cx="7414488" cy="7467600"/>
+            <a:off x="381000" y="0"/>
+            <a:ext cx="14249400" cy="10205480"/>
           </a:xfrm>
           <a:prstGeom prst="rect">
             <a:avLst/>
           </a:prstGeom>
         </p:spPr>
       </p:pic>
-      <p:sp>
-        <p:nvSpPr>
-          <p:cNvPr id="2" name="TextBox 1">
-            <a:extLst>
-              <a:ext uri="{FF2B5EF4-FFF2-40B4-BE49-F238E27FC236}">
-                <a16:creationId xmlns:a16="http://schemas.microsoft.com/office/drawing/2014/main" id="{EBECE379-EA70-E020-A8B7-3EB3EA7B27E5}"/>
-              </a:ext>
-            </a:extLst>
-          </p:cNvPr>
-          <p:cNvSpPr txBox="1"/>
-          <p:nvPr/>
-        </p:nvSpPr>
-        <p:spPr>
-          <a:xfrm>
-            <a:off x="304800" y="114300"/>
-            <a:ext cx="8077200" cy="923330"/>
-          </a:xfrm>
-          <a:prstGeom prst="rect">
-            <a:avLst/>
-          </a:prstGeom>
-          <a:noFill/>
-        </p:spPr>
-        <p:txBody>
-          <a:bodyPr wrap="square" rtlCol="0">
-            <a:spAutoFit/>
-          </a:bodyPr>
-          <a:lstStyle/>
-          <a:p>
-            <a:r>
-              <a:rPr lang="en-US" altLang="ko-KR" sz="5400" spc="-300" dirty="0">
-                <a:solidFill>
-                  <a:srgbClr val="4C50BC"/>
-                </a:solidFill>
-                <a:latin typeface="G마켓 산스 Bold" panose="02000000000000000000" pitchFamily="50" charset="-127"/>
-                <a:ea typeface="G마켓 산스 Bold" panose="02000000000000000000" pitchFamily="50" charset="-127"/>
-              </a:rPr>
-              <a:t>ChatGPT </a:t>
-            </a:r>
-            <a:r>
-              <a:rPr lang="ko-KR" altLang="en-US" sz="5400" spc="-300" dirty="0">
-                <a:solidFill>
-                  <a:srgbClr val="4C50BC"/>
-                </a:solidFill>
-                <a:latin typeface="G마켓 산스 Bold" panose="02000000000000000000" pitchFamily="50" charset="-127"/>
-                <a:ea typeface="G마켓 산스 Bold" panose="02000000000000000000" pitchFamily="50" charset="-127"/>
-              </a:rPr>
-              <a:t>응답형태</a:t>
-            </a:r>
-            <a:endParaRPr lang="en-US" altLang="ko-KR" sz="5400" spc="-300" dirty="0">
-              <a:solidFill>
-                <a:srgbClr val="4C50BC"/>
-              </a:solidFill>
-              <a:latin typeface="G마켓 산스 Bold" panose="02000000000000000000" pitchFamily="50" charset="-127"/>
-              <a:ea typeface="G마켓 산스 Bold" panose="02000000000000000000" pitchFamily="50" charset="-127"/>
-            </a:endParaRPr>
-          </a:p>
-        </p:txBody>
-      </p:sp>
-      <p:cxnSp>
-        <p:nvCxnSpPr>
-          <p:cNvPr id="3" name="직선 연결선 2">
-            <a:extLst>
-              <a:ext uri="{FF2B5EF4-FFF2-40B4-BE49-F238E27FC236}">
-                <a16:creationId xmlns:a16="http://schemas.microsoft.com/office/drawing/2014/main" id="{BE9DDB2F-8D53-F3EA-C17E-57B1C45CBBEC}"/>
-              </a:ext>
-            </a:extLst>
-          </p:cNvPr>
-          <p:cNvCxnSpPr>
-            <a:cxnSpLocks/>
-          </p:cNvCxnSpPr>
-          <p:nvPr/>
-        </p:nvCxnSpPr>
-        <p:spPr>
-          <a:xfrm flipH="1" flipV="1">
-            <a:off x="-13447" y="972511"/>
-            <a:ext cx="18288000" cy="65119"/>
-          </a:xfrm>
-          <a:prstGeom prst="line">
-            <a:avLst/>
-          </a:prstGeom>
-          <a:ln w="38100">
-            <a:solidFill>
-              <a:srgbClr val="4C50BC"/>
-            </a:solidFill>
-          </a:ln>
-        </p:spPr>
-        <p:style>
-          <a:lnRef idx="1">
-            <a:schemeClr val="accent1"/>
-          </a:lnRef>
-          <a:fillRef idx="0">
-            <a:schemeClr val="accent1"/>
-          </a:fillRef>
-          <a:effectRef idx="0">
-            <a:schemeClr val="accent1"/>
-          </a:effectRef>
-          <a:fontRef idx="minor">
-            <a:schemeClr val="tx1"/>
-          </a:fontRef>
-        </p:style>
-      </p:cxnSp>
-      <p:sp>
-        <p:nvSpPr>
-          <p:cNvPr id="5" name="TextBox 4">
-            <a:extLst>
-              <a:ext uri="{FF2B5EF4-FFF2-40B4-BE49-F238E27FC236}">
-                <a16:creationId xmlns:a16="http://schemas.microsoft.com/office/drawing/2014/main" id="{C8A2F4E0-5BAE-1B15-4CCB-4B62BB4781C5}"/>
-              </a:ext>
-            </a:extLst>
-          </p:cNvPr>
-          <p:cNvSpPr txBox="1"/>
-          <p:nvPr/>
-        </p:nvSpPr>
-        <p:spPr>
-          <a:xfrm>
-            <a:off x="762000" y="1201111"/>
-            <a:ext cx="14167562" cy="2185214"/>
-          </a:xfrm>
-          <a:prstGeom prst="rect">
-            <a:avLst/>
-          </a:prstGeom>
-          <a:noFill/>
-        </p:spPr>
-        <p:txBody>
-          <a:bodyPr wrap="square" rtlCol="0">
-            <a:spAutoFit/>
-          </a:bodyPr>
-          <a:lstStyle/>
-          <a:p>
-            <a:pPr marL="571500" indent="-571500">
-              <a:buFont typeface="Arial" panose="020B0604020202020204" pitchFamily="34" charset="0"/>
-              <a:buChar char="•"/>
-            </a:pPr>
-            <a:r>
-              <a:rPr lang="en-US" altLang="ko-KR" sz="3600" dirty="0">
-                <a:solidFill>
-                  <a:schemeClr val="tx1">
-                    <a:lumMod val="50000"/>
-                    <a:lumOff val="50000"/>
-                  </a:schemeClr>
-                </a:solidFill>
-                <a:latin typeface="G마켓 산스 Medium" panose="02000000000000000000" pitchFamily="50" charset="-127"/>
-                <a:ea typeface="G마켓 산스 Medium" panose="02000000000000000000" pitchFamily="50" charset="-127"/>
-              </a:rPr>
-              <a:t>Json </a:t>
-            </a:r>
-            <a:r>
-              <a:rPr lang="ko-KR" altLang="en-US" sz="3600" dirty="0">
-                <a:solidFill>
-                  <a:schemeClr val="tx1">
-                    <a:lumMod val="50000"/>
-                    <a:lumOff val="50000"/>
-                  </a:schemeClr>
-                </a:solidFill>
-                <a:latin typeface="G마켓 산스 Medium" panose="02000000000000000000" pitchFamily="50" charset="-127"/>
-                <a:ea typeface="G마켓 산스 Medium" panose="02000000000000000000" pitchFamily="50" charset="-127"/>
-              </a:rPr>
-              <a:t>형태로 응답을 주며 모델정보 및 질문건에 대한 세션 아이디</a:t>
-            </a:r>
-            <a:r>
-              <a:rPr lang="en-US" altLang="ko-KR" sz="3600" dirty="0">
-                <a:solidFill>
-                  <a:schemeClr val="tx1">
-                    <a:lumMod val="50000"/>
-                    <a:lumOff val="50000"/>
-                  </a:schemeClr>
-                </a:solidFill>
-                <a:latin typeface="G마켓 산스 Medium" panose="02000000000000000000" pitchFamily="50" charset="-127"/>
-                <a:ea typeface="G마켓 산스 Medium" panose="02000000000000000000" pitchFamily="50" charset="-127"/>
-              </a:rPr>
-              <a:t>, </a:t>
-            </a:r>
-            <a:r>
-              <a:rPr lang="ko-KR" altLang="en-US" sz="3600" dirty="0">
-                <a:solidFill>
-                  <a:schemeClr val="tx1">
-                    <a:lumMod val="50000"/>
-                    <a:lumOff val="50000"/>
-                  </a:schemeClr>
-                </a:solidFill>
-                <a:latin typeface="G마켓 산스 Medium" panose="02000000000000000000" pitchFamily="50" charset="-127"/>
-                <a:ea typeface="G마켓 산스 Medium" panose="02000000000000000000" pitchFamily="50" charset="-127"/>
-              </a:rPr>
-              <a:t>토큰</a:t>
-            </a:r>
-            <a:r>
-              <a:rPr lang="en-US" altLang="ko-KR" sz="3600" dirty="0">
-                <a:solidFill>
-                  <a:schemeClr val="tx1">
-                    <a:lumMod val="50000"/>
-                    <a:lumOff val="50000"/>
-                  </a:schemeClr>
-                </a:solidFill>
-                <a:latin typeface="G마켓 산스 Medium" panose="02000000000000000000" pitchFamily="50" charset="-127"/>
-                <a:ea typeface="G마켓 산스 Medium" panose="02000000000000000000" pitchFamily="50" charset="-127"/>
-              </a:rPr>
-              <a:t>, </a:t>
-            </a:r>
-            <a:r>
-              <a:rPr lang="ko-KR" altLang="en-US" sz="3600" dirty="0">
-                <a:solidFill>
-                  <a:schemeClr val="tx1">
-                    <a:lumMod val="50000"/>
-                    <a:lumOff val="50000"/>
-                  </a:schemeClr>
-                </a:solidFill>
-                <a:latin typeface="G마켓 산스 Medium" panose="02000000000000000000" pitchFamily="50" charset="-127"/>
-                <a:ea typeface="G마켓 산스 Medium" panose="02000000000000000000" pitchFamily="50" charset="-127"/>
-              </a:rPr>
-              <a:t>비용 등등의 부가 정보들이 들어온다</a:t>
-            </a:r>
-            <a:r>
-              <a:rPr lang="en-US" altLang="ko-KR" sz="3600" dirty="0">
-                <a:solidFill>
-                  <a:schemeClr val="tx1">
-                    <a:lumMod val="50000"/>
-                    <a:lumOff val="50000"/>
-                  </a:schemeClr>
-                </a:solidFill>
-                <a:latin typeface="G마켓 산스 Medium" panose="02000000000000000000" pitchFamily="50" charset="-127"/>
-                <a:ea typeface="G마켓 산스 Medium" panose="02000000000000000000" pitchFamily="50" charset="-127"/>
-              </a:rPr>
-              <a:t>.</a:t>
-            </a:r>
-          </a:p>
-          <a:p>
-            <a:pPr marL="571500" indent="-571500">
-              <a:buFont typeface="Arial" panose="020B0604020202020204" pitchFamily="34" charset="0"/>
-              <a:buChar char="•"/>
-            </a:pPr>
-            <a:r>
-              <a:rPr lang="ko-KR" altLang="en-US" sz="3600" dirty="0">
-                <a:solidFill>
-                  <a:schemeClr val="tx1">
-                    <a:lumMod val="50000"/>
-                    <a:lumOff val="50000"/>
-                  </a:schemeClr>
-                </a:solidFill>
-                <a:latin typeface="G마켓 산스 Medium" panose="02000000000000000000" pitchFamily="50" charset="-127"/>
-                <a:ea typeface="G마켓 산스 Medium" panose="02000000000000000000" pitchFamily="50" charset="-127"/>
-              </a:rPr>
-              <a:t>대화에 대한 응답만을 추출하여 쓰면 된다</a:t>
-            </a:r>
-            <a:r>
-              <a:rPr lang="en-US" altLang="ko-KR" sz="3600" dirty="0">
-                <a:solidFill>
-                  <a:schemeClr val="tx1">
-                    <a:lumMod val="50000"/>
-                    <a:lumOff val="50000"/>
-                  </a:schemeClr>
-                </a:solidFill>
-                <a:latin typeface="G마켓 산스 Medium" panose="02000000000000000000" pitchFamily="50" charset="-127"/>
-                <a:ea typeface="G마켓 산스 Medium" panose="02000000000000000000" pitchFamily="50" charset="-127"/>
-              </a:rPr>
-              <a:t>.</a:t>
-            </a:r>
-          </a:p>
-          <a:p>
-            <a:r>
-              <a:rPr lang="en-US" altLang="ko-KR" sz="2800" dirty="0">
-                <a:solidFill>
-                  <a:schemeClr val="tx1">
-                    <a:lumMod val="50000"/>
-                    <a:lumOff val="50000"/>
-                  </a:schemeClr>
-                </a:solidFill>
-                <a:latin typeface="G마켓 산스 Medium" panose="02000000000000000000" pitchFamily="50" charset="-127"/>
-                <a:ea typeface="G마켓 산스 Medium" panose="02000000000000000000" pitchFamily="50" charset="-127"/>
-              </a:rPr>
-              <a:t>(</a:t>
-            </a:r>
-            <a:r>
-              <a:rPr lang="ko-KR" altLang="en-US" sz="2800" dirty="0">
-                <a:solidFill>
-                  <a:schemeClr val="tx1">
-                    <a:lumMod val="50000"/>
-                    <a:lumOff val="50000"/>
-                  </a:schemeClr>
-                </a:solidFill>
-                <a:latin typeface="G마켓 산스 Medium" panose="02000000000000000000" pitchFamily="50" charset="-127"/>
-                <a:ea typeface="G마켓 산스 Medium" panose="02000000000000000000" pitchFamily="50" charset="-127"/>
-              </a:rPr>
-              <a:t>물론 </a:t>
-            </a:r>
-            <a:r>
-              <a:rPr lang="ko-KR" altLang="en-US" sz="2800" dirty="0" err="1">
-                <a:solidFill>
-                  <a:schemeClr val="tx1">
-                    <a:lumMod val="50000"/>
-                    <a:lumOff val="50000"/>
-                  </a:schemeClr>
-                </a:solidFill>
-                <a:latin typeface="G마켓 산스 Medium" panose="02000000000000000000" pitchFamily="50" charset="-127"/>
-                <a:ea typeface="G마켓 산스 Medium" panose="02000000000000000000" pitchFamily="50" charset="-127"/>
-              </a:rPr>
-              <a:t>그외에</a:t>
-            </a:r>
-            <a:r>
-              <a:rPr lang="ko-KR" altLang="en-US" sz="2800" dirty="0">
-                <a:solidFill>
-                  <a:schemeClr val="tx1">
-                    <a:lumMod val="50000"/>
-                    <a:lumOff val="50000"/>
-                  </a:schemeClr>
-                </a:solidFill>
-                <a:latin typeface="G마켓 산스 Medium" panose="02000000000000000000" pitchFamily="50" charset="-127"/>
-                <a:ea typeface="G마켓 산스 Medium" panose="02000000000000000000" pitchFamily="50" charset="-127"/>
-              </a:rPr>
-              <a:t> 기타 정보들도 필요하다면 </a:t>
-            </a:r>
-            <a:r>
-              <a:rPr lang="ko-KR" altLang="en-US" sz="2800" dirty="0" err="1">
-                <a:solidFill>
-                  <a:schemeClr val="tx1">
-                    <a:lumMod val="50000"/>
-                    <a:lumOff val="50000"/>
-                  </a:schemeClr>
-                </a:solidFill>
-                <a:latin typeface="G마켓 산스 Medium" panose="02000000000000000000" pitchFamily="50" charset="-127"/>
-                <a:ea typeface="G마켓 산스 Medium" panose="02000000000000000000" pitchFamily="50" charset="-127"/>
-              </a:rPr>
-              <a:t>파싱하여</a:t>
-            </a:r>
-            <a:r>
-              <a:rPr lang="ko-KR" altLang="en-US" sz="2800" dirty="0">
-                <a:solidFill>
-                  <a:schemeClr val="tx1">
-                    <a:lumMod val="50000"/>
-                    <a:lumOff val="50000"/>
-                  </a:schemeClr>
-                </a:solidFill>
-                <a:latin typeface="G마켓 산스 Medium" panose="02000000000000000000" pitchFamily="50" charset="-127"/>
-                <a:ea typeface="G마켓 산스 Medium" panose="02000000000000000000" pitchFamily="50" charset="-127"/>
-              </a:rPr>
-              <a:t> 사용한다</a:t>
-            </a:r>
-            <a:r>
-              <a:rPr lang="en-US" altLang="ko-KR" sz="2800" dirty="0">
-                <a:solidFill>
-                  <a:schemeClr val="tx1">
-                    <a:lumMod val="50000"/>
-                    <a:lumOff val="50000"/>
-                  </a:schemeClr>
-                </a:solidFill>
-                <a:latin typeface="G마켓 산스 Medium" panose="02000000000000000000" pitchFamily="50" charset="-127"/>
-                <a:ea typeface="G마켓 산스 Medium" panose="02000000000000000000" pitchFamily="50" charset="-127"/>
-              </a:rPr>
-              <a:t>.)</a:t>
-            </a:r>
-          </a:p>
-        </p:txBody>
-      </p:sp>
-      <p:sp>
-        <p:nvSpPr>
-          <p:cNvPr id="6" name="직사각형 5">
-            <a:extLst>
-              <a:ext uri="{FF2B5EF4-FFF2-40B4-BE49-F238E27FC236}">
-                <a16:creationId xmlns:a16="http://schemas.microsoft.com/office/drawing/2014/main" id="{8307E1A4-B03E-D97C-3B35-C4BC95CAC1BE}"/>
-              </a:ext>
-            </a:extLst>
-          </p:cNvPr>
-          <p:cNvSpPr/>
-          <p:nvPr/>
-        </p:nvSpPr>
-        <p:spPr>
-          <a:xfrm>
-            <a:off x="11534072" y="5219700"/>
-            <a:ext cx="6396015" cy="304800"/>
-          </a:xfrm>
-          <a:prstGeom prst="rect">
-            <a:avLst/>
-          </a:prstGeom>
-          <a:noFill/>
-          <a:ln>
-            <a:solidFill>
-              <a:srgbClr val="FF0000"/>
-            </a:solidFill>
-          </a:ln>
-        </p:spPr>
-        <p:style>
-          <a:lnRef idx="2">
-            <a:schemeClr val="accent2">
-              <a:shade val="50000"/>
-            </a:schemeClr>
-          </a:lnRef>
-          <a:fillRef idx="1">
-            <a:schemeClr val="accent2"/>
-          </a:fillRef>
-          <a:effectRef idx="0">
-            <a:schemeClr val="accent2"/>
-          </a:effectRef>
-          <a:fontRef idx="minor">
-            <a:schemeClr val="lt1"/>
-          </a:fontRef>
-        </p:style>
-        <p:txBody>
-          <a:bodyPr rtlCol="0" anchor="ctr"/>
-          <a:lstStyle/>
-          <a:p>
-            <a:pPr algn="ctr"/>
-            <a:endParaRPr lang="ko-KR" altLang="en-US"/>
-          </a:p>
-        </p:txBody>
-      </p:sp>
     </p:spTree>
     <p:extLst>
       <p:ext uri="{BB962C8B-B14F-4D97-AF65-F5344CB8AC3E}">
-        <p14:creationId xmlns:p14="http://schemas.microsoft.com/office/powerpoint/2010/main" val="3046827982"/>
+        <p14:creationId xmlns:p14="http://schemas.microsoft.com/office/powerpoint/2010/main" val="401538121"/>
       </p:ext>
     </p:extLst>
   </p:cSld>
@@ -6478,240 +6519,6 @@
           <a:chExt cx="0" cy="0"/>
         </a:xfrm>
       </p:grpSpPr>
-      <p:pic>
-        <p:nvPicPr>
-          <p:cNvPr id="2" name="그림 1"/>
-          <p:cNvPicPr>
-            <a:picLocks noChangeAspect="1"/>
-          </p:cNvPicPr>
-          <p:nvPr/>
-        </p:nvPicPr>
-        <p:blipFill>
-          <a:blip r:embed="rId2"/>
-          <a:stretch>
-            <a:fillRect/>
-          </a:stretch>
-        </p:blipFill>
-        <p:spPr>
-          <a:xfrm>
-            <a:off x="685801" y="1097790"/>
-            <a:ext cx="14554200" cy="9189209"/>
-          </a:xfrm>
-          <a:prstGeom prst="rect">
-            <a:avLst/>
-          </a:prstGeom>
-        </p:spPr>
-      </p:pic>
-      <p:pic>
-        <p:nvPicPr>
-          <p:cNvPr id="5" name="그림 4"/>
-          <p:cNvPicPr>
-            <a:picLocks noChangeAspect="1"/>
-          </p:cNvPicPr>
-          <p:nvPr/>
-        </p:nvPicPr>
-        <p:blipFill rotWithShape="1">
-          <a:blip r:embed="rId3">
-            <a:extLst>
-              <a:ext uri="{BEBA8EAE-BF5A-486C-A8C5-ECC9F3942E4B}">
-                <a14:imgProps xmlns:a14="http://schemas.microsoft.com/office/drawing/2010/main">
-                  <a14:imgLayer r:embed="rId4">
-                    <a14:imgEffect>
-                      <a14:artisticGlass/>
-                    </a14:imgEffect>
-                  </a14:imgLayer>
-                </a14:imgProps>
-              </a:ext>
-            </a:extLst>
-          </a:blip>
-          <a:srcRect l="14432" t="5715" r="39182" b="91020"/>
-          <a:stretch/>
-        </p:blipFill>
-        <p:spPr>
-          <a:xfrm>
-            <a:off x="2743200" y="1591041"/>
-            <a:ext cx="6858001" cy="304800"/>
-          </a:xfrm>
-          <a:prstGeom prst="rect">
-            <a:avLst/>
-          </a:prstGeom>
-        </p:spPr>
-      </p:pic>
-      <p:sp>
-        <p:nvSpPr>
-          <p:cNvPr id="7" name="TextBox 6">
-            <a:extLst>
-              <a:ext uri="{FF2B5EF4-FFF2-40B4-BE49-F238E27FC236}">
-                <a16:creationId xmlns:a16="http://schemas.microsoft.com/office/drawing/2014/main" id="{69196D22-2A4C-4EF6-5A42-2031D7FEF549}"/>
-              </a:ext>
-            </a:extLst>
-          </p:cNvPr>
-          <p:cNvSpPr txBox="1"/>
-          <p:nvPr/>
-        </p:nvSpPr>
-        <p:spPr>
-          <a:xfrm>
-            <a:off x="304800" y="114300"/>
-            <a:ext cx="4343400" cy="923330"/>
-          </a:xfrm>
-          <a:prstGeom prst="rect">
-            <a:avLst/>
-          </a:prstGeom>
-          <a:noFill/>
-        </p:spPr>
-        <p:txBody>
-          <a:bodyPr wrap="square" rtlCol="0">
-            <a:spAutoFit/>
-          </a:bodyPr>
-          <a:lstStyle/>
-          <a:p>
-            <a:r>
-              <a:rPr lang="ko-KR" altLang="en-US" sz="5400" spc="-300">
-                <a:solidFill>
-                  <a:srgbClr val="4C50BC"/>
-                </a:solidFill>
-                <a:latin typeface="G마켓 산스 Bold" panose="02000000000000000000" pitchFamily="50" charset="-127"/>
-                <a:ea typeface="G마켓 산스 Bold" panose="02000000000000000000" pitchFamily="50" charset="-127"/>
-              </a:rPr>
-              <a:t>기본소스코드</a:t>
-            </a:r>
-            <a:endParaRPr lang="en-US" altLang="ko-KR" sz="5400" spc="-300" dirty="0">
-              <a:solidFill>
-                <a:srgbClr val="4C50BC"/>
-              </a:solidFill>
-              <a:latin typeface="G마켓 산스 Bold" panose="02000000000000000000" pitchFamily="50" charset="-127"/>
-              <a:ea typeface="G마켓 산스 Bold" panose="02000000000000000000" pitchFamily="50" charset="-127"/>
-            </a:endParaRPr>
-          </a:p>
-        </p:txBody>
-      </p:sp>
-      <p:cxnSp>
-        <p:nvCxnSpPr>
-          <p:cNvPr id="8" name="직선 연결선 7">
-            <a:extLst>
-              <a:ext uri="{FF2B5EF4-FFF2-40B4-BE49-F238E27FC236}">
-                <a16:creationId xmlns:a16="http://schemas.microsoft.com/office/drawing/2014/main" id="{DDFA97EB-659B-5D0A-D41B-496A6FF66D9E}"/>
-              </a:ext>
-            </a:extLst>
-          </p:cNvPr>
-          <p:cNvCxnSpPr>
-            <a:cxnSpLocks/>
-          </p:cNvCxnSpPr>
-          <p:nvPr/>
-        </p:nvCxnSpPr>
-        <p:spPr>
-          <a:xfrm flipH="1" flipV="1">
-            <a:off x="-13447" y="972511"/>
-            <a:ext cx="18288000" cy="65119"/>
-          </a:xfrm>
-          <a:prstGeom prst="line">
-            <a:avLst/>
-          </a:prstGeom>
-          <a:ln w="38100">
-            <a:solidFill>
-              <a:srgbClr val="4C50BC"/>
-            </a:solidFill>
-          </a:ln>
-        </p:spPr>
-        <p:style>
-          <a:lnRef idx="1">
-            <a:schemeClr val="accent1"/>
-          </a:lnRef>
-          <a:fillRef idx="0">
-            <a:schemeClr val="accent1"/>
-          </a:fillRef>
-          <a:effectRef idx="0">
-            <a:schemeClr val="accent1"/>
-          </a:effectRef>
-          <a:fontRef idx="minor">
-            <a:schemeClr val="tx1"/>
-          </a:fontRef>
-        </p:style>
-      </p:cxnSp>
-    </p:spTree>
-    <p:extLst>
-      <p:ext uri="{BB962C8B-B14F-4D97-AF65-F5344CB8AC3E}">
-        <p14:creationId xmlns:p14="http://schemas.microsoft.com/office/powerpoint/2010/main" val="871931030"/>
-      </p:ext>
-    </p:extLst>
-  </p:cSld>
-  <p:clrMapOvr>
-    <a:masterClrMapping/>
-  </p:clrMapOvr>
-</p:sld>
-</file>
-
-<file path=ppt/slides/slide21.xml><?xml version="1.0" encoding="utf-8"?>
-<p:sld xmlns:a="http://schemas.openxmlformats.org/drawingml/2006/main" xmlns:r="http://schemas.openxmlformats.org/officeDocument/2006/relationships" xmlns:p="http://schemas.openxmlformats.org/presentationml/2006/main">
-  <p:cSld>
-    <p:spTree>
-      <p:nvGrpSpPr>
-        <p:cNvPr id="1" name=""/>
-        <p:cNvGrpSpPr/>
-        <p:nvPr/>
-      </p:nvGrpSpPr>
-      <p:grpSpPr>
-        <a:xfrm>
-          <a:off x="0" y="0"/>
-          <a:ext cx="0" cy="0"/>
-          <a:chOff x="0" y="0"/>
-          <a:chExt cx="0" cy="0"/>
-        </a:xfrm>
-      </p:grpSpPr>
-      <p:pic>
-        <p:nvPicPr>
-          <p:cNvPr id="3" name="그림 2"/>
-          <p:cNvPicPr>
-            <a:picLocks noChangeAspect="1"/>
-          </p:cNvPicPr>
-          <p:nvPr/>
-        </p:nvPicPr>
-        <p:blipFill>
-          <a:blip r:embed="rId2"/>
-          <a:stretch>
-            <a:fillRect/>
-          </a:stretch>
-        </p:blipFill>
-        <p:spPr>
-          <a:xfrm>
-            <a:off x="381000" y="0"/>
-            <a:ext cx="14249400" cy="10205480"/>
-          </a:xfrm>
-          <a:prstGeom prst="rect">
-            <a:avLst/>
-          </a:prstGeom>
-        </p:spPr>
-      </p:pic>
-    </p:spTree>
-    <p:extLst>
-      <p:ext uri="{BB962C8B-B14F-4D97-AF65-F5344CB8AC3E}">
-        <p14:creationId xmlns:p14="http://schemas.microsoft.com/office/powerpoint/2010/main" val="401538121"/>
-      </p:ext>
-    </p:extLst>
-  </p:cSld>
-  <p:clrMapOvr>
-    <a:masterClrMapping/>
-  </p:clrMapOvr>
-</p:sld>
-</file>
-
-<file path=ppt/slides/slide22.xml><?xml version="1.0" encoding="utf-8"?>
-<p:sld xmlns:a="http://schemas.openxmlformats.org/drawingml/2006/main" xmlns:r="http://schemas.openxmlformats.org/officeDocument/2006/relationships" xmlns:p="http://schemas.openxmlformats.org/presentationml/2006/main">
-  <p:cSld>
-    <p:spTree>
-      <p:nvGrpSpPr>
-        <p:cNvPr id="1" name=""/>
-        <p:cNvGrpSpPr/>
-        <p:nvPr/>
-      </p:nvGrpSpPr>
-      <p:grpSpPr>
-        <a:xfrm>
-          <a:off x="0" y="0"/>
-          <a:ext cx="0" cy="0"/>
-          <a:chOff x="0" y="0"/>
-          <a:chExt cx="0" cy="0"/>
-        </a:xfrm>
-      </p:grpSpPr>
       <p:sp>
         <p:nvSpPr>
           <p:cNvPr id="5" name="TextBox 4">
@@ -6961,7 +6768,7 @@
 </p:sld>
 </file>
 
-<file path=ppt/slides/slide23.xml><?xml version="1.0" encoding="utf-8"?>
+<file path=ppt/slides/slide21.xml><?xml version="1.0" encoding="utf-8"?>
 <p:sld xmlns:a="http://schemas.openxmlformats.org/drawingml/2006/main" xmlns:r="http://schemas.openxmlformats.org/officeDocument/2006/relationships" xmlns:p="http://schemas.openxmlformats.org/presentationml/2006/main">
   <p:cSld>
     <p:spTree>
@@ -7897,7 +7704,7 @@
 </p:sld>
 </file>
 
-<file path=ppt/slides/slide24.xml><?xml version="1.0" encoding="utf-8"?>
+<file path=ppt/slides/slide22.xml><?xml version="1.0" encoding="utf-8"?>
 <p:sld xmlns:a="http://schemas.openxmlformats.org/drawingml/2006/main" xmlns:r="http://schemas.openxmlformats.org/officeDocument/2006/relationships" xmlns:p="http://schemas.openxmlformats.org/presentationml/2006/main">
   <p:cSld>
     <p:spTree>
@@ -8488,7 +8295,7 @@
 </p:sld>
 </file>
 
-<file path=ppt/slides/slide25.xml><?xml version="1.0" encoding="utf-8"?>
+<file path=ppt/slides/slide23.xml><?xml version="1.0" encoding="utf-8"?>
 <p:sld xmlns:a="http://schemas.openxmlformats.org/drawingml/2006/main" xmlns:r="http://schemas.openxmlformats.org/officeDocument/2006/relationships" xmlns:p="http://schemas.openxmlformats.org/presentationml/2006/main">
   <p:cSld>
     <p:spTree>
@@ -9200,7 +9007,7 @@
 </p:sld>
 </file>
 
-<file path=ppt/slides/slide26.xml><?xml version="1.0" encoding="utf-8"?>
+<file path=ppt/slides/slide24.xml><?xml version="1.0" encoding="utf-8"?>
 <p:sld xmlns:a="http://schemas.openxmlformats.org/drawingml/2006/main" xmlns:r="http://schemas.openxmlformats.org/officeDocument/2006/relationships" xmlns:p="http://schemas.openxmlformats.org/presentationml/2006/main">
   <p:cSld>
     <p:spTree>
@@ -9501,7 +9308,7 @@
 </p:sld>
 </file>
 
-<file path=ppt/slides/slide27.xml><?xml version="1.0" encoding="utf-8"?>
+<file path=ppt/slides/slide25.xml><?xml version="1.0" encoding="utf-8"?>
 <p:sld xmlns:a="http://schemas.openxmlformats.org/drawingml/2006/main" xmlns:r="http://schemas.openxmlformats.org/officeDocument/2006/relationships" xmlns:p="http://schemas.openxmlformats.org/presentationml/2006/main">
   <p:cSld>
     <p:spTree>
@@ -10465,7 +10272,7 @@
 </p:sld>
 </file>
 
-<file path=ppt/slides/slide28.xml><?xml version="1.0" encoding="utf-8"?>
+<file path=ppt/slides/slide26.xml><?xml version="1.0" encoding="utf-8"?>
 <p:sld xmlns:a="http://schemas.openxmlformats.org/drawingml/2006/main" xmlns:r="http://schemas.openxmlformats.org/officeDocument/2006/relationships" xmlns:p="http://schemas.openxmlformats.org/presentationml/2006/main">
   <p:cSld>
     <p:spTree>
@@ -10766,7 +10573,7 @@
 </p:sld>
 </file>
 
-<file path=ppt/slides/slide29.xml><?xml version="1.0" encoding="utf-8"?>
+<file path=ppt/slides/slide27.xml><?xml version="1.0" encoding="utf-8"?>
 <p:sld xmlns:a="http://schemas.openxmlformats.org/drawingml/2006/main" xmlns:r="http://schemas.openxmlformats.org/officeDocument/2006/relationships" xmlns:p="http://schemas.openxmlformats.org/presentationml/2006/main">
   <p:cSld>
     <p:spTree>
@@ -11294,278 +11101,7 @@
 </p:sld>
 </file>
 
-<file path=ppt/slides/slide3.xml><?xml version="1.0" encoding="utf-8"?>
-<p:sld xmlns:a="http://schemas.openxmlformats.org/drawingml/2006/main" xmlns:r="http://schemas.openxmlformats.org/officeDocument/2006/relationships" xmlns:p="http://schemas.openxmlformats.org/presentationml/2006/main">
-  <p:cSld name="Slide 4">
-    <p:bg>
-      <p:bgPr>
-        <a:solidFill>
-          <a:srgbClr val="4C50BB"/>
-        </a:solidFill>
-        <a:effectLst/>
-      </p:bgPr>
-    </p:bg>
-    <p:spTree>
-      <p:nvGrpSpPr>
-        <p:cNvPr id="1" name=""/>
-        <p:cNvGrpSpPr/>
-        <p:nvPr/>
-      </p:nvGrpSpPr>
-      <p:grpSpPr>
-        <a:xfrm>
-          <a:off x="0" y="0"/>
-          <a:ext cx="0" cy="0"/>
-          <a:chOff x="0" y="0"/>
-          <a:chExt cx="0" cy="0"/>
-        </a:xfrm>
-      </p:grpSpPr>
-      <p:grpSp>
-        <p:nvGrpSpPr>
-          <p:cNvPr id="1001" name="그룹 1001"/>
-          <p:cNvGrpSpPr/>
-          <p:nvPr/>
-        </p:nvGrpSpPr>
-        <p:grpSpPr>
-          <a:xfrm>
-            <a:off x="16986360" y="3561542"/>
-            <a:ext cx="1432688" cy="191978"/>
-            <a:chOff x="16986360" y="3561542"/>
-            <a:chExt cx="1432688" cy="191978"/>
-          </a:xfrm>
-        </p:grpSpPr>
-        <p:pic>
-          <p:nvPicPr>
-            <p:cNvPr id="3" name="Object 2"/>
-            <p:cNvPicPr>
-              <a:picLocks noChangeAspect="1"/>
-            </p:cNvPicPr>
-            <p:nvPr/>
-          </p:nvPicPr>
-          <p:blipFill>
-            <a:blip r:embed="rId2" cstate="print"/>
-            <a:stretch>
-              <a:fillRect/>
-            </a:stretch>
-          </p:blipFill>
-          <p:spPr>
-            <a:xfrm>
-              <a:off x="16986360" y="3561542"/>
-              <a:ext cx="1432688" cy="191978"/>
-            </a:xfrm>
-            <a:prstGeom prst="rect">
-              <a:avLst/>
-            </a:prstGeom>
-          </p:spPr>
-        </p:pic>
-      </p:grpSp>
-      <p:grpSp>
-        <p:nvGrpSpPr>
-          <p:cNvPr id="1002" name="그룹 1002"/>
-          <p:cNvGrpSpPr/>
-          <p:nvPr/>
-        </p:nvGrpSpPr>
-        <p:grpSpPr>
-          <a:xfrm>
-            <a:off x="5686747" y="-1286436"/>
-            <a:ext cx="4461240" cy="4417966"/>
-            <a:chOff x="5686747" y="-1286436"/>
-            <a:chExt cx="4461240" cy="4417966"/>
-          </a:xfrm>
-        </p:grpSpPr>
-        <p:pic>
-          <p:nvPicPr>
-            <p:cNvPr id="6" name="Object 5"/>
-            <p:cNvPicPr>
-              <a:picLocks noChangeAspect="1"/>
-            </p:cNvPicPr>
-            <p:nvPr/>
-          </p:nvPicPr>
-          <p:blipFill>
-            <a:blip r:embed="rId3" cstate="print"/>
-            <a:stretch>
-              <a:fillRect/>
-            </a:stretch>
-          </p:blipFill>
-          <p:spPr>
-            <a:xfrm>
-              <a:off x="5686747" y="-1286436"/>
-              <a:ext cx="4461240" cy="4417966"/>
-            </a:xfrm>
-            <a:prstGeom prst="rect">
-              <a:avLst/>
-            </a:prstGeom>
-          </p:spPr>
-        </p:pic>
-      </p:grpSp>
-      <p:grpSp>
-        <p:nvGrpSpPr>
-          <p:cNvPr id="1003" name="그룹 1003"/>
-          <p:cNvGrpSpPr/>
-          <p:nvPr/>
-        </p:nvGrpSpPr>
-        <p:grpSpPr>
-          <a:xfrm>
-            <a:off x="-901071" y="6888297"/>
-            <a:ext cx="4182908" cy="4182908"/>
-            <a:chOff x="-901071" y="6888297"/>
-            <a:chExt cx="4182908" cy="4182908"/>
-          </a:xfrm>
-        </p:grpSpPr>
-        <p:pic>
-          <p:nvPicPr>
-            <p:cNvPr id="9" name="Object 8"/>
-            <p:cNvPicPr>
-              <a:picLocks noChangeAspect="1"/>
-            </p:cNvPicPr>
-            <p:nvPr/>
-          </p:nvPicPr>
-          <p:blipFill>
-            <a:blip r:embed="rId4" cstate="print"/>
-            <a:stretch>
-              <a:fillRect/>
-            </a:stretch>
-          </p:blipFill>
-          <p:spPr>
-            <a:xfrm rot="-2700000">
-              <a:off x="-901071" y="6888297"/>
-              <a:ext cx="4182908" cy="4182908"/>
-            </a:xfrm>
-            <a:prstGeom prst="rect">
-              <a:avLst/>
-            </a:prstGeom>
-          </p:spPr>
-        </p:pic>
-      </p:grpSp>
-      <p:grpSp>
-        <p:nvGrpSpPr>
-          <p:cNvPr id="1004" name="그룹 1004"/>
-          <p:cNvGrpSpPr/>
-          <p:nvPr/>
-        </p:nvGrpSpPr>
-        <p:grpSpPr>
-          <a:xfrm>
-            <a:off x="1972602" y="5957321"/>
-            <a:ext cx="3452527" cy="3419037"/>
-            <a:chOff x="1972602" y="5957321"/>
-            <a:chExt cx="3452527" cy="3419037"/>
-          </a:xfrm>
-        </p:grpSpPr>
-        <p:pic>
-          <p:nvPicPr>
-            <p:cNvPr id="12" name="Object 11"/>
-            <p:cNvPicPr>
-              <a:picLocks noChangeAspect="1"/>
-            </p:cNvPicPr>
-            <p:nvPr/>
-          </p:nvPicPr>
-          <p:blipFill>
-            <a:blip r:embed="rId5" cstate="print"/>
-            <a:stretch>
-              <a:fillRect/>
-            </a:stretch>
-          </p:blipFill>
-          <p:spPr>
-            <a:xfrm>
-              <a:off x="1972602" y="5957321"/>
-              <a:ext cx="3452527" cy="3419037"/>
-            </a:xfrm>
-            <a:prstGeom prst="rect">
-              <a:avLst/>
-            </a:prstGeom>
-          </p:spPr>
-        </p:pic>
-      </p:grpSp>
-      <p:pic>
-        <p:nvPicPr>
-          <p:cNvPr id="14" name="Object 13"/>
-          <p:cNvPicPr>
-            <a:picLocks noChangeAspect="1"/>
-          </p:cNvPicPr>
-          <p:nvPr/>
-        </p:nvPicPr>
-        <p:blipFill>
-          <a:blip r:embed="rId6" cstate="print"/>
-          <a:stretch>
-            <a:fillRect/>
-          </a:stretch>
-        </p:blipFill>
-        <p:spPr>
-          <a:xfrm>
-            <a:off x="13669052" y="2416536"/>
-            <a:ext cx="3674181" cy="3286626"/>
-          </a:xfrm>
-          <a:prstGeom prst="rect">
-            <a:avLst/>
-          </a:prstGeom>
-        </p:spPr>
-      </p:pic>
-      <p:sp>
-        <p:nvSpPr>
-          <p:cNvPr id="2" name="TextBox 1">
-            <a:extLst>
-              <a:ext uri="{FF2B5EF4-FFF2-40B4-BE49-F238E27FC236}">
-                <a16:creationId xmlns:a16="http://schemas.microsoft.com/office/drawing/2014/main" id="{8D19D88B-9541-32D7-90F1-0C45C993E21C}"/>
-              </a:ext>
-            </a:extLst>
-          </p:cNvPr>
-          <p:cNvSpPr txBox="1"/>
-          <p:nvPr/>
-        </p:nvSpPr>
-        <p:spPr>
-          <a:xfrm>
-            <a:off x="8756646" y="5403323"/>
-            <a:ext cx="8622873" cy="1107996"/>
-          </a:xfrm>
-          <a:prstGeom prst="rect">
-            <a:avLst/>
-          </a:prstGeom>
-          <a:noFill/>
-        </p:spPr>
-        <p:txBody>
-          <a:bodyPr wrap="none" rtlCol="0">
-            <a:spAutoFit/>
-          </a:bodyPr>
-          <a:lstStyle/>
-          <a:p>
-            <a:r>
-              <a:rPr lang="en-US" altLang="ko-KR" sz="6600">
-                <a:solidFill>
-                  <a:schemeClr val="bg1"/>
-                </a:solidFill>
-                <a:latin typeface="G마켓 산스 Medium" panose="02000000000000000000" pitchFamily="50" charset="-127"/>
-                <a:ea typeface="G마켓 산스 Medium" panose="02000000000000000000" pitchFamily="50" charset="-127"/>
-              </a:rPr>
-              <a:t>chatGPT</a:t>
-            </a:r>
-            <a:r>
-              <a:rPr lang="ko-KR" altLang="en-US" sz="6600">
-                <a:solidFill>
-                  <a:schemeClr val="bg1"/>
-                </a:solidFill>
-                <a:latin typeface="G마켓 산스 Medium" panose="02000000000000000000" pitchFamily="50" charset="-127"/>
-                <a:ea typeface="G마켓 산스 Medium" panose="02000000000000000000" pitchFamily="50" charset="-127"/>
-              </a:rPr>
-              <a:t>와 대화하기</a:t>
-            </a:r>
-            <a:endParaRPr lang="en-US" altLang="ko-KR" sz="6600" dirty="0">
-              <a:solidFill>
-                <a:schemeClr val="bg1"/>
-              </a:solidFill>
-              <a:latin typeface="G마켓 산스 Medium" panose="02000000000000000000" pitchFamily="50" charset="-127"/>
-              <a:ea typeface="G마켓 산스 Medium" panose="02000000000000000000" pitchFamily="50" charset="-127"/>
-            </a:endParaRPr>
-          </a:p>
-        </p:txBody>
-      </p:sp>
-    </p:spTree>
-  </p:cSld>
-  <p:clrMapOvr>
-    <a:masterClrMapping/>
-  </p:clrMapOvr>
-</p:sld>
-</file>
-
-<file path=ppt/slides/slide30.xml><?xml version="1.0" encoding="utf-8"?>
+<file path=ppt/slides/slide28.xml><?xml version="1.0" encoding="utf-8"?>
 <p:sld xmlns:a="http://schemas.openxmlformats.org/drawingml/2006/main" xmlns:r="http://schemas.openxmlformats.org/officeDocument/2006/relationships" xmlns:p="http://schemas.openxmlformats.org/presentationml/2006/main">
   <p:cSld>
     <p:spTree>
@@ -11866,7 +11402,7 @@
 </p:sld>
 </file>
 
-<file path=ppt/slides/slide31.xml><?xml version="1.0" encoding="utf-8"?>
+<file path=ppt/slides/slide29.xml><?xml version="1.0" encoding="utf-8"?>
 <p:sld xmlns:a="http://schemas.openxmlformats.org/drawingml/2006/main" xmlns:r="http://schemas.openxmlformats.org/officeDocument/2006/relationships" xmlns:p="http://schemas.openxmlformats.org/presentationml/2006/main">
   <p:cSld>
     <p:spTree>
@@ -12795,7 +12331,278 @@
 </p:sld>
 </file>
 
-<file path=ppt/slides/slide32.xml><?xml version="1.0" encoding="utf-8"?>
+<file path=ppt/slides/slide3.xml><?xml version="1.0" encoding="utf-8"?>
+<p:sld xmlns:a="http://schemas.openxmlformats.org/drawingml/2006/main" xmlns:r="http://schemas.openxmlformats.org/officeDocument/2006/relationships" xmlns:p="http://schemas.openxmlformats.org/presentationml/2006/main">
+  <p:cSld name="Slide 4">
+    <p:bg>
+      <p:bgPr>
+        <a:solidFill>
+          <a:srgbClr val="4C50BB"/>
+        </a:solidFill>
+        <a:effectLst/>
+      </p:bgPr>
+    </p:bg>
+    <p:spTree>
+      <p:nvGrpSpPr>
+        <p:cNvPr id="1" name=""/>
+        <p:cNvGrpSpPr/>
+        <p:nvPr/>
+      </p:nvGrpSpPr>
+      <p:grpSpPr>
+        <a:xfrm>
+          <a:off x="0" y="0"/>
+          <a:ext cx="0" cy="0"/>
+          <a:chOff x="0" y="0"/>
+          <a:chExt cx="0" cy="0"/>
+        </a:xfrm>
+      </p:grpSpPr>
+      <p:grpSp>
+        <p:nvGrpSpPr>
+          <p:cNvPr id="1001" name="그룹 1001"/>
+          <p:cNvGrpSpPr/>
+          <p:nvPr/>
+        </p:nvGrpSpPr>
+        <p:grpSpPr>
+          <a:xfrm>
+            <a:off x="16986360" y="3561542"/>
+            <a:ext cx="1432688" cy="191978"/>
+            <a:chOff x="16986360" y="3561542"/>
+            <a:chExt cx="1432688" cy="191978"/>
+          </a:xfrm>
+        </p:grpSpPr>
+        <p:pic>
+          <p:nvPicPr>
+            <p:cNvPr id="3" name="Object 2"/>
+            <p:cNvPicPr>
+              <a:picLocks noChangeAspect="1"/>
+            </p:cNvPicPr>
+            <p:nvPr/>
+          </p:nvPicPr>
+          <p:blipFill>
+            <a:blip r:embed="rId2" cstate="print"/>
+            <a:stretch>
+              <a:fillRect/>
+            </a:stretch>
+          </p:blipFill>
+          <p:spPr>
+            <a:xfrm>
+              <a:off x="16986360" y="3561542"/>
+              <a:ext cx="1432688" cy="191978"/>
+            </a:xfrm>
+            <a:prstGeom prst="rect">
+              <a:avLst/>
+            </a:prstGeom>
+          </p:spPr>
+        </p:pic>
+      </p:grpSp>
+      <p:grpSp>
+        <p:nvGrpSpPr>
+          <p:cNvPr id="1002" name="그룹 1002"/>
+          <p:cNvGrpSpPr/>
+          <p:nvPr/>
+        </p:nvGrpSpPr>
+        <p:grpSpPr>
+          <a:xfrm>
+            <a:off x="5686747" y="-1286436"/>
+            <a:ext cx="4461240" cy="4417966"/>
+            <a:chOff x="5686747" y="-1286436"/>
+            <a:chExt cx="4461240" cy="4417966"/>
+          </a:xfrm>
+        </p:grpSpPr>
+        <p:pic>
+          <p:nvPicPr>
+            <p:cNvPr id="6" name="Object 5"/>
+            <p:cNvPicPr>
+              <a:picLocks noChangeAspect="1"/>
+            </p:cNvPicPr>
+            <p:nvPr/>
+          </p:nvPicPr>
+          <p:blipFill>
+            <a:blip r:embed="rId3" cstate="print"/>
+            <a:stretch>
+              <a:fillRect/>
+            </a:stretch>
+          </p:blipFill>
+          <p:spPr>
+            <a:xfrm>
+              <a:off x="5686747" y="-1286436"/>
+              <a:ext cx="4461240" cy="4417966"/>
+            </a:xfrm>
+            <a:prstGeom prst="rect">
+              <a:avLst/>
+            </a:prstGeom>
+          </p:spPr>
+        </p:pic>
+      </p:grpSp>
+      <p:grpSp>
+        <p:nvGrpSpPr>
+          <p:cNvPr id="1003" name="그룹 1003"/>
+          <p:cNvGrpSpPr/>
+          <p:nvPr/>
+        </p:nvGrpSpPr>
+        <p:grpSpPr>
+          <a:xfrm>
+            <a:off x="-901071" y="6888297"/>
+            <a:ext cx="4182908" cy="4182908"/>
+            <a:chOff x="-901071" y="6888297"/>
+            <a:chExt cx="4182908" cy="4182908"/>
+          </a:xfrm>
+        </p:grpSpPr>
+        <p:pic>
+          <p:nvPicPr>
+            <p:cNvPr id="9" name="Object 8"/>
+            <p:cNvPicPr>
+              <a:picLocks noChangeAspect="1"/>
+            </p:cNvPicPr>
+            <p:nvPr/>
+          </p:nvPicPr>
+          <p:blipFill>
+            <a:blip r:embed="rId4" cstate="print"/>
+            <a:stretch>
+              <a:fillRect/>
+            </a:stretch>
+          </p:blipFill>
+          <p:spPr>
+            <a:xfrm rot="-2700000">
+              <a:off x="-901071" y="6888297"/>
+              <a:ext cx="4182908" cy="4182908"/>
+            </a:xfrm>
+            <a:prstGeom prst="rect">
+              <a:avLst/>
+            </a:prstGeom>
+          </p:spPr>
+        </p:pic>
+      </p:grpSp>
+      <p:grpSp>
+        <p:nvGrpSpPr>
+          <p:cNvPr id="1004" name="그룹 1004"/>
+          <p:cNvGrpSpPr/>
+          <p:nvPr/>
+        </p:nvGrpSpPr>
+        <p:grpSpPr>
+          <a:xfrm>
+            <a:off x="1972602" y="5957321"/>
+            <a:ext cx="3452527" cy="3419037"/>
+            <a:chOff x="1972602" y="5957321"/>
+            <a:chExt cx="3452527" cy="3419037"/>
+          </a:xfrm>
+        </p:grpSpPr>
+        <p:pic>
+          <p:nvPicPr>
+            <p:cNvPr id="12" name="Object 11"/>
+            <p:cNvPicPr>
+              <a:picLocks noChangeAspect="1"/>
+            </p:cNvPicPr>
+            <p:nvPr/>
+          </p:nvPicPr>
+          <p:blipFill>
+            <a:blip r:embed="rId5" cstate="print"/>
+            <a:stretch>
+              <a:fillRect/>
+            </a:stretch>
+          </p:blipFill>
+          <p:spPr>
+            <a:xfrm>
+              <a:off x="1972602" y="5957321"/>
+              <a:ext cx="3452527" cy="3419037"/>
+            </a:xfrm>
+            <a:prstGeom prst="rect">
+              <a:avLst/>
+            </a:prstGeom>
+          </p:spPr>
+        </p:pic>
+      </p:grpSp>
+      <p:pic>
+        <p:nvPicPr>
+          <p:cNvPr id="14" name="Object 13"/>
+          <p:cNvPicPr>
+            <a:picLocks noChangeAspect="1"/>
+          </p:cNvPicPr>
+          <p:nvPr/>
+        </p:nvPicPr>
+        <p:blipFill>
+          <a:blip r:embed="rId6" cstate="print"/>
+          <a:stretch>
+            <a:fillRect/>
+          </a:stretch>
+        </p:blipFill>
+        <p:spPr>
+          <a:xfrm>
+            <a:off x="13669052" y="2416536"/>
+            <a:ext cx="3674181" cy="3286626"/>
+          </a:xfrm>
+          <a:prstGeom prst="rect">
+            <a:avLst/>
+          </a:prstGeom>
+        </p:spPr>
+      </p:pic>
+      <p:sp>
+        <p:nvSpPr>
+          <p:cNvPr id="2" name="TextBox 1">
+            <a:extLst>
+              <a:ext uri="{FF2B5EF4-FFF2-40B4-BE49-F238E27FC236}">
+                <a16:creationId xmlns:a16="http://schemas.microsoft.com/office/drawing/2014/main" id="{8D19D88B-9541-32D7-90F1-0C45C993E21C}"/>
+              </a:ext>
+            </a:extLst>
+          </p:cNvPr>
+          <p:cNvSpPr txBox="1"/>
+          <p:nvPr/>
+        </p:nvSpPr>
+        <p:spPr>
+          <a:xfrm>
+            <a:off x="8756646" y="5403323"/>
+            <a:ext cx="8622873" cy="1107996"/>
+          </a:xfrm>
+          <a:prstGeom prst="rect">
+            <a:avLst/>
+          </a:prstGeom>
+          <a:noFill/>
+        </p:spPr>
+        <p:txBody>
+          <a:bodyPr wrap="none" rtlCol="0">
+            <a:spAutoFit/>
+          </a:bodyPr>
+          <a:lstStyle/>
+          <a:p>
+            <a:r>
+              <a:rPr lang="en-US" altLang="ko-KR" sz="6600">
+                <a:solidFill>
+                  <a:schemeClr val="bg1"/>
+                </a:solidFill>
+                <a:latin typeface="G마켓 산스 Medium" panose="02000000000000000000" pitchFamily="50" charset="-127"/>
+                <a:ea typeface="G마켓 산스 Medium" panose="02000000000000000000" pitchFamily="50" charset="-127"/>
+              </a:rPr>
+              <a:t>chatGPT</a:t>
+            </a:r>
+            <a:r>
+              <a:rPr lang="ko-KR" altLang="en-US" sz="6600">
+                <a:solidFill>
+                  <a:schemeClr val="bg1"/>
+                </a:solidFill>
+                <a:latin typeface="G마켓 산스 Medium" panose="02000000000000000000" pitchFamily="50" charset="-127"/>
+                <a:ea typeface="G마켓 산스 Medium" panose="02000000000000000000" pitchFamily="50" charset="-127"/>
+              </a:rPr>
+              <a:t>와 대화하기</a:t>
+            </a:r>
+            <a:endParaRPr lang="en-US" altLang="ko-KR" sz="6600" dirty="0">
+              <a:solidFill>
+                <a:schemeClr val="bg1"/>
+              </a:solidFill>
+              <a:latin typeface="G마켓 산스 Medium" panose="02000000000000000000" pitchFamily="50" charset="-127"/>
+              <a:ea typeface="G마켓 산스 Medium" panose="02000000000000000000" pitchFamily="50" charset="-127"/>
+            </a:endParaRPr>
+          </a:p>
+        </p:txBody>
+      </p:sp>
+    </p:spTree>
+  </p:cSld>
+  <p:clrMapOvr>
+    <a:masterClrMapping/>
+  </p:clrMapOvr>
+</p:sld>
+</file>
+
+<file path=ppt/slides/slide30.xml><?xml version="1.0" encoding="utf-8"?>
 <p:sld xmlns:a="http://schemas.openxmlformats.org/drawingml/2006/main" xmlns:r="http://schemas.openxmlformats.org/officeDocument/2006/relationships" xmlns:p="http://schemas.openxmlformats.org/presentationml/2006/main">
   <p:cSld>
     <p:spTree>
@@ -13506,7 +13313,7 @@
 </p:sld>
 </file>
 
-<file path=ppt/slides/slide33.xml><?xml version="1.0" encoding="utf-8"?>
+<file path=ppt/slides/slide31.xml><?xml version="1.0" encoding="utf-8"?>
 <p:sld xmlns:a="http://schemas.openxmlformats.org/drawingml/2006/main" xmlns:r="http://schemas.openxmlformats.org/officeDocument/2006/relationships" xmlns:p="http://schemas.openxmlformats.org/presentationml/2006/main">
   <p:cSld>
     <p:spTree>
@@ -14371,7 +14178,7 @@
 </p:sld>
 </file>
 
-<file path=ppt/slides/slide34.xml><?xml version="1.0" encoding="utf-8"?>
+<file path=ppt/slides/slide32.xml><?xml version="1.0" encoding="utf-8"?>
 <p:sld xmlns:a="http://schemas.openxmlformats.org/drawingml/2006/main" xmlns:r="http://schemas.openxmlformats.org/officeDocument/2006/relationships" xmlns:p="http://schemas.openxmlformats.org/presentationml/2006/main">
   <p:cSld>
     <p:spTree>
@@ -14989,7 +14796,7 @@
 </p:sld>
 </file>
 
-<file path=ppt/slides/slide35.xml><?xml version="1.0" encoding="utf-8"?>
+<file path=ppt/slides/slide33.xml><?xml version="1.0" encoding="utf-8"?>
 <p:sld xmlns:a="http://schemas.openxmlformats.org/drawingml/2006/main" xmlns:r="http://schemas.openxmlformats.org/officeDocument/2006/relationships" xmlns:p="http://schemas.openxmlformats.org/presentationml/2006/main">
   <p:cSld>
     <p:spTree>
@@ -15477,7 +15284,7 @@
 </p:sld>
 </file>
 
-<file path=ppt/slides/slide36.xml><?xml version="1.0" encoding="utf-8"?>
+<file path=ppt/slides/slide34.xml><?xml version="1.0" encoding="utf-8"?>
 <p:sld xmlns:a="http://schemas.openxmlformats.org/drawingml/2006/main" xmlns:r="http://schemas.openxmlformats.org/officeDocument/2006/relationships" xmlns:p="http://schemas.openxmlformats.org/presentationml/2006/main">
   <p:cSld>
     <p:spTree>
@@ -16106,7 +15913,7 @@
 </p:sld>
 </file>
 
-<file path=ppt/slides/slide37.xml><?xml version="1.0" encoding="utf-8"?>
+<file path=ppt/slides/slide35.xml><?xml version="1.0" encoding="utf-8"?>
 <p:sld xmlns:a="http://schemas.openxmlformats.org/drawingml/2006/main" xmlns:r="http://schemas.openxmlformats.org/officeDocument/2006/relationships" xmlns:p="http://schemas.openxmlformats.org/presentationml/2006/main">
   <p:cSld>
     <p:spTree>
@@ -16751,7 +16558,7 @@
 </p:sld>
 </file>
 
-<file path=ppt/slides/slide38.xml><?xml version="1.0" encoding="utf-8"?>
+<file path=ppt/slides/slide36.xml><?xml version="1.0" encoding="utf-8"?>
 <p:sld xmlns:a="http://schemas.openxmlformats.org/drawingml/2006/main" xmlns:r="http://schemas.openxmlformats.org/officeDocument/2006/relationships" xmlns:p="http://schemas.openxmlformats.org/presentationml/2006/main">
   <p:cSld>
     <p:spTree>
@@ -17085,7 +16892,7 @@
 </p:sld>
 </file>
 
-<file path=ppt/slides/slide39.xml><?xml version="1.0" encoding="utf-8"?>
+<file path=ppt/slides/slide37.xml><?xml version="1.0" encoding="utf-8"?>
 <p:sld xmlns:a="http://schemas.openxmlformats.org/drawingml/2006/main" xmlns:r="http://schemas.openxmlformats.org/officeDocument/2006/relationships" xmlns:p="http://schemas.openxmlformats.org/presentationml/2006/main">
   <p:cSld>
     <p:spTree>
@@ -17483,162 +17290,7 @@
 </p:sld>
 </file>
 
-<file path=ppt/slides/slide4.xml><?xml version="1.0" encoding="utf-8"?>
-<p:sld xmlns:a="http://schemas.openxmlformats.org/drawingml/2006/main" xmlns:r="http://schemas.openxmlformats.org/officeDocument/2006/relationships" xmlns:p="http://schemas.openxmlformats.org/presentationml/2006/main">
-  <p:cSld>
-    <p:spTree>
-      <p:nvGrpSpPr>
-        <p:cNvPr id="1" name=""/>
-        <p:cNvGrpSpPr/>
-        <p:nvPr/>
-      </p:nvGrpSpPr>
-      <p:grpSpPr>
-        <a:xfrm>
-          <a:off x="0" y="0"/>
-          <a:ext cx="0" cy="0"/>
-          <a:chOff x="0" y="0"/>
-          <a:chExt cx="0" cy="0"/>
-        </a:xfrm>
-      </p:grpSpPr>
-      <p:pic>
-        <p:nvPicPr>
-          <p:cNvPr id="4" name="그림 3"/>
-          <p:cNvPicPr>
-            <a:picLocks noChangeAspect="1"/>
-          </p:cNvPicPr>
-          <p:nvPr/>
-        </p:nvPicPr>
-        <p:blipFill>
-          <a:blip r:embed="rId2"/>
-          <a:stretch>
-            <a:fillRect/>
-          </a:stretch>
-        </p:blipFill>
-        <p:spPr>
-          <a:xfrm>
-            <a:off x="4572000" y="2247900"/>
-            <a:ext cx="6421582" cy="4800600"/>
-          </a:xfrm>
-          <a:prstGeom prst="rect">
-            <a:avLst/>
-          </a:prstGeom>
-        </p:spPr>
-      </p:pic>
-      <p:sp>
-        <p:nvSpPr>
-          <p:cNvPr id="2" name="TextBox 1">
-            <a:extLst>
-              <a:ext uri="{FF2B5EF4-FFF2-40B4-BE49-F238E27FC236}">
-                <a16:creationId xmlns:a16="http://schemas.microsoft.com/office/drawing/2014/main" id="{71735F58-3949-FFD2-4FDB-AA0B9E023602}"/>
-              </a:ext>
-            </a:extLst>
-          </p:cNvPr>
-          <p:cNvSpPr txBox="1"/>
-          <p:nvPr/>
-        </p:nvSpPr>
-        <p:spPr>
-          <a:xfrm>
-            <a:off x="304800" y="114300"/>
-            <a:ext cx="8534400" cy="923330"/>
-          </a:xfrm>
-          <a:prstGeom prst="rect">
-            <a:avLst/>
-          </a:prstGeom>
-          <a:noFill/>
-        </p:spPr>
-        <p:txBody>
-          <a:bodyPr wrap="square" rtlCol="0">
-            <a:spAutoFit/>
-          </a:bodyPr>
-          <a:lstStyle/>
-          <a:p>
-            <a:r>
-              <a:rPr lang="en-US" altLang="ko-KR" sz="5400" spc="-300" dirty="0">
-                <a:solidFill>
-                  <a:srgbClr val="4C50BB"/>
-                </a:solidFill>
-                <a:latin typeface="G마켓 산스 Bold" panose="02000000000000000000" pitchFamily="50" charset="-127"/>
-                <a:ea typeface="G마켓 산스 Bold" panose="02000000000000000000" pitchFamily="50" charset="-127"/>
-              </a:rPr>
-              <a:t>ChatGPT </a:t>
-            </a:r>
-            <a:r>
-              <a:rPr lang="ko-KR" altLang="en-US" sz="5400" spc="-300" dirty="0">
-                <a:solidFill>
-                  <a:srgbClr val="4C50BB"/>
-                </a:solidFill>
-                <a:latin typeface="G마켓 산스 Bold" panose="02000000000000000000" pitchFamily="50" charset="-127"/>
-                <a:ea typeface="G마켓 산스 Bold" panose="02000000000000000000" pitchFamily="50" charset="-127"/>
-              </a:rPr>
-              <a:t>사이트 접속</a:t>
-            </a:r>
-            <a:endParaRPr lang="en-US" altLang="ko-KR" sz="5400" spc="-300" dirty="0">
-              <a:solidFill>
-                <a:srgbClr val="4C50BB"/>
-              </a:solidFill>
-              <a:latin typeface="G마켓 산스 Bold" panose="02000000000000000000" pitchFamily="50" charset="-127"/>
-              <a:ea typeface="G마켓 산스 Bold" panose="02000000000000000000" pitchFamily="50" charset="-127"/>
-            </a:endParaRPr>
-          </a:p>
-        </p:txBody>
-      </p:sp>
-      <p:cxnSp>
-        <p:nvCxnSpPr>
-          <p:cNvPr id="12" name="직선 연결선 11">
-            <a:extLst>
-              <a:ext uri="{FF2B5EF4-FFF2-40B4-BE49-F238E27FC236}">
-                <a16:creationId xmlns:a16="http://schemas.microsoft.com/office/drawing/2014/main" id="{7781B4C0-C68E-A029-DEF1-3F9436AFC513}"/>
-              </a:ext>
-            </a:extLst>
-          </p:cNvPr>
-          <p:cNvCxnSpPr>
-            <a:cxnSpLocks/>
-          </p:cNvCxnSpPr>
-          <p:nvPr/>
-        </p:nvCxnSpPr>
-        <p:spPr>
-          <a:xfrm flipH="1" flipV="1">
-            <a:off x="-13447" y="972511"/>
-            <a:ext cx="18288000" cy="65119"/>
-          </a:xfrm>
-          <a:prstGeom prst="line">
-            <a:avLst/>
-          </a:prstGeom>
-          <a:ln w="38100">
-            <a:solidFill>
-              <a:srgbClr val="4C50BC"/>
-            </a:solidFill>
-          </a:ln>
-        </p:spPr>
-        <p:style>
-          <a:lnRef idx="1">
-            <a:schemeClr val="accent1"/>
-          </a:lnRef>
-          <a:fillRef idx="0">
-            <a:schemeClr val="accent1"/>
-          </a:fillRef>
-          <a:effectRef idx="0">
-            <a:schemeClr val="accent1"/>
-          </a:effectRef>
-          <a:fontRef idx="minor">
-            <a:schemeClr val="tx1"/>
-          </a:fontRef>
-        </p:style>
-      </p:cxnSp>
-    </p:spTree>
-    <p:extLst>
-      <p:ext uri="{BB962C8B-B14F-4D97-AF65-F5344CB8AC3E}">
-        <p14:creationId xmlns:p14="http://schemas.microsoft.com/office/powerpoint/2010/main" val="3950760473"/>
-      </p:ext>
-    </p:extLst>
-  </p:cSld>
-  <p:clrMapOvr>
-    <a:masterClrMapping/>
-  </p:clrMapOvr>
-</p:sld>
-</file>
-
-<file path=ppt/slides/slide40.xml><?xml version="1.0" encoding="utf-8"?>
+<file path=ppt/slides/slide38.xml><?xml version="1.0" encoding="utf-8"?>
 <p:sld xmlns:a="http://schemas.openxmlformats.org/drawingml/2006/main" xmlns:r="http://schemas.openxmlformats.org/officeDocument/2006/relationships" xmlns:p="http://schemas.openxmlformats.org/presentationml/2006/main">
   <p:cSld>
     <p:spTree>
@@ -18133,7 +17785,7 @@
 </p:sld>
 </file>
 
-<file path=ppt/slides/slide41.xml><?xml version="1.0" encoding="utf-8"?>
+<file path=ppt/slides/slide39.xml><?xml version="1.0" encoding="utf-8"?>
 <p:sld xmlns:a="http://schemas.openxmlformats.org/drawingml/2006/main" xmlns:r="http://schemas.openxmlformats.org/officeDocument/2006/relationships" xmlns:p="http://schemas.openxmlformats.org/presentationml/2006/main">
   <p:cSld>
     <p:spTree>
@@ -18645,7 +18297,162 @@
 </p:sld>
 </file>
 
-<file path=ppt/slides/slide42.xml><?xml version="1.0" encoding="utf-8"?>
+<file path=ppt/slides/slide4.xml><?xml version="1.0" encoding="utf-8"?>
+<p:sld xmlns:a="http://schemas.openxmlformats.org/drawingml/2006/main" xmlns:r="http://schemas.openxmlformats.org/officeDocument/2006/relationships" xmlns:p="http://schemas.openxmlformats.org/presentationml/2006/main">
+  <p:cSld>
+    <p:spTree>
+      <p:nvGrpSpPr>
+        <p:cNvPr id="1" name=""/>
+        <p:cNvGrpSpPr/>
+        <p:nvPr/>
+      </p:nvGrpSpPr>
+      <p:grpSpPr>
+        <a:xfrm>
+          <a:off x="0" y="0"/>
+          <a:ext cx="0" cy="0"/>
+          <a:chOff x="0" y="0"/>
+          <a:chExt cx="0" cy="0"/>
+        </a:xfrm>
+      </p:grpSpPr>
+      <p:pic>
+        <p:nvPicPr>
+          <p:cNvPr id="4" name="그림 3"/>
+          <p:cNvPicPr>
+            <a:picLocks noChangeAspect="1"/>
+          </p:cNvPicPr>
+          <p:nvPr/>
+        </p:nvPicPr>
+        <p:blipFill>
+          <a:blip r:embed="rId2"/>
+          <a:stretch>
+            <a:fillRect/>
+          </a:stretch>
+        </p:blipFill>
+        <p:spPr>
+          <a:xfrm>
+            <a:off x="4572000" y="2247900"/>
+            <a:ext cx="6421582" cy="4800600"/>
+          </a:xfrm>
+          <a:prstGeom prst="rect">
+            <a:avLst/>
+          </a:prstGeom>
+        </p:spPr>
+      </p:pic>
+      <p:sp>
+        <p:nvSpPr>
+          <p:cNvPr id="2" name="TextBox 1">
+            <a:extLst>
+              <a:ext uri="{FF2B5EF4-FFF2-40B4-BE49-F238E27FC236}">
+                <a16:creationId xmlns:a16="http://schemas.microsoft.com/office/drawing/2014/main" id="{71735F58-3949-FFD2-4FDB-AA0B9E023602}"/>
+              </a:ext>
+            </a:extLst>
+          </p:cNvPr>
+          <p:cNvSpPr txBox="1"/>
+          <p:nvPr/>
+        </p:nvSpPr>
+        <p:spPr>
+          <a:xfrm>
+            <a:off x="304800" y="114300"/>
+            <a:ext cx="8534400" cy="923330"/>
+          </a:xfrm>
+          <a:prstGeom prst="rect">
+            <a:avLst/>
+          </a:prstGeom>
+          <a:noFill/>
+        </p:spPr>
+        <p:txBody>
+          <a:bodyPr wrap="square" rtlCol="0">
+            <a:spAutoFit/>
+          </a:bodyPr>
+          <a:lstStyle/>
+          <a:p>
+            <a:r>
+              <a:rPr lang="en-US" altLang="ko-KR" sz="5400" spc="-300" dirty="0">
+                <a:solidFill>
+                  <a:srgbClr val="4C50BB"/>
+                </a:solidFill>
+                <a:latin typeface="G마켓 산스 Bold" panose="02000000000000000000" pitchFamily="50" charset="-127"/>
+                <a:ea typeface="G마켓 산스 Bold" panose="02000000000000000000" pitchFamily="50" charset="-127"/>
+              </a:rPr>
+              <a:t>ChatGPT </a:t>
+            </a:r>
+            <a:r>
+              <a:rPr lang="ko-KR" altLang="en-US" sz="5400" spc="-300" dirty="0">
+                <a:solidFill>
+                  <a:srgbClr val="4C50BB"/>
+                </a:solidFill>
+                <a:latin typeface="G마켓 산스 Bold" panose="02000000000000000000" pitchFamily="50" charset="-127"/>
+                <a:ea typeface="G마켓 산스 Bold" panose="02000000000000000000" pitchFamily="50" charset="-127"/>
+              </a:rPr>
+              <a:t>사이트 접속</a:t>
+            </a:r>
+            <a:endParaRPr lang="en-US" altLang="ko-KR" sz="5400" spc="-300" dirty="0">
+              <a:solidFill>
+                <a:srgbClr val="4C50BB"/>
+              </a:solidFill>
+              <a:latin typeface="G마켓 산스 Bold" panose="02000000000000000000" pitchFamily="50" charset="-127"/>
+              <a:ea typeface="G마켓 산스 Bold" panose="02000000000000000000" pitchFamily="50" charset="-127"/>
+            </a:endParaRPr>
+          </a:p>
+        </p:txBody>
+      </p:sp>
+      <p:cxnSp>
+        <p:nvCxnSpPr>
+          <p:cNvPr id="12" name="직선 연결선 11">
+            <a:extLst>
+              <a:ext uri="{FF2B5EF4-FFF2-40B4-BE49-F238E27FC236}">
+                <a16:creationId xmlns:a16="http://schemas.microsoft.com/office/drawing/2014/main" id="{7781B4C0-C68E-A029-DEF1-3F9436AFC513}"/>
+              </a:ext>
+            </a:extLst>
+          </p:cNvPr>
+          <p:cNvCxnSpPr>
+            <a:cxnSpLocks/>
+          </p:cNvCxnSpPr>
+          <p:nvPr/>
+        </p:nvCxnSpPr>
+        <p:spPr>
+          <a:xfrm flipH="1" flipV="1">
+            <a:off x="-13447" y="972511"/>
+            <a:ext cx="18288000" cy="65119"/>
+          </a:xfrm>
+          <a:prstGeom prst="line">
+            <a:avLst/>
+          </a:prstGeom>
+          <a:ln w="38100">
+            <a:solidFill>
+              <a:srgbClr val="4C50BC"/>
+            </a:solidFill>
+          </a:ln>
+        </p:spPr>
+        <p:style>
+          <a:lnRef idx="1">
+            <a:schemeClr val="accent1"/>
+          </a:lnRef>
+          <a:fillRef idx="0">
+            <a:schemeClr val="accent1"/>
+          </a:fillRef>
+          <a:effectRef idx="0">
+            <a:schemeClr val="accent1"/>
+          </a:effectRef>
+          <a:fontRef idx="minor">
+            <a:schemeClr val="tx1"/>
+          </a:fontRef>
+        </p:style>
+      </p:cxnSp>
+    </p:spTree>
+    <p:extLst>
+      <p:ext uri="{BB962C8B-B14F-4D97-AF65-F5344CB8AC3E}">
+        <p14:creationId xmlns:p14="http://schemas.microsoft.com/office/powerpoint/2010/main" val="3950760473"/>
+      </p:ext>
+    </p:extLst>
+  </p:cSld>
+  <p:clrMapOvr>
+    <a:masterClrMapping/>
+  </p:clrMapOvr>
+</p:sld>
+</file>
+
+<file path=ppt/slides/slide40.xml><?xml version="1.0" encoding="utf-8"?>
 <p:sld xmlns:a="http://schemas.openxmlformats.org/drawingml/2006/main" xmlns:r="http://schemas.openxmlformats.org/officeDocument/2006/relationships" xmlns:p="http://schemas.openxmlformats.org/presentationml/2006/main">
   <p:cSld>
     <p:spTree>
@@ -19281,7 +19088,7 @@
 </p:sld>
 </file>
 
-<file path=ppt/slides/slide43.xml><?xml version="1.0" encoding="utf-8"?>
+<file path=ppt/slides/slide41.xml><?xml version="1.0" encoding="utf-8"?>
 <p:sld xmlns:a="http://schemas.openxmlformats.org/drawingml/2006/main" xmlns:r="http://schemas.openxmlformats.org/officeDocument/2006/relationships" xmlns:p="http://schemas.openxmlformats.org/presentationml/2006/main">
   <p:cSld>
     <p:spTree>
@@ -20092,7 +19899,7 @@
 </p:sld>
 </file>
 
-<file path=ppt/slides/slide44.xml><?xml version="1.0" encoding="utf-8"?>
+<file path=ppt/slides/slide42.xml><?xml version="1.0" encoding="utf-8"?>
 <p:sld xmlns:a="http://schemas.openxmlformats.org/drawingml/2006/main" xmlns:r="http://schemas.openxmlformats.org/officeDocument/2006/relationships" xmlns:p="http://schemas.openxmlformats.org/presentationml/2006/main">
   <p:cSld>
     <p:spTree>
@@ -20851,7 +20658,7 @@
 </p:sld>
 </file>
 
-<file path=ppt/slides/slide45.xml><?xml version="1.0" encoding="utf-8"?>
+<file path=ppt/slides/slide43.xml><?xml version="1.0" encoding="utf-8"?>
 <p:sld xmlns:a="http://schemas.openxmlformats.org/drawingml/2006/main" xmlns:r="http://schemas.openxmlformats.org/officeDocument/2006/relationships" xmlns:p="http://schemas.openxmlformats.org/presentationml/2006/main">
   <p:cSld>
     <p:spTree>
@@ -21724,7 +21531,7 @@
 </p:sld>
 </file>
 
-<file path=ppt/slides/slide46.xml><?xml version="1.0" encoding="utf-8"?>
+<file path=ppt/slides/slide44.xml><?xml version="1.0" encoding="utf-8"?>
 <p:sld xmlns:a="http://schemas.openxmlformats.org/drawingml/2006/main" xmlns:r="http://schemas.openxmlformats.org/officeDocument/2006/relationships" xmlns:p="http://schemas.openxmlformats.org/presentationml/2006/main">
   <p:cSld>
     <p:spTree>
@@ -22229,7 +22036,7 @@
 </p:sld>
 </file>
 
-<file path=ppt/slides/slide47.xml><?xml version="1.0" encoding="utf-8"?>
+<file path=ppt/slides/slide45.xml><?xml version="1.0" encoding="utf-8"?>
 <p:sld xmlns:a="http://schemas.openxmlformats.org/drawingml/2006/main" xmlns:r="http://schemas.openxmlformats.org/officeDocument/2006/relationships" xmlns:p="http://schemas.openxmlformats.org/presentationml/2006/main">
   <p:cSld>
     <p:spTree>
@@ -22734,7 +22541,7 @@
 </p:sld>
 </file>
 
-<file path=ppt/slides/slide48.xml><?xml version="1.0" encoding="utf-8"?>
+<file path=ppt/slides/slide46.xml><?xml version="1.0" encoding="utf-8"?>
 <p:sld xmlns:a="http://schemas.openxmlformats.org/drawingml/2006/main" xmlns:r="http://schemas.openxmlformats.org/officeDocument/2006/relationships" xmlns:p="http://schemas.openxmlformats.org/presentationml/2006/main">
   <p:cSld>
     <p:spTree>
@@ -23620,7 +23427,7 @@
 </p:sld>
 </file>
 
-<file path=ppt/slides/slide49.xml><?xml version="1.0" encoding="utf-8"?>
+<file path=ppt/slides/slide47.xml><?xml version="1.0" encoding="utf-8"?>
 <p:sld xmlns:a="http://schemas.openxmlformats.org/drawingml/2006/main" xmlns:r="http://schemas.openxmlformats.org/officeDocument/2006/relationships" xmlns:p="http://schemas.openxmlformats.org/presentationml/2006/main">
   <p:cSld>
     <p:spTree>
@@ -24243,284 +24050,7 @@
 </p:sld>
 </file>
 
-<file path=ppt/slides/slide5.xml><?xml version="1.0" encoding="utf-8"?>
-<p:sld xmlns:a="http://schemas.openxmlformats.org/drawingml/2006/main" xmlns:r="http://schemas.openxmlformats.org/officeDocument/2006/relationships" xmlns:p="http://schemas.openxmlformats.org/presentationml/2006/main">
-  <p:cSld>
-    <p:spTree>
-      <p:nvGrpSpPr>
-        <p:cNvPr id="1" name=""/>
-        <p:cNvGrpSpPr/>
-        <p:nvPr/>
-      </p:nvGrpSpPr>
-      <p:grpSpPr>
-        <a:xfrm>
-          <a:off x="0" y="0"/>
-          <a:ext cx="0" cy="0"/>
-          <a:chOff x="0" y="0"/>
-          <a:chExt cx="0" cy="0"/>
-        </a:xfrm>
-      </p:grpSpPr>
-      <p:pic>
-        <p:nvPicPr>
-          <p:cNvPr id="4" name="그림 3">
-            <a:extLst>
-              <a:ext uri="{FF2B5EF4-FFF2-40B4-BE49-F238E27FC236}">
-                <a16:creationId xmlns:a16="http://schemas.microsoft.com/office/drawing/2014/main" id="{39F2E535-8D3E-2D85-7F92-48B97EB74364}"/>
-              </a:ext>
-            </a:extLst>
-          </p:cNvPr>
-          <p:cNvPicPr>
-            <a:picLocks noChangeAspect="1"/>
-          </p:cNvPicPr>
-          <p:nvPr/>
-        </p:nvPicPr>
-        <p:blipFill rotWithShape="1">
-          <a:blip r:embed="rId2"/>
-          <a:srcRect r="26901"/>
-          <a:stretch/>
-        </p:blipFill>
-        <p:spPr>
-          <a:xfrm>
-            <a:off x="1066800" y="800100"/>
-            <a:ext cx="7534734" cy="6458851"/>
-          </a:xfrm>
-          <a:prstGeom prst="rect">
-            <a:avLst/>
-          </a:prstGeom>
-        </p:spPr>
-      </p:pic>
-      <p:cxnSp>
-        <p:nvCxnSpPr>
-          <p:cNvPr id="5" name="직선 화살표 연결선 4">
-            <a:extLst>
-              <a:ext uri="{FF2B5EF4-FFF2-40B4-BE49-F238E27FC236}">
-                <a16:creationId xmlns:a16="http://schemas.microsoft.com/office/drawing/2014/main" id="{DDB9D919-0419-97E6-E8E0-D3AD78179E45}"/>
-              </a:ext>
-            </a:extLst>
-          </p:cNvPr>
-          <p:cNvCxnSpPr>
-            <a:cxnSpLocks/>
-          </p:cNvCxnSpPr>
-          <p:nvPr/>
-        </p:nvCxnSpPr>
-        <p:spPr>
-          <a:xfrm>
-            <a:off x="2295066" y="6316571"/>
-            <a:ext cx="0" cy="1306476"/>
-          </a:xfrm>
-          <a:prstGeom prst="straightConnector1">
-            <a:avLst/>
-          </a:prstGeom>
-          <a:ln w="38100">
-            <a:tailEnd type="triangle"/>
-          </a:ln>
-        </p:spPr>
-        <p:style>
-          <a:lnRef idx="1">
-            <a:schemeClr val="accent2"/>
-          </a:lnRef>
-          <a:fillRef idx="0">
-            <a:schemeClr val="accent2"/>
-          </a:fillRef>
-          <a:effectRef idx="0">
-            <a:schemeClr val="accent2"/>
-          </a:effectRef>
-          <a:fontRef idx="minor">
-            <a:schemeClr val="tx1"/>
-          </a:fontRef>
-        </p:style>
-      </p:cxnSp>
-      <p:cxnSp>
-        <p:nvCxnSpPr>
-          <p:cNvPr id="6" name="직선 화살표 연결선 5">
-            <a:extLst>
-              <a:ext uri="{FF2B5EF4-FFF2-40B4-BE49-F238E27FC236}">
-                <a16:creationId xmlns:a16="http://schemas.microsoft.com/office/drawing/2014/main" id="{BE23CE08-0689-D5C2-6698-E2918072683F}"/>
-              </a:ext>
-            </a:extLst>
-          </p:cNvPr>
-          <p:cNvCxnSpPr>
-            <a:cxnSpLocks/>
-          </p:cNvCxnSpPr>
-          <p:nvPr/>
-        </p:nvCxnSpPr>
-        <p:spPr>
-          <a:xfrm flipH="1">
-            <a:off x="4493488" y="1235185"/>
-            <a:ext cx="587326" cy="1295400"/>
-          </a:xfrm>
-          <a:prstGeom prst="straightConnector1">
-            <a:avLst/>
-          </a:prstGeom>
-          <a:ln w="38100">
-            <a:tailEnd type="triangle"/>
-          </a:ln>
-        </p:spPr>
-        <p:style>
-          <a:lnRef idx="1">
-            <a:schemeClr val="accent2"/>
-          </a:lnRef>
-          <a:fillRef idx="0">
-            <a:schemeClr val="accent2"/>
-          </a:fillRef>
-          <a:effectRef idx="0">
-            <a:schemeClr val="accent2"/>
-          </a:effectRef>
-          <a:fontRef idx="minor">
-            <a:schemeClr val="tx1"/>
-          </a:fontRef>
-        </p:style>
-      </p:cxnSp>
-      <p:sp>
-        <p:nvSpPr>
-          <p:cNvPr id="7" name="TextBox 6">
-            <a:extLst>
-              <a:ext uri="{FF2B5EF4-FFF2-40B4-BE49-F238E27FC236}">
-                <a16:creationId xmlns:a16="http://schemas.microsoft.com/office/drawing/2014/main" id="{D2FF0818-E6ED-B024-1925-A62F15EF4146}"/>
-              </a:ext>
-            </a:extLst>
-          </p:cNvPr>
-          <p:cNvSpPr txBox="1"/>
-          <p:nvPr/>
-        </p:nvSpPr>
-        <p:spPr>
-          <a:xfrm>
-            <a:off x="2681413" y="2638198"/>
-            <a:ext cx="6400800" cy="707886"/>
-          </a:xfrm>
-          <a:prstGeom prst="rect">
-            <a:avLst/>
-          </a:prstGeom>
-          <a:noFill/>
-        </p:spPr>
-        <p:txBody>
-          <a:bodyPr wrap="square" rtlCol="0">
-            <a:spAutoFit/>
-          </a:bodyPr>
-          <a:lstStyle/>
-          <a:p>
-            <a:r>
-              <a:rPr lang="ko-KR" altLang="en-US" sz="4000">
-                <a:solidFill>
-                  <a:srgbClr val="FF0000"/>
-                </a:solidFill>
-                <a:latin typeface="G마켓 산스 Medium" panose="02000000000000000000" pitchFamily="50" charset="-127"/>
-                <a:ea typeface="G마켓 산스 Medium" panose="02000000000000000000" pitchFamily="50" charset="-127"/>
-              </a:rPr>
-              <a:t>개발에 필요한곳</a:t>
-            </a:r>
-            <a:endParaRPr lang="en-US" altLang="ko-KR" sz="4000" dirty="0">
-              <a:solidFill>
-                <a:srgbClr val="FF0000"/>
-              </a:solidFill>
-              <a:latin typeface="G마켓 산스 Medium" panose="02000000000000000000" pitchFamily="50" charset="-127"/>
-              <a:ea typeface="G마켓 산스 Medium" panose="02000000000000000000" pitchFamily="50" charset="-127"/>
-            </a:endParaRPr>
-          </a:p>
-        </p:txBody>
-      </p:sp>
-      <p:sp>
-        <p:nvSpPr>
-          <p:cNvPr id="8" name="TextBox 7">
-            <a:extLst>
-              <a:ext uri="{FF2B5EF4-FFF2-40B4-BE49-F238E27FC236}">
-                <a16:creationId xmlns:a16="http://schemas.microsoft.com/office/drawing/2014/main" id="{19AD7C72-2C8E-9D77-1743-83912CBCED9A}"/>
-              </a:ext>
-            </a:extLst>
-          </p:cNvPr>
-          <p:cNvSpPr txBox="1"/>
-          <p:nvPr/>
-        </p:nvSpPr>
-        <p:spPr>
-          <a:xfrm>
-            <a:off x="838200" y="7897214"/>
-            <a:ext cx="7534734" cy="707886"/>
-          </a:xfrm>
-          <a:prstGeom prst="rect">
-            <a:avLst/>
-          </a:prstGeom>
-          <a:noFill/>
-        </p:spPr>
-        <p:txBody>
-          <a:bodyPr wrap="square" rtlCol="0">
-            <a:spAutoFit/>
-          </a:bodyPr>
-          <a:lstStyle/>
-          <a:p>
-            <a:r>
-              <a:rPr lang="ko-KR" altLang="en-US" sz="4000" dirty="0">
-                <a:solidFill>
-                  <a:srgbClr val="FF0000"/>
-                </a:solidFill>
-                <a:latin typeface="G마켓 산스 Medium" panose="02000000000000000000" pitchFamily="50" charset="-127"/>
-                <a:ea typeface="G마켓 산스 Medium" panose="02000000000000000000" pitchFamily="50" charset="-127"/>
-              </a:rPr>
-              <a:t>웹으로 바로 채팅을 </a:t>
-            </a:r>
-            <a:r>
-              <a:rPr lang="ko-KR" altLang="en-US" sz="4000" dirty="0" err="1">
-                <a:solidFill>
-                  <a:srgbClr val="FF0000"/>
-                </a:solidFill>
-                <a:latin typeface="G마켓 산스 Medium" panose="02000000000000000000" pitchFamily="50" charset="-127"/>
-                <a:ea typeface="G마켓 산스 Medium" panose="02000000000000000000" pitchFamily="50" charset="-127"/>
-              </a:rPr>
-              <a:t>하는곳</a:t>
-            </a:r>
-            <a:endParaRPr lang="en-US" altLang="ko-KR" sz="4000" dirty="0">
-              <a:solidFill>
-                <a:srgbClr val="FF0000"/>
-              </a:solidFill>
-              <a:latin typeface="G마켓 산스 Medium" panose="02000000000000000000" pitchFamily="50" charset="-127"/>
-              <a:ea typeface="G마켓 산스 Medium" panose="02000000000000000000" pitchFamily="50" charset="-127"/>
-            </a:endParaRPr>
-          </a:p>
-        </p:txBody>
-      </p:sp>
-      <p:pic>
-        <p:nvPicPr>
-          <p:cNvPr id="9" name="그림 8">
-            <a:extLst>
-              <a:ext uri="{FF2B5EF4-FFF2-40B4-BE49-F238E27FC236}">
-                <a16:creationId xmlns:a16="http://schemas.microsoft.com/office/drawing/2014/main" id="{780444B2-0AD5-ECF4-E393-D45067657E13}"/>
-              </a:ext>
-            </a:extLst>
-          </p:cNvPr>
-          <p:cNvPicPr>
-            <a:picLocks noChangeAspect="1"/>
-          </p:cNvPicPr>
-          <p:nvPr/>
-        </p:nvPicPr>
-        <p:blipFill>
-          <a:blip r:embed="rId3"/>
-          <a:stretch>
-            <a:fillRect/>
-          </a:stretch>
-        </p:blipFill>
-        <p:spPr>
-          <a:xfrm>
-            <a:off x="10439400" y="794657"/>
-            <a:ext cx="4645888" cy="3323214"/>
-          </a:xfrm>
-          <a:prstGeom prst="rect">
-            <a:avLst/>
-          </a:prstGeom>
-        </p:spPr>
-      </p:pic>
-    </p:spTree>
-    <p:extLst>
-      <p:ext uri="{BB962C8B-B14F-4D97-AF65-F5344CB8AC3E}">
-        <p14:creationId xmlns:p14="http://schemas.microsoft.com/office/powerpoint/2010/main" val="2374902431"/>
-      </p:ext>
-    </p:extLst>
-  </p:cSld>
-  <p:clrMapOvr>
-    <a:masterClrMapping/>
-  </p:clrMapOvr>
-</p:sld>
-</file>
-
-<file path=ppt/slides/slide50.xml><?xml version="1.0" encoding="utf-8"?>
+<file path=ppt/slides/slide48.xml><?xml version="1.0" encoding="utf-8"?>
 <p:sld xmlns:a="http://schemas.openxmlformats.org/drawingml/2006/main" xmlns:r="http://schemas.openxmlformats.org/officeDocument/2006/relationships" xmlns:p="http://schemas.openxmlformats.org/presentationml/2006/main">
   <p:cSld>
     <p:spTree>
@@ -25532,7 +25062,7 @@
 </p:sld>
 </file>
 
-<file path=ppt/slides/slide51.xml><?xml version="1.0" encoding="utf-8"?>
+<file path=ppt/slides/slide49.xml><?xml version="1.0" encoding="utf-8"?>
 <p:sld xmlns:a="http://schemas.openxmlformats.org/drawingml/2006/main" xmlns:r="http://schemas.openxmlformats.org/officeDocument/2006/relationships" xmlns:p="http://schemas.openxmlformats.org/presentationml/2006/main">
   <p:cSld>
     <p:spTree>
@@ -26546,7 +26076,284 @@
 </p:sld>
 </file>
 
-<file path=ppt/slides/slide52.xml><?xml version="1.0" encoding="utf-8"?>
+<file path=ppt/slides/slide5.xml><?xml version="1.0" encoding="utf-8"?>
+<p:sld xmlns:a="http://schemas.openxmlformats.org/drawingml/2006/main" xmlns:r="http://schemas.openxmlformats.org/officeDocument/2006/relationships" xmlns:p="http://schemas.openxmlformats.org/presentationml/2006/main">
+  <p:cSld>
+    <p:spTree>
+      <p:nvGrpSpPr>
+        <p:cNvPr id="1" name=""/>
+        <p:cNvGrpSpPr/>
+        <p:nvPr/>
+      </p:nvGrpSpPr>
+      <p:grpSpPr>
+        <a:xfrm>
+          <a:off x="0" y="0"/>
+          <a:ext cx="0" cy="0"/>
+          <a:chOff x="0" y="0"/>
+          <a:chExt cx="0" cy="0"/>
+        </a:xfrm>
+      </p:grpSpPr>
+      <p:pic>
+        <p:nvPicPr>
+          <p:cNvPr id="4" name="그림 3">
+            <a:extLst>
+              <a:ext uri="{FF2B5EF4-FFF2-40B4-BE49-F238E27FC236}">
+                <a16:creationId xmlns:a16="http://schemas.microsoft.com/office/drawing/2014/main" id="{39F2E535-8D3E-2D85-7F92-48B97EB74364}"/>
+              </a:ext>
+            </a:extLst>
+          </p:cNvPr>
+          <p:cNvPicPr>
+            <a:picLocks noChangeAspect="1"/>
+          </p:cNvPicPr>
+          <p:nvPr/>
+        </p:nvPicPr>
+        <p:blipFill rotWithShape="1">
+          <a:blip r:embed="rId2"/>
+          <a:srcRect r="26901"/>
+          <a:stretch/>
+        </p:blipFill>
+        <p:spPr>
+          <a:xfrm>
+            <a:off x="1066800" y="800100"/>
+            <a:ext cx="7534734" cy="6458851"/>
+          </a:xfrm>
+          <a:prstGeom prst="rect">
+            <a:avLst/>
+          </a:prstGeom>
+        </p:spPr>
+      </p:pic>
+      <p:cxnSp>
+        <p:nvCxnSpPr>
+          <p:cNvPr id="5" name="직선 화살표 연결선 4">
+            <a:extLst>
+              <a:ext uri="{FF2B5EF4-FFF2-40B4-BE49-F238E27FC236}">
+                <a16:creationId xmlns:a16="http://schemas.microsoft.com/office/drawing/2014/main" id="{DDB9D919-0419-97E6-E8E0-D3AD78179E45}"/>
+              </a:ext>
+            </a:extLst>
+          </p:cNvPr>
+          <p:cNvCxnSpPr>
+            <a:cxnSpLocks/>
+          </p:cNvCxnSpPr>
+          <p:nvPr/>
+        </p:nvCxnSpPr>
+        <p:spPr>
+          <a:xfrm>
+            <a:off x="2295066" y="6316571"/>
+            <a:ext cx="0" cy="1306476"/>
+          </a:xfrm>
+          <a:prstGeom prst="straightConnector1">
+            <a:avLst/>
+          </a:prstGeom>
+          <a:ln w="38100">
+            <a:tailEnd type="triangle"/>
+          </a:ln>
+        </p:spPr>
+        <p:style>
+          <a:lnRef idx="1">
+            <a:schemeClr val="accent2"/>
+          </a:lnRef>
+          <a:fillRef idx="0">
+            <a:schemeClr val="accent2"/>
+          </a:fillRef>
+          <a:effectRef idx="0">
+            <a:schemeClr val="accent2"/>
+          </a:effectRef>
+          <a:fontRef idx="minor">
+            <a:schemeClr val="tx1"/>
+          </a:fontRef>
+        </p:style>
+      </p:cxnSp>
+      <p:cxnSp>
+        <p:nvCxnSpPr>
+          <p:cNvPr id="6" name="직선 화살표 연결선 5">
+            <a:extLst>
+              <a:ext uri="{FF2B5EF4-FFF2-40B4-BE49-F238E27FC236}">
+                <a16:creationId xmlns:a16="http://schemas.microsoft.com/office/drawing/2014/main" id="{BE23CE08-0689-D5C2-6698-E2918072683F}"/>
+              </a:ext>
+            </a:extLst>
+          </p:cNvPr>
+          <p:cNvCxnSpPr>
+            <a:cxnSpLocks/>
+          </p:cNvCxnSpPr>
+          <p:nvPr/>
+        </p:nvCxnSpPr>
+        <p:spPr>
+          <a:xfrm flipH="1">
+            <a:off x="4493488" y="1235185"/>
+            <a:ext cx="587326" cy="1295400"/>
+          </a:xfrm>
+          <a:prstGeom prst="straightConnector1">
+            <a:avLst/>
+          </a:prstGeom>
+          <a:ln w="38100">
+            <a:tailEnd type="triangle"/>
+          </a:ln>
+        </p:spPr>
+        <p:style>
+          <a:lnRef idx="1">
+            <a:schemeClr val="accent2"/>
+          </a:lnRef>
+          <a:fillRef idx="0">
+            <a:schemeClr val="accent2"/>
+          </a:fillRef>
+          <a:effectRef idx="0">
+            <a:schemeClr val="accent2"/>
+          </a:effectRef>
+          <a:fontRef idx="minor">
+            <a:schemeClr val="tx1"/>
+          </a:fontRef>
+        </p:style>
+      </p:cxnSp>
+      <p:sp>
+        <p:nvSpPr>
+          <p:cNvPr id="7" name="TextBox 6">
+            <a:extLst>
+              <a:ext uri="{FF2B5EF4-FFF2-40B4-BE49-F238E27FC236}">
+                <a16:creationId xmlns:a16="http://schemas.microsoft.com/office/drawing/2014/main" id="{D2FF0818-E6ED-B024-1925-A62F15EF4146}"/>
+              </a:ext>
+            </a:extLst>
+          </p:cNvPr>
+          <p:cNvSpPr txBox="1"/>
+          <p:nvPr/>
+        </p:nvSpPr>
+        <p:spPr>
+          <a:xfrm>
+            <a:off x="2681413" y="2638198"/>
+            <a:ext cx="6400800" cy="707886"/>
+          </a:xfrm>
+          <a:prstGeom prst="rect">
+            <a:avLst/>
+          </a:prstGeom>
+          <a:noFill/>
+        </p:spPr>
+        <p:txBody>
+          <a:bodyPr wrap="square" rtlCol="0">
+            <a:spAutoFit/>
+          </a:bodyPr>
+          <a:lstStyle/>
+          <a:p>
+            <a:r>
+              <a:rPr lang="ko-KR" altLang="en-US" sz="4000">
+                <a:solidFill>
+                  <a:srgbClr val="FF0000"/>
+                </a:solidFill>
+                <a:latin typeface="G마켓 산스 Medium" panose="02000000000000000000" pitchFamily="50" charset="-127"/>
+                <a:ea typeface="G마켓 산스 Medium" panose="02000000000000000000" pitchFamily="50" charset="-127"/>
+              </a:rPr>
+              <a:t>개발에 필요한곳</a:t>
+            </a:r>
+            <a:endParaRPr lang="en-US" altLang="ko-KR" sz="4000" dirty="0">
+              <a:solidFill>
+                <a:srgbClr val="FF0000"/>
+              </a:solidFill>
+              <a:latin typeface="G마켓 산스 Medium" panose="02000000000000000000" pitchFamily="50" charset="-127"/>
+              <a:ea typeface="G마켓 산스 Medium" panose="02000000000000000000" pitchFamily="50" charset="-127"/>
+            </a:endParaRPr>
+          </a:p>
+        </p:txBody>
+      </p:sp>
+      <p:sp>
+        <p:nvSpPr>
+          <p:cNvPr id="8" name="TextBox 7">
+            <a:extLst>
+              <a:ext uri="{FF2B5EF4-FFF2-40B4-BE49-F238E27FC236}">
+                <a16:creationId xmlns:a16="http://schemas.microsoft.com/office/drawing/2014/main" id="{19AD7C72-2C8E-9D77-1743-83912CBCED9A}"/>
+              </a:ext>
+            </a:extLst>
+          </p:cNvPr>
+          <p:cNvSpPr txBox="1"/>
+          <p:nvPr/>
+        </p:nvSpPr>
+        <p:spPr>
+          <a:xfrm>
+            <a:off x="838200" y="7897214"/>
+            <a:ext cx="7534734" cy="707886"/>
+          </a:xfrm>
+          <a:prstGeom prst="rect">
+            <a:avLst/>
+          </a:prstGeom>
+          <a:noFill/>
+        </p:spPr>
+        <p:txBody>
+          <a:bodyPr wrap="square" rtlCol="0">
+            <a:spAutoFit/>
+          </a:bodyPr>
+          <a:lstStyle/>
+          <a:p>
+            <a:r>
+              <a:rPr lang="ko-KR" altLang="en-US" sz="4000" dirty="0">
+                <a:solidFill>
+                  <a:srgbClr val="FF0000"/>
+                </a:solidFill>
+                <a:latin typeface="G마켓 산스 Medium" panose="02000000000000000000" pitchFamily="50" charset="-127"/>
+                <a:ea typeface="G마켓 산스 Medium" panose="02000000000000000000" pitchFamily="50" charset="-127"/>
+              </a:rPr>
+              <a:t>웹으로 바로 채팅을 </a:t>
+            </a:r>
+            <a:r>
+              <a:rPr lang="ko-KR" altLang="en-US" sz="4000" dirty="0" err="1">
+                <a:solidFill>
+                  <a:srgbClr val="FF0000"/>
+                </a:solidFill>
+                <a:latin typeface="G마켓 산스 Medium" panose="02000000000000000000" pitchFamily="50" charset="-127"/>
+                <a:ea typeface="G마켓 산스 Medium" panose="02000000000000000000" pitchFamily="50" charset="-127"/>
+              </a:rPr>
+              <a:t>하는곳</a:t>
+            </a:r>
+            <a:endParaRPr lang="en-US" altLang="ko-KR" sz="4000" dirty="0">
+              <a:solidFill>
+                <a:srgbClr val="FF0000"/>
+              </a:solidFill>
+              <a:latin typeface="G마켓 산스 Medium" panose="02000000000000000000" pitchFamily="50" charset="-127"/>
+              <a:ea typeface="G마켓 산스 Medium" panose="02000000000000000000" pitchFamily="50" charset="-127"/>
+            </a:endParaRPr>
+          </a:p>
+        </p:txBody>
+      </p:sp>
+      <p:pic>
+        <p:nvPicPr>
+          <p:cNvPr id="9" name="그림 8">
+            <a:extLst>
+              <a:ext uri="{FF2B5EF4-FFF2-40B4-BE49-F238E27FC236}">
+                <a16:creationId xmlns:a16="http://schemas.microsoft.com/office/drawing/2014/main" id="{780444B2-0AD5-ECF4-E393-D45067657E13}"/>
+              </a:ext>
+            </a:extLst>
+          </p:cNvPr>
+          <p:cNvPicPr>
+            <a:picLocks noChangeAspect="1"/>
+          </p:cNvPicPr>
+          <p:nvPr/>
+        </p:nvPicPr>
+        <p:blipFill>
+          <a:blip r:embed="rId3"/>
+          <a:stretch>
+            <a:fillRect/>
+          </a:stretch>
+        </p:blipFill>
+        <p:spPr>
+          <a:xfrm>
+            <a:off x="10439400" y="794657"/>
+            <a:ext cx="4645888" cy="3323214"/>
+          </a:xfrm>
+          <a:prstGeom prst="rect">
+            <a:avLst/>
+          </a:prstGeom>
+        </p:spPr>
+      </p:pic>
+    </p:spTree>
+    <p:extLst>
+      <p:ext uri="{BB962C8B-B14F-4D97-AF65-F5344CB8AC3E}">
+        <p14:creationId xmlns:p14="http://schemas.microsoft.com/office/powerpoint/2010/main" val="2374902431"/>
+      </p:ext>
+    </p:extLst>
+  </p:cSld>
+  <p:clrMapOvr>
+    <a:masterClrMapping/>
+  </p:clrMapOvr>
+</p:sld>
+</file>
+
+<file path=ppt/slides/slide50.xml><?xml version="1.0" encoding="utf-8"?>
 <p:sld xmlns:a="http://schemas.openxmlformats.org/drawingml/2006/main" xmlns:r="http://schemas.openxmlformats.org/officeDocument/2006/relationships" xmlns:p="http://schemas.openxmlformats.org/presentationml/2006/main">
   <p:cSld name="Slide 20">
     <p:bg>
@@ -27366,7 +27173,13 @@
       </p:grpSpPr>
       <p:pic>
         <p:nvPicPr>
-          <p:cNvPr id="6" name="그림 5"/>
+          <p:cNvPr id="3" name="그림 2">
+            <a:extLst>
+              <a:ext uri="{FF2B5EF4-FFF2-40B4-BE49-F238E27FC236}">
+                <a16:creationId xmlns:a16="http://schemas.microsoft.com/office/drawing/2014/main" id="{7D922A55-0822-B0B0-B51A-319B9D3C8506}"/>
+              </a:ext>
+            </a:extLst>
+          </p:cNvPr>
           <p:cNvPicPr>
             <a:picLocks noChangeAspect="1"/>
           </p:cNvPicPr>
@@ -27380,8 +27193,8 @@
         </p:blipFill>
         <p:spPr>
           <a:xfrm>
-            <a:off x="1219200" y="647700"/>
-            <a:ext cx="16565027" cy="7239000"/>
+            <a:off x="228600" y="5443"/>
+            <a:ext cx="16448249" cy="10281557"/>
           </a:xfrm>
           <a:prstGeom prst="rect">
             <a:avLst/>
@@ -27403,9 +27216,9 @@
           <p:nvPr/>
         </p:nvCxnSpPr>
         <p:spPr>
-          <a:xfrm flipV="1">
-            <a:off x="13335000" y="1409700"/>
-            <a:ext cx="2590800" cy="1143000"/>
+          <a:xfrm flipH="1" flipV="1">
+            <a:off x="1066800" y="2991534"/>
+            <a:ext cx="1828800" cy="323166"/>
           </a:xfrm>
           <a:prstGeom prst="straightConnector1">
             <a:avLst/>
@@ -27443,7 +27256,7 @@
         </p:nvSpPr>
         <p:spPr>
           <a:xfrm>
-            <a:off x="12420600" y="2668369"/>
+            <a:off x="3124200" y="3007863"/>
             <a:ext cx="2438400" cy="646331"/>
           </a:xfrm>
           <a:prstGeom prst="rect">
@@ -27477,6 +27290,58 @@
               </a:rPr>
               <a:t>!</a:t>
             </a:r>
+          </a:p>
+        </p:txBody>
+      </p:sp>
+      <p:sp>
+        <p:nvSpPr>
+          <p:cNvPr id="4" name="직사각형 3">
+            <a:extLst>
+              <a:ext uri="{FF2B5EF4-FFF2-40B4-BE49-F238E27FC236}">
+                <a16:creationId xmlns:a16="http://schemas.microsoft.com/office/drawing/2014/main" id="{E6EC06AC-FD76-C611-8414-C17D0CDF2F90}"/>
+              </a:ext>
+            </a:extLst>
+          </p:cNvPr>
+          <p:cNvSpPr/>
+          <p:nvPr/>
+        </p:nvSpPr>
+        <p:spPr>
+          <a:xfrm>
+            <a:off x="152400" y="2762934"/>
+            <a:ext cx="838200" cy="457200"/>
+          </a:xfrm>
+          <a:prstGeom prst="rect">
+            <a:avLst/>
+          </a:prstGeom>
+          <a:noFill/>
+          <a:ln>
+            <a:solidFill>
+              <a:srgbClr val="FF0000"/>
+            </a:solidFill>
+          </a:ln>
+        </p:spPr>
+        <p:style>
+          <a:lnRef idx="2">
+            <a:schemeClr val="accent2">
+              <a:shade val="50000"/>
+            </a:schemeClr>
+          </a:lnRef>
+          <a:fillRef idx="1">
+            <a:schemeClr val="accent2"/>
+          </a:fillRef>
+          <a:effectRef idx="0">
+            <a:schemeClr val="accent2"/>
+          </a:effectRef>
+          <a:fontRef idx="minor">
+            <a:schemeClr val="lt1"/>
+          </a:fontRef>
+        </p:style>
+        <p:txBody>
+          <a:bodyPr rtlCol="0" anchor="ctr"/>
+          <a:lstStyle/>
+          <a:p>
+            <a:pPr algn="ctr"/>
+            <a:endParaRPr lang="ko-KR" altLang="en-US"/>
           </a:p>
         </p:txBody>
       </p:sp>
@@ -27512,7 +27377,7 @@
       </p:grpSpPr>
       <p:pic>
         <p:nvPicPr>
-          <p:cNvPr id="6" name="그림 5"/>
+          <p:cNvPr id="4" name="그림 3"/>
           <p:cNvPicPr>
             <a:picLocks noChangeAspect="1"/>
           </p:cNvPicPr>
@@ -27526,8 +27391,8 @@
         </p:blipFill>
         <p:spPr>
           <a:xfrm>
-            <a:off x="2895600" y="1257300"/>
-            <a:ext cx="6324600" cy="7439575"/>
+            <a:off x="1143000" y="38100"/>
+            <a:ext cx="10169000" cy="7772400"/>
           </a:xfrm>
           <a:prstGeom prst="rect">
             <a:avLst/>
@@ -27536,60 +27401,147 @@
       </p:pic>
       <p:sp>
         <p:nvSpPr>
-          <p:cNvPr id="7" name="직사각형 6">
+          <p:cNvPr id="5" name="TextBox 4">
             <a:extLst>
               <a:ext uri="{FF2B5EF4-FFF2-40B4-BE49-F238E27FC236}">
-                <a16:creationId xmlns:a16="http://schemas.microsoft.com/office/drawing/2014/main" id="{FFF506F9-840A-0508-4CAF-3AC711D8D5CE}"/>
+                <a16:creationId xmlns:a16="http://schemas.microsoft.com/office/drawing/2014/main" id="{D15853EE-94B0-D08B-DCB7-3381290CC3FF}"/>
               </a:ext>
             </a:extLst>
           </p:cNvPr>
-          <p:cNvSpPr/>
+          <p:cNvSpPr txBox="1"/>
           <p:nvPr/>
         </p:nvSpPr>
         <p:spPr>
           <a:xfrm>
-            <a:off x="5334000" y="4610100"/>
-            <a:ext cx="2590800" cy="457200"/>
+            <a:off x="228600" y="7962900"/>
+            <a:ext cx="17678400" cy="1938992"/>
           </a:xfrm>
           <a:prstGeom prst="rect">
             <a:avLst/>
           </a:prstGeom>
           <a:noFill/>
-          <a:ln>
-            <a:solidFill>
-              <a:srgbClr val="FF0000"/>
-            </a:solidFill>
-          </a:ln>
-        </p:spPr>
-        <p:style>
-          <a:lnRef idx="2">
-            <a:schemeClr val="accent2">
-              <a:shade val="50000"/>
-            </a:schemeClr>
-          </a:lnRef>
-          <a:fillRef idx="1">
-            <a:schemeClr val="accent2"/>
-          </a:fillRef>
-          <a:effectRef idx="0">
-            <a:schemeClr val="accent2"/>
-          </a:effectRef>
-          <a:fontRef idx="minor">
-            <a:schemeClr val="lt1"/>
-          </a:fontRef>
-        </p:style>
+        </p:spPr>
         <p:txBody>
-          <a:bodyPr rtlCol="0" anchor="ctr"/>
+          <a:bodyPr wrap="square" rtlCol="0">
+            <a:spAutoFit/>
+          </a:bodyPr>
           <a:lstStyle/>
           <a:p>
-            <a:pPr algn="ctr"/>
-            <a:endParaRPr lang="ko-KR" altLang="en-US"/>
+            <a:r>
+              <a:rPr lang="ko-KR" altLang="en-US" sz="4000" dirty="0">
+                <a:solidFill>
+                  <a:srgbClr val="FF0000"/>
+                </a:solidFill>
+                <a:latin typeface="G마켓 산스 Medium" panose="02000000000000000000" pitchFamily="50" charset="-127"/>
+                <a:ea typeface="G마켓 산스 Medium" panose="02000000000000000000" pitchFamily="50" charset="-127"/>
+              </a:rPr>
+              <a:t>키는 반드시 따로 저장해두기</a:t>
+            </a:r>
+            <a:endParaRPr lang="en-US" altLang="ko-KR" sz="4000" dirty="0">
+              <a:solidFill>
+                <a:srgbClr val="FF0000"/>
+              </a:solidFill>
+              <a:latin typeface="G마켓 산스 Medium" panose="02000000000000000000" pitchFamily="50" charset="-127"/>
+              <a:ea typeface="G마켓 산스 Medium" panose="02000000000000000000" pitchFamily="50" charset="-127"/>
+            </a:endParaRPr>
+          </a:p>
+          <a:p>
+            <a:r>
+              <a:rPr lang="en-US" altLang="ko-KR" sz="4000" dirty="0">
+                <a:solidFill>
+                  <a:srgbClr val="FF0000"/>
+                </a:solidFill>
+                <a:latin typeface="G마켓 산스 Medium" panose="02000000000000000000" pitchFamily="50" charset="-127"/>
+                <a:ea typeface="G마켓 산스 Medium" panose="02000000000000000000" pitchFamily="50" charset="-127"/>
+              </a:rPr>
+              <a:t>(</a:t>
+            </a:r>
+            <a:r>
+              <a:rPr lang="ko-KR" altLang="en-US" sz="4000" dirty="0">
+                <a:solidFill>
+                  <a:srgbClr val="FF0000"/>
+                </a:solidFill>
+                <a:latin typeface="G마켓 산스 Medium" panose="02000000000000000000" pitchFamily="50" charset="-127"/>
+                <a:ea typeface="G마켓 산스 Medium" panose="02000000000000000000" pitchFamily="50" charset="-127"/>
+              </a:rPr>
+              <a:t>사이트에서 다시 조회 불가능</a:t>
+            </a:r>
+            <a:r>
+              <a:rPr lang="en-US" altLang="ko-KR" sz="4000" dirty="0">
+                <a:solidFill>
+                  <a:srgbClr val="FF0000"/>
+                </a:solidFill>
+                <a:latin typeface="G마켓 산스 Medium" panose="02000000000000000000" pitchFamily="50" charset="-127"/>
+                <a:ea typeface="G마켓 산스 Medium" panose="02000000000000000000" pitchFamily="50" charset="-127"/>
+              </a:rPr>
+              <a:t>, </a:t>
+            </a:r>
+            <a:r>
+              <a:rPr lang="ko-KR" altLang="en-US" sz="4000" dirty="0">
+                <a:solidFill>
+                  <a:srgbClr val="FF0000"/>
+                </a:solidFill>
+                <a:latin typeface="G마켓 산스 Medium" panose="02000000000000000000" pitchFamily="50" charset="-127"/>
+                <a:ea typeface="G마켓 산스 Medium" panose="02000000000000000000" pitchFamily="50" charset="-127"/>
+              </a:rPr>
+              <a:t>재발급 해야 됨</a:t>
+            </a:r>
+            <a:r>
+              <a:rPr lang="en-US" altLang="ko-KR" sz="4000" dirty="0">
+                <a:solidFill>
+                  <a:srgbClr val="FF0000"/>
+                </a:solidFill>
+                <a:latin typeface="G마켓 산스 Medium" panose="02000000000000000000" pitchFamily="50" charset="-127"/>
+                <a:ea typeface="G마켓 산스 Medium" panose="02000000000000000000" pitchFamily="50" charset="-127"/>
+              </a:rPr>
+              <a:t>)</a:t>
+            </a:r>
+          </a:p>
+          <a:p>
+            <a:r>
+              <a:rPr lang="ko-KR" altLang="en-US" sz="4000" dirty="0">
+                <a:solidFill>
+                  <a:srgbClr val="FF0000"/>
+                </a:solidFill>
+                <a:latin typeface="G마켓 산스 Medium" panose="02000000000000000000" pitchFamily="50" charset="-127"/>
+                <a:ea typeface="G마켓 산스 Medium" panose="02000000000000000000" pitchFamily="50" charset="-127"/>
+              </a:rPr>
+              <a:t>소스코드에 포함된 채 </a:t>
+            </a:r>
+            <a:r>
+              <a:rPr lang="ko-KR" altLang="en-US" sz="4000" dirty="0" err="1">
+                <a:solidFill>
+                  <a:srgbClr val="FF0000"/>
+                </a:solidFill>
+                <a:latin typeface="G마켓 산스 Medium" panose="02000000000000000000" pitchFamily="50" charset="-127"/>
+                <a:ea typeface="G마켓 산스 Medium" panose="02000000000000000000" pitchFamily="50" charset="-127"/>
+              </a:rPr>
+              <a:t>깃허브</a:t>
+            </a:r>
+            <a:r>
+              <a:rPr lang="ko-KR" altLang="en-US" sz="4000" dirty="0">
+                <a:solidFill>
+                  <a:srgbClr val="FF0000"/>
+                </a:solidFill>
+                <a:latin typeface="G마켓 산스 Medium" panose="02000000000000000000" pitchFamily="50" charset="-127"/>
+                <a:ea typeface="G마켓 산스 Medium" panose="02000000000000000000" pitchFamily="50" charset="-127"/>
+              </a:rPr>
+              <a:t> 올라가면 키 누출 감지되어 재발급해야 함</a:t>
+            </a:r>
+            <a:endParaRPr lang="en-US" altLang="ko-KR" sz="4000" dirty="0">
+              <a:solidFill>
+                <a:srgbClr val="FF0000"/>
+              </a:solidFill>
+              <a:latin typeface="G마켓 산스 Medium" panose="02000000000000000000" pitchFamily="50" charset="-127"/>
+              <a:ea typeface="G마켓 산스 Medium" panose="02000000000000000000" pitchFamily="50" charset="-127"/>
+            </a:endParaRPr>
           </a:p>
         </p:txBody>
       </p:sp>
     </p:spTree>
     <p:extLst>
       <p:ext uri="{BB962C8B-B14F-4D97-AF65-F5344CB8AC3E}">
-        <p14:creationId xmlns:p14="http://schemas.microsoft.com/office/powerpoint/2010/main" val="4209904341"/>
+        <p14:creationId xmlns:p14="http://schemas.microsoft.com/office/powerpoint/2010/main" val="3819788863"/>
       </p:ext>
     </p:extLst>
   </p:cSld>
